--- a/pptpresentasieptikhacking-140615110436-phpapp01.pptx
+++ b/pptpresentasieptikhacking-140615110436-phpapp01.pptx
@@ -116,7 +116,7 @@
   </p:defaultTextStyle>
   <p:extLst>
     <p:ext uri="{EFAFB233-063F-42B5-8137-9DF3F51BA10A}">
-      <p15:sldGuideLst xmlns:p15="http://schemas.microsoft.com/office/powerpoint/2012/main">
+      <p15:sldGuideLst xmlns:p15="http://schemas.microsoft.com/office/powerpoint/2012/main" xmlns="">
         <p15:guide id="1" orient="horz" pos="2160">
           <p15:clr>
             <a:srgbClr val="A4A3A4"/>
@@ -8927,7 +8927,7 @@
             <a:fld id="{500C9B02-63A3-4BC9-94F1-A91AB2B1B62F}" type="datetimeFigureOut">
               <a:rPr lang="en-US" smtClean="0"/>
               <a:pPr/>
-              <a:t>6/15/2014</a:t>
+              <a:t>6/15/2015</a:t>
             </a:fld>
             <a:endParaRPr lang="en-US"/>
           </a:p>
@@ -9016,7 +9016,7 @@
     </p:spTree>
     <p:extLst>
       <p:ext uri="{BB962C8B-B14F-4D97-AF65-F5344CB8AC3E}">
-        <p14:creationId xmlns:p14="http://schemas.microsoft.com/office/powerpoint/2010/main" val="3654701431"/>
+        <p14:creationId xmlns:p14="http://schemas.microsoft.com/office/powerpoint/2010/main" xmlns="" val="3654701431"/>
       </p:ext>
     </p:extLst>
   </p:cSld>
@@ -9136,7 +9136,7 @@
             <a:fld id="{500C9B02-63A3-4BC9-94F1-A91AB2B1B62F}" type="datetimeFigureOut">
               <a:rPr lang="en-US" smtClean="0"/>
               <a:pPr/>
-              <a:t>6/15/2014</a:t>
+              <a:t>6/15/2015</a:t>
             </a:fld>
             <a:endParaRPr lang="en-US"/>
           </a:p>
@@ -9188,7 +9188,7 @@
     </p:spTree>
     <p:extLst>
       <p:ext uri="{BB962C8B-B14F-4D97-AF65-F5344CB8AC3E}">
-        <p14:creationId xmlns:p14="http://schemas.microsoft.com/office/powerpoint/2010/main" val="1541394338"/>
+        <p14:creationId xmlns:p14="http://schemas.microsoft.com/office/powerpoint/2010/main" xmlns="" val="1541394338"/>
       </p:ext>
     </p:extLst>
   </p:cSld>
@@ -9318,7 +9318,7 @@
             <a:fld id="{500C9B02-63A3-4BC9-94F1-A91AB2B1B62F}" type="datetimeFigureOut">
               <a:rPr lang="en-US" smtClean="0"/>
               <a:pPr/>
-              <a:t>6/15/2014</a:t>
+              <a:t>6/15/2015</a:t>
             </a:fld>
             <a:endParaRPr lang="en-US"/>
           </a:p>
@@ -9405,7 +9405,7 @@
     </p:spTree>
     <p:extLst>
       <p:ext uri="{BB962C8B-B14F-4D97-AF65-F5344CB8AC3E}">
-        <p14:creationId xmlns:p14="http://schemas.microsoft.com/office/powerpoint/2010/main" val="3398663238"/>
+        <p14:creationId xmlns:p14="http://schemas.microsoft.com/office/powerpoint/2010/main" xmlns="" val="3398663238"/>
       </p:ext>
     </p:extLst>
   </p:cSld>
@@ -9525,7 +9525,7 @@
             <a:fld id="{500C9B02-63A3-4BC9-94F1-A91AB2B1B62F}" type="datetimeFigureOut">
               <a:rPr lang="en-US" smtClean="0"/>
               <a:pPr/>
-              <a:t>6/15/2014</a:t>
+              <a:t>6/15/2015</a:t>
             </a:fld>
             <a:endParaRPr lang="en-US"/>
           </a:p>
@@ -9577,7 +9577,7 @@
     </p:spTree>
     <p:extLst>
       <p:ext uri="{BB962C8B-B14F-4D97-AF65-F5344CB8AC3E}">
-        <p14:creationId xmlns:p14="http://schemas.microsoft.com/office/powerpoint/2010/main" val="3505705185"/>
+        <p14:creationId xmlns:p14="http://schemas.microsoft.com/office/powerpoint/2010/main" xmlns="" val="3505705185"/>
       </p:ext>
     </p:extLst>
   </p:cSld>
@@ -18425,7 +18425,7 @@
             <a:fld id="{500C9B02-63A3-4BC9-94F1-A91AB2B1B62F}" type="datetimeFigureOut">
               <a:rPr lang="en-US" smtClean="0"/>
               <a:pPr/>
-              <a:t>6/15/2014</a:t>
+              <a:t>6/15/2015</a:t>
             </a:fld>
             <a:endParaRPr lang="en-US"/>
           </a:p>
@@ -18514,7 +18514,7 @@
     </p:spTree>
     <p:extLst>
       <p:ext uri="{BB962C8B-B14F-4D97-AF65-F5344CB8AC3E}">
-        <p14:creationId xmlns:p14="http://schemas.microsoft.com/office/powerpoint/2010/main" val="3284221378"/>
+        <p14:creationId xmlns:p14="http://schemas.microsoft.com/office/powerpoint/2010/main" xmlns="" val="3284221378"/>
       </p:ext>
     </p:extLst>
   </p:cSld>
@@ -18701,7 +18701,7 @@
             <a:fld id="{500C9B02-63A3-4BC9-94F1-A91AB2B1B62F}" type="datetimeFigureOut">
               <a:rPr lang="en-US" smtClean="0"/>
               <a:pPr/>
-              <a:t>6/15/2014</a:t>
+              <a:t>6/15/2015</a:t>
             </a:fld>
             <a:endParaRPr lang="en-US"/>
           </a:p>
@@ -18753,7 +18753,7 @@
     </p:spTree>
     <p:extLst>
       <p:ext uri="{BB962C8B-B14F-4D97-AF65-F5344CB8AC3E}">
-        <p14:creationId xmlns:p14="http://schemas.microsoft.com/office/powerpoint/2010/main" val="526306287"/>
+        <p14:creationId xmlns:p14="http://schemas.microsoft.com/office/powerpoint/2010/main" xmlns="" val="526306287"/>
       </p:ext>
     </p:extLst>
   </p:cSld>
@@ -19101,7 +19101,7 @@
             <a:fld id="{500C9B02-63A3-4BC9-94F1-A91AB2B1B62F}" type="datetimeFigureOut">
               <a:rPr lang="en-US" smtClean="0"/>
               <a:pPr/>
-              <a:t>6/15/2014</a:t>
+              <a:t>6/15/2015</a:t>
             </a:fld>
             <a:endParaRPr lang="en-US"/>
           </a:p>
@@ -19153,7 +19153,7 @@
     </p:spTree>
     <p:extLst>
       <p:ext uri="{BB962C8B-B14F-4D97-AF65-F5344CB8AC3E}">
-        <p14:creationId xmlns:p14="http://schemas.microsoft.com/office/powerpoint/2010/main" val="4293701871"/>
+        <p14:creationId xmlns:p14="http://schemas.microsoft.com/office/powerpoint/2010/main" xmlns="" val="4293701871"/>
       </p:ext>
     </p:extLst>
   </p:cSld>
@@ -19221,7 +19221,7 @@
             <a:fld id="{500C9B02-63A3-4BC9-94F1-A91AB2B1B62F}" type="datetimeFigureOut">
               <a:rPr lang="en-US" smtClean="0"/>
               <a:pPr/>
-              <a:t>6/15/2014</a:t>
+              <a:t>6/15/2015</a:t>
             </a:fld>
             <a:endParaRPr lang="en-US"/>
           </a:p>
@@ -19273,7 +19273,7 @@
     </p:spTree>
     <p:extLst>
       <p:ext uri="{BB962C8B-B14F-4D97-AF65-F5344CB8AC3E}">
-        <p14:creationId xmlns:p14="http://schemas.microsoft.com/office/powerpoint/2010/main" val="4212152486"/>
+        <p14:creationId xmlns:p14="http://schemas.microsoft.com/office/powerpoint/2010/main" xmlns="" val="4212152486"/>
       </p:ext>
     </p:extLst>
   </p:cSld>
@@ -19318,7 +19318,7 @@
             <a:fld id="{500C9B02-63A3-4BC9-94F1-A91AB2B1B62F}" type="datetimeFigureOut">
               <a:rPr lang="en-US" smtClean="0"/>
               <a:pPr/>
-              <a:t>6/15/2014</a:t>
+              <a:t>6/15/2015</a:t>
             </a:fld>
             <a:endParaRPr lang="en-US"/>
           </a:p>
@@ -19370,7 +19370,7 @@
     </p:spTree>
     <p:extLst>
       <p:ext uri="{BB962C8B-B14F-4D97-AF65-F5344CB8AC3E}">
-        <p14:creationId xmlns:p14="http://schemas.microsoft.com/office/powerpoint/2010/main" val="490336406"/>
+        <p14:creationId xmlns:p14="http://schemas.microsoft.com/office/powerpoint/2010/main" xmlns="" val="490336406"/>
       </p:ext>
     </p:extLst>
   </p:cSld>
@@ -19610,7 +19610,7 @@
             <a:fld id="{500C9B02-63A3-4BC9-94F1-A91AB2B1B62F}" type="datetimeFigureOut">
               <a:rPr lang="en-US" smtClean="0"/>
               <a:pPr/>
-              <a:t>6/15/2014</a:t>
+              <a:t>6/15/2015</a:t>
             </a:fld>
             <a:endParaRPr lang="en-US"/>
           </a:p>
@@ -19662,7 +19662,7 @@
     </p:spTree>
     <p:extLst>
       <p:ext uri="{BB962C8B-B14F-4D97-AF65-F5344CB8AC3E}">
-        <p14:creationId xmlns:p14="http://schemas.microsoft.com/office/powerpoint/2010/main" val="3525253028"/>
+        <p14:creationId xmlns:p14="http://schemas.microsoft.com/office/powerpoint/2010/main" xmlns="" val="3525253028"/>
       </p:ext>
     </p:extLst>
   </p:cSld>
@@ -19892,7 +19892,7 @@
             <a:fld id="{500C9B02-63A3-4BC9-94F1-A91AB2B1B62F}" type="datetimeFigureOut">
               <a:rPr lang="en-US" smtClean="0"/>
               <a:pPr/>
-              <a:t>6/15/2014</a:t>
+              <a:t>6/15/2015</a:t>
             </a:fld>
             <a:endParaRPr lang="en-US"/>
           </a:p>
@@ -19979,7 +19979,7 @@
     </p:spTree>
     <p:extLst>
       <p:ext uri="{BB962C8B-B14F-4D97-AF65-F5344CB8AC3E}">
-        <p14:creationId xmlns:p14="http://schemas.microsoft.com/office/powerpoint/2010/main" val="3471977317"/>
+        <p14:creationId xmlns:p14="http://schemas.microsoft.com/office/powerpoint/2010/main" xmlns="" val="3471977317"/>
       </p:ext>
     </p:extLst>
   </p:cSld>
@@ -20144,7 +20144,7 @@
             <a:fld id="{500C9B02-63A3-4BC9-94F1-A91AB2B1B62F}" type="datetimeFigureOut">
               <a:rPr lang="en-US" smtClean="0"/>
               <a:pPr/>
-              <a:t>6/15/2014</a:t>
+              <a:t>6/15/2015</a:t>
             </a:fld>
             <a:endParaRPr lang="en-US"/>
           </a:p>
@@ -20271,7 +20271,7 @@
     </p:spTree>
     <p:extLst>
       <p:ext uri="{BB962C8B-B14F-4D97-AF65-F5344CB8AC3E}">
-        <p14:creationId xmlns:p14="http://schemas.microsoft.com/office/powerpoint/2010/main" val="1352232978"/>
+        <p14:creationId xmlns:p14="http://schemas.microsoft.com/office/powerpoint/2010/main" xmlns="" val="1352232978"/>
       </p:ext>
     </p:extLst>
   </p:cSld>
@@ -20714,7 +20714,7 @@
     </p:spTree>
     <p:extLst>
       <p:ext uri="{BB962C8B-B14F-4D97-AF65-F5344CB8AC3E}">
-        <p14:creationId xmlns:p14="http://schemas.microsoft.com/office/powerpoint/2010/main" val="3420847315"/>
+        <p14:creationId xmlns:p14="http://schemas.microsoft.com/office/powerpoint/2010/main" xmlns="" val="3420847315"/>
       </p:ext>
     </p:extLst>
   </p:cSld>
@@ -21047,7 +21047,7 @@
           <a:blip r:embed="rId2" cstate="print">
             <a:extLst>
               <a:ext uri="{28A0092B-C50C-407E-A947-70E740481C1C}">
-                <a14:useLocalDpi xmlns:a14="http://schemas.microsoft.com/office/drawing/2010/main" val="0"/>
+                <a14:useLocalDpi xmlns:a14="http://schemas.microsoft.com/office/drawing/2010/main" xmlns="" val="0"/>
               </a:ext>
             </a:extLst>
           </a:blip>
@@ -21068,7 +21068,7 @@
     </p:spTree>
     <p:extLst>
       <p:ext uri="{BB962C8B-B14F-4D97-AF65-F5344CB8AC3E}">
-        <p14:creationId xmlns:p14="http://schemas.microsoft.com/office/powerpoint/2010/main" val="2910849362"/>
+        <p14:creationId xmlns:p14="http://schemas.microsoft.com/office/powerpoint/2010/main" xmlns="" val="2910849362"/>
       </p:ext>
     </p:extLst>
   </p:cSld>
@@ -21436,7 +21436,7 @@
           <a:blip r:embed="rId2">
             <a:extLst>
               <a:ext uri="{28A0092B-C50C-407E-A947-70E740481C1C}">
-                <a14:useLocalDpi xmlns:a14="http://schemas.microsoft.com/office/drawing/2010/main" val="0"/>
+                <a14:useLocalDpi xmlns:a14="http://schemas.microsoft.com/office/drawing/2010/main" xmlns="" val="0"/>
               </a:ext>
             </a:extLst>
           </a:blip>
@@ -21457,7 +21457,7 @@
     </p:spTree>
     <p:extLst>
       <p:ext uri="{BB962C8B-B14F-4D97-AF65-F5344CB8AC3E}">
-        <p14:creationId xmlns:p14="http://schemas.microsoft.com/office/powerpoint/2010/main" val="1946859947"/>
+        <p14:creationId xmlns:p14="http://schemas.microsoft.com/office/powerpoint/2010/main" xmlns="" val="1946859947"/>
       </p:ext>
     </p:extLst>
   </p:cSld>
@@ -21639,11 +21639,7 @@
             </a:r>
             <a:r>
               <a:rPr lang="id-ID" dirty="0" smtClean="0"/>
-              <a:t>Budi </a:t>
-            </a:r>
-            <a:r>
-              <a:rPr lang="id-ID" dirty="0" smtClean="0"/>
-              <a:t>Yulianto</a:t>
+              <a:t>Budi Yulianto</a:t>
             </a:r>
             <a:r>
               <a:rPr lang="en-US" dirty="0" smtClean="0"/>
@@ -21656,7 +21652,7 @@
     </p:spTree>
     <p:extLst>
       <p:ext uri="{BB962C8B-B14F-4D97-AF65-F5344CB8AC3E}">
-        <p14:creationId xmlns:p14="http://schemas.microsoft.com/office/powerpoint/2010/main" val="1715396240"/>
+        <p14:creationId xmlns:p14="http://schemas.microsoft.com/office/powerpoint/2010/main" xmlns="" val="1715396240"/>
       </p:ext>
     </p:extLst>
   </p:cSld>
@@ -22133,7 +22129,7 @@
           <a:blip r:embed="rId2">
             <a:extLst>
               <a:ext uri="{28A0092B-C50C-407E-A947-70E740481C1C}">
-                <a14:useLocalDpi xmlns:a14="http://schemas.microsoft.com/office/drawing/2010/main" val="0"/>
+                <a14:useLocalDpi xmlns:a14="http://schemas.microsoft.com/office/drawing/2010/main" xmlns="" val="0"/>
               </a:ext>
             </a:extLst>
           </a:blip>
@@ -22154,7 +22150,7 @@
     </p:spTree>
     <p:extLst>
       <p:ext uri="{BB962C8B-B14F-4D97-AF65-F5344CB8AC3E}">
-        <p14:creationId xmlns:p14="http://schemas.microsoft.com/office/powerpoint/2010/main" val="3349968423"/>
+        <p14:creationId xmlns:p14="http://schemas.microsoft.com/office/powerpoint/2010/main" xmlns="" val="3349968423"/>
       </p:ext>
     </p:extLst>
   </p:cSld>
@@ -23036,7 +23032,9 @@
         </p:nvSpPr>
         <p:spPr/>
         <p:txBody>
-          <a:bodyPr/>
+          <a:bodyPr>
+            <a:normAutofit fontScale="85000" lnSpcReduction="20000"/>
+          </a:bodyPr>
           <a:lstStyle/>
           <a:p>
             <a:pPr marL="0" indent="0">
@@ -23055,319 +23053,351 @@
               <a:t> </a:t>
             </a:r>
             <a:r>
-              <a:rPr lang="en-US" dirty="0" err="1"/>
+              <a:rPr lang="en-US" dirty="0" err="1" smtClean="0"/>
               <a:t>peretas</a:t>
             </a:r>
             <a:r>
-              <a:rPr lang="en-US" dirty="0"/>
+              <a:rPr lang="en-US" dirty="0" smtClean="0"/>
               <a:t> </a:t>
             </a:r>
             <a:r>
-              <a:rPr lang="en-US" dirty="0" err="1"/>
+              <a:rPr lang="en-US" dirty="0" err="1" smtClean="0"/>
               <a:t>muncul</a:t>
             </a:r>
             <a:r>
-              <a:rPr lang="en-US" dirty="0"/>
+              <a:rPr lang="en-US" dirty="0" smtClean="0"/>
               <a:t> </a:t>
             </a:r>
             <a:r>
-              <a:rPr lang="en-US" dirty="0" err="1"/>
+              <a:rPr lang="en-US" dirty="0" err="1" smtClean="0"/>
               <a:t>pada</a:t>
             </a:r>
             <a:r>
-              <a:rPr lang="en-US" dirty="0"/>
+              <a:rPr lang="en-US" dirty="0" smtClean="0"/>
               <a:t> </a:t>
             </a:r>
             <a:r>
-              <a:rPr lang="en-US" dirty="0" err="1"/>
+              <a:rPr lang="en-US" dirty="0" err="1" smtClean="0"/>
               <a:t>awal</a:t>
             </a:r>
             <a:r>
-              <a:rPr lang="en-US" dirty="0"/>
+              <a:rPr lang="en-US" dirty="0" smtClean="0"/>
               <a:t> </a:t>
             </a:r>
             <a:r>
-              <a:rPr lang="en-US" dirty="0" err="1"/>
+              <a:rPr lang="en-US" dirty="0" err="1" smtClean="0"/>
               <a:t>tahun</a:t>
             </a:r>
             <a:r>
-              <a:rPr lang="en-US" dirty="0"/>
+              <a:rPr lang="en-US" dirty="0" smtClean="0"/>
               <a:t> </a:t>
             </a:r>
             <a:r>
-              <a:rPr lang="en-US" dirty="0">
+              <a:rPr lang="en-US" dirty="0" smtClean="0">
                 <a:hlinkClick r:id="rId2" tooltip="1960"/>
               </a:rPr>
               <a:t>1960</a:t>
             </a:r>
             <a:r>
-              <a:rPr lang="en-US" dirty="0"/>
-              <a:t>-an di </a:t>
-            </a:r>
-            <a:r>
-              <a:rPr lang="en-US" dirty="0" err="1"/>
+              <a:rPr lang="en-US" dirty="0" smtClean="0"/>
+              <a:t>-an </a:t>
+            </a:r>
+            <a:r>
+              <a:rPr lang="en-US" dirty="0" err="1" smtClean="0"/>
+              <a:t>di</a:t>
+            </a:r>
+            <a:r>
+              <a:rPr lang="en-US" dirty="0" smtClean="0"/>
+              <a:t> </a:t>
+            </a:r>
+            <a:r>
+              <a:rPr lang="en-US" dirty="0" err="1" smtClean="0"/>
               <a:t>antara</a:t>
             </a:r>
             <a:r>
-              <a:rPr lang="en-US" dirty="0"/>
-              <a:t> para </a:t>
-            </a:r>
-            <a:r>
-              <a:rPr lang="en-US" dirty="0" err="1"/>
+              <a:rPr lang="en-US" dirty="0" smtClean="0"/>
+              <a:t> </a:t>
+            </a:r>
+            <a:r>
+              <a:rPr lang="en-US" dirty="0" err="1" smtClean="0"/>
+              <a:t>para</a:t>
+            </a:r>
+            <a:r>
+              <a:rPr lang="en-US" dirty="0" smtClean="0"/>
+              <a:t> </a:t>
+            </a:r>
+            <a:r>
+              <a:rPr lang="en-US" dirty="0" err="1" smtClean="0"/>
               <a:t>anggota</a:t>
             </a:r>
             <a:r>
-              <a:rPr lang="en-US" dirty="0"/>
+              <a:rPr lang="en-US" dirty="0" smtClean="0"/>
               <a:t> </a:t>
             </a:r>
             <a:r>
-              <a:rPr lang="en-US" dirty="0" err="1">
+              <a:rPr lang="en-US" dirty="0" err="1" smtClean="0">
                 <a:hlinkClick r:id="rId3" tooltip="Organisasi"/>
               </a:rPr>
               <a:t>organisasi</a:t>
             </a:r>
             <a:r>
-              <a:rPr lang="en-US" dirty="0"/>
+              <a:rPr lang="en-US" dirty="0" smtClean="0"/>
               <a:t> </a:t>
             </a:r>
             <a:r>
-              <a:rPr lang="en-US" dirty="0" err="1"/>
+              <a:rPr lang="en-US" dirty="0" err="1" smtClean="0"/>
               <a:t>mahasiswa</a:t>
             </a:r>
             <a:r>
-              <a:rPr lang="en-US" dirty="0"/>
-              <a:t> Tech Model Railroad Club di </a:t>
-            </a:r>
-            <a:r>
-              <a:rPr lang="en-US" dirty="0" err="1"/>
+              <a:rPr lang="en-US" dirty="0" smtClean="0"/>
+              <a:t> Tech Model Railroad Club </a:t>
+            </a:r>
+            <a:r>
+              <a:rPr lang="en-US" dirty="0" err="1" smtClean="0"/>
+              <a:t>di</a:t>
+            </a:r>
+            <a:r>
+              <a:rPr lang="en-US" dirty="0" smtClean="0"/>
+              <a:t> </a:t>
+            </a:r>
+            <a:r>
+              <a:rPr lang="en-US" dirty="0" err="1" smtClean="0"/>
               <a:t>Laboratorium</a:t>
             </a:r>
             <a:r>
-              <a:rPr lang="en-US" dirty="0"/>
+              <a:rPr lang="en-US" dirty="0" smtClean="0"/>
               <a:t> </a:t>
             </a:r>
             <a:r>
-              <a:rPr lang="en-US" dirty="0" err="1"/>
+              <a:rPr lang="en-US" dirty="0" err="1" smtClean="0"/>
               <a:t>Kecerdasan</a:t>
             </a:r>
             <a:r>
-              <a:rPr lang="en-US" dirty="0"/>
+              <a:rPr lang="en-US" dirty="0" smtClean="0"/>
               <a:t> </a:t>
             </a:r>
             <a:r>
-              <a:rPr lang="en-US" dirty="0" err="1"/>
+              <a:rPr lang="en-US" dirty="0" err="1" smtClean="0"/>
               <a:t>Artifisial</a:t>
             </a:r>
             <a:r>
-              <a:rPr lang="en-US" dirty="0"/>
-              <a:t> Massachusetts Institute of Technology (MIT). Kata </a:t>
-            </a:r>
-            <a:r>
-              <a:rPr lang="en-US" dirty="0" err="1"/>
+              <a:rPr lang="en-US" dirty="0" smtClean="0"/>
+              <a:t> Massachusetts Institute of Technology (MIT). </a:t>
+            </a:r>
+            <a:r>
+              <a:rPr lang="en-US" dirty="0" err="1" smtClean="0"/>
+              <a:t>Kata</a:t>
+            </a:r>
+            <a:r>
+              <a:rPr lang="en-US" dirty="0" smtClean="0"/>
+              <a:t> </a:t>
+            </a:r>
+            <a:r>
+              <a:rPr lang="en-US" dirty="0" err="1" smtClean="0"/>
               <a:t>bahasa</a:t>
             </a:r>
             <a:r>
-              <a:rPr lang="en-US" dirty="0"/>
+              <a:rPr lang="en-US" dirty="0" smtClean="0"/>
               <a:t> </a:t>
             </a:r>
             <a:r>
-              <a:rPr lang="en-US" dirty="0" err="1"/>
+              <a:rPr lang="en-US" dirty="0" err="1" smtClean="0"/>
               <a:t>Inggris</a:t>
             </a:r>
             <a:r>
-              <a:rPr lang="en-US" dirty="0"/>
+              <a:rPr lang="en-US" dirty="0" smtClean="0"/>
               <a:t> "hacker" </a:t>
             </a:r>
             <a:r>
-              <a:rPr lang="en-US" dirty="0" err="1"/>
+              <a:rPr lang="en-US" dirty="0" err="1" smtClean="0"/>
               <a:t>pertama</a:t>
             </a:r>
             <a:r>
-              <a:rPr lang="en-US" dirty="0"/>
+              <a:rPr lang="en-US" dirty="0" smtClean="0"/>
               <a:t> </a:t>
             </a:r>
             <a:r>
-              <a:rPr lang="en-US" dirty="0" err="1"/>
+              <a:rPr lang="en-US" dirty="0" err="1" smtClean="0"/>
               <a:t>kalinya</a:t>
             </a:r>
             <a:r>
-              <a:rPr lang="en-US" dirty="0"/>
+              <a:rPr lang="en-US" dirty="0" smtClean="0"/>
               <a:t> </a:t>
             </a:r>
             <a:r>
-              <a:rPr lang="en-US" dirty="0" err="1"/>
+              <a:rPr lang="en-US" dirty="0" err="1" smtClean="0"/>
               <a:t>muncul</a:t>
             </a:r>
             <a:r>
-              <a:rPr lang="en-US" dirty="0"/>
+              <a:rPr lang="en-US" dirty="0" smtClean="0"/>
               <a:t> </a:t>
             </a:r>
             <a:r>
-              <a:rPr lang="en-US" dirty="0" err="1"/>
+              <a:rPr lang="en-US" dirty="0" err="1" smtClean="0"/>
               <a:t>dengan</a:t>
             </a:r>
             <a:r>
-              <a:rPr lang="en-US" dirty="0"/>
+              <a:rPr lang="en-US" dirty="0" smtClean="0"/>
               <a:t> </a:t>
             </a:r>
             <a:r>
-              <a:rPr lang="en-US" dirty="0" err="1"/>
+              <a:rPr lang="en-US" dirty="0" err="1" smtClean="0"/>
               <a:t>arti</a:t>
             </a:r>
             <a:r>
-              <a:rPr lang="en-US" dirty="0"/>
+              <a:rPr lang="en-US" dirty="0" smtClean="0"/>
               <a:t> </a:t>
             </a:r>
             <a:r>
-              <a:rPr lang="en-US" dirty="0" err="1"/>
+              <a:rPr lang="en-US" dirty="0" err="1" smtClean="0"/>
               <a:t>positif</a:t>
             </a:r>
             <a:r>
-              <a:rPr lang="en-US" dirty="0"/>
+              <a:rPr lang="en-US" dirty="0" smtClean="0"/>
               <a:t> </a:t>
             </a:r>
             <a:r>
-              <a:rPr lang="en-US" dirty="0" err="1"/>
+              <a:rPr lang="en-US" dirty="0" err="1" smtClean="0"/>
               <a:t>untuk</a:t>
             </a:r>
             <a:r>
-              <a:rPr lang="en-US" dirty="0"/>
+              <a:rPr lang="en-US" dirty="0" smtClean="0"/>
               <a:t> </a:t>
             </a:r>
             <a:r>
-              <a:rPr lang="en-US" dirty="0" err="1"/>
+              <a:rPr lang="en-US" dirty="0" err="1" smtClean="0"/>
               <a:t>menyebut</a:t>
             </a:r>
             <a:r>
-              <a:rPr lang="en-US" dirty="0"/>
+              <a:rPr lang="en-US" dirty="0" smtClean="0"/>
               <a:t> </a:t>
             </a:r>
             <a:r>
-              <a:rPr lang="en-US" dirty="0" err="1"/>
+              <a:rPr lang="en-US" dirty="0" err="1" smtClean="0"/>
               <a:t>seorang</a:t>
             </a:r>
             <a:r>
-              <a:rPr lang="en-US" dirty="0"/>
+              <a:rPr lang="en-US" dirty="0" smtClean="0"/>
               <a:t> </a:t>
             </a:r>
             <a:r>
-              <a:rPr lang="en-US" dirty="0" err="1"/>
+              <a:rPr lang="en-US" dirty="0" err="1" smtClean="0"/>
               <a:t>anggota</a:t>
             </a:r>
             <a:r>
-              <a:rPr lang="en-US" dirty="0"/>
+              <a:rPr lang="en-US" dirty="0" smtClean="0"/>
               <a:t> yang </a:t>
             </a:r>
             <a:r>
-              <a:rPr lang="en-US" dirty="0" err="1"/>
+              <a:rPr lang="en-US" dirty="0" err="1" smtClean="0"/>
               <a:t>memiliki</a:t>
             </a:r>
             <a:r>
-              <a:rPr lang="en-US" dirty="0"/>
+              <a:rPr lang="en-US" dirty="0" smtClean="0"/>
               <a:t> </a:t>
             </a:r>
             <a:r>
-              <a:rPr lang="en-US" dirty="0" err="1"/>
+              <a:rPr lang="en-US" dirty="0" err="1" smtClean="0"/>
               <a:t>keahlian</a:t>
             </a:r>
             <a:r>
-              <a:rPr lang="en-US" dirty="0"/>
+              <a:rPr lang="en-US" dirty="0" smtClean="0"/>
               <a:t> </a:t>
             </a:r>
             <a:r>
-              <a:rPr lang="en-US" dirty="0" err="1"/>
+              <a:rPr lang="en-US" dirty="0" err="1" smtClean="0"/>
               <a:t>dalam</a:t>
             </a:r>
             <a:r>
-              <a:rPr lang="en-US" dirty="0"/>
+              <a:rPr lang="en-US" dirty="0" smtClean="0"/>
               <a:t> </a:t>
             </a:r>
             <a:r>
-              <a:rPr lang="en-US" dirty="0" err="1"/>
+              <a:rPr lang="en-US" dirty="0" err="1" smtClean="0"/>
               <a:t>bidang</a:t>
             </a:r>
             <a:r>
-              <a:rPr lang="en-US" dirty="0"/>
+              <a:rPr lang="en-US" dirty="0" smtClean="0"/>
               <a:t> </a:t>
             </a:r>
             <a:r>
-              <a:rPr lang="en-US" dirty="0" err="1"/>
+              <a:rPr lang="en-US" dirty="0" err="1" smtClean="0"/>
               <a:t>komputer</a:t>
             </a:r>
             <a:r>
-              <a:rPr lang="en-US" dirty="0"/>
+              <a:rPr lang="en-US" dirty="0" smtClean="0"/>
               <a:t> </a:t>
             </a:r>
             <a:r>
-              <a:rPr lang="en-US" dirty="0" err="1"/>
+              <a:rPr lang="en-US" dirty="0" err="1" smtClean="0"/>
               <a:t>dan</a:t>
             </a:r>
             <a:r>
-              <a:rPr lang="en-US" dirty="0"/>
+              <a:rPr lang="en-US" dirty="0" smtClean="0"/>
               <a:t> </a:t>
             </a:r>
             <a:r>
-              <a:rPr lang="en-US" dirty="0" err="1"/>
+              <a:rPr lang="en-US" dirty="0" err="1" smtClean="0"/>
               <a:t>mampu</a:t>
             </a:r>
             <a:r>
-              <a:rPr lang="en-US" dirty="0"/>
+              <a:rPr lang="en-US" dirty="0" smtClean="0"/>
               <a:t> </a:t>
             </a:r>
             <a:r>
-              <a:rPr lang="en-US" dirty="0" err="1"/>
+              <a:rPr lang="en-US" dirty="0" err="1" smtClean="0"/>
               <a:t>membuat</a:t>
             </a:r>
             <a:r>
-              <a:rPr lang="en-US" dirty="0"/>
+              <a:rPr lang="en-US" dirty="0" smtClean="0"/>
               <a:t> program </a:t>
             </a:r>
             <a:r>
-              <a:rPr lang="en-US" dirty="0" err="1"/>
+              <a:rPr lang="en-US" dirty="0" err="1" smtClean="0"/>
               <a:t>komputer</a:t>
             </a:r>
             <a:r>
-              <a:rPr lang="en-US" dirty="0"/>
+              <a:rPr lang="en-US" dirty="0" smtClean="0"/>
               <a:t> yang </a:t>
             </a:r>
             <a:r>
-              <a:rPr lang="en-US" dirty="0" err="1"/>
+              <a:rPr lang="en-US" dirty="0" err="1" smtClean="0"/>
               <a:t>lebih</a:t>
             </a:r>
             <a:r>
-              <a:rPr lang="en-US" dirty="0"/>
+              <a:rPr lang="en-US" dirty="0" smtClean="0"/>
               <a:t> </a:t>
             </a:r>
             <a:r>
-              <a:rPr lang="en-US" dirty="0" err="1"/>
+              <a:rPr lang="en-US" dirty="0" err="1" smtClean="0"/>
               <a:t>baik</a:t>
             </a:r>
             <a:r>
-              <a:rPr lang="en-US" dirty="0"/>
+              <a:rPr lang="en-US" dirty="0" smtClean="0"/>
               <a:t> </a:t>
             </a:r>
             <a:r>
-              <a:rPr lang="en-US" dirty="0" err="1"/>
+              <a:rPr lang="en-US" dirty="0" err="1" smtClean="0"/>
               <a:t>daripada</a:t>
             </a:r>
             <a:r>
-              <a:rPr lang="en-US" dirty="0"/>
+              <a:rPr lang="en-US" dirty="0" smtClean="0"/>
               <a:t> yang </a:t>
             </a:r>
             <a:r>
-              <a:rPr lang="en-US" dirty="0" err="1"/>
+              <a:rPr lang="en-US" dirty="0" err="1" smtClean="0"/>
               <a:t>telah</a:t>
             </a:r>
             <a:r>
-              <a:rPr lang="en-US" dirty="0"/>
+              <a:rPr lang="en-US" dirty="0" smtClean="0"/>
               <a:t> </a:t>
             </a:r>
             <a:r>
-              <a:rPr lang="en-US" dirty="0" err="1"/>
+              <a:rPr lang="en-US" dirty="0" err="1" smtClean="0"/>
               <a:t>dirancang</a:t>
             </a:r>
             <a:r>
-              <a:rPr lang="en-US" dirty="0"/>
+              <a:rPr lang="en-US" dirty="0" smtClean="0"/>
               <a:t> </a:t>
             </a:r>
             <a:r>
@@ -23388,42 +23418,38 @@
               <a:t>Dan </a:t>
             </a:r>
             <a:r>
-              <a:rPr lang="en-US" dirty="0" err="1"/>
+              <a:rPr lang="en-US" dirty="0" err="1" smtClean="0"/>
               <a:t>pada</a:t>
             </a:r>
             <a:r>
-              <a:rPr lang="en-US" dirty="0"/>
+              <a:rPr lang="en-US" dirty="0" smtClean="0"/>
               <a:t> </a:t>
             </a:r>
             <a:r>
-              <a:rPr lang="en-US" dirty="0" err="1"/>
+              <a:rPr lang="en-US" dirty="0" err="1" smtClean="0"/>
               <a:t>tahun</a:t>
             </a:r>
             <a:r>
-              <a:rPr lang="en-US" dirty="0"/>
+              <a:rPr lang="en-US" dirty="0" smtClean="0"/>
               <a:t> </a:t>
             </a:r>
             <a:r>
-              <a:rPr lang="en-US" dirty="0">
+              <a:rPr lang="en-US" dirty="0" smtClean="0">
                 <a:hlinkClick r:id="rId4" tooltip="1983"/>
               </a:rPr>
               <a:t>1983</a:t>
             </a:r>
             <a:r>
-              <a:rPr lang="en-US" dirty="0"/>
+              <a:rPr lang="en-US" dirty="0" smtClean="0"/>
               <a:t>, </a:t>
             </a:r>
             <a:r>
-              <a:rPr lang="en-US" dirty="0" err="1"/>
+              <a:rPr lang="en-US" dirty="0" err="1" smtClean="0"/>
               <a:t>istilah</a:t>
             </a:r>
             <a:r>
-              <a:rPr lang="en-US" dirty="0"/>
-              <a:t> </a:t>
-            </a:r>
-            <a:r>
               <a:rPr lang="en-US" dirty="0" smtClean="0"/>
-              <a:t>“</a:t>
+              <a:t> “</a:t>
             </a:r>
             <a:r>
               <a:rPr lang="en-US" i="1" dirty="0" smtClean="0"/>
@@ -23434,169 +23460,780 @@
               <a:t> </a:t>
             </a:r>
             <a:r>
-              <a:rPr lang="en-US" dirty="0" err="1"/>
+              <a:rPr lang="en-US" dirty="0" err="1" smtClean="0"/>
               <a:t>mulai</a:t>
             </a:r>
             <a:r>
-              <a:rPr lang="en-US" dirty="0"/>
+              <a:rPr lang="en-US" dirty="0" smtClean="0"/>
               <a:t> </a:t>
             </a:r>
             <a:r>
-              <a:rPr lang="en-US" dirty="0" err="1"/>
+              <a:rPr lang="en-US" dirty="0" err="1" smtClean="0"/>
               <a:t>berkonotasi</a:t>
             </a:r>
             <a:r>
-              <a:rPr lang="en-US" dirty="0"/>
+              <a:rPr lang="en-US" dirty="0" smtClean="0"/>
               <a:t> </a:t>
             </a:r>
             <a:r>
-              <a:rPr lang="en-US" dirty="0" err="1"/>
+              <a:rPr lang="en-US" dirty="0" err="1" smtClean="0"/>
               <a:t>negatif</a:t>
             </a:r>
             <a:r>
-              <a:rPr lang="en-US" dirty="0"/>
+              <a:rPr lang="en-US" dirty="0" smtClean="0"/>
               <a:t>. </a:t>
             </a:r>
             <a:r>
-              <a:rPr lang="en-US" dirty="0" err="1"/>
+              <a:rPr lang="en-US" dirty="0" err="1" smtClean="0"/>
               <a:t>Pasalnya</a:t>
             </a:r>
             <a:r>
-              <a:rPr lang="en-US" dirty="0"/>
+              <a:rPr lang="en-US" dirty="0" smtClean="0"/>
               <a:t>, </a:t>
             </a:r>
             <a:r>
-              <a:rPr lang="en-US" dirty="0" err="1"/>
+              <a:rPr lang="en-US" dirty="0" err="1" smtClean="0"/>
               <a:t>pada</a:t>
             </a:r>
             <a:r>
-              <a:rPr lang="en-US" dirty="0"/>
+              <a:rPr lang="en-US" dirty="0" smtClean="0"/>
               <a:t> </a:t>
             </a:r>
             <a:r>
-              <a:rPr lang="en-US" dirty="0" err="1"/>
+              <a:rPr lang="en-US" dirty="0" err="1" smtClean="0"/>
               <a:t>tahun</a:t>
             </a:r>
             <a:r>
-              <a:rPr lang="en-US" dirty="0"/>
+              <a:rPr lang="en-US" dirty="0" smtClean="0"/>
               <a:t> </a:t>
             </a:r>
             <a:r>
-              <a:rPr lang="en-US" dirty="0" err="1"/>
+              <a:rPr lang="en-US" dirty="0" err="1" smtClean="0"/>
               <a:t>tersebut</a:t>
             </a:r>
             <a:r>
-              <a:rPr lang="en-US" dirty="0"/>
+              <a:rPr lang="en-US" dirty="0" smtClean="0"/>
               <a:t> </a:t>
             </a:r>
             <a:r>
-              <a:rPr lang="en-US" dirty="0" err="1"/>
+              <a:rPr lang="en-US" dirty="0" err="1" smtClean="0"/>
               <a:t>untuk</a:t>
             </a:r>
             <a:r>
-              <a:rPr lang="en-US" dirty="0"/>
+              <a:rPr lang="en-US" dirty="0" smtClean="0"/>
               <a:t> </a:t>
             </a:r>
             <a:r>
-              <a:rPr lang="en-US" dirty="0" err="1"/>
+              <a:rPr lang="en-US" dirty="0" err="1" smtClean="0"/>
               <a:t>pertama</a:t>
             </a:r>
             <a:r>
-              <a:rPr lang="en-US" dirty="0"/>
+              <a:rPr lang="en-US" dirty="0" smtClean="0"/>
               <a:t> </a:t>
             </a:r>
             <a:r>
-              <a:rPr lang="en-US" dirty="0" err="1"/>
+              <a:rPr lang="en-US" dirty="0" err="1" smtClean="0"/>
               <a:t>kalinya</a:t>
             </a:r>
             <a:r>
-              <a:rPr lang="en-US" dirty="0"/>
+              <a:rPr lang="en-US" dirty="0" smtClean="0"/>
               <a:t> </a:t>
             </a:r>
             <a:r>
-              <a:rPr lang="en-US" dirty="0">
+              <a:rPr lang="en-US" dirty="0" smtClean="0">
                 <a:hlinkClick r:id="rId5" tooltip="Federal Bureau of Investigation"/>
               </a:rPr>
               <a:t>FBI</a:t>
             </a:r>
             <a:r>
-              <a:rPr lang="en-US" dirty="0"/>
+              <a:rPr lang="en-US" dirty="0" smtClean="0"/>
               <a:t> </a:t>
             </a:r>
             <a:r>
-              <a:rPr lang="en-US" dirty="0" err="1"/>
+              <a:rPr lang="en-US" dirty="0" err="1" smtClean="0"/>
               <a:t>menangkap</a:t>
             </a:r>
             <a:r>
-              <a:rPr lang="en-US" dirty="0"/>
+              <a:rPr lang="en-US" dirty="0" smtClean="0"/>
               <a:t> </a:t>
             </a:r>
             <a:r>
-              <a:rPr lang="en-US" dirty="0" err="1"/>
+              <a:rPr lang="en-US" dirty="0" err="1" smtClean="0"/>
               <a:t>kelompok</a:t>
             </a:r>
             <a:r>
-              <a:rPr lang="en-US" dirty="0"/>
+              <a:rPr lang="en-US" dirty="0" smtClean="0"/>
               <a:t> </a:t>
             </a:r>
             <a:r>
-              <a:rPr lang="en-US" dirty="0" err="1"/>
+              <a:rPr lang="en-US" dirty="0" err="1" smtClean="0"/>
               <a:t>kriminal</a:t>
             </a:r>
             <a:r>
-              <a:rPr lang="en-US" dirty="0"/>
+              <a:rPr lang="en-US" dirty="0" smtClean="0"/>
               <a:t> </a:t>
             </a:r>
             <a:r>
-              <a:rPr lang="en-US" dirty="0" err="1"/>
+              <a:rPr lang="en-US" dirty="0" err="1" smtClean="0"/>
               <a:t>komputer</a:t>
             </a:r>
             <a:r>
-              <a:rPr lang="en-US" dirty="0"/>
+              <a:rPr lang="en-US" dirty="0" smtClean="0"/>
               <a:t> </a:t>
             </a:r>
             <a:r>
-              <a:rPr lang="en-US" b="1" dirty="0"/>
+              <a:rPr lang="en-US" b="1" dirty="0" smtClean="0"/>
               <a:t>The 414s</a:t>
             </a:r>
             <a:r>
-              <a:rPr lang="en-US" dirty="0"/>
+              <a:rPr lang="en-US" dirty="0" smtClean="0"/>
               <a:t> yang </a:t>
             </a:r>
             <a:r>
-              <a:rPr lang="en-US" dirty="0" err="1"/>
+              <a:rPr lang="en-US" dirty="0" err="1" smtClean="0"/>
               <a:t>berbasis</a:t>
             </a:r>
             <a:r>
-              <a:rPr lang="en-US" dirty="0"/>
-              <a:t> di </a:t>
-            </a:r>
-            <a:r>
-              <a:rPr lang="en-US" dirty="0">
+              <a:rPr lang="en-US" dirty="0" smtClean="0"/>
+              <a:t> </a:t>
+            </a:r>
+            <a:r>
+              <a:rPr lang="en-US" dirty="0" err="1" smtClean="0"/>
+              <a:t>di</a:t>
+            </a:r>
+            <a:r>
+              <a:rPr lang="en-US" dirty="0" smtClean="0"/>
+              <a:t> </a:t>
+            </a:r>
+            <a:r>
+              <a:rPr lang="en-US" dirty="0" smtClean="0">
                 <a:hlinkClick r:id="rId6" tooltip="Milwaukee, Amerika Serikat (halaman belum tersedia)"/>
               </a:rPr>
               <a:t>Milwaukee</a:t>
             </a:r>
             <a:r>
-              <a:rPr lang="en-US" dirty="0"/>
+              <a:rPr lang="en-US" dirty="0" smtClean="0"/>
               <a:t>, </a:t>
             </a:r>
             <a:r>
-              <a:rPr lang="en-US" dirty="0" err="1"/>
+              <a:rPr lang="en-US" dirty="0" err="1" smtClean="0"/>
               <a:t>Amerika</a:t>
             </a:r>
             <a:r>
-              <a:rPr lang="en-US" dirty="0"/>
+              <a:rPr lang="en-US" dirty="0" smtClean="0"/>
               <a:t> </a:t>
             </a:r>
             <a:r>
-              <a:rPr lang="en-US" dirty="0" err="1"/>
+              <a:rPr lang="en-US" dirty="0" err="1" smtClean="0"/>
               <a:t>Serikat</a:t>
             </a:r>
             <a:r>
-              <a:rPr lang="en-US" dirty="0"/>
+              <a:rPr lang="en-US" dirty="0" smtClean="0"/>
               <a:t>.</a:t>
             </a:r>
+          </a:p>
+          <a:p>
+            <a:pPr marL="0" indent="0">
+              <a:buNone/>
+            </a:pPr>
+            <a:r>
+              <a:rPr lang="en-US" dirty="0" smtClean="0"/>
+              <a:t>	</a:t>
+            </a:r>
+            <a:r>
+              <a:rPr lang="en-US" dirty="0" err="1" smtClean="0"/>
+              <a:t>Terminologi</a:t>
+            </a:r>
+            <a:r>
+              <a:rPr lang="en-US" dirty="0" smtClean="0"/>
+              <a:t> </a:t>
+            </a:r>
+            <a:r>
+              <a:rPr lang="en-US" dirty="0" err="1" smtClean="0"/>
+              <a:t>peretas</a:t>
+            </a:r>
+            <a:r>
+              <a:rPr lang="en-US" dirty="0" smtClean="0"/>
+              <a:t> </a:t>
+            </a:r>
+            <a:r>
+              <a:rPr lang="en-US" dirty="0" err="1" smtClean="0"/>
+              <a:t>muncul</a:t>
+            </a:r>
+            <a:r>
+              <a:rPr lang="en-US" dirty="0" smtClean="0"/>
+              <a:t> </a:t>
+            </a:r>
+            <a:r>
+              <a:rPr lang="en-US" dirty="0" err="1" smtClean="0"/>
+              <a:t>pada</a:t>
+            </a:r>
+            <a:r>
+              <a:rPr lang="en-US" dirty="0" smtClean="0"/>
+              <a:t> </a:t>
+            </a:r>
+            <a:r>
+              <a:rPr lang="en-US" dirty="0" err="1" smtClean="0"/>
+              <a:t>awal</a:t>
+            </a:r>
+            <a:r>
+              <a:rPr lang="en-US" dirty="0" smtClean="0"/>
+              <a:t> </a:t>
+            </a:r>
+            <a:r>
+              <a:rPr lang="en-US" dirty="0" err="1" smtClean="0"/>
+              <a:t>tahun</a:t>
+            </a:r>
+            <a:r>
+              <a:rPr lang="en-US" dirty="0" smtClean="0"/>
+              <a:t> </a:t>
+            </a:r>
+            <a:r>
+              <a:rPr lang="en-US" dirty="0" smtClean="0">
+                <a:hlinkClick r:id="rId2" tooltip="1960"/>
+              </a:rPr>
+              <a:t>1960</a:t>
+            </a:r>
+            <a:r>
+              <a:rPr lang="en-US" dirty="0" smtClean="0"/>
+              <a:t>-an </a:t>
+            </a:r>
+            <a:r>
+              <a:rPr lang="en-US" dirty="0" err="1" smtClean="0"/>
+              <a:t>di</a:t>
+            </a:r>
+            <a:r>
+              <a:rPr lang="en-US" dirty="0" smtClean="0"/>
+              <a:t> </a:t>
+            </a:r>
+            <a:r>
+              <a:rPr lang="en-US" dirty="0" err="1" smtClean="0"/>
+              <a:t>antara</a:t>
+            </a:r>
+            <a:r>
+              <a:rPr lang="en-US" dirty="0" smtClean="0"/>
+              <a:t> </a:t>
+            </a:r>
+            <a:r>
+              <a:rPr lang="en-US" dirty="0" err="1" smtClean="0"/>
+              <a:t>para</a:t>
+            </a:r>
+            <a:r>
+              <a:rPr lang="en-US" dirty="0" smtClean="0"/>
+              <a:t> </a:t>
+            </a:r>
+            <a:r>
+              <a:rPr lang="en-US" dirty="0" err="1" smtClean="0"/>
+              <a:t>anggota</a:t>
+            </a:r>
+            <a:r>
+              <a:rPr lang="en-US" dirty="0" smtClean="0"/>
+              <a:t> </a:t>
+            </a:r>
+            <a:r>
+              <a:rPr lang="en-US" dirty="0" err="1" smtClean="0">
+                <a:hlinkClick r:id="rId3" tooltip="Organisasi"/>
+              </a:rPr>
+              <a:t>organisasi</a:t>
+            </a:r>
+            <a:r>
+              <a:rPr lang="en-US" dirty="0" smtClean="0"/>
+              <a:t> </a:t>
+            </a:r>
+            <a:r>
+              <a:rPr lang="en-US" dirty="0" err="1" smtClean="0"/>
+              <a:t>mahasiswa</a:t>
+            </a:r>
+            <a:r>
+              <a:rPr lang="en-US" dirty="0" smtClean="0"/>
+              <a:t> Tech Model Railroad Club </a:t>
+            </a:r>
+            <a:r>
+              <a:rPr lang="en-US" dirty="0" err="1" smtClean="0"/>
+              <a:t>di</a:t>
+            </a:r>
+            <a:r>
+              <a:rPr lang="en-US" dirty="0" smtClean="0"/>
+              <a:t> </a:t>
+            </a:r>
+            <a:r>
+              <a:rPr lang="en-US" dirty="0" err="1" smtClean="0"/>
+              <a:t>Laboratorium</a:t>
+            </a:r>
+            <a:r>
+              <a:rPr lang="en-US" dirty="0" smtClean="0"/>
+              <a:t> </a:t>
+            </a:r>
+            <a:r>
+              <a:rPr lang="en-US" dirty="0" err="1" smtClean="0"/>
+              <a:t>Kecerdasan</a:t>
+            </a:r>
+            <a:r>
+              <a:rPr lang="en-US" dirty="0" smtClean="0"/>
+              <a:t> </a:t>
+            </a:r>
+            <a:r>
+              <a:rPr lang="en-US" dirty="0" err="1" smtClean="0"/>
+              <a:t>Artifisial</a:t>
+            </a:r>
+            <a:r>
+              <a:rPr lang="en-US" dirty="0" smtClean="0"/>
+              <a:t> Massachusetts Institute of Technology (MIT). </a:t>
+            </a:r>
+            <a:r>
+              <a:rPr lang="en-US" dirty="0" err="1" smtClean="0"/>
+              <a:t>Kata</a:t>
+            </a:r>
+            <a:r>
+              <a:rPr lang="en-US" dirty="0" smtClean="0"/>
+              <a:t> </a:t>
+            </a:r>
+            <a:r>
+              <a:rPr lang="en-US" dirty="0" err="1" smtClean="0"/>
+              <a:t>bahasa</a:t>
+            </a:r>
+            <a:r>
+              <a:rPr lang="en-US" dirty="0" smtClean="0"/>
+              <a:t> </a:t>
+            </a:r>
+            <a:r>
+              <a:rPr lang="en-US" dirty="0" err="1" smtClean="0"/>
+              <a:t>Inggris</a:t>
+            </a:r>
+            <a:r>
+              <a:rPr lang="en-US" dirty="0" smtClean="0"/>
+              <a:t> "hacker" </a:t>
+            </a:r>
+            <a:r>
+              <a:rPr lang="en-US" dirty="0" err="1" smtClean="0"/>
+              <a:t>pertama</a:t>
+            </a:r>
+            <a:r>
+              <a:rPr lang="en-US" dirty="0" smtClean="0"/>
+              <a:t> </a:t>
+            </a:r>
+            <a:r>
+              <a:rPr lang="en-US" dirty="0" err="1" smtClean="0"/>
+              <a:t>kalinya</a:t>
+            </a:r>
+            <a:r>
+              <a:rPr lang="en-US" dirty="0" smtClean="0"/>
+              <a:t> </a:t>
+            </a:r>
+            <a:r>
+              <a:rPr lang="en-US" dirty="0" err="1" smtClean="0"/>
+              <a:t>muncul</a:t>
+            </a:r>
+            <a:r>
+              <a:rPr lang="en-US" dirty="0" smtClean="0"/>
+              <a:t> </a:t>
+            </a:r>
+            <a:r>
+              <a:rPr lang="en-US" dirty="0" err="1" smtClean="0"/>
+              <a:t>dengan</a:t>
+            </a:r>
+            <a:r>
+              <a:rPr lang="en-US" dirty="0" smtClean="0"/>
+              <a:t> </a:t>
+            </a:r>
+            <a:r>
+              <a:rPr lang="en-US" dirty="0" err="1" smtClean="0"/>
+              <a:t>arti</a:t>
+            </a:r>
+            <a:r>
+              <a:rPr lang="en-US" dirty="0" smtClean="0"/>
+              <a:t> </a:t>
+            </a:r>
+            <a:r>
+              <a:rPr lang="en-US" dirty="0" err="1" smtClean="0"/>
+              <a:t>positif</a:t>
+            </a:r>
+            <a:r>
+              <a:rPr lang="en-US" dirty="0" smtClean="0"/>
+              <a:t> </a:t>
+            </a:r>
+            <a:r>
+              <a:rPr lang="en-US" dirty="0" err="1" smtClean="0"/>
+              <a:t>untuk</a:t>
+            </a:r>
+            <a:r>
+              <a:rPr lang="en-US" dirty="0" smtClean="0"/>
+              <a:t> </a:t>
+            </a:r>
+            <a:r>
+              <a:rPr lang="en-US" dirty="0" err="1" smtClean="0"/>
+              <a:t>menyebut</a:t>
+            </a:r>
+            <a:r>
+              <a:rPr lang="en-US" dirty="0" smtClean="0"/>
+              <a:t> </a:t>
+            </a:r>
+            <a:r>
+              <a:rPr lang="en-US" dirty="0" err="1" smtClean="0"/>
+              <a:t>seorang</a:t>
+            </a:r>
+            <a:r>
+              <a:rPr lang="en-US" dirty="0" smtClean="0"/>
+              <a:t> </a:t>
+            </a:r>
+            <a:r>
+              <a:rPr lang="en-US" dirty="0" err="1" smtClean="0"/>
+              <a:t>anggota</a:t>
+            </a:r>
+            <a:r>
+              <a:rPr lang="en-US" dirty="0" smtClean="0"/>
+              <a:t> yang </a:t>
+            </a:r>
+            <a:r>
+              <a:rPr lang="en-US" dirty="0" err="1" smtClean="0"/>
+              <a:t>memiliki</a:t>
+            </a:r>
+            <a:r>
+              <a:rPr lang="en-US" dirty="0" smtClean="0"/>
+              <a:t> </a:t>
+            </a:r>
+            <a:r>
+              <a:rPr lang="en-US" dirty="0" err="1" smtClean="0"/>
+              <a:t>keahlian</a:t>
+            </a:r>
+            <a:r>
+              <a:rPr lang="en-US" dirty="0" smtClean="0"/>
+              <a:t> </a:t>
+            </a:r>
+            <a:r>
+              <a:rPr lang="en-US" dirty="0" err="1" smtClean="0"/>
+              <a:t>dalam</a:t>
+            </a:r>
+            <a:r>
+              <a:rPr lang="en-US" dirty="0" smtClean="0"/>
+              <a:t> </a:t>
+            </a:r>
+            <a:r>
+              <a:rPr lang="en-US" dirty="0" err="1" smtClean="0"/>
+              <a:t>bidang</a:t>
+            </a:r>
+            <a:r>
+              <a:rPr lang="en-US" dirty="0" smtClean="0"/>
+              <a:t> </a:t>
+            </a:r>
+            <a:r>
+              <a:rPr lang="en-US" dirty="0" err="1" smtClean="0"/>
+              <a:t>komputer</a:t>
+            </a:r>
+            <a:r>
+              <a:rPr lang="en-US" dirty="0" smtClean="0"/>
+              <a:t> </a:t>
+            </a:r>
+            <a:r>
+              <a:rPr lang="en-US" dirty="0" err="1" smtClean="0"/>
+              <a:t>dan</a:t>
+            </a:r>
+            <a:r>
+              <a:rPr lang="en-US" dirty="0" smtClean="0"/>
+              <a:t> </a:t>
+            </a:r>
+            <a:r>
+              <a:rPr lang="en-US" dirty="0" err="1" smtClean="0"/>
+              <a:t>mampu</a:t>
+            </a:r>
+            <a:r>
+              <a:rPr lang="en-US" dirty="0" smtClean="0"/>
+              <a:t> </a:t>
+            </a:r>
+            <a:r>
+              <a:rPr lang="en-US" dirty="0" err="1" smtClean="0"/>
+              <a:t>membuat</a:t>
+            </a:r>
+            <a:r>
+              <a:rPr lang="en-US" dirty="0" smtClean="0"/>
+              <a:t> program </a:t>
+            </a:r>
+            <a:r>
+              <a:rPr lang="en-US" dirty="0" err="1" smtClean="0"/>
+              <a:t>komputer</a:t>
+            </a:r>
+            <a:r>
+              <a:rPr lang="en-US" dirty="0" smtClean="0"/>
+              <a:t> yang </a:t>
+            </a:r>
+            <a:r>
+              <a:rPr lang="en-US" dirty="0" err="1" smtClean="0"/>
+              <a:t>lebih</a:t>
+            </a:r>
+            <a:r>
+              <a:rPr lang="en-US" dirty="0" smtClean="0"/>
+              <a:t> </a:t>
+            </a:r>
+            <a:r>
+              <a:rPr lang="en-US" dirty="0" err="1" smtClean="0"/>
+              <a:t>baik</a:t>
+            </a:r>
+            <a:r>
+              <a:rPr lang="en-US" dirty="0" smtClean="0"/>
+              <a:t> </a:t>
+            </a:r>
+            <a:r>
+              <a:rPr lang="en-US" dirty="0" err="1" smtClean="0"/>
+              <a:t>daripada</a:t>
+            </a:r>
+            <a:r>
+              <a:rPr lang="en-US" dirty="0" smtClean="0"/>
+              <a:t> yang </a:t>
+            </a:r>
+            <a:r>
+              <a:rPr lang="en-US" dirty="0" err="1" smtClean="0"/>
+              <a:t>telah</a:t>
+            </a:r>
+            <a:r>
+              <a:rPr lang="en-US" dirty="0" smtClean="0"/>
+              <a:t> </a:t>
+            </a:r>
+            <a:r>
+              <a:rPr lang="en-US" dirty="0" err="1" smtClean="0"/>
+              <a:t>dirancang</a:t>
+            </a:r>
+            <a:r>
+              <a:rPr lang="en-US" dirty="0" smtClean="0"/>
+              <a:t> </a:t>
+            </a:r>
+            <a:r>
+              <a:rPr lang="en-US" dirty="0" err="1" smtClean="0"/>
+              <a:t>bersama</a:t>
+            </a:r>
+            <a:r>
+              <a:rPr lang="en-US" dirty="0" smtClean="0"/>
+              <a:t>.</a:t>
+            </a:r>
+          </a:p>
+          <a:p>
+            <a:pPr marL="0" indent="0">
+              <a:buNone/>
+            </a:pPr>
+            <a:r>
+              <a:rPr lang="en-US" dirty="0" smtClean="0"/>
+              <a:t>Dan </a:t>
+            </a:r>
+            <a:r>
+              <a:rPr lang="en-US" dirty="0" err="1" smtClean="0"/>
+              <a:t>pada</a:t>
+            </a:r>
+            <a:r>
+              <a:rPr lang="en-US" dirty="0" smtClean="0"/>
+              <a:t> </a:t>
+            </a:r>
+            <a:r>
+              <a:rPr lang="en-US" dirty="0" err="1" smtClean="0"/>
+              <a:t>tahun</a:t>
+            </a:r>
+            <a:r>
+              <a:rPr lang="en-US" dirty="0" smtClean="0"/>
+              <a:t> </a:t>
+            </a:r>
+            <a:r>
+              <a:rPr lang="en-US" dirty="0" smtClean="0">
+                <a:hlinkClick r:id="rId4" tooltip="1983"/>
+              </a:rPr>
+              <a:t>1983</a:t>
+            </a:r>
+            <a:r>
+              <a:rPr lang="en-US" dirty="0" smtClean="0"/>
+              <a:t>, </a:t>
+            </a:r>
+            <a:r>
+              <a:rPr lang="en-US" dirty="0" err="1" smtClean="0"/>
+              <a:t>istilah</a:t>
+            </a:r>
+            <a:r>
+              <a:rPr lang="en-US" dirty="0" smtClean="0"/>
+              <a:t> “</a:t>
+            </a:r>
+            <a:r>
+              <a:rPr lang="en-US" i="1" dirty="0" smtClean="0"/>
+              <a:t>hacker”</a:t>
+            </a:r>
+            <a:r>
+              <a:rPr lang="en-US" dirty="0" smtClean="0"/>
+              <a:t> </a:t>
+            </a:r>
+            <a:r>
+              <a:rPr lang="en-US" dirty="0" err="1" smtClean="0"/>
+              <a:t>mulai</a:t>
+            </a:r>
+            <a:r>
+              <a:rPr lang="en-US" dirty="0" smtClean="0"/>
+              <a:t> </a:t>
+            </a:r>
+            <a:r>
+              <a:rPr lang="en-US" dirty="0" err="1" smtClean="0"/>
+              <a:t>berkonotasi</a:t>
+            </a:r>
+            <a:r>
+              <a:rPr lang="en-US" dirty="0" smtClean="0"/>
+              <a:t> </a:t>
+            </a:r>
+            <a:r>
+              <a:rPr lang="en-US" dirty="0" err="1" smtClean="0"/>
+              <a:t>negatif</a:t>
+            </a:r>
+            <a:r>
+              <a:rPr lang="en-US" dirty="0" smtClean="0"/>
+              <a:t>. </a:t>
+            </a:r>
+            <a:r>
+              <a:rPr lang="en-US" dirty="0" err="1" smtClean="0"/>
+              <a:t>Pasalnya</a:t>
+            </a:r>
+            <a:r>
+              <a:rPr lang="en-US" dirty="0" smtClean="0"/>
+              <a:t>, </a:t>
+            </a:r>
+            <a:r>
+              <a:rPr lang="en-US" dirty="0" err="1" smtClean="0"/>
+              <a:t>pada</a:t>
+            </a:r>
+            <a:r>
+              <a:rPr lang="en-US" dirty="0" smtClean="0"/>
+              <a:t> </a:t>
+            </a:r>
+            <a:r>
+              <a:rPr lang="en-US" dirty="0" err="1" smtClean="0"/>
+              <a:t>tahun</a:t>
+            </a:r>
+            <a:r>
+              <a:rPr lang="en-US" dirty="0" smtClean="0"/>
+              <a:t> </a:t>
+            </a:r>
+            <a:r>
+              <a:rPr lang="en-US" dirty="0" err="1" smtClean="0"/>
+              <a:t>tersebut</a:t>
+            </a:r>
+            <a:r>
+              <a:rPr lang="en-US" dirty="0" smtClean="0"/>
+              <a:t> </a:t>
+            </a:r>
+            <a:r>
+              <a:rPr lang="en-US" dirty="0" err="1" smtClean="0"/>
+              <a:t>untuk</a:t>
+            </a:r>
+            <a:r>
+              <a:rPr lang="en-US" dirty="0" smtClean="0"/>
+              <a:t> </a:t>
+            </a:r>
+            <a:r>
+              <a:rPr lang="en-US" dirty="0" err="1" smtClean="0"/>
+              <a:t>pertama</a:t>
+            </a:r>
+            <a:r>
+              <a:rPr lang="en-US" dirty="0" smtClean="0"/>
+              <a:t> </a:t>
+            </a:r>
+            <a:r>
+              <a:rPr lang="en-US" dirty="0" err="1" smtClean="0"/>
+              <a:t>kalinya</a:t>
+            </a:r>
+            <a:r>
+              <a:rPr lang="en-US" dirty="0" smtClean="0"/>
+              <a:t> </a:t>
+            </a:r>
+            <a:r>
+              <a:rPr lang="en-US" dirty="0" smtClean="0">
+                <a:hlinkClick r:id="rId5" tooltip="Federal Bureau of Investigation"/>
+              </a:rPr>
+              <a:t>FBI</a:t>
+            </a:r>
+            <a:r>
+              <a:rPr lang="en-US" dirty="0" smtClean="0"/>
+              <a:t> </a:t>
+            </a:r>
+            <a:r>
+              <a:rPr lang="en-US" dirty="0" err="1" smtClean="0"/>
+              <a:t>menangkap</a:t>
+            </a:r>
+            <a:r>
+              <a:rPr lang="en-US" dirty="0" smtClean="0"/>
+              <a:t> </a:t>
+            </a:r>
+            <a:r>
+              <a:rPr lang="en-US" dirty="0" err="1" smtClean="0"/>
+              <a:t>kelompok</a:t>
+            </a:r>
+            <a:r>
+              <a:rPr lang="en-US" dirty="0" smtClean="0"/>
+              <a:t> </a:t>
+            </a:r>
+            <a:r>
+              <a:rPr lang="en-US" dirty="0" err="1" smtClean="0"/>
+              <a:t>kriminal</a:t>
+            </a:r>
+            <a:r>
+              <a:rPr lang="en-US" dirty="0" smtClean="0"/>
+              <a:t> </a:t>
+            </a:r>
+            <a:r>
+              <a:rPr lang="en-US" dirty="0" err="1" smtClean="0"/>
+              <a:t>komputer</a:t>
+            </a:r>
+            <a:r>
+              <a:rPr lang="en-US" dirty="0" smtClean="0"/>
+              <a:t> </a:t>
+            </a:r>
+            <a:r>
+              <a:rPr lang="en-US" b="1" dirty="0" smtClean="0"/>
+              <a:t>The 414s</a:t>
+            </a:r>
+            <a:r>
+              <a:rPr lang="en-US" dirty="0" smtClean="0"/>
+              <a:t> yang </a:t>
+            </a:r>
+            <a:r>
+              <a:rPr lang="en-US" dirty="0" err="1" smtClean="0"/>
+              <a:t>berbasis</a:t>
+            </a:r>
+            <a:r>
+              <a:rPr lang="en-US" dirty="0" smtClean="0"/>
+              <a:t> </a:t>
+            </a:r>
+            <a:r>
+              <a:rPr lang="en-US" dirty="0" err="1" smtClean="0"/>
+              <a:t>di</a:t>
+            </a:r>
+            <a:r>
+              <a:rPr lang="en-US" dirty="0" smtClean="0"/>
+              <a:t> </a:t>
+            </a:r>
+            <a:r>
+              <a:rPr lang="en-US" dirty="0" smtClean="0">
+                <a:hlinkClick r:id="rId6" tooltip="Milwaukee, Amerika Serikat (halaman belum tersedia)"/>
+              </a:rPr>
+              <a:t>Milwaukee</a:t>
+            </a:r>
+            <a:r>
+              <a:rPr lang="en-US" dirty="0" smtClean="0"/>
+              <a:t>, </a:t>
+            </a:r>
+            <a:r>
+              <a:rPr lang="en-US" dirty="0" err="1" smtClean="0"/>
+              <a:t>Amerika</a:t>
+            </a:r>
+            <a:r>
+              <a:rPr lang="en-US" dirty="0" smtClean="0"/>
+              <a:t> </a:t>
+            </a:r>
+            <a:r>
+              <a:rPr lang="en-US" dirty="0" err="1" smtClean="0"/>
+              <a:t>Serikat</a:t>
+            </a:r>
+            <a:r>
+              <a:rPr lang="en-US" dirty="0" smtClean="0"/>
+              <a:t>.</a:t>
+            </a:r>
+            <a:endParaRPr lang="en-US" smtClean="0"/>
+          </a:p>
+          <a:p>
+            <a:pPr marL="0" indent="0">
+              <a:buNone/>
+            </a:pPr>
+            <a:endParaRPr lang="en-US" dirty="0"/>
           </a:p>
         </p:txBody>
       </p:sp>
@@ -23612,7 +24249,7 @@
           <a:blip r:embed="rId7" cstate="print">
             <a:extLst>
               <a:ext uri="{28A0092B-C50C-407E-A947-70E740481C1C}">
-                <a14:useLocalDpi xmlns:a14="http://schemas.microsoft.com/office/drawing/2010/main" val="0"/>
+                <a14:useLocalDpi xmlns:a14="http://schemas.microsoft.com/office/drawing/2010/main" xmlns="" val="0"/>
               </a:ext>
             </a:extLst>
           </a:blip>
@@ -23633,7 +24270,7 @@
     </p:spTree>
     <p:extLst>
       <p:ext uri="{BB962C8B-B14F-4D97-AF65-F5344CB8AC3E}">
-        <p14:creationId xmlns:p14="http://schemas.microsoft.com/office/powerpoint/2010/main" val="4077646618"/>
+        <p14:creationId xmlns:p14="http://schemas.microsoft.com/office/powerpoint/2010/main" xmlns="" val="4077646618"/>
       </p:ext>
     </p:extLst>
   </p:cSld>
@@ -23770,6 +24407,128 @@
                       </p:childTnLst>
                     </p:cTn>
                   </p:par>
+                  <p:par>
+                    <p:cTn id="13" fill="hold">
+                      <p:stCondLst>
+                        <p:cond delay="indefinite"/>
+                      </p:stCondLst>
+                      <p:childTnLst>
+                        <p:par>
+                          <p:cTn id="14" fill="hold">
+                            <p:stCondLst>
+                              <p:cond delay="0"/>
+                            </p:stCondLst>
+                            <p:childTnLst>
+                              <p:par>
+                                <p:cTn id="15" presetID="6" presetClass="entr" presetSubtype="16" fill="hold" grpId="0" nodeType="clickEffect">
+                                  <p:stCondLst>
+                                    <p:cond delay="0"/>
+                                  </p:stCondLst>
+                                  <p:childTnLst>
+                                    <p:set>
+                                      <p:cBhvr>
+                                        <p:cTn id="16" dur="1" fill="hold">
+                                          <p:stCondLst>
+                                            <p:cond delay="0"/>
+                                          </p:stCondLst>
+                                        </p:cTn>
+                                        <p:tgtEl>
+                                          <p:spTgt spid="3">
+                                            <p:txEl>
+                                              <p:pRg st="2" end="2"/>
+                                            </p:txEl>
+                                          </p:spTgt>
+                                        </p:tgtEl>
+                                        <p:attrNameLst>
+                                          <p:attrName>style.visibility</p:attrName>
+                                        </p:attrNameLst>
+                                      </p:cBhvr>
+                                      <p:to>
+                                        <p:strVal val="visible"/>
+                                      </p:to>
+                                    </p:set>
+                                    <p:animEffect transition="in" filter="circle(in)">
+                                      <p:cBhvr>
+                                        <p:cTn id="17" dur="2000"/>
+                                        <p:tgtEl>
+                                          <p:spTgt spid="3">
+                                            <p:txEl>
+                                              <p:pRg st="2" end="2"/>
+                                            </p:txEl>
+                                          </p:spTgt>
+                                        </p:tgtEl>
+                                      </p:cBhvr>
+                                    </p:animEffect>
+                                  </p:childTnLst>
+                                </p:cTn>
+                              </p:par>
+                            </p:childTnLst>
+                          </p:cTn>
+                        </p:par>
+                      </p:childTnLst>
+                    </p:cTn>
+                  </p:par>
+                  <p:par>
+                    <p:cTn id="18" fill="hold">
+                      <p:stCondLst>
+                        <p:cond delay="indefinite"/>
+                      </p:stCondLst>
+                      <p:childTnLst>
+                        <p:par>
+                          <p:cTn id="19" fill="hold">
+                            <p:stCondLst>
+                              <p:cond delay="0"/>
+                            </p:stCondLst>
+                            <p:childTnLst>
+                              <p:par>
+                                <p:cTn id="20" presetID="6" presetClass="entr" presetSubtype="16" fill="hold" grpId="0" nodeType="clickEffect">
+                                  <p:stCondLst>
+                                    <p:cond delay="0"/>
+                                  </p:stCondLst>
+                                  <p:childTnLst>
+                                    <p:set>
+                                      <p:cBhvr>
+                                        <p:cTn id="21" dur="1" fill="hold">
+                                          <p:stCondLst>
+                                            <p:cond delay="0"/>
+                                          </p:stCondLst>
+                                        </p:cTn>
+                                        <p:tgtEl>
+                                          <p:spTgt spid="3">
+                                            <p:txEl>
+                                              <p:pRg st="3" end="3"/>
+                                            </p:txEl>
+                                          </p:spTgt>
+                                        </p:tgtEl>
+                                        <p:attrNameLst>
+                                          <p:attrName>style.visibility</p:attrName>
+                                        </p:attrNameLst>
+                                      </p:cBhvr>
+                                      <p:to>
+                                        <p:strVal val="visible"/>
+                                      </p:to>
+                                    </p:set>
+                                    <p:animEffect transition="in" filter="circle(in)">
+                                      <p:cBhvr>
+                                        <p:cTn id="22" dur="2000"/>
+                                        <p:tgtEl>
+                                          <p:spTgt spid="3">
+                                            <p:txEl>
+                                              <p:pRg st="3" end="3"/>
+                                            </p:txEl>
+                                          </p:spTgt>
+                                        </p:tgtEl>
+                                      </p:cBhvr>
+                                    </p:animEffect>
+                                  </p:childTnLst>
+                                </p:cTn>
+                              </p:par>
+                            </p:childTnLst>
+                          </p:cTn>
+                        </p:par>
+                      </p:childTnLst>
+                    </p:cTn>
+                  </p:par>
                 </p:childTnLst>
               </p:cTn>
               <p:prevCondLst>
@@ -24269,7 +25028,7 @@
           <a:blip r:embed="rId2">
             <a:extLst>
               <a:ext uri="{28A0092B-C50C-407E-A947-70E740481C1C}">
-                <a14:useLocalDpi xmlns:a14="http://schemas.microsoft.com/office/drawing/2010/main" val="0"/>
+                <a14:useLocalDpi xmlns:a14="http://schemas.microsoft.com/office/drawing/2010/main" xmlns="" val="0"/>
               </a:ext>
             </a:extLst>
           </a:blip>
@@ -24299,7 +25058,7 @@
           <a:blip r:embed="rId3" cstate="print">
             <a:extLst>
               <a:ext uri="{28A0092B-C50C-407E-A947-70E740481C1C}">
-                <a14:useLocalDpi xmlns:a14="http://schemas.microsoft.com/office/drawing/2010/main" val="0"/>
+                <a14:useLocalDpi xmlns:a14="http://schemas.microsoft.com/office/drawing/2010/main" xmlns="" val="0"/>
               </a:ext>
             </a:extLst>
           </a:blip>
@@ -24320,7 +25079,7 @@
     </p:spTree>
     <p:extLst>
       <p:ext uri="{BB962C8B-B14F-4D97-AF65-F5344CB8AC3E}">
-        <p14:creationId xmlns:p14="http://schemas.microsoft.com/office/powerpoint/2010/main" val="2772349537"/>
+        <p14:creationId xmlns:p14="http://schemas.microsoft.com/office/powerpoint/2010/main" xmlns="" val="2772349537"/>
       </p:ext>
     </p:extLst>
   </p:cSld>
@@ -24993,7 +25752,7 @@
           <a:blip r:embed="rId2" cstate="print">
             <a:extLst>
               <a:ext uri="{28A0092B-C50C-407E-A947-70E740481C1C}">
-                <a14:useLocalDpi xmlns:a14="http://schemas.microsoft.com/office/drawing/2010/main" val="0"/>
+                <a14:useLocalDpi xmlns:a14="http://schemas.microsoft.com/office/drawing/2010/main" xmlns="" val="0"/>
               </a:ext>
             </a:extLst>
           </a:blip>
@@ -25014,7 +25773,7 @@
     </p:spTree>
     <p:extLst>
       <p:ext uri="{BB962C8B-B14F-4D97-AF65-F5344CB8AC3E}">
-        <p14:creationId xmlns:p14="http://schemas.microsoft.com/office/powerpoint/2010/main" val="2922175094"/>
+        <p14:creationId xmlns:p14="http://schemas.microsoft.com/office/powerpoint/2010/main" xmlns="" val="2922175094"/>
       </p:ext>
     </p:extLst>
   </p:cSld>
@@ -25848,7 +26607,7 @@
           <a:blip r:embed="rId2" cstate="print">
             <a:extLst>
               <a:ext uri="{28A0092B-C50C-407E-A947-70E740481C1C}">
-                <a14:useLocalDpi xmlns:a14="http://schemas.microsoft.com/office/drawing/2010/main" val="0"/>
+                <a14:useLocalDpi xmlns:a14="http://schemas.microsoft.com/office/drawing/2010/main" xmlns="" val="0"/>
               </a:ext>
             </a:extLst>
           </a:blip>
@@ -25869,7 +26628,7 @@
     </p:spTree>
     <p:extLst>
       <p:ext uri="{BB962C8B-B14F-4D97-AF65-F5344CB8AC3E}">
-        <p14:creationId xmlns:p14="http://schemas.microsoft.com/office/powerpoint/2010/main" val="3355884736"/>
+        <p14:creationId xmlns:p14="http://schemas.microsoft.com/office/powerpoint/2010/main" xmlns="" val="3355884736"/>
       </p:ext>
     </p:extLst>
   </p:cSld>
@@ -26417,7 +27176,7 @@
           <a:blip r:embed="rId2" cstate="print">
             <a:extLst>
               <a:ext uri="{28A0092B-C50C-407E-A947-70E740481C1C}">
-                <a14:useLocalDpi xmlns:a14="http://schemas.microsoft.com/office/drawing/2010/main" val="0"/>
+                <a14:useLocalDpi xmlns:a14="http://schemas.microsoft.com/office/drawing/2010/main" xmlns="" val="0"/>
               </a:ext>
             </a:extLst>
           </a:blip>
@@ -26438,7 +27197,7 @@
     </p:spTree>
     <p:extLst>
       <p:ext uri="{BB962C8B-B14F-4D97-AF65-F5344CB8AC3E}">
-        <p14:creationId xmlns:p14="http://schemas.microsoft.com/office/powerpoint/2010/main" val="2676742917"/>
+        <p14:creationId xmlns:p14="http://schemas.microsoft.com/office/powerpoint/2010/main" xmlns="" val="2676742917"/>
       </p:ext>
     </p:extLst>
   </p:cSld>
@@ -26963,7 +27722,7 @@
           <a:blip r:embed="rId2" cstate="print">
             <a:extLst>
               <a:ext uri="{28A0092B-C50C-407E-A947-70E740481C1C}">
-                <a14:useLocalDpi xmlns:a14="http://schemas.microsoft.com/office/drawing/2010/main" val="0"/>
+                <a14:useLocalDpi xmlns:a14="http://schemas.microsoft.com/office/drawing/2010/main" xmlns="" val="0"/>
               </a:ext>
             </a:extLst>
           </a:blip>
@@ -26984,7 +27743,7 @@
     </p:spTree>
     <p:extLst>
       <p:ext uri="{BB962C8B-B14F-4D97-AF65-F5344CB8AC3E}">
-        <p14:creationId xmlns:p14="http://schemas.microsoft.com/office/powerpoint/2010/main" val="4241905287"/>
+        <p14:creationId xmlns:p14="http://schemas.microsoft.com/office/powerpoint/2010/main" xmlns="" val="4241905287"/>
       </p:ext>
     </p:extLst>
   </p:cSld>
@@ -27522,7 +28281,7 @@
   <a:extraClrSchemeLst/>
   <a:extLst>
     <a:ext uri="{05A4C25C-085E-4340-85A3-A5531E510DB2}">
-      <thm15:themeFamily xmlns:thm15="http://schemas.microsoft.com/office/thememl/2012/main" name="Integral" id="{3577F8C9-A904-41D8-97D2-FD898F53F20E}" vid="{682D6EBE-8D36-4FF2-9DB3-F3D8D7B6715D}"/>
+      <thm15:themeFamily xmlns:thm15="http://schemas.microsoft.com/office/thememl/2012/main" xmlns="" name="Integral" id="{3577F8C9-A904-41D8-97D2-FD898F53F20E}" vid="{682D6EBE-8D36-4FF2-9DB3-F3D8D7B6715D}"/>
     </a:ext>
   </a:extLst>
 </a:theme>

--- a/pptpresentasieptikhacking-140615110436-phpapp01.pptx
+++ b/pptpresentasieptikhacking-140615110436-phpapp01.pptx
@@ -116,7 +116,7 @@
   </p:defaultTextStyle>
   <p:extLst>
     <p:ext uri="{EFAFB233-063F-42B5-8137-9DF3F51BA10A}">
-      <p15:sldGuideLst xmlns:p15="http://schemas.microsoft.com/office/powerpoint/2012/main" xmlns="">
+      <p15:sldGuideLst xmlns="" xmlns:p15="http://schemas.microsoft.com/office/powerpoint/2012/main">
         <p15:guide id="1" orient="horz" pos="2160">
           <p15:clr>
             <a:srgbClr val="A4A3A4"/>
@@ -8927,7 +8927,7 @@
             <a:fld id="{500C9B02-63A3-4BC9-94F1-A91AB2B1B62F}" type="datetimeFigureOut">
               <a:rPr lang="en-US" smtClean="0"/>
               <a:pPr/>
-              <a:t>6/15/2015</a:t>
+              <a:t>6/16/2015</a:t>
             </a:fld>
             <a:endParaRPr lang="en-US"/>
           </a:p>
@@ -9016,7 +9016,7 @@
     </p:spTree>
     <p:extLst>
       <p:ext uri="{BB962C8B-B14F-4D97-AF65-F5344CB8AC3E}">
-        <p14:creationId xmlns:p14="http://schemas.microsoft.com/office/powerpoint/2010/main" xmlns="" val="3654701431"/>
+        <p14:creationId xmlns="" xmlns:p14="http://schemas.microsoft.com/office/powerpoint/2010/main" val="3654701431"/>
       </p:ext>
     </p:extLst>
   </p:cSld>
@@ -9136,7 +9136,7 @@
             <a:fld id="{500C9B02-63A3-4BC9-94F1-A91AB2B1B62F}" type="datetimeFigureOut">
               <a:rPr lang="en-US" smtClean="0"/>
               <a:pPr/>
-              <a:t>6/15/2015</a:t>
+              <a:t>6/16/2015</a:t>
             </a:fld>
             <a:endParaRPr lang="en-US"/>
           </a:p>
@@ -9188,7 +9188,7 @@
     </p:spTree>
     <p:extLst>
       <p:ext uri="{BB962C8B-B14F-4D97-AF65-F5344CB8AC3E}">
-        <p14:creationId xmlns:p14="http://schemas.microsoft.com/office/powerpoint/2010/main" xmlns="" val="1541394338"/>
+        <p14:creationId xmlns="" xmlns:p14="http://schemas.microsoft.com/office/powerpoint/2010/main" val="1541394338"/>
       </p:ext>
     </p:extLst>
   </p:cSld>
@@ -9318,7 +9318,7 @@
             <a:fld id="{500C9B02-63A3-4BC9-94F1-A91AB2B1B62F}" type="datetimeFigureOut">
               <a:rPr lang="en-US" smtClean="0"/>
               <a:pPr/>
-              <a:t>6/15/2015</a:t>
+              <a:t>6/16/2015</a:t>
             </a:fld>
             <a:endParaRPr lang="en-US"/>
           </a:p>
@@ -9405,7 +9405,7 @@
     </p:spTree>
     <p:extLst>
       <p:ext uri="{BB962C8B-B14F-4D97-AF65-F5344CB8AC3E}">
-        <p14:creationId xmlns:p14="http://schemas.microsoft.com/office/powerpoint/2010/main" xmlns="" val="3398663238"/>
+        <p14:creationId xmlns="" xmlns:p14="http://schemas.microsoft.com/office/powerpoint/2010/main" val="3398663238"/>
       </p:ext>
     </p:extLst>
   </p:cSld>
@@ -9525,7 +9525,7 @@
             <a:fld id="{500C9B02-63A3-4BC9-94F1-A91AB2B1B62F}" type="datetimeFigureOut">
               <a:rPr lang="en-US" smtClean="0"/>
               <a:pPr/>
-              <a:t>6/15/2015</a:t>
+              <a:t>6/16/2015</a:t>
             </a:fld>
             <a:endParaRPr lang="en-US"/>
           </a:p>
@@ -9577,7 +9577,7 @@
     </p:spTree>
     <p:extLst>
       <p:ext uri="{BB962C8B-B14F-4D97-AF65-F5344CB8AC3E}">
-        <p14:creationId xmlns:p14="http://schemas.microsoft.com/office/powerpoint/2010/main" xmlns="" val="3505705185"/>
+        <p14:creationId xmlns="" xmlns:p14="http://schemas.microsoft.com/office/powerpoint/2010/main" val="3505705185"/>
       </p:ext>
     </p:extLst>
   </p:cSld>
@@ -18425,7 +18425,7 @@
             <a:fld id="{500C9B02-63A3-4BC9-94F1-A91AB2B1B62F}" type="datetimeFigureOut">
               <a:rPr lang="en-US" smtClean="0"/>
               <a:pPr/>
-              <a:t>6/15/2015</a:t>
+              <a:t>6/16/2015</a:t>
             </a:fld>
             <a:endParaRPr lang="en-US"/>
           </a:p>
@@ -18514,7 +18514,7 @@
     </p:spTree>
     <p:extLst>
       <p:ext uri="{BB962C8B-B14F-4D97-AF65-F5344CB8AC3E}">
-        <p14:creationId xmlns:p14="http://schemas.microsoft.com/office/powerpoint/2010/main" xmlns="" val="3284221378"/>
+        <p14:creationId xmlns="" xmlns:p14="http://schemas.microsoft.com/office/powerpoint/2010/main" val="3284221378"/>
       </p:ext>
     </p:extLst>
   </p:cSld>
@@ -18701,7 +18701,7 @@
             <a:fld id="{500C9B02-63A3-4BC9-94F1-A91AB2B1B62F}" type="datetimeFigureOut">
               <a:rPr lang="en-US" smtClean="0"/>
               <a:pPr/>
-              <a:t>6/15/2015</a:t>
+              <a:t>6/16/2015</a:t>
             </a:fld>
             <a:endParaRPr lang="en-US"/>
           </a:p>
@@ -18753,7 +18753,7 @@
     </p:spTree>
     <p:extLst>
       <p:ext uri="{BB962C8B-B14F-4D97-AF65-F5344CB8AC3E}">
-        <p14:creationId xmlns:p14="http://schemas.microsoft.com/office/powerpoint/2010/main" xmlns="" val="526306287"/>
+        <p14:creationId xmlns="" xmlns:p14="http://schemas.microsoft.com/office/powerpoint/2010/main" val="526306287"/>
       </p:ext>
     </p:extLst>
   </p:cSld>
@@ -19101,7 +19101,7 @@
             <a:fld id="{500C9B02-63A3-4BC9-94F1-A91AB2B1B62F}" type="datetimeFigureOut">
               <a:rPr lang="en-US" smtClean="0"/>
               <a:pPr/>
-              <a:t>6/15/2015</a:t>
+              <a:t>6/16/2015</a:t>
             </a:fld>
             <a:endParaRPr lang="en-US"/>
           </a:p>
@@ -19153,7 +19153,7 @@
     </p:spTree>
     <p:extLst>
       <p:ext uri="{BB962C8B-B14F-4D97-AF65-F5344CB8AC3E}">
-        <p14:creationId xmlns:p14="http://schemas.microsoft.com/office/powerpoint/2010/main" xmlns="" val="4293701871"/>
+        <p14:creationId xmlns="" xmlns:p14="http://schemas.microsoft.com/office/powerpoint/2010/main" val="4293701871"/>
       </p:ext>
     </p:extLst>
   </p:cSld>
@@ -19221,7 +19221,7 @@
             <a:fld id="{500C9B02-63A3-4BC9-94F1-A91AB2B1B62F}" type="datetimeFigureOut">
               <a:rPr lang="en-US" smtClean="0"/>
               <a:pPr/>
-              <a:t>6/15/2015</a:t>
+              <a:t>6/16/2015</a:t>
             </a:fld>
             <a:endParaRPr lang="en-US"/>
           </a:p>
@@ -19273,7 +19273,7 @@
     </p:spTree>
     <p:extLst>
       <p:ext uri="{BB962C8B-B14F-4D97-AF65-F5344CB8AC3E}">
-        <p14:creationId xmlns:p14="http://schemas.microsoft.com/office/powerpoint/2010/main" xmlns="" val="4212152486"/>
+        <p14:creationId xmlns="" xmlns:p14="http://schemas.microsoft.com/office/powerpoint/2010/main" val="4212152486"/>
       </p:ext>
     </p:extLst>
   </p:cSld>
@@ -19318,7 +19318,7 @@
             <a:fld id="{500C9B02-63A3-4BC9-94F1-A91AB2B1B62F}" type="datetimeFigureOut">
               <a:rPr lang="en-US" smtClean="0"/>
               <a:pPr/>
-              <a:t>6/15/2015</a:t>
+              <a:t>6/16/2015</a:t>
             </a:fld>
             <a:endParaRPr lang="en-US"/>
           </a:p>
@@ -19370,7 +19370,7 @@
     </p:spTree>
     <p:extLst>
       <p:ext uri="{BB962C8B-B14F-4D97-AF65-F5344CB8AC3E}">
-        <p14:creationId xmlns:p14="http://schemas.microsoft.com/office/powerpoint/2010/main" xmlns="" val="490336406"/>
+        <p14:creationId xmlns="" xmlns:p14="http://schemas.microsoft.com/office/powerpoint/2010/main" val="490336406"/>
       </p:ext>
     </p:extLst>
   </p:cSld>
@@ -19610,7 +19610,7 @@
             <a:fld id="{500C9B02-63A3-4BC9-94F1-A91AB2B1B62F}" type="datetimeFigureOut">
               <a:rPr lang="en-US" smtClean="0"/>
               <a:pPr/>
-              <a:t>6/15/2015</a:t>
+              <a:t>6/16/2015</a:t>
             </a:fld>
             <a:endParaRPr lang="en-US"/>
           </a:p>
@@ -19662,7 +19662,7 @@
     </p:spTree>
     <p:extLst>
       <p:ext uri="{BB962C8B-B14F-4D97-AF65-F5344CB8AC3E}">
-        <p14:creationId xmlns:p14="http://schemas.microsoft.com/office/powerpoint/2010/main" xmlns="" val="3525253028"/>
+        <p14:creationId xmlns="" xmlns:p14="http://schemas.microsoft.com/office/powerpoint/2010/main" val="3525253028"/>
       </p:ext>
     </p:extLst>
   </p:cSld>
@@ -19892,7 +19892,7 @@
             <a:fld id="{500C9B02-63A3-4BC9-94F1-A91AB2B1B62F}" type="datetimeFigureOut">
               <a:rPr lang="en-US" smtClean="0"/>
               <a:pPr/>
-              <a:t>6/15/2015</a:t>
+              <a:t>6/16/2015</a:t>
             </a:fld>
             <a:endParaRPr lang="en-US"/>
           </a:p>
@@ -19979,7 +19979,7 @@
     </p:spTree>
     <p:extLst>
       <p:ext uri="{BB962C8B-B14F-4D97-AF65-F5344CB8AC3E}">
-        <p14:creationId xmlns:p14="http://schemas.microsoft.com/office/powerpoint/2010/main" xmlns="" val="3471977317"/>
+        <p14:creationId xmlns="" xmlns:p14="http://schemas.microsoft.com/office/powerpoint/2010/main" val="3471977317"/>
       </p:ext>
     </p:extLst>
   </p:cSld>
@@ -20144,7 +20144,7 @@
             <a:fld id="{500C9B02-63A3-4BC9-94F1-A91AB2B1B62F}" type="datetimeFigureOut">
               <a:rPr lang="en-US" smtClean="0"/>
               <a:pPr/>
-              <a:t>6/15/2015</a:t>
+              <a:t>6/16/2015</a:t>
             </a:fld>
             <a:endParaRPr lang="en-US"/>
           </a:p>
@@ -20271,7 +20271,7 @@
     </p:spTree>
     <p:extLst>
       <p:ext uri="{BB962C8B-B14F-4D97-AF65-F5344CB8AC3E}">
-        <p14:creationId xmlns:p14="http://schemas.microsoft.com/office/powerpoint/2010/main" xmlns="" val="1352232978"/>
+        <p14:creationId xmlns="" xmlns:p14="http://schemas.microsoft.com/office/powerpoint/2010/main" val="1352232978"/>
       </p:ext>
     </p:extLst>
   </p:cSld>
@@ -20705,7 +20705,11 @@
           <a:p>
             <a:r>
               <a:rPr lang="en-US" dirty="0" smtClean="0"/>
-              <a:t>KELOMPOK 9 PRESENT </a:t>
+              <a:t>KELOMPOK </a:t>
+            </a:r>
+            <a:r>
+              <a:rPr lang="en-US" dirty="0" smtClean="0"/>
+              <a:t>PEJUANG</a:t>
             </a:r>
             <a:endParaRPr lang="en-US" dirty="0"/>
           </a:p>
@@ -20714,7 +20718,7 @@
     </p:spTree>
     <p:extLst>
       <p:ext uri="{BB962C8B-B14F-4D97-AF65-F5344CB8AC3E}">
-        <p14:creationId xmlns:p14="http://schemas.microsoft.com/office/powerpoint/2010/main" xmlns="" val="3420847315"/>
+        <p14:creationId xmlns="" xmlns:p14="http://schemas.microsoft.com/office/powerpoint/2010/main" val="3420847315"/>
       </p:ext>
     </p:extLst>
   </p:cSld>
@@ -21047,7 +21051,7 @@
           <a:blip r:embed="rId2" cstate="print">
             <a:extLst>
               <a:ext uri="{28A0092B-C50C-407E-A947-70E740481C1C}">
-                <a14:useLocalDpi xmlns:a14="http://schemas.microsoft.com/office/drawing/2010/main" xmlns="" val="0"/>
+                <a14:useLocalDpi xmlns="" xmlns:a14="http://schemas.microsoft.com/office/drawing/2010/main" val="0"/>
               </a:ext>
             </a:extLst>
           </a:blip>
@@ -21068,7 +21072,7 @@
     </p:spTree>
     <p:extLst>
       <p:ext uri="{BB962C8B-B14F-4D97-AF65-F5344CB8AC3E}">
-        <p14:creationId xmlns:p14="http://schemas.microsoft.com/office/powerpoint/2010/main" xmlns="" val="2910849362"/>
+        <p14:creationId xmlns="" xmlns:p14="http://schemas.microsoft.com/office/powerpoint/2010/main" val="2910849362"/>
       </p:ext>
     </p:extLst>
   </p:cSld>
@@ -21436,7 +21440,7 @@
           <a:blip r:embed="rId2">
             <a:extLst>
               <a:ext uri="{28A0092B-C50C-407E-A947-70E740481C1C}">
-                <a14:useLocalDpi xmlns:a14="http://schemas.microsoft.com/office/drawing/2010/main" xmlns="" val="0"/>
+                <a14:useLocalDpi xmlns="" xmlns:a14="http://schemas.microsoft.com/office/drawing/2010/main" val="0"/>
               </a:ext>
             </a:extLst>
           </a:blip>
@@ -21457,7 +21461,7 @@
     </p:spTree>
     <p:extLst>
       <p:ext uri="{BB962C8B-B14F-4D97-AF65-F5344CB8AC3E}">
-        <p14:creationId xmlns:p14="http://schemas.microsoft.com/office/powerpoint/2010/main" xmlns="" val="1946859947"/>
+        <p14:creationId xmlns="" xmlns:p14="http://schemas.microsoft.com/office/powerpoint/2010/main" val="1946859947"/>
       </p:ext>
     </p:extLst>
   </p:cSld>
@@ -21538,112 +21542,144 @@
               <a:t>1. </a:t>
             </a:r>
             <a:r>
+              <a:rPr lang="en-US" dirty="0" smtClean="0"/>
+              <a:t>Ari </a:t>
+            </a:r>
+            <a:r>
               <a:rPr lang="en-US" dirty="0" err="1" smtClean="0"/>
-              <a:t>Kasahana</a:t>
+              <a:t>Ramadhani</a:t>
+            </a:r>
+            <a:r>
+              <a:rPr lang="id-ID" dirty="0" smtClean="0"/>
+              <a:t>	</a:t>
+            </a:r>
+            <a:r>
+              <a:rPr lang="en-US" dirty="0" smtClean="0"/>
+              <a:t>	</a:t>
+            </a:r>
+            <a:r>
+              <a:rPr lang="id-ID" dirty="0" smtClean="0"/>
+              <a:t>(</a:t>
+            </a:r>
+            <a:r>
+              <a:rPr lang="en-US" dirty="0" smtClean="0"/>
+              <a:t>10.111.3202)</a:t>
+            </a:r>
+            <a:endParaRPr lang="en-US" dirty="0" smtClean="0"/>
+          </a:p>
+          <a:p>
+            <a:r>
+              <a:rPr lang="en-US" dirty="0" smtClean="0"/>
+              <a:t>2. </a:t>
+            </a:r>
+            <a:r>
+              <a:rPr lang="en-US" dirty="0" err="1" smtClean="0"/>
+              <a:t>Josua</a:t>
             </a:r>
             <a:r>
               <a:rPr lang="en-US" dirty="0" smtClean="0"/>
               <a:t> </a:t>
             </a:r>
             <a:r>
-              <a:rPr lang="id-ID" dirty="0" err="1" smtClean="0"/>
-              <a:t>I</a:t>
-            </a:r>
-            <a:r>
               <a:rPr lang="en-US" dirty="0" err="1" smtClean="0"/>
-              <a:t>ndra</a:t>
+              <a:t>Marpaung</a:t>
+            </a:r>
+            <a:r>
+              <a:rPr lang="id-ID" dirty="0" smtClean="0"/>
+              <a:t>	</a:t>
+            </a:r>
+            <a:r>
+              <a:rPr lang="en-US" dirty="0" smtClean="0"/>
+              <a:t>	(10.111.2118)</a:t>
+            </a:r>
+            <a:endParaRPr lang="en-US" dirty="0" smtClean="0"/>
+          </a:p>
+          <a:p>
+            <a:r>
+              <a:rPr lang="en-US" dirty="0" smtClean="0"/>
+              <a:t>3. </a:t>
+            </a:r>
+            <a:r>
+              <a:rPr lang="en-US" dirty="0" err="1" smtClean="0"/>
+              <a:t>Ilham</a:t>
             </a:r>
             <a:r>
               <a:rPr lang="en-US" dirty="0" smtClean="0"/>
               <a:t> </a:t>
             </a:r>
             <a:r>
-              <a:rPr lang="id-ID" dirty="0" err="1" smtClean="0"/>
-              <a:t>P</a:t>
-            </a:r>
-            <a:r>
               <a:rPr lang="en-US" dirty="0" err="1" smtClean="0"/>
-              <a:t>ratama</a:t>
+              <a:t>Wahyudi</a:t>
             </a:r>
             <a:r>
               <a:rPr lang="id-ID" dirty="0" smtClean="0"/>
-              <a:t>	(</a:t>
+              <a:t>		</a:t>
             </a:r>
             <a:r>
               <a:rPr lang="en-US" dirty="0" smtClean="0"/>
-              <a:t>12122961)</a:t>
-            </a:r>
+              <a:t>(10.111.2720)</a:t>
+            </a:r>
+            <a:endParaRPr lang="en-US" dirty="0" smtClean="0"/>
           </a:p>
           <a:p>
             <a:r>
               <a:rPr lang="en-US" dirty="0" smtClean="0"/>
-              <a:t>2. </a:t>
+              <a:t>4. </a:t>
+            </a:r>
+            <a:r>
+              <a:rPr lang="en-US" dirty="0" smtClean="0"/>
+              <a:t>Hilton </a:t>
+            </a:r>
+            <a:r>
+              <a:rPr lang="en-US" dirty="0" err="1" smtClean="0"/>
+              <a:t>Ory</a:t>
+            </a:r>
+            <a:r>
+              <a:rPr lang="en-US" dirty="0" smtClean="0"/>
+              <a:t> </a:t>
+            </a:r>
+            <a:r>
+              <a:rPr lang="en-US" dirty="0" err="1" smtClean="0"/>
+              <a:t>Sukawa</a:t>
+            </a:r>
+            <a:r>
+              <a:rPr lang="en-US" dirty="0" smtClean="0"/>
+              <a:t> </a:t>
             </a:r>
             <a:r>
               <a:rPr lang="id-ID" dirty="0" smtClean="0"/>
-              <a:t>Eri Cahyadi			</a:t>
+              <a:t>		</a:t>
             </a:r>
             <a:r>
               <a:rPr lang="en-US" dirty="0" smtClean="0"/>
-              <a:t>(12124666)</a:t>
-            </a:r>
+              <a:t>(</a:t>
+            </a:r>
+            <a:r>
+              <a:rPr lang="en-US" dirty="0" smtClean="0"/>
+              <a:t>11.111.2905)</a:t>
+            </a:r>
+            <a:endParaRPr lang="en-US" dirty="0" smtClean="0"/>
           </a:p>
           <a:p>
             <a:r>
               <a:rPr lang="en-US" dirty="0" smtClean="0"/>
-              <a:t>3. </a:t>
-            </a:r>
-            <a:r>
-              <a:rPr lang="id-ID" dirty="0" smtClean="0"/>
-              <a:t>Andrizal Mustari		</a:t>
+              <a:t>5. </a:t>
             </a:r>
             <a:r>
               <a:rPr lang="en-US" dirty="0" smtClean="0"/>
-              <a:t>(12118035)</a:t>
-            </a:r>
-          </a:p>
-          <a:p>
+              <a:t>Reza </a:t>
+            </a:r>
+            <a:r>
+              <a:rPr lang="en-US" dirty="0" err="1" smtClean="0"/>
+              <a:t>Ginting</a:t>
+            </a:r>
             <a:r>
               <a:rPr lang="en-US" dirty="0" smtClean="0"/>
-              <a:t>4. </a:t>
-            </a:r>
-            <a:r>
-              <a:rPr lang="en-US" dirty="0" err="1" smtClean="0"/>
-              <a:t>Galang</a:t>
+              <a:t>			(</a:t>
             </a:r>
             <a:r>
               <a:rPr lang="en-US" dirty="0" smtClean="0"/>
-              <a:t> </a:t>
-            </a:r>
-            <a:r>
-              <a:rPr lang="id-ID" dirty="0" err="1" smtClean="0"/>
-              <a:t>E</a:t>
-            </a:r>
-            <a:r>
-              <a:rPr lang="en-US" dirty="0" err="1" smtClean="0"/>
-              <a:t>gisty</a:t>
-            </a:r>
-            <a:r>
-              <a:rPr lang="id-ID" dirty="0" smtClean="0"/>
-              <a:t>o		</a:t>
-            </a:r>
-            <a:r>
-              <a:rPr lang="en-US" dirty="0" smtClean="0"/>
-              <a:t>(12123713)</a:t>
-            </a:r>
-          </a:p>
-          <a:p>
-            <a:r>
-              <a:rPr lang="en-US" dirty="0" smtClean="0"/>
-              <a:t>5. </a:t>
-            </a:r>
-            <a:r>
-              <a:rPr lang="id-ID" dirty="0" smtClean="0"/>
-              <a:t>Budi Yulianto</a:t>
-            </a:r>
-            <a:r>
-              <a:rPr lang="en-US" dirty="0" smtClean="0"/>
-              <a:t>			(12122616)</a:t>
+              <a:t>11.111.1993)</a:t>
             </a:r>
             <a:endParaRPr lang="en-US" dirty="0"/>
           </a:p>
@@ -21652,7 +21688,7 @@
     </p:spTree>
     <p:extLst>
       <p:ext uri="{BB962C8B-B14F-4D97-AF65-F5344CB8AC3E}">
-        <p14:creationId xmlns:p14="http://schemas.microsoft.com/office/powerpoint/2010/main" xmlns="" val="1715396240"/>
+        <p14:creationId xmlns="" xmlns:p14="http://schemas.microsoft.com/office/powerpoint/2010/main" val="1715396240"/>
       </p:ext>
     </p:extLst>
   </p:cSld>
@@ -22129,7 +22165,7 @@
           <a:blip r:embed="rId2">
             <a:extLst>
               <a:ext uri="{28A0092B-C50C-407E-A947-70E740481C1C}">
-                <a14:useLocalDpi xmlns:a14="http://schemas.microsoft.com/office/drawing/2010/main" xmlns="" val="0"/>
+                <a14:useLocalDpi xmlns="" xmlns:a14="http://schemas.microsoft.com/office/drawing/2010/main" val="0"/>
               </a:ext>
             </a:extLst>
           </a:blip>
@@ -22150,7 +22186,7 @@
     </p:spTree>
     <p:extLst>
       <p:ext uri="{BB962C8B-B14F-4D97-AF65-F5344CB8AC3E}">
-        <p14:creationId xmlns:p14="http://schemas.microsoft.com/office/powerpoint/2010/main" xmlns="" val="3349968423"/>
+        <p14:creationId xmlns="" xmlns:p14="http://schemas.microsoft.com/office/powerpoint/2010/main" val="3349968423"/>
       </p:ext>
     </p:extLst>
   </p:cSld>
@@ -24249,7 +24285,7 @@
           <a:blip r:embed="rId7" cstate="print">
             <a:extLst>
               <a:ext uri="{28A0092B-C50C-407E-A947-70E740481C1C}">
-                <a14:useLocalDpi xmlns:a14="http://schemas.microsoft.com/office/drawing/2010/main" xmlns="" val="0"/>
+                <a14:useLocalDpi xmlns="" xmlns:a14="http://schemas.microsoft.com/office/drawing/2010/main" val="0"/>
               </a:ext>
             </a:extLst>
           </a:blip>
@@ -24270,7 +24306,7 @@
     </p:spTree>
     <p:extLst>
       <p:ext uri="{BB962C8B-B14F-4D97-AF65-F5344CB8AC3E}">
-        <p14:creationId xmlns:p14="http://schemas.microsoft.com/office/powerpoint/2010/main" xmlns="" val="4077646618"/>
+        <p14:creationId xmlns="" xmlns:p14="http://schemas.microsoft.com/office/powerpoint/2010/main" val="4077646618"/>
       </p:ext>
     </p:extLst>
   </p:cSld>
@@ -25028,7 +25064,7 @@
           <a:blip r:embed="rId2">
             <a:extLst>
               <a:ext uri="{28A0092B-C50C-407E-A947-70E740481C1C}">
-                <a14:useLocalDpi xmlns:a14="http://schemas.microsoft.com/office/drawing/2010/main" xmlns="" val="0"/>
+                <a14:useLocalDpi xmlns="" xmlns:a14="http://schemas.microsoft.com/office/drawing/2010/main" val="0"/>
               </a:ext>
             </a:extLst>
           </a:blip>
@@ -25058,7 +25094,7 @@
           <a:blip r:embed="rId3" cstate="print">
             <a:extLst>
               <a:ext uri="{28A0092B-C50C-407E-A947-70E740481C1C}">
-                <a14:useLocalDpi xmlns:a14="http://schemas.microsoft.com/office/drawing/2010/main" xmlns="" val="0"/>
+                <a14:useLocalDpi xmlns="" xmlns:a14="http://schemas.microsoft.com/office/drawing/2010/main" val="0"/>
               </a:ext>
             </a:extLst>
           </a:blip>
@@ -25079,7 +25115,7 @@
     </p:spTree>
     <p:extLst>
       <p:ext uri="{BB962C8B-B14F-4D97-AF65-F5344CB8AC3E}">
-        <p14:creationId xmlns:p14="http://schemas.microsoft.com/office/powerpoint/2010/main" xmlns="" val="2772349537"/>
+        <p14:creationId xmlns="" xmlns:p14="http://schemas.microsoft.com/office/powerpoint/2010/main" val="2772349537"/>
       </p:ext>
     </p:extLst>
   </p:cSld>
@@ -25752,7 +25788,7 @@
           <a:blip r:embed="rId2" cstate="print">
             <a:extLst>
               <a:ext uri="{28A0092B-C50C-407E-A947-70E740481C1C}">
-                <a14:useLocalDpi xmlns:a14="http://schemas.microsoft.com/office/drawing/2010/main" xmlns="" val="0"/>
+                <a14:useLocalDpi xmlns="" xmlns:a14="http://schemas.microsoft.com/office/drawing/2010/main" val="0"/>
               </a:ext>
             </a:extLst>
           </a:blip>
@@ -25773,7 +25809,7 @@
     </p:spTree>
     <p:extLst>
       <p:ext uri="{BB962C8B-B14F-4D97-AF65-F5344CB8AC3E}">
-        <p14:creationId xmlns:p14="http://schemas.microsoft.com/office/powerpoint/2010/main" xmlns="" val="2922175094"/>
+        <p14:creationId xmlns="" xmlns:p14="http://schemas.microsoft.com/office/powerpoint/2010/main" val="2922175094"/>
       </p:ext>
     </p:extLst>
   </p:cSld>
@@ -26607,7 +26643,7 @@
           <a:blip r:embed="rId2" cstate="print">
             <a:extLst>
               <a:ext uri="{28A0092B-C50C-407E-A947-70E740481C1C}">
-                <a14:useLocalDpi xmlns:a14="http://schemas.microsoft.com/office/drawing/2010/main" xmlns="" val="0"/>
+                <a14:useLocalDpi xmlns="" xmlns:a14="http://schemas.microsoft.com/office/drawing/2010/main" val="0"/>
               </a:ext>
             </a:extLst>
           </a:blip>
@@ -26628,7 +26664,7 @@
     </p:spTree>
     <p:extLst>
       <p:ext uri="{BB962C8B-B14F-4D97-AF65-F5344CB8AC3E}">
-        <p14:creationId xmlns:p14="http://schemas.microsoft.com/office/powerpoint/2010/main" xmlns="" val="3355884736"/>
+        <p14:creationId xmlns="" xmlns:p14="http://schemas.microsoft.com/office/powerpoint/2010/main" val="3355884736"/>
       </p:ext>
     </p:extLst>
   </p:cSld>
@@ -27176,7 +27212,7 @@
           <a:blip r:embed="rId2" cstate="print">
             <a:extLst>
               <a:ext uri="{28A0092B-C50C-407E-A947-70E740481C1C}">
-                <a14:useLocalDpi xmlns:a14="http://schemas.microsoft.com/office/drawing/2010/main" xmlns="" val="0"/>
+                <a14:useLocalDpi xmlns="" xmlns:a14="http://schemas.microsoft.com/office/drawing/2010/main" val="0"/>
               </a:ext>
             </a:extLst>
           </a:blip>
@@ -27197,7 +27233,7 @@
     </p:spTree>
     <p:extLst>
       <p:ext uri="{BB962C8B-B14F-4D97-AF65-F5344CB8AC3E}">
-        <p14:creationId xmlns:p14="http://schemas.microsoft.com/office/powerpoint/2010/main" xmlns="" val="2676742917"/>
+        <p14:creationId xmlns="" xmlns:p14="http://schemas.microsoft.com/office/powerpoint/2010/main" val="2676742917"/>
       </p:ext>
     </p:extLst>
   </p:cSld>
@@ -27722,7 +27758,7 @@
           <a:blip r:embed="rId2" cstate="print">
             <a:extLst>
               <a:ext uri="{28A0092B-C50C-407E-A947-70E740481C1C}">
-                <a14:useLocalDpi xmlns:a14="http://schemas.microsoft.com/office/drawing/2010/main" xmlns="" val="0"/>
+                <a14:useLocalDpi xmlns="" xmlns:a14="http://schemas.microsoft.com/office/drawing/2010/main" val="0"/>
               </a:ext>
             </a:extLst>
           </a:blip>
@@ -27743,7 +27779,7 @@
     </p:spTree>
     <p:extLst>
       <p:ext uri="{BB962C8B-B14F-4D97-AF65-F5344CB8AC3E}">
-        <p14:creationId xmlns:p14="http://schemas.microsoft.com/office/powerpoint/2010/main" xmlns="" val="4241905287"/>
+        <p14:creationId xmlns="" xmlns:p14="http://schemas.microsoft.com/office/powerpoint/2010/main" val="4241905287"/>
       </p:ext>
     </p:extLst>
   </p:cSld>
@@ -28281,7 +28317,7 @@
   <a:extraClrSchemeLst/>
   <a:extLst>
     <a:ext uri="{05A4C25C-085E-4340-85A3-A5531E510DB2}">
-      <thm15:themeFamily xmlns:thm15="http://schemas.microsoft.com/office/thememl/2012/main" xmlns="" name="Integral" id="{3577F8C9-A904-41D8-97D2-FD898F53F20E}" vid="{682D6EBE-8D36-4FF2-9DB3-F3D8D7B6715D}"/>
+      <thm15:themeFamily xmlns="" xmlns:thm15="http://schemas.microsoft.com/office/thememl/2012/main" name="Integral" id="{3577F8C9-A904-41D8-97D2-FD898F53F20E}" vid="{682D6EBE-8D36-4FF2-9DB3-F3D8D7B6715D}"/>
     </a:ext>
   </a:extLst>
 </a:theme>

--- a/pptpresentasieptikhacking-140615110436-phpapp01.pptx
+++ b/pptpresentasieptikhacking-140615110436-phpapp01.pptx
@@ -116,7 +116,7 @@
   </p:defaultTextStyle>
   <p:extLst>
     <p:ext uri="{EFAFB233-063F-42B5-8137-9DF3F51BA10A}">
-      <p15:sldGuideLst xmlns="" xmlns:p15="http://schemas.microsoft.com/office/powerpoint/2012/main">
+      <p15:sldGuideLst xmlns:p15="http://schemas.microsoft.com/office/powerpoint/2012/main" xmlns="">
         <p15:guide id="1" orient="horz" pos="2160">
           <p15:clr>
             <a:srgbClr val="A4A3A4"/>
@@ -9016,7 +9016,7 @@
     </p:spTree>
     <p:extLst>
       <p:ext uri="{BB962C8B-B14F-4D97-AF65-F5344CB8AC3E}">
-        <p14:creationId xmlns="" xmlns:p14="http://schemas.microsoft.com/office/powerpoint/2010/main" val="3654701431"/>
+        <p14:creationId xmlns:p14="http://schemas.microsoft.com/office/powerpoint/2010/main" xmlns="" val="3654701431"/>
       </p:ext>
     </p:extLst>
   </p:cSld>
@@ -9188,7 +9188,7 @@
     </p:spTree>
     <p:extLst>
       <p:ext uri="{BB962C8B-B14F-4D97-AF65-F5344CB8AC3E}">
-        <p14:creationId xmlns="" xmlns:p14="http://schemas.microsoft.com/office/powerpoint/2010/main" val="1541394338"/>
+        <p14:creationId xmlns:p14="http://schemas.microsoft.com/office/powerpoint/2010/main" xmlns="" val="1541394338"/>
       </p:ext>
     </p:extLst>
   </p:cSld>
@@ -9405,7 +9405,7 @@
     </p:spTree>
     <p:extLst>
       <p:ext uri="{BB962C8B-B14F-4D97-AF65-F5344CB8AC3E}">
-        <p14:creationId xmlns="" xmlns:p14="http://schemas.microsoft.com/office/powerpoint/2010/main" val="3398663238"/>
+        <p14:creationId xmlns:p14="http://schemas.microsoft.com/office/powerpoint/2010/main" xmlns="" val="3398663238"/>
       </p:ext>
     </p:extLst>
   </p:cSld>
@@ -9577,7 +9577,7 @@
     </p:spTree>
     <p:extLst>
       <p:ext uri="{BB962C8B-B14F-4D97-AF65-F5344CB8AC3E}">
-        <p14:creationId xmlns="" xmlns:p14="http://schemas.microsoft.com/office/powerpoint/2010/main" val="3505705185"/>
+        <p14:creationId xmlns:p14="http://schemas.microsoft.com/office/powerpoint/2010/main" xmlns="" val="3505705185"/>
       </p:ext>
     </p:extLst>
   </p:cSld>
@@ -18514,7 +18514,7 @@
     </p:spTree>
     <p:extLst>
       <p:ext uri="{BB962C8B-B14F-4D97-AF65-F5344CB8AC3E}">
-        <p14:creationId xmlns="" xmlns:p14="http://schemas.microsoft.com/office/powerpoint/2010/main" val="3284221378"/>
+        <p14:creationId xmlns:p14="http://schemas.microsoft.com/office/powerpoint/2010/main" xmlns="" val="3284221378"/>
       </p:ext>
     </p:extLst>
   </p:cSld>
@@ -18753,7 +18753,7 @@
     </p:spTree>
     <p:extLst>
       <p:ext uri="{BB962C8B-B14F-4D97-AF65-F5344CB8AC3E}">
-        <p14:creationId xmlns="" xmlns:p14="http://schemas.microsoft.com/office/powerpoint/2010/main" val="526306287"/>
+        <p14:creationId xmlns:p14="http://schemas.microsoft.com/office/powerpoint/2010/main" xmlns="" val="526306287"/>
       </p:ext>
     </p:extLst>
   </p:cSld>
@@ -19153,7 +19153,7 @@
     </p:spTree>
     <p:extLst>
       <p:ext uri="{BB962C8B-B14F-4D97-AF65-F5344CB8AC3E}">
-        <p14:creationId xmlns="" xmlns:p14="http://schemas.microsoft.com/office/powerpoint/2010/main" val="4293701871"/>
+        <p14:creationId xmlns:p14="http://schemas.microsoft.com/office/powerpoint/2010/main" xmlns="" val="4293701871"/>
       </p:ext>
     </p:extLst>
   </p:cSld>
@@ -19273,7 +19273,7 @@
     </p:spTree>
     <p:extLst>
       <p:ext uri="{BB962C8B-B14F-4D97-AF65-F5344CB8AC3E}">
-        <p14:creationId xmlns="" xmlns:p14="http://schemas.microsoft.com/office/powerpoint/2010/main" val="4212152486"/>
+        <p14:creationId xmlns:p14="http://schemas.microsoft.com/office/powerpoint/2010/main" xmlns="" val="4212152486"/>
       </p:ext>
     </p:extLst>
   </p:cSld>
@@ -19370,7 +19370,7 @@
     </p:spTree>
     <p:extLst>
       <p:ext uri="{BB962C8B-B14F-4D97-AF65-F5344CB8AC3E}">
-        <p14:creationId xmlns="" xmlns:p14="http://schemas.microsoft.com/office/powerpoint/2010/main" val="490336406"/>
+        <p14:creationId xmlns:p14="http://schemas.microsoft.com/office/powerpoint/2010/main" xmlns="" val="490336406"/>
       </p:ext>
     </p:extLst>
   </p:cSld>
@@ -19662,7 +19662,7 @@
     </p:spTree>
     <p:extLst>
       <p:ext uri="{BB962C8B-B14F-4D97-AF65-F5344CB8AC3E}">
-        <p14:creationId xmlns="" xmlns:p14="http://schemas.microsoft.com/office/powerpoint/2010/main" val="3525253028"/>
+        <p14:creationId xmlns:p14="http://schemas.microsoft.com/office/powerpoint/2010/main" xmlns="" val="3525253028"/>
       </p:ext>
     </p:extLst>
   </p:cSld>
@@ -19979,7 +19979,7 @@
     </p:spTree>
     <p:extLst>
       <p:ext uri="{BB962C8B-B14F-4D97-AF65-F5344CB8AC3E}">
-        <p14:creationId xmlns="" xmlns:p14="http://schemas.microsoft.com/office/powerpoint/2010/main" val="3471977317"/>
+        <p14:creationId xmlns:p14="http://schemas.microsoft.com/office/powerpoint/2010/main" xmlns="" val="3471977317"/>
       </p:ext>
     </p:extLst>
   </p:cSld>
@@ -20271,7 +20271,7 @@
     </p:spTree>
     <p:extLst>
       <p:ext uri="{BB962C8B-B14F-4D97-AF65-F5344CB8AC3E}">
-        <p14:creationId xmlns="" xmlns:p14="http://schemas.microsoft.com/office/powerpoint/2010/main" val="1352232978"/>
+        <p14:creationId xmlns:p14="http://schemas.microsoft.com/office/powerpoint/2010/main" xmlns="" val="1352232978"/>
       </p:ext>
     </p:extLst>
   </p:cSld>
@@ -20705,11 +20705,7 @@
           <a:p>
             <a:r>
               <a:rPr lang="en-US" dirty="0" smtClean="0"/>
-              <a:t>KELOMPOK </a:t>
-            </a:r>
-            <a:r>
-              <a:rPr lang="en-US" dirty="0" smtClean="0"/>
-              <a:t>PEJUANG</a:t>
+              <a:t>KELOMPOK PEJUANG</a:t>
             </a:r>
             <a:endParaRPr lang="en-US" dirty="0"/>
           </a:p>
@@ -20718,7 +20714,7 @@
     </p:spTree>
     <p:extLst>
       <p:ext uri="{BB962C8B-B14F-4D97-AF65-F5344CB8AC3E}">
-        <p14:creationId xmlns="" xmlns:p14="http://schemas.microsoft.com/office/powerpoint/2010/main" val="3420847315"/>
+        <p14:creationId xmlns:p14="http://schemas.microsoft.com/office/powerpoint/2010/main" xmlns="" val="3420847315"/>
       </p:ext>
     </p:extLst>
   </p:cSld>
@@ -21051,7 +21047,7 @@
           <a:blip r:embed="rId2" cstate="print">
             <a:extLst>
               <a:ext uri="{28A0092B-C50C-407E-A947-70E740481C1C}">
-                <a14:useLocalDpi xmlns="" xmlns:a14="http://schemas.microsoft.com/office/drawing/2010/main" val="0"/>
+                <a14:useLocalDpi xmlns:a14="http://schemas.microsoft.com/office/drawing/2010/main" xmlns="" val="0"/>
               </a:ext>
             </a:extLst>
           </a:blip>
@@ -21072,7 +21068,7 @@
     </p:spTree>
     <p:extLst>
       <p:ext uri="{BB962C8B-B14F-4D97-AF65-F5344CB8AC3E}">
-        <p14:creationId xmlns="" xmlns:p14="http://schemas.microsoft.com/office/powerpoint/2010/main" val="2910849362"/>
+        <p14:creationId xmlns:p14="http://schemas.microsoft.com/office/powerpoint/2010/main" xmlns="" val="2910849362"/>
       </p:ext>
     </p:extLst>
   </p:cSld>
@@ -21440,7 +21436,7 @@
           <a:blip r:embed="rId2">
             <a:extLst>
               <a:ext uri="{28A0092B-C50C-407E-A947-70E740481C1C}">
-                <a14:useLocalDpi xmlns="" xmlns:a14="http://schemas.microsoft.com/office/drawing/2010/main" val="0"/>
+                <a14:useLocalDpi xmlns:a14="http://schemas.microsoft.com/office/drawing/2010/main" xmlns="" val="0"/>
               </a:ext>
             </a:extLst>
           </a:blip>
@@ -21461,7 +21457,7 @@
     </p:spTree>
     <p:extLst>
       <p:ext uri="{BB962C8B-B14F-4D97-AF65-F5344CB8AC3E}">
-        <p14:creationId xmlns="" xmlns:p14="http://schemas.microsoft.com/office/powerpoint/2010/main" val="1946859947"/>
+        <p14:creationId xmlns:p14="http://schemas.microsoft.com/office/powerpoint/2010/main" xmlns="" val="1946859947"/>
       </p:ext>
     </p:extLst>
   </p:cSld>
@@ -21539,11 +21535,7 @@
           <a:p>
             <a:r>
               <a:rPr lang="en-US" dirty="0" smtClean="0"/>
-              <a:t>1. </a:t>
-            </a:r>
-            <a:r>
-              <a:rPr lang="en-US" dirty="0" smtClean="0"/>
-              <a:t>Ari </a:t>
+              <a:t>1. Ari </a:t>
             </a:r>
             <a:r>
               <a:rPr lang="en-US" dirty="0" err="1" smtClean="0"/>
@@ -21565,7 +21557,6 @@
               <a:rPr lang="en-US" dirty="0" smtClean="0"/>
               <a:t>10.111.3202)</a:t>
             </a:r>
-            <a:endParaRPr lang="en-US" dirty="0" smtClean="0"/>
           </a:p>
           <a:p>
             <a:r>
@@ -21592,7 +21583,6 @@
               <a:rPr lang="en-US" dirty="0" smtClean="0"/>
               <a:t>	(10.111.2118)</a:t>
             </a:r>
-            <a:endParaRPr lang="en-US" dirty="0" smtClean="0"/>
           </a:p>
           <a:p>
             <a:r>
@@ -21619,16 +21609,11 @@
               <a:rPr lang="en-US" dirty="0" smtClean="0"/>
               <a:t>(10.111.2720)</a:t>
             </a:r>
-            <a:endParaRPr lang="en-US" dirty="0" smtClean="0"/>
           </a:p>
           <a:p>
             <a:r>
               <a:rPr lang="en-US" dirty="0" smtClean="0"/>
-              <a:t>4. </a:t>
-            </a:r>
-            <a:r>
-              <a:rPr lang="en-US" dirty="0" smtClean="0"/>
-              <a:t>Hilton </a:t>
+              <a:t>4. Hilton </a:t>
             </a:r>
             <a:r>
               <a:rPr lang="en-US" dirty="0" err="1" smtClean="0"/>
@@ -21652,22 +21637,13 @@
             </a:r>
             <a:r>
               <a:rPr lang="en-US" dirty="0" smtClean="0"/>
-              <a:t>(</a:t>
-            </a:r>
-            <a:r>
-              <a:rPr lang="en-US" dirty="0" smtClean="0"/>
-              <a:t>11.111.2905)</a:t>
-            </a:r>
-            <a:endParaRPr lang="en-US" dirty="0" smtClean="0"/>
+              <a:t>(11.111.2905)</a:t>
+            </a:r>
           </a:p>
           <a:p>
             <a:r>
               <a:rPr lang="en-US" dirty="0" smtClean="0"/>
-              <a:t>5. </a:t>
-            </a:r>
-            <a:r>
-              <a:rPr lang="en-US" dirty="0" smtClean="0"/>
-              <a:t>Reza </a:t>
+              <a:t>5. Reza </a:t>
             </a:r>
             <a:r>
               <a:rPr lang="en-US" dirty="0" err="1" smtClean="0"/>
@@ -21675,11 +21651,7 @@
             </a:r>
             <a:r>
               <a:rPr lang="en-US" dirty="0" smtClean="0"/>
-              <a:t>			(</a:t>
-            </a:r>
-            <a:r>
-              <a:rPr lang="en-US" dirty="0" smtClean="0"/>
-              <a:t>11.111.1993)</a:t>
+              <a:t>			(11.111.1993)</a:t>
             </a:r>
             <a:endParaRPr lang="en-US" dirty="0"/>
           </a:p>
@@ -21688,7 +21660,7 @@
     </p:spTree>
     <p:extLst>
       <p:ext uri="{BB962C8B-B14F-4D97-AF65-F5344CB8AC3E}">
-        <p14:creationId xmlns="" xmlns:p14="http://schemas.microsoft.com/office/powerpoint/2010/main" val="1715396240"/>
+        <p14:creationId xmlns:p14="http://schemas.microsoft.com/office/powerpoint/2010/main" xmlns="" val="1715396240"/>
       </p:ext>
     </p:extLst>
   </p:cSld>
@@ -22165,7 +22137,7 @@
           <a:blip r:embed="rId2">
             <a:extLst>
               <a:ext uri="{28A0092B-C50C-407E-A947-70E740481C1C}">
-                <a14:useLocalDpi xmlns="" xmlns:a14="http://schemas.microsoft.com/office/drawing/2010/main" val="0"/>
+                <a14:useLocalDpi xmlns:a14="http://schemas.microsoft.com/office/drawing/2010/main" xmlns="" val="0"/>
               </a:ext>
             </a:extLst>
           </a:blip>
@@ -22186,7 +22158,7 @@
     </p:spTree>
     <p:extLst>
       <p:ext uri="{BB962C8B-B14F-4D97-AF65-F5344CB8AC3E}">
-        <p14:creationId xmlns="" xmlns:p14="http://schemas.microsoft.com/office/powerpoint/2010/main" val="3349968423"/>
+        <p14:creationId xmlns:p14="http://schemas.microsoft.com/office/powerpoint/2010/main" xmlns="" val="3349968423"/>
       </p:ext>
     </p:extLst>
   </p:cSld>
@@ -24285,7 +24257,7 @@
           <a:blip r:embed="rId7" cstate="print">
             <a:extLst>
               <a:ext uri="{28A0092B-C50C-407E-A947-70E740481C1C}">
-                <a14:useLocalDpi xmlns="" xmlns:a14="http://schemas.microsoft.com/office/drawing/2010/main" val="0"/>
+                <a14:useLocalDpi xmlns:a14="http://schemas.microsoft.com/office/drawing/2010/main" xmlns="" val="0"/>
               </a:ext>
             </a:extLst>
           </a:blip>
@@ -24306,7 +24278,7 @@
     </p:spTree>
     <p:extLst>
       <p:ext uri="{BB962C8B-B14F-4D97-AF65-F5344CB8AC3E}">
-        <p14:creationId xmlns="" xmlns:p14="http://schemas.microsoft.com/office/powerpoint/2010/main" val="4077646618"/>
+        <p14:creationId xmlns:p14="http://schemas.microsoft.com/office/powerpoint/2010/main" xmlns="" val="4077646618"/>
       </p:ext>
     </p:extLst>
   </p:cSld>
@@ -25064,7 +25036,7 @@
           <a:blip r:embed="rId2">
             <a:extLst>
               <a:ext uri="{28A0092B-C50C-407E-A947-70E740481C1C}">
-                <a14:useLocalDpi xmlns="" xmlns:a14="http://schemas.microsoft.com/office/drawing/2010/main" val="0"/>
+                <a14:useLocalDpi xmlns:a14="http://schemas.microsoft.com/office/drawing/2010/main" xmlns="" val="0"/>
               </a:ext>
             </a:extLst>
           </a:blip>
@@ -25094,7 +25066,7 @@
           <a:blip r:embed="rId3" cstate="print">
             <a:extLst>
               <a:ext uri="{28A0092B-C50C-407E-A947-70E740481C1C}">
-                <a14:useLocalDpi xmlns="" xmlns:a14="http://schemas.microsoft.com/office/drawing/2010/main" val="0"/>
+                <a14:useLocalDpi xmlns:a14="http://schemas.microsoft.com/office/drawing/2010/main" xmlns="" val="0"/>
               </a:ext>
             </a:extLst>
           </a:blip>
@@ -25115,7 +25087,7 @@
     </p:spTree>
     <p:extLst>
       <p:ext uri="{BB962C8B-B14F-4D97-AF65-F5344CB8AC3E}">
-        <p14:creationId xmlns="" xmlns:p14="http://schemas.microsoft.com/office/powerpoint/2010/main" val="2772349537"/>
+        <p14:creationId xmlns:p14="http://schemas.microsoft.com/office/powerpoint/2010/main" xmlns="" val="2772349537"/>
       </p:ext>
     </p:extLst>
   </p:cSld>
@@ -25363,23 +25335,38 @@
           <a:lstStyle/>
           <a:p>
             <a:r>
-              <a:rPr lang="en-US" dirty="0" smtClean="0"/>
+              <a:rPr lang="en-US" dirty="0" smtClean="0">
+                <a:latin typeface="Times New Roman" pitchFamily="18" charset="0"/>
+                <a:cs typeface="Times New Roman" pitchFamily="18" charset="0"/>
+              </a:rPr>
               <a:t>1. </a:t>
             </a:r>
             <a:r>
-              <a:rPr lang="en-US" dirty="0" err="1" smtClean="0"/>
+              <a:rPr lang="en-US" dirty="0" err="1" smtClean="0">
+                <a:latin typeface="Times New Roman" pitchFamily="18" charset="0"/>
+                <a:cs typeface="Times New Roman" pitchFamily="18" charset="0"/>
+              </a:rPr>
               <a:t>Menurut</a:t>
             </a:r>
             <a:r>
-              <a:rPr lang="en-US" dirty="0" smtClean="0"/>
+              <a:rPr lang="en-US" dirty="0" smtClean="0">
+                <a:latin typeface="Times New Roman" pitchFamily="18" charset="0"/>
+                <a:cs typeface="Times New Roman" pitchFamily="18" charset="0"/>
+              </a:rPr>
               <a:t> orang </a:t>
             </a:r>
             <a:r>
-              <a:rPr lang="en-US" dirty="0" err="1" smtClean="0"/>
+              <a:rPr lang="en-US" dirty="0" err="1" smtClean="0">
+                <a:latin typeface="Times New Roman" pitchFamily="18" charset="0"/>
+                <a:cs typeface="Times New Roman" pitchFamily="18" charset="0"/>
+              </a:rPr>
               <a:t>awam</a:t>
             </a:r>
             <a:r>
-              <a:rPr lang="en-US" dirty="0" smtClean="0"/>
+              <a:rPr lang="en-US" dirty="0" smtClean="0">
+                <a:latin typeface="Times New Roman" pitchFamily="18" charset="0"/>
+                <a:cs typeface="Times New Roman" pitchFamily="18" charset="0"/>
+              </a:rPr>
               <a:t>.</a:t>
             </a:r>
           </a:p>
@@ -25388,95 +25375,164 @@
               <a:buNone/>
             </a:pPr>
             <a:r>
-              <a:rPr lang="en-US" dirty="0" smtClean="0"/>
+              <a:rPr lang="en-US" dirty="0" smtClean="0">
+                <a:latin typeface="Times New Roman" pitchFamily="18" charset="0"/>
+                <a:cs typeface="Times New Roman" pitchFamily="18" charset="0"/>
+              </a:rPr>
               <a:t>	Hacker </a:t>
             </a:r>
             <a:r>
-              <a:rPr lang="en-US" dirty="0" err="1"/>
+              <a:rPr lang="en-US" dirty="0" err="1">
+                <a:latin typeface="Times New Roman" pitchFamily="18" charset="0"/>
+                <a:cs typeface="Times New Roman" pitchFamily="18" charset="0"/>
+              </a:rPr>
               <a:t>adalah</a:t>
             </a:r>
             <a:r>
-              <a:rPr lang="en-US" dirty="0"/>
+              <a:rPr lang="en-US" dirty="0">
+                <a:latin typeface="Times New Roman" pitchFamily="18" charset="0"/>
+                <a:cs typeface="Times New Roman" pitchFamily="18" charset="0"/>
+              </a:rPr>
               <a:t> </a:t>
             </a:r>
             <a:r>
-              <a:rPr lang="en-US" dirty="0" err="1"/>
+              <a:rPr lang="en-US" dirty="0" err="1">
+                <a:latin typeface="Times New Roman" pitchFamily="18" charset="0"/>
+                <a:cs typeface="Times New Roman" pitchFamily="18" charset="0"/>
+              </a:rPr>
               <a:t>seseorang</a:t>
             </a:r>
             <a:r>
-              <a:rPr lang="en-US" dirty="0"/>
+              <a:rPr lang="en-US" dirty="0">
+                <a:latin typeface="Times New Roman" pitchFamily="18" charset="0"/>
+                <a:cs typeface="Times New Roman" pitchFamily="18" charset="0"/>
+              </a:rPr>
               <a:t> </a:t>
             </a:r>
             <a:r>
-              <a:rPr lang="en-US" dirty="0" err="1"/>
+              <a:rPr lang="en-US" dirty="0" err="1">
+                <a:latin typeface="Times New Roman" pitchFamily="18" charset="0"/>
+                <a:cs typeface="Times New Roman" pitchFamily="18" charset="0"/>
+              </a:rPr>
               <a:t>yg</a:t>
             </a:r>
             <a:r>
-              <a:rPr lang="en-US" dirty="0"/>
+              <a:rPr lang="en-US" dirty="0">
+                <a:latin typeface="Times New Roman" pitchFamily="18" charset="0"/>
+                <a:cs typeface="Times New Roman" pitchFamily="18" charset="0"/>
+              </a:rPr>
               <a:t> </a:t>
             </a:r>
             <a:r>
-              <a:rPr lang="en-US" dirty="0" err="1"/>
+              <a:rPr lang="en-US" dirty="0" err="1">
+                <a:latin typeface="Times New Roman" pitchFamily="18" charset="0"/>
+                <a:cs typeface="Times New Roman" pitchFamily="18" charset="0"/>
+              </a:rPr>
               <a:t>dapat</a:t>
             </a:r>
             <a:r>
-              <a:rPr lang="en-US" dirty="0"/>
+              <a:rPr lang="en-US" dirty="0">
+                <a:latin typeface="Times New Roman" pitchFamily="18" charset="0"/>
+                <a:cs typeface="Times New Roman" pitchFamily="18" charset="0"/>
+              </a:rPr>
               <a:t> </a:t>
             </a:r>
             <a:r>
-              <a:rPr lang="en-US" dirty="0" err="1"/>
+              <a:rPr lang="en-US" dirty="0" err="1">
+                <a:latin typeface="Times New Roman" pitchFamily="18" charset="0"/>
+                <a:cs typeface="Times New Roman" pitchFamily="18" charset="0"/>
+              </a:rPr>
               <a:t>merusak</a:t>
             </a:r>
             <a:r>
-              <a:rPr lang="en-US" dirty="0"/>
+              <a:rPr lang="en-US" dirty="0">
+                <a:latin typeface="Times New Roman" pitchFamily="18" charset="0"/>
+                <a:cs typeface="Times New Roman" pitchFamily="18" charset="0"/>
+              </a:rPr>
               <a:t> </a:t>
             </a:r>
             <a:r>
-              <a:rPr lang="en-US" dirty="0" err="1"/>
+              <a:rPr lang="en-US" dirty="0" err="1">
+                <a:latin typeface="Times New Roman" pitchFamily="18" charset="0"/>
+                <a:cs typeface="Times New Roman" pitchFamily="18" charset="0"/>
+              </a:rPr>
               <a:t>sistem</a:t>
             </a:r>
             <a:r>
-              <a:rPr lang="en-US" dirty="0"/>
+              <a:rPr lang="en-US" dirty="0">
+                <a:latin typeface="Times New Roman" pitchFamily="18" charset="0"/>
+                <a:cs typeface="Times New Roman" pitchFamily="18" charset="0"/>
+              </a:rPr>
               <a:t> </a:t>
             </a:r>
             <a:r>
-              <a:rPr lang="en-US" dirty="0" err="1"/>
+              <a:rPr lang="en-US" dirty="0" err="1">
+                <a:latin typeface="Times New Roman" pitchFamily="18" charset="0"/>
+                <a:cs typeface="Times New Roman" pitchFamily="18" charset="0"/>
+              </a:rPr>
               <a:t>keamanan</a:t>
             </a:r>
             <a:r>
-              <a:rPr lang="en-US" dirty="0"/>
+              <a:rPr lang="en-US" dirty="0">
+                <a:latin typeface="Times New Roman" pitchFamily="18" charset="0"/>
+                <a:cs typeface="Times New Roman" pitchFamily="18" charset="0"/>
+              </a:rPr>
               <a:t> </a:t>
             </a:r>
             <a:r>
-              <a:rPr lang="en-US" dirty="0" err="1"/>
+              <a:rPr lang="en-US" dirty="0" err="1">
+                <a:latin typeface="Times New Roman" pitchFamily="18" charset="0"/>
+                <a:cs typeface="Times New Roman" pitchFamily="18" charset="0"/>
+              </a:rPr>
               <a:t>dan</a:t>
             </a:r>
             <a:r>
-              <a:rPr lang="en-US" dirty="0"/>
+              <a:rPr lang="en-US" dirty="0">
+                <a:latin typeface="Times New Roman" pitchFamily="18" charset="0"/>
+                <a:cs typeface="Times New Roman" pitchFamily="18" charset="0"/>
+              </a:rPr>
               <a:t> </a:t>
             </a:r>
             <a:r>
-              <a:rPr lang="en-US" dirty="0" err="1" smtClean="0"/>
+              <a:rPr lang="en-US" dirty="0" err="1" smtClean="0">
+                <a:latin typeface="Times New Roman" pitchFamily="18" charset="0"/>
+                <a:cs typeface="Times New Roman" pitchFamily="18" charset="0"/>
+              </a:rPr>
               <a:t>mencuri</a:t>
             </a:r>
             <a:r>
-              <a:rPr lang="en-US" dirty="0" smtClean="0"/>
+              <a:rPr lang="en-US" dirty="0" smtClean="0">
+                <a:latin typeface="Times New Roman" pitchFamily="18" charset="0"/>
+                <a:cs typeface="Times New Roman" pitchFamily="18" charset="0"/>
+              </a:rPr>
               <a:t> data </a:t>
             </a:r>
             <a:r>
-              <a:rPr lang="en-US" dirty="0"/>
+              <a:rPr lang="en-US" dirty="0">
+                <a:latin typeface="Times New Roman" pitchFamily="18" charset="0"/>
+                <a:cs typeface="Times New Roman" pitchFamily="18" charset="0"/>
+              </a:rPr>
               <a:t>– data </a:t>
             </a:r>
             <a:r>
-              <a:rPr lang="en-US" dirty="0" err="1"/>
+              <a:rPr lang="en-US" dirty="0" err="1">
+                <a:latin typeface="Times New Roman" pitchFamily="18" charset="0"/>
+                <a:cs typeface="Times New Roman" pitchFamily="18" charset="0"/>
+              </a:rPr>
               <a:t>melalui</a:t>
             </a:r>
             <a:r>
-              <a:rPr lang="en-US" dirty="0"/>
+              <a:rPr lang="en-US" dirty="0">
+                <a:latin typeface="Times New Roman" pitchFamily="18" charset="0"/>
+                <a:cs typeface="Times New Roman" pitchFamily="18" charset="0"/>
+              </a:rPr>
               <a:t> internet</a:t>
             </a:r>
             <a:r>
-              <a:rPr lang="en-US" dirty="0" smtClean="0"/>
+              <a:rPr lang="en-US" dirty="0" smtClean="0">
+                <a:latin typeface="Times New Roman" pitchFamily="18" charset="0"/>
+                <a:cs typeface="Times New Roman" pitchFamily="18" charset="0"/>
+              </a:rPr>
               <a:t>.</a:t>
             </a:r>
           </a:p>
@@ -25484,22 +25540,34 @@
             <a:pPr marL="128016" lvl="1" indent="0">
               <a:buNone/>
             </a:pPr>
-            <a:endParaRPr lang="en-US" dirty="0"/>
+            <a:endParaRPr lang="en-US" dirty="0">
+              <a:latin typeface="Times New Roman" pitchFamily="18" charset="0"/>
+              <a:cs typeface="Times New Roman" pitchFamily="18" charset="0"/>
+            </a:endParaRPr>
           </a:p>
           <a:p>
             <a:pPr marL="128016" lvl="1" indent="0">
               <a:buNone/>
             </a:pPr>
             <a:r>
-              <a:rPr lang="en-US" dirty="0" smtClean="0"/>
+              <a:rPr lang="en-US" dirty="0" smtClean="0">
+                <a:latin typeface="Times New Roman" pitchFamily="18" charset="0"/>
+                <a:cs typeface="Times New Roman" pitchFamily="18" charset="0"/>
+              </a:rPr>
               <a:t>2. </a:t>
             </a:r>
             <a:r>
-              <a:rPr lang="en-US" sz="2200" dirty="0" smtClean="0"/>
+              <a:rPr lang="en-US" sz="2200" dirty="0" smtClean="0">
+                <a:latin typeface="Times New Roman" pitchFamily="18" charset="0"/>
+                <a:cs typeface="Times New Roman" pitchFamily="18" charset="0"/>
+              </a:rPr>
               <a:t>Middle IT</a:t>
             </a:r>
             <a:r>
-              <a:rPr lang="en-US" dirty="0" smtClean="0"/>
+              <a:rPr lang="en-US" dirty="0" smtClean="0">
+                <a:latin typeface="Times New Roman" pitchFamily="18" charset="0"/>
+                <a:cs typeface="Times New Roman" pitchFamily="18" charset="0"/>
+              </a:rPr>
               <a:t>.</a:t>
             </a:r>
           </a:p>
@@ -25508,135 +25576,234 @@
               <a:buNone/>
             </a:pPr>
             <a:r>
-              <a:rPr lang="en-US" dirty="0"/>
+              <a:rPr lang="en-US" dirty="0">
+                <a:latin typeface="Times New Roman" pitchFamily="18" charset="0"/>
+                <a:cs typeface="Times New Roman" pitchFamily="18" charset="0"/>
+              </a:rPr>
               <a:t>	Hacker </a:t>
             </a:r>
             <a:r>
-              <a:rPr lang="en-US" dirty="0" err="1"/>
+              <a:rPr lang="en-US" dirty="0" err="1">
+                <a:latin typeface="Times New Roman" pitchFamily="18" charset="0"/>
+                <a:cs typeface="Times New Roman" pitchFamily="18" charset="0"/>
+              </a:rPr>
               <a:t>adalah</a:t>
             </a:r>
             <a:r>
-              <a:rPr lang="en-US" dirty="0"/>
+              <a:rPr lang="en-US" dirty="0">
+                <a:latin typeface="Times New Roman" pitchFamily="18" charset="0"/>
+                <a:cs typeface="Times New Roman" pitchFamily="18" charset="0"/>
+              </a:rPr>
               <a:t> </a:t>
             </a:r>
             <a:r>
-              <a:rPr lang="en-US" dirty="0" err="1"/>
+              <a:rPr lang="en-US" dirty="0" err="1">
+                <a:latin typeface="Times New Roman" pitchFamily="18" charset="0"/>
+                <a:cs typeface="Times New Roman" pitchFamily="18" charset="0"/>
+              </a:rPr>
               <a:t>sebutan</a:t>
             </a:r>
             <a:r>
-              <a:rPr lang="en-US" dirty="0"/>
+              <a:rPr lang="en-US" dirty="0">
+                <a:latin typeface="Times New Roman" pitchFamily="18" charset="0"/>
+                <a:cs typeface="Times New Roman" pitchFamily="18" charset="0"/>
+              </a:rPr>
               <a:t> </a:t>
             </a:r>
             <a:r>
-              <a:rPr lang="en-US" dirty="0" err="1"/>
+              <a:rPr lang="en-US" dirty="0" err="1">
+                <a:latin typeface="Times New Roman" pitchFamily="18" charset="0"/>
+                <a:cs typeface="Times New Roman" pitchFamily="18" charset="0"/>
+              </a:rPr>
               <a:t>untuk</a:t>
             </a:r>
             <a:r>
-              <a:rPr lang="en-US" dirty="0"/>
+              <a:rPr lang="en-US" dirty="0">
+                <a:latin typeface="Times New Roman" pitchFamily="18" charset="0"/>
+                <a:cs typeface="Times New Roman" pitchFamily="18" charset="0"/>
+              </a:rPr>
               <a:t> </a:t>
             </a:r>
             <a:r>
-              <a:rPr lang="en-US" dirty="0" err="1"/>
+              <a:rPr lang="en-US" dirty="0" err="1">
+                <a:latin typeface="Times New Roman" pitchFamily="18" charset="0"/>
+                <a:cs typeface="Times New Roman" pitchFamily="18" charset="0"/>
+              </a:rPr>
               <a:t>mereka</a:t>
             </a:r>
             <a:r>
-              <a:rPr lang="en-US" dirty="0"/>
+              <a:rPr lang="en-US" dirty="0">
+                <a:latin typeface="Times New Roman" pitchFamily="18" charset="0"/>
+                <a:cs typeface="Times New Roman" pitchFamily="18" charset="0"/>
+              </a:rPr>
               <a:t> yang </a:t>
             </a:r>
             <a:r>
-              <a:rPr lang="en-US" dirty="0" err="1"/>
+              <a:rPr lang="en-US" dirty="0" err="1">
+                <a:latin typeface="Times New Roman" pitchFamily="18" charset="0"/>
+                <a:cs typeface="Times New Roman" pitchFamily="18" charset="0"/>
+              </a:rPr>
               <a:t>memberikan</a:t>
             </a:r>
             <a:r>
-              <a:rPr lang="en-US" dirty="0"/>
+              <a:rPr lang="en-US" dirty="0">
+                <a:latin typeface="Times New Roman" pitchFamily="18" charset="0"/>
+                <a:cs typeface="Times New Roman" pitchFamily="18" charset="0"/>
+              </a:rPr>
               <a:t> </a:t>
             </a:r>
             <a:r>
-              <a:rPr lang="en-US" dirty="0" err="1"/>
+              <a:rPr lang="en-US" dirty="0" err="1">
+                <a:latin typeface="Times New Roman" pitchFamily="18" charset="0"/>
+                <a:cs typeface="Times New Roman" pitchFamily="18" charset="0"/>
+              </a:rPr>
               <a:t>sumbangan</a:t>
             </a:r>
             <a:r>
-              <a:rPr lang="en-US" dirty="0"/>
+              <a:rPr lang="en-US" dirty="0">
+                <a:latin typeface="Times New Roman" pitchFamily="18" charset="0"/>
+                <a:cs typeface="Times New Roman" pitchFamily="18" charset="0"/>
+              </a:rPr>
               <a:t> </a:t>
             </a:r>
             <a:r>
-              <a:rPr lang="en-US" dirty="0" smtClean="0"/>
+              <a:rPr lang="en-US" dirty="0" smtClean="0">
+                <a:latin typeface="Times New Roman" pitchFamily="18" charset="0"/>
+                <a:cs typeface="Times New Roman" pitchFamily="18" charset="0"/>
+              </a:rPr>
               <a:t>yang </a:t>
             </a:r>
             <a:r>
-              <a:rPr lang="en-US" dirty="0" err="1" smtClean="0"/>
+              <a:rPr lang="en-US" dirty="0" err="1" smtClean="0">
+                <a:latin typeface="Times New Roman" pitchFamily="18" charset="0"/>
+                <a:cs typeface="Times New Roman" pitchFamily="18" charset="0"/>
+              </a:rPr>
               <a:t>bermanfaat</a:t>
             </a:r>
             <a:r>
-              <a:rPr lang="en-US" dirty="0" smtClean="0"/>
+              <a:rPr lang="en-US" dirty="0" smtClean="0">
+                <a:latin typeface="Times New Roman" pitchFamily="18" charset="0"/>
+                <a:cs typeface="Times New Roman" pitchFamily="18" charset="0"/>
+              </a:rPr>
               <a:t> </a:t>
             </a:r>
             <a:r>
-              <a:rPr lang="en-US" dirty="0" err="1"/>
+              <a:rPr lang="en-US" dirty="0" err="1">
+                <a:latin typeface="Times New Roman" pitchFamily="18" charset="0"/>
+                <a:cs typeface="Times New Roman" pitchFamily="18" charset="0"/>
+              </a:rPr>
               <a:t>kepada</a:t>
             </a:r>
             <a:r>
-              <a:rPr lang="en-US" dirty="0"/>
+              <a:rPr lang="en-US" dirty="0">
+                <a:latin typeface="Times New Roman" pitchFamily="18" charset="0"/>
+                <a:cs typeface="Times New Roman" pitchFamily="18" charset="0"/>
+              </a:rPr>
               <a:t> </a:t>
             </a:r>
             <a:r>
-              <a:rPr lang="en-US" dirty="0" err="1"/>
+              <a:rPr lang="en-US" dirty="0" err="1">
+                <a:latin typeface="Times New Roman" pitchFamily="18" charset="0"/>
+                <a:cs typeface="Times New Roman" pitchFamily="18" charset="0"/>
+              </a:rPr>
               <a:t>jaringan</a:t>
             </a:r>
             <a:r>
-              <a:rPr lang="en-US" dirty="0"/>
+              <a:rPr lang="en-US" dirty="0">
+                <a:latin typeface="Times New Roman" pitchFamily="18" charset="0"/>
+                <a:cs typeface="Times New Roman" pitchFamily="18" charset="0"/>
+              </a:rPr>
               <a:t> </a:t>
             </a:r>
             <a:r>
-              <a:rPr lang="en-US" dirty="0" err="1"/>
+              <a:rPr lang="en-US" dirty="0" err="1">
+                <a:latin typeface="Times New Roman" pitchFamily="18" charset="0"/>
+                <a:cs typeface="Times New Roman" pitchFamily="18" charset="0"/>
+              </a:rPr>
               <a:t>komputer</a:t>
             </a:r>
             <a:r>
-              <a:rPr lang="en-US" dirty="0"/>
+              <a:rPr lang="en-US" dirty="0">
+                <a:latin typeface="Times New Roman" pitchFamily="18" charset="0"/>
+                <a:cs typeface="Times New Roman" pitchFamily="18" charset="0"/>
+              </a:rPr>
               <a:t>, </a:t>
             </a:r>
             <a:r>
-              <a:rPr lang="en-US" dirty="0" err="1"/>
+              <a:rPr lang="en-US" dirty="0" err="1">
+                <a:latin typeface="Times New Roman" pitchFamily="18" charset="0"/>
+                <a:cs typeface="Times New Roman" pitchFamily="18" charset="0"/>
+              </a:rPr>
               <a:t>membuat</a:t>
             </a:r>
             <a:r>
-              <a:rPr lang="en-US" dirty="0"/>
+              <a:rPr lang="en-US" dirty="0">
+                <a:latin typeface="Times New Roman" pitchFamily="18" charset="0"/>
+                <a:cs typeface="Times New Roman" pitchFamily="18" charset="0"/>
+              </a:rPr>
               <a:t> program </a:t>
             </a:r>
             <a:r>
-              <a:rPr lang="en-US" dirty="0" err="1"/>
+              <a:rPr lang="en-US" dirty="0" err="1">
+                <a:latin typeface="Times New Roman" pitchFamily="18" charset="0"/>
+                <a:cs typeface="Times New Roman" pitchFamily="18" charset="0"/>
+              </a:rPr>
               <a:t>kecil</a:t>
             </a:r>
             <a:r>
-              <a:rPr lang="en-US" dirty="0"/>
+              <a:rPr lang="en-US" dirty="0">
+                <a:latin typeface="Times New Roman" pitchFamily="18" charset="0"/>
+                <a:cs typeface="Times New Roman" pitchFamily="18" charset="0"/>
+              </a:rPr>
               <a:t> </a:t>
             </a:r>
             <a:r>
-              <a:rPr lang="en-US" dirty="0" err="1"/>
+              <a:rPr lang="en-US" dirty="0" err="1">
+                <a:latin typeface="Times New Roman" pitchFamily="18" charset="0"/>
+                <a:cs typeface="Times New Roman" pitchFamily="18" charset="0"/>
+              </a:rPr>
               <a:t>dan</a:t>
             </a:r>
             <a:r>
-              <a:rPr lang="en-US" dirty="0"/>
+              <a:rPr lang="en-US" dirty="0">
+                <a:latin typeface="Times New Roman" pitchFamily="18" charset="0"/>
+                <a:cs typeface="Times New Roman" pitchFamily="18" charset="0"/>
+              </a:rPr>
               <a:t> </a:t>
             </a:r>
             <a:r>
-              <a:rPr lang="en-US" dirty="0" err="1" smtClean="0"/>
+              <a:rPr lang="en-US" dirty="0" err="1" smtClean="0">
+                <a:latin typeface="Times New Roman" pitchFamily="18" charset="0"/>
+                <a:cs typeface="Times New Roman" pitchFamily="18" charset="0"/>
+              </a:rPr>
               <a:t>memberikanua</a:t>
             </a:r>
             <a:r>
-              <a:rPr lang="en-US" dirty="0" smtClean="0"/>
+              <a:rPr lang="en-US" dirty="0" smtClean="0">
+                <a:latin typeface="Times New Roman" pitchFamily="18" charset="0"/>
+                <a:cs typeface="Times New Roman" pitchFamily="18" charset="0"/>
+              </a:rPr>
               <a:t> </a:t>
             </a:r>
             <a:r>
-              <a:rPr lang="en-US" dirty="0" err="1"/>
+              <a:rPr lang="en-US" dirty="0" err="1">
+                <a:latin typeface="Times New Roman" pitchFamily="18" charset="0"/>
+                <a:cs typeface="Times New Roman" pitchFamily="18" charset="0"/>
+              </a:rPr>
               <a:t>dengan</a:t>
             </a:r>
             <a:r>
-              <a:rPr lang="en-US" dirty="0"/>
+              <a:rPr lang="en-US" dirty="0">
+                <a:latin typeface="Times New Roman" pitchFamily="18" charset="0"/>
+                <a:cs typeface="Times New Roman" pitchFamily="18" charset="0"/>
+              </a:rPr>
               <a:t> orang – orang di internet</a:t>
             </a:r>
             <a:r>
-              <a:rPr lang="en-US" dirty="0" smtClean="0"/>
+              <a:rPr lang="en-US" dirty="0" smtClean="0">
+                <a:latin typeface="Times New Roman" pitchFamily="18" charset="0"/>
+                <a:cs typeface="Times New Roman" pitchFamily="18" charset="0"/>
+              </a:rPr>
               <a:t>.</a:t>
             </a:r>
           </a:p>
@@ -25644,22 +25811,34 @@
             <a:pPr marL="128016" lvl="1" indent="0">
               <a:buNone/>
             </a:pPr>
-            <a:endParaRPr lang="en-US" dirty="0"/>
+            <a:endParaRPr lang="en-US" dirty="0">
+              <a:latin typeface="Times New Roman" pitchFamily="18" charset="0"/>
+              <a:cs typeface="Times New Roman" pitchFamily="18" charset="0"/>
+            </a:endParaRPr>
           </a:p>
           <a:p>
             <a:pPr marL="128016" lvl="1" indent="0">
               <a:buNone/>
             </a:pPr>
             <a:r>
-              <a:rPr lang="en-US" dirty="0" smtClean="0"/>
+              <a:rPr lang="en-US" dirty="0" smtClean="0">
+                <a:latin typeface="Times New Roman" pitchFamily="18" charset="0"/>
+                <a:cs typeface="Times New Roman" pitchFamily="18" charset="0"/>
+              </a:rPr>
               <a:t>3. </a:t>
             </a:r>
             <a:r>
-              <a:rPr lang="en-US" sz="2200" dirty="0" err="1" smtClean="0"/>
+              <a:rPr lang="en-US" sz="2200" dirty="0" err="1" smtClean="0">
+                <a:latin typeface="Times New Roman" pitchFamily="18" charset="0"/>
+                <a:cs typeface="Times New Roman" pitchFamily="18" charset="0"/>
+              </a:rPr>
               <a:t>Hihgly</a:t>
             </a:r>
             <a:r>
-              <a:rPr lang="en-US" sz="2200" dirty="0" smtClean="0"/>
+              <a:rPr lang="en-US" sz="2200" dirty="0" smtClean="0">
+                <a:latin typeface="Times New Roman" pitchFamily="18" charset="0"/>
+                <a:cs typeface="Times New Roman" pitchFamily="18" charset="0"/>
+              </a:rPr>
               <a:t> IT.</a:t>
             </a:r>
           </a:p>
@@ -25668,109 +25847,187 @@
               <a:buNone/>
             </a:pPr>
             <a:r>
-              <a:rPr lang="en-US" sz="2200" dirty="0"/>
+              <a:rPr lang="en-US" sz="2200" dirty="0">
+                <a:latin typeface="Times New Roman" pitchFamily="18" charset="0"/>
+                <a:cs typeface="Times New Roman" pitchFamily="18" charset="0"/>
+              </a:rPr>
               <a:t>	</a:t>
             </a:r>
             <a:r>
-              <a:rPr lang="en-US" dirty="0"/>
+              <a:rPr lang="en-US" dirty="0">
+                <a:latin typeface="Times New Roman" pitchFamily="18" charset="0"/>
+                <a:cs typeface="Times New Roman" pitchFamily="18" charset="0"/>
+              </a:rPr>
               <a:t>Hacker </a:t>
             </a:r>
             <a:r>
-              <a:rPr lang="en-US" dirty="0" err="1"/>
+              <a:rPr lang="en-US" dirty="0" err="1">
+                <a:latin typeface="Times New Roman" pitchFamily="18" charset="0"/>
+                <a:cs typeface="Times New Roman" pitchFamily="18" charset="0"/>
+              </a:rPr>
               <a:t>adalah</a:t>
             </a:r>
             <a:r>
-              <a:rPr lang="en-US" dirty="0"/>
+              <a:rPr lang="en-US" dirty="0">
+                <a:latin typeface="Times New Roman" pitchFamily="18" charset="0"/>
+                <a:cs typeface="Times New Roman" pitchFamily="18" charset="0"/>
+              </a:rPr>
               <a:t> </a:t>
             </a:r>
             <a:r>
-              <a:rPr lang="en-US" dirty="0" err="1"/>
+              <a:rPr lang="en-US" dirty="0" err="1">
+                <a:latin typeface="Times New Roman" pitchFamily="18" charset="0"/>
+                <a:cs typeface="Times New Roman" pitchFamily="18" charset="0"/>
+              </a:rPr>
               <a:t>golongan</a:t>
             </a:r>
             <a:r>
-              <a:rPr lang="en-US" dirty="0"/>
+              <a:rPr lang="en-US" dirty="0">
+                <a:latin typeface="Times New Roman" pitchFamily="18" charset="0"/>
+                <a:cs typeface="Times New Roman" pitchFamily="18" charset="0"/>
+              </a:rPr>
               <a:t> orang yang </a:t>
             </a:r>
             <a:r>
-              <a:rPr lang="en-US" dirty="0" err="1"/>
+              <a:rPr lang="en-US" dirty="0" err="1">
+                <a:latin typeface="Times New Roman" pitchFamily="18" charset="0"/>
+                <a:cs typeface="Times New Roman" pitchFamily="18" charset="0"/>
+              </a:rPr>
               <a:t>sangat</a:t>
             </a:r>
             <a:r>
-              <a:rPr lang="en-US" dirty="0"/>
+              <a:rPr lang="en-US" dirty="0">
+                <a:latin typeface="Times New Roman" pitchFamily="18" charset="0"/>
+                <a:cs typeface="Times New Roman" pitchFamily="18" charset="0"/>
+              </a:rPr>
               <a:t> </a:t>
             </a:r>
             <a:r>
-              <a:rPr lang="en-US" dirty="0" err="1"/>
+              <a:rPr lang="en-US" dirty="0" err="1">
+                <a:latin typeface="Times New Roman" pitchFamily="18" charset="0"/>
+                <a:cs typeface="Times New Roman" pitchFamily="18" charset="0"/>
+              </a:rPr>
               <a:t>profesional</a:t>
             </a:r>
             <a:r>
-              <a:rPr lang="en-US" dirty="0"/>
+              <a:rPr lang="en-US" dirty="0">
+                <a:latin typeface="Times New Roman" pitchFamily="18" charset="0"/>
+                <a:cs typeface="Times New Roman" pitchFamily="18" charset="0"/>
+              </a:rPr>
               <a:t> di </a:t>
             </a:r>
             <a:r>
-              <a:rPr lang="en-US" dirty="0" err="1"/>
+              <a:rPr lang="en-US" dirty="0" err="1">
+                <a:latin typeface="Times New Roman" pitchFamily="18" charset="0"/>
+                <a:cs typeface="Times New Roman" pitchFamily="18" charset="0"/>
+              </a:rPr>
               <a:t>bidang</a:t>
             </a:r>
             <a:r>
-              <a:rPr lang="en-US" dirty="0"/>
+              <a:rPr lang="en-US" dirty="0">
+                <a:latin typeface="Times New Roman" pitchFamily="18" charset="0"/>
+                <a:cs typeface="Times New Roman" pitchFamily="18" charset="0"/>
+              </a:rPr>
               <a:t> IT </a:t>
             </a:r>
             <a:r>
-              <a:rPr lang="en-US" dirty="0" err="1"/>
+              <a:rPr lang="en-US" dirty="0" err="1">
+                <a:latin typeface="Times New Roman" pitchFamily="18" charset="0"/>
+                <a:cs typeface="Times New Roman" pitchFamily="18" charset="0"/>
+              </a:rPr>
               <a:t>dan</a:t>
             </a:r>
-            <a:endParaRPr lang="en-US" dirty="0"/>
+            <a:endParaRPr lang="en-US" dirty="0">
+              <a:latin typeface="Times New Roman" pitchFamily="18" charset="0"/>
+              <a:cs typeface="Times New Roman" pitchFamily="18" charset="0"/>
+            </a:endParaRPr>
           </a:p>
           <a:p>
             <a:pPr marL="128016" lvl="1" indent="0">
               <a:buNone/>
             </a:pPr>
             <a:r>
-              <a:rPr lang="en-US" dirty="0" err="1" smtClean="0"/>
+              <a:rPr lang="en-US" dirty="0" err="1" smtClean="0">
+                <a:latin typeface="Times New Roman" pitchFamily="18" charset="0"/>
+                <a:cs typeface="Times New Roman" pitchFamily="18" charset="0"/>
+              </a:rPr>
               <a:t>jaringan</a:t>
             </a:r>
             <a:r>
-              <a:rPr lang="en-US" dirty="0" smtClean="0"/>
+              <a:rPr lang="en-US" dirty="0" smtClean="0">
+                <a:latin typeface="Times New Roman" pitchFamily="18" charset="0"/>
+                <a:cs typeface="Times New Roman" pitchFamily="18" charset="0"/>
+              </a:rPr>
               <a:t> </a:t>
             </a:r>
             <a:r>
-              <a:rPr lang="en-US" dirty="0" err="1"/>
+              <a:rPr lang="en-US" dirty="0" err="1">
+                <a:latin typeface="Times New Roman" pitchFamily="18" charset="0"/>
+                <a:cs typeface="Times New Roman" pitchFamily="18" charset="0"/>
+              </a:rPr>
               <a:t>komputer</a:t>
             </a:r>
             <a:r>
-              <a:rPr lang="en-US" dirty="0"/>
+              <a:rPr lang="en-US" dirty="0">
+                <a:latin typeface="Times New Roman" pitchFamily="18" charset="0"/>
+                <a:cs typeface="Times New Roman" pitchFamily="18" charset="0"/>
+              </a:rPr>
               <a:t> </a:t>
             </a:r>
             <a:r>
-              <a:rPr lang="en-US" dirty="0" err="1"/>
+              <a:rPr lang="en-US" dirty="0" err="1">
+                <a:latin typeface="Times New Roman" pitchFamily="18" charset="0"/>
+                <a:cs typeface="Times New Roman" pitchFamily="18" charset="0"/>
+              </a:rPr>
               <a:t>dengan</a:t>
             </a:r>
             <a:r>
-              <a:rPr lang="en-US" dirty="0"/>
+              <a:rPr lang="en-US" dirty="0">
+                <a:latin typeface="Times New Roman" pitchFamily="18" charset="0"/>
+                <a:cs typeface="Times New Roman" pitchFamily="18" charset="0"/>
+              </a:rPr>
               <a:t> </a:t>
             </a:r>
             <a:r>
-              <a:rPr lang="en-US" dirty="0" err="1"/>
+              <a:rPr lang="en-US" dirty="0" err="1">
+                <a:latin typeface="Times New Roman" pitchFamily="18" charset="0"/>
+                <a:cs typeface="Times New Roman" pitchFamily="18" charset="0"/>
+              </a:rPr>
               <a:t>pembelajaran</a:t>
             </a:r>
             <a:r>
-              <a:rPr lang="en-US" dirty="0"/>
+              <a:rPr lang="en-US" dirty="0">
+                <a:latin typeface="Times New Roman" pitchFamily="18" charset="0"/>
+                <a:cs typeface="Times New Roman" pitchFamily="18" charset="0"/>
+              </a:rPr>
               <a:t> yang </a:t>
             </a:r>
             <a:r>
-              <a:rPr lang="en-US" dirty="0" err="1"/>
+              <a:rPr lang="en-US" dirty="0" err="1">
+                <a:latin typeface="Times New Roman" pitchFamily="18" charset="0"/>
+                <a:cs typeface="Times New Roman" pitchFamily="18" charset="0"/>
+              </a:rPr>
               <a:t>sangat</a:t>
             </a:r>
             <a:r>
-              <a:rPr lang="en-US" dirty="0"/>
+              <a:rPr lang="en-US" dirty="0">
+                <a:latin typeface="Times New Roman" pitchFamily="18" charset="0"/>
+                <a:cs typeface="Times New Roman" pitchFamily="18" charset="0"/>
+              </a:rPr>
               <a:t> </a:t>
             </a:r>
             <a:r>
-              <a:rPr lang="en-US" dirty="0" err="1"/>
+              <a:rPr lang="en-US" dirty="0" err="1">
+                <a:latin typeface="Times New Roman" pitchFamily="18" charset="0"/>
+                <a:cs typeface="Times New Roman" pitchFamily="18" charset="0"/>
+              </a:rPr>
               <a:t>tekun</a:t>
             </a:r>
             <a:r>
-              <a:rPr lang="en-US" dirty="0"/>
+              <a:rPr lang="en-US" dirty="0">
+                <a:latin typeface="Times New Roman" pitchFamily="18" charset="0"/>
+                <a:cs typeface="Times New Roman" pitchFamily="18" charset="0"/>
+              </a:rPr>
               <a:t>.</a:t>
             </a:r>
           </a:p>
@@ -25788,7 +26045,7 @@
           <a:blip r:embed="rId2" cstate="print">
             <a:extLst>
               <a:ext uri="{28A0092B-C50C-407E-A947-70E740481C1C}">
-                <a14:useLocalDpi xmlns="" xmlns:a14="http://schemas.microsoft.com/office/drawing/2010/main" val="0"/>
+                <a14:useLocalDpi xmlns:a14="http://schemas.microsoft.com/office/drawing/2010/main" xmlns="" val="0"/>
               </a:ext>
             </a:extLst>
           </a:blip>
@@ -25809,7 +26066,7 @@
     </p:spTree>
     <p:extLst>
       <p:ext uri="{BB962C8B-B14F-4D97-AF65-F5344CB8AC3E}">
-        <p14:creationId xmlns="" xmlns:p14="http://schemas.microsoft.com/office/powerpoint/2010/main" val="2922175094"/>
+        <p14:creationId xmlns:p14="http://schemas.microsoft.com/office/powerpoint/2010/main" xmlns="" val="2922175094"/>
       </p:ext>
     </p:extLst>
   </p:cSld>
@@ -26643,7 +26900,7 @@
           <a:blip r:embed="rId2" cstate="print">
             <a:extLst>
               <a:ext uri="{28A0092B-C50C-407E-A947-70E740481C1C}">
-                <a14:useLocalDpi xmlns="" xmlns:a14="http://schemas.microsoft.com/office/drawing/2010/main" val="0"/>
+                <a14:useLocalDpi xmlns:a14="http://schemas.microsoft.com/office/drawing/2010/main" xmlns="" val="0"/>
               </a:ext>
             </a:extLst>
           </a:blip>
@@ -26664,7 +26921,7 @@
     </p:spTree>
     <p:extLst>
       <p:ext uri="{BB962C8B-B14F-4D97-AF65-F5344CB8AC3E}">
-        <p14:creationId xmlns="" xmlns:p14="http://schemas.microsoft.com/office/powerpoint/2010/main" val="3355884736"/>
+        <p14:creationId xmlns:p14="http://schemas.microsoft.com/office/powerpoint/2010/main" xmlns="" val="3355884736"/>
       </p:ext>
     </p:extLst>
   </p:cSld>
@@ -27212,7 +27469,7 @@
           <a:blip r:embed="rId2" cstate="print">
             <a:extLst>
               <a:ext uri="{28A0092B-C50C-407E-A947-70E740481C1C}">
-                <a14:useLocalDpi xmlns="" xmlns:a14="http://schemas.microsoft.com/office/drawing/2010/main" val="0"/>
+                <a14:useLocalDpi xmlns:a14="http://schemas.microsoft.com/office/drawing/2010/main" xmlns="" val="0"/>
               </a:ext>
             </a:extLst>
           </a:blip>
@@ -27233,7 +27490,7 @@
     </p:spTree>
     <p:extLst>
       <p:ext uri="{BB962C8B-B14F-4D97-AF65-F5344CB8AC3E}">
-        <p14:creationId xmlns="" xmlns:p14="http://schemas.microsoft.com/office/powerpoint/2010/main" val="2676742917"/>
+        <p14:creationId xmlns:p14="http://schemas.microsoft.com/office/powerpoint/2010/main" xmlns="" val="2676742917"/>
       </p:ext>
     </p:extLst>
   </p:cSld>
@@ -27758,7 +28015,7 @@
           <a:blip r:embed="rId2" cstate="print">
             <a:extLst>
               <a:ext uri="{28A0092B-C50C-407E-A947-70E740481C1C}">
-                <a14:useLocalDpi xmlns="" xmlns:a14="http://schemas.microsoft.com/office/drawing/2010/main" val="0"/>
+                <a14:useLocalDpi xmlns:a14="http://schemas.microsoft.com/office/drawing/2010/main" xmlns="" val="0"/>
               </a:ext>
             </a:extLst>
           </a:blip>
@@ -27779,7 +28036,7 @@
     </p:spTree>
     <p:extLst>
       <p:ext uri="{BB962C8B-B14F-4D97-AF65-F5344CB8AC3E}">
-        <p14:creationId xmlns="" xmlns:p14="http://schemas.microsoft.com/office/powerpoint/2010/main" val="4241905287"/>
+        <p14:creationId xmlns:p14="http://schemas.microsoft.com/office/powerpoint/2010/main" xmlns="" val="4241905287"/>
       </p:ext>
     </p:extLst>
   </p:cSld>
@@ -28317,7 +28574,7 @@
   <a:extraClrSchemeLst/>
   <a:extLst>
     <a:ext uri="{05A4C25C-085E-4340-85A3-A5531E510DB2}">
-      <thm15:themeFamily xmlns="" xmlns:thm15="http://schemas.microsoft.com/office/thememl/2012/main" name="Integral" id="{3577F8C9-A904-41D8-97D2-FD898F53F20E}" vid="{682D6EBE-8D36-4FF2-9DB3-F3D8D7B6715D}"/>
+      <thm15:themeFamily xmlns:thm15="http://schemas.microsoft.com/office/thememl/2012/main" xmlns="" name="Integral" id="{3577F8C9-A904-41D8-97D2-FD898F53F20E}" vid="{682D6EBE-8D36-4FF2-9DB3-F3D8D7B6715D}"/>
     </a:ext>
   </a:extLst>
 </a:theme>

--- a/pptpresentasieptikhacking-140615110436-phpapp01.pptx
+++ b/pptpresentasieptikhacking-140615110436-phpapp01.pptx
@@ -15,7 +15,6 @@
     <p:sldId id="262" r:id="rId9"/>
     <p:sldId id="263" r:id="rId10"/>
     <p:sldId id="264" r:id="rId11"/>
-    <p:sldId id="265" r:id="rId12"/>
   </p:sldIdLst>
   <p:sldSz cx="12192000" cy="6858000"/>
   <p:notesSz cx="6858000" cy="9144000"/>
@@ -116,7 +115,7 @@
   </p:defaultTextStyle>
   <p:extLst>
     <p:ext uri="{EFAFB233-063F-42B5-8137-9DF3F51BA10A}">
-      <p15:sldGuideLst xmlns:p15="http://schemas.microsoft.com/office/powerpoint/2012/main" xmlns="">
+      <p15:sldGuideLst xmlns="" xmlns:p15="http://schemas.microsoft.com/office/powerpoint/2012/main">
         <p15:guide id="1" orient="horz" pos="2160">
           <p15:clr>
             <a:srgbClr val="A4A3A4"/>
@@ -9016,7 +9015,7 @@
     </p:spTree>
     <p:extLst>
       <p:ext uri="{BB962C8B-B14F-4D97-AF65-F5344CB8AC3E}">
-        <p14:creationId xmlns:p14="http://schemas.microsoft.com/office/powerpoint/2010/main" xmlns="" val="3654701431"/>
+        <p14:creationId xmlns="" xmlns:p14="http://schemas.microsoft.com/office/powerpoint/2010/main" val="3654701431"/>
       </p:ext>
     </p:extLst>
   </p:cSld>
@@ -9188,7 +9187,7 @@
     </p:spTree>
     <p:extLst>
       <p:ext uri="{BB962C8B-B14F-4D97-AF65-F5344CB8AC3E}">
-        <p14:creationId xmlns:p14="http://schemas.microsoft.com/office/powerpoint/2010/main" xmlns="" val="1541394338"/>
+        <p14:creationId xmlns="" xmlns:p14="http://schemas.microsoft.com/office/powerpoint/2010/main" val="1541394338"/>
       </p:ext>
     </p:extLst>
   </p:cSld>
@@ -9405,7 +9404,7 @@
     </p:spTree>
     <p:extLst>
       <p:ext uri="{BB962C8B-B14F-4D97-AF65-F5344CB8AC3E}">
-        <p14:creationId xmlns:p14="http://schemas.microsoft.com/office/powerpoint/2010/main" xmlns="" val="3398663238"/>
+        <p14:creationId xmlns="" xmlns:p14="http://schemas.microsoft.com/office/powerpoint/2010/main" val="3398663238"/>
       </p:ext>
     </p:extLst>
   </p:cSld>
@@ -9577,7 +9576,7 @@
     </p:spTree>
     <p:extLst>
       <p:ext uri="{BB962C8B-B14F-4D97-AF65-F5344CB8AC3E}">
-        <p14:creationId xmlns:p14="http://schemas.microsoft.com/office/powerpoint/2010/main" xmlns="" val="3505705185"/>
+        <p14:creationId xmlns="" xmlns:p14="http://schemas.microsoft.com/office/powerpoint/2010/main" val="3505705185"/>
       </p:ext>
     </p:extLst>
   </p:cSld>
@@ -18514,7 +18513,7 @@
     </p:spTree>
     <p:extLst>
       <p:ext uri="{BB962C8B-B14F-4D97-AF65-F5344CB8AC3E}">
-        <p14:creationId xmlns:p14="http://schemas.microsoft.com/office/powerpoint/2010/main" xmlns="" val="3284221378"/>
+        <p14:creationId xmlns="" xmlns:p14="http://schemas.microsoft.com/office/powerpoint/2010/main" val="3284221378"/>
       </p:ext>
     </p:extLst>
   </p:cSld>
@@ -18753,7 +18752,7 @@
     </p:spTree>
     <p:extLst>
       <p:ext uri="{BB962C8B-B14F-4D97-AF65-F5344CB8AC3E}">
-        <p14:creationId xmlns:p14="http://schemas.microsoft.com/office/powerpoint/2010/main" xmlns="" val="526306287"/>
+        <p14:creationId xmlns="" xmlns:p14="http://schemas.microsoft.com/office/powerpoint/2010/main" val="526306287"/>
       </p:ext>
     </p:extLst>
   </p:cSld>
@@ -19153,7 +19152,7 @@
     </p:spTree>
     <p:extLst>
       <p:ext uri="{BB962C8B-B14F-4D97-AF65-F5344CB8AC3E}">
-        <p14:creationId xmlns:p14="http://schemas.microsoft.com/office/powerpoint/2010/main" xmlns="" val="4293701871"/>
+        <p14:creationId xmlns="" xmlns:p14="http://schemas.microsoft.com/office/powerpoint/2010/main" val="4293701871"/>
       </p:ext>
     </p:extLst>
   </p:cSld>
@@ -19273,7 +19272,7 @@
     </p:spTree>
     <p:extLst>
       <p:ext uri="{BB962C8B-B14F-4D97-AF65-F5344CB8AC3E}">
-        <p14:creationId xmlns:p14="http://schemas.microsoft.com/office/powerpoint/2010/main" xmlns="" val="4212152486"/>
+        <p14:creationId xmlns="" xmlns:p14="http://schemas.microsoft.com/office/powerpoint/2010/main" val="4212152486"/>
       </p:ext>
     </p:extLst>
   </p:cSld>
@@ -19370,7 +19369,7 @@
     </p:spTree>
     <p:extLst>
       <p:ext uri="{BB962C8B-B14F-4D97-AF65-F5344CB8AC3E}">
-        <p14:creationId xmlns:p14="http://schemas.microsoft.com/office/powerpoint/2010/main" xmlns="" val="490336406"/>
+        <p14:creationId xmlns="" xmlns:p14="http://schemas.microsoft.com/office/powerpoint/2010/main" val="490336406"/>
       </p:ext>
     </p:extLst>
   </p:cSld>
@@ -19662,7 +19661,7 @@
     </p:spTree>
     <p:extLst>
       <p:ext uri="{BB962C8B-B14F-4D97-AF65-F5344CB8AC3E}">
-        <p14:creationId xmlns:p14="http://schemas.microsoft.com/office/powerpoint/2010/main" xmlns="" val="3525253028"/>
+        <p14:creationId xmlns="" xmlns:p14="http://schemas.microsoft.com/office/powerpoint/2010/main" val="3525253028"/>
       </p:ext>
     </p:extLst>
   </p:cSld>
@@ -19979,7 +19978,7 @@
     </p:spTree>
     <p:extLst>
       <p:ext uri="{BB962C8B-B14F-4D97-AF65-F5344CB8AC3E}">
-        <p14:creationId xmlns:p14="http://schemas.microsoft.com/office/powerpoint/2010/main" xmlns="" val="3471977317"/>
+        <p14:creationId xmlns="" xmlns:p14="http://schemas.microsoft.com/office/powerpoint/2010/main" val="3471977317"/>
       </p:ext>
     </p:extLst>
   </p:cSld>
@@ -20271,7 +20270,7 @@
     </p:spTree>
     <p:extLst>
       <p:ext uri="{BB962C8B-B14F-4D97-AF65-F5344CB8AC3E}">
-        <p14:creationId xmlns:p14="http://schemas.microsoft.com/office/powerpoint/2010/main" xmlns="" val="1352232978"/>
+        <p14:creationId xmlns="" xmlns:p14="http://schemas.microsoft.com/office/powerpoint/2010/main" val="1352232978"/>
       </p:ext>
     </p:extLst>
   </p:cSld>
@@ -20714,7 +20713,7 @@
     </p:spTree>
     <p:extLst>
       <p:ext uri="{BB962C8B-B14F-4D97-AF65-F5344CB8AC3E}">
-        <p14:creationId xmlns:p14="http://schemas.microsoft.com/office/powerpoint/2010/main" xmlns="" val="3420847315"/>
+        <p14:creationId xmlns="" xmlns:p14="http://schemas.microsoft.com/office/powerpoint/2010/main" val="3420847315"/>
       </p:ext>
     </p:extLst>
   </p:cSld>
@@ -21047,7 +21046,7 @@
           <a:blip r:embed="rId2" cstate="print">
             <a:extLst>
               <a:ext uri="{28A0092B-C50C-407E-A947-70E740481C1C}">
-                <a14:useLocalDpi xmlns:a14="http://schemas.microsoft.com/office/drawing/2010/main" xmlns="" val="0"/>
+                <a14:useLocalDpi xmlns="" xmlns:a14="http://schemas.microsoft.com/office/drawing/2010/main" val="0"/>
               </a:ext>
             </a:extLst>
           </a:blip>
@@ -21068,7 +21067,7 @@
     </p:spTree>
     <p:extLst>
       <p:ext uri="{BB962C8B-B14F-4D97-AF65-F5344CB8AC3E}">
-        <p14:creationId xmlns:p14="http://schemas.microsoft.com/office/powerpoint/2010/main" xmlns="" val="2910849362"/>
+        <p14:creationId xmlns="" xmlns:p14="http://schemas.microsoft.com/office/powerpoint/2010/main" val="2910849362"/>
       </p:ext>
     </p:extLst>
   </p:cSld>
@@ -21355,125 +21354,6 @@
 </p:sld>
 </file>
 
-<file path=ppt/slides/slide11.xml><?xml version="1.0" encoding="utf-8"?>
-<p:sld xmlns:a="http://schemas.openxmlformats.org/drawingml/2006/main" xmlns:r="http://schemas.openxmlformats.org/officeDocument/2006/relationships" xmlns:p="http://schemas.openxmlformats.org/presentationml/2006/main">
-  <p:cSld>
-    <p:spTree>
-      <p:nvGrpSpPr>
-        <p:cNvPr id="1" name=""/>
-        <p:cNvGrpSpPr/>
-        <p:nvPr/>
-      </p:nvGrpSpPr>
-      <p:grpSpPr>
-        <a:xfrm>
-          <a:off x="0" y="0"/>
-          <a:ext cx="0" cy="0"/>
-          <a:chOff x="0" y="0"/>
-          <a:chExt cx="0" cy="0"/>
-        </a:xfrm>
-      </p:grpSpPr>
-      <p:sp>
-        <p:nvSpPr>
-          <p:cNvPr id="2" name="Title 1"/>
-          <p:cNvSpPr>
-            <a:spLocks noGrp="1"/>
-          </p:cNvSpPr>
-          <p:nvPr>
-            <p:ph type="title"/>
-          </p:nvPr>
-        </p:nvSpPr>
-        <p:spPr>
-          <a:xfrm>
-            <a:off x="1024128" y="585215"/>
-            <a:ext cx="9720072" cy="2502369"/>
-          </a:xfrm>
-        </p:spPr>
-        <p:txBody>
-          <a:bodyPr/>
-          <a:lstStyle/>
-          <a:p>
-            <a:r>
-              <a:rPr lang="en-US" dirty="0" smtClean="0"/>
-              <a:t>                     </a:t>
-            </a:r>
-            <a:r>
-              <a:rPr lang="id-ID" dirty="0" smtClean="0"/>
-              <a:t> </a:t>
-            </a:r>
-            <a:r>
-              <a:rPr lang="en-US" dirty="0" smtClean="0"/>
-              <a:t>T</a:t>
-            </a:r>
-            <a:r>
-              <a:rPr lang="id-ID" dirty="0" smtClean="0"/>
-              <a:t>erima kasih </a:t>
-            </a:r>
-            <a:r>
-              <a:rPr lang="id-ID" dirty="0" smtClean="0">
-                <a:sym typeface="Wingdings" pitchFamily="2" charset="2"/>
-              </a:rPr>
-              <a:t></a:t>
-            </a:r>
-            <a:r>
-              <a:rPr lang="en-US" dirty="0" smtClean="0"/>
-              <a:t> :*</a:t>
-            </a:r>
-            <a:endParaRPr lang="en-US" dirty="0"/>
-          </a:p>
-        </p:txBody>
-      </p:sp>
-      <p:pic>
-        <p:nvPicPr>
-          <p:cNvPr id="4" name="Content Placeholder 3"/>
-          <p:cNvPicPr>
-            <a:picLocks noGrp="1" noChangeAspect="1"/>
-          </p:cNvPicPr>
-          <p:nvPr>
-            <p:ph idx="1"/>
-          </p:nvPr>
-        </p:nvPicPr>
-        <p:blipFill>
-          <a:blip r:embed="rId2">
-            <a:extLst>
-              <a:ext uri="{28A0092B-C50C-407E-A947-70E740481C1C}">
-                <a14:useLocalDpi xmlns:a14="http://schemas.microsoft.com/office/drawing/2010/main" xmlns="" val="0"/>
-              </a:ext>
-            </a:extLst>
-          </a:blip>
-          <a:stretch>
-            <a:fillRect/>
-          </a:stretch>
-        </p:blipFill>
-        <p:spPr>
-          <a:xfrm>
-            <a:off x="4243544" y="2471531"/>
-            <a:ext cx="3200400" cy="3200400"/>
-          </a:xfrm>
-          <a:prstGeom prst="rect">
-            <a:avLst/>
-          </a:prstGeom>
-        </p:spPr>
-      </p:pic>
-    </p:spTree>
-    <p:extLst>
-      <p:ext uri="{BB962C8B-B14F-4D97-AF65-F5344CB8AC3E}">
-        <p14:creationId xmlns:p14="http://schemas.microsoft.com/office/powerpoint/2010/main" xmlns="" val="1946859947"/>
-      </p:ext>
-    </p:extLst>
-  </p:cSld>
-  <p:clrMapOvr>
-    <a:masterClrMapping/>
-  </p:clrMapOvr>
-  <p:timing>
-    <p:tnLst>
-      <p:par>
-        <p:cTn id="1" dur="indefinite" restart="never" nodeType="tmRoot"/>
-      </p:par>
-    </p:tnLst>
-  </p:timing>
-</p:sld>
-</file>
-
 <file path=ppt/slides/slide2.xml><?xml version="1.0" encoding="utf-8"?>
 <p:sld xmlns:a="http://schemas.openxmlformats.org/drawingml/2006/main" xmlns:r="http://schemas.openxmlformats.org/officeDocument/2006/relationships" xmlns:p="http://schemas.openxmlformats.org/presentationml/2006/main">
   <p:cSld>
@@ -21660,7 +21540,7 @@
     </p:spTree>
     <p:extLst>
       <p:ext uri="{BB962C8B-B14F-4D97-AF65-F5344CB8AC3E}">
-        <p14:creationId xmlns:p14="http://schemas.microsoft.com/office/powerpoint/2010/main" xmlns="" val="1715396240"/>
+        <p14:creationId xmlns="" xmlns:p14="http://schemas.microsoft.com/office/powerpoint/2010/main" val="1715396240"/>
       </p:ext>
     </p:extLst>
   </p:cSld>
@@ -22137,7 +22017,7 @@
           <a:blip r:embed="rId2">
             <a:extLst>
               <a:ext uri="{28A0092B-C50C-407E-A947-70E740481C1C}">
-                <a14:useLocalDpi xmlns:a14="http://schemas.microsoft.com/office/drawing/2010/main" xmlns="" val="0"/>
+                <a14:useLocalDpi xmlns="" xmlns:a14="http://schemas.microsoft.com/office/drawing/2010/main" val="0"/>
               </a:ext>
             </a:extLst>
           </a:blip>
@@ -22158,7 +22038,7 @@
     </p:spTree>
     <p:extLst>
       <p:ext uri="{BB962C8B-B14F-4D97-AF65-F5344CB8AC3E}">
-        <p14:creationId xmlns:p14="http://schemas.microsoft.com/office/powerpoint/2010/main" xmlns="" val="3349968423"/>
+        <p14:creationId xmlns="" xmlns:p14="http://schemas.microsoft.com/office/powerpoint/2010/main" val="3349968423"/>
       </p:ext>
     </p:extLst>
   </p:cSld>
@@ -24257,7 +24137,7 @@
           <a:blip r:embed="rId7" cstate="print">
             <a:extLst>
               <a:ext uri="{28A0092B-C50C-407E-A947-70E740481C1C}">
-                <a14:useLocalDpi xmlns:a14="http://schemas.microsoft.com/office/drawing/2010/main" xmlns="" val="0"/>
+                <a14:useLocalDpi xmlns="" xmlns:a14="http://schemas.microsoft.com/office/drawing/2010/main" val="0"/>
               </a:ext>
             </a:extLst>
           </a:blip>
@@ -24278,7 +24158,7 @@
     </p:spTree>
     <p:extLst>
       <p:ext uri="{BB962C8B-B14F-4D97-AF65-F5344CB8AC3E}">
-        <p14:creationId xmlns:p14="http://schemas.microsoft.com/office/powerpoint/2010/main" xmlns="" val="4077646618"/>
+        <p14:creationId xmlns="" xmlns:p14="http://schemas.microsoft.com/office/powerpoint/2010/main" val="4077646618"/>
       </p:ext>
     </p:extLst>
   </p:cSld>
@@ -25036,7 +24916,7 @@
           <a:blip r:embed="rId2">
             <a:extLst>
               <a:ext uri="{28A0092B-C50C-407E-A947-70E740481C1C}">
-                <a14:useLocalDpi xmlns:a14="http://schemas.microsoft.com/office/drawing/2010/main" xmlns="" val="0"/>
+                <a14:useLocalDpi xmlns="" xmlns:a14="http://schemas.microsoft.com/office/drawing/2010/main" val="0"/>
               </a:ext>
             </a:extLst>
           </a:blip>
@@ -25066,7 +24946,7 @@
           <a:blip r:embed="rId3" cstate="print">
             <a:extLst>
               <a:ext uri="{28A0092B-C50C-407E-A947-70E740481C1C}">
-                <a14:useLocalDpi xmlns:a14="http://schemas.microsoft.com/office/drawing/2010/main" xmlns="" val="0"/>
+                <a14:useLocalDpi xmlns="" xmlns:a14="http://schemas.microsoft.com/office/drawing/2010/main" val="0"/>
               </a:ext>
             </a:extLst>
           </a:blip>
@@ -25087,7 +24967,7 @@
     </p:spTree>
     <p:extLst>
       <p:ext uri="{BB962C8B-B14F-4D97-AF65-F5344CB8AC3E}">
-        <p14:creationId xmlns:p14="http://schemas.microsoft.com/office/powerpoint/2010/main" xmlns="" val="2772349537"/>
+        <p14:creationId xmlns="" xmlns:p14="http://schemas.microsoft.com/office/powerpoint/2010/main" val="2772349537"/>
       </p:ext>
     </p:extLst>
   </p:cSld>
@@ -26045,7 +25925,7 @@
           <a:blip r:embed="rId2" cstate="print">
             <a:extLst>
               <a:ext uri="{28A0092B-C50C-407E-A947-70E740481C1C}">
-                <a14:useLocalDpi xmlns:a14="http://schemas.microsoft.com/office/drawing/2010/main" xmlns="" val="0"/>
+                <a14:useLocalDpi xmlns="" xmlns:a14="http://schemas.microsoft.com/office/drawing/2010/main" val="0"/>
               </a:ext>
             </a:extLst>
           </a:blip>
@@ -26066,7 +25946,7 @@
     </p:spTree>
     <p:extLst>
       <p:ext uri="{BB962C8B-B14F-4D97-AF65-F5344CB8AC3E}">
-        <p14:creationId xmlns:p14="http://schemas.microsoft.com/office/powerpoint/2010/main" xmlns="" val="2922175094"/>
+        <p14:creationId xmlns="" xmlns:p14="http://schemas.microsoft.com/office/powerpoint/2010/main" val="2922175094"/>
       </p:ext>
     </p:extLst>
   </p:cSld>
@@ -26900,7 +26780,7 @@
           <a:blip r:embed="rId2" cstate="print">
             <a:extLst>
               <a:ext uri="{28A0092B-C50C-407E-A947-70E740481C1C}">
-                <a14:useLocalDpi xmlns:a14="http://schemas.microsoft.com/office/drawing/2010/main" xmlns="" val="0"/>
+                <a14:useLocalDpi xmlns="" xmlns:a14="http://schemas.microsoft.com/office/drawing/2010/main" val="0"/>
               </a:ext>
             </a:extLst>
           </a:blip>
@@ -26921,7 +26801,7 @@
     </p:spTree>
     <p:extLst>
       <p:ext uri="{BB962C8B-B14F-4D97-AF65-F5344CB8AC3E}">
-        <p14:creationId xmlns:p14="http://schemas.microsoft.com/office/powerpoint/2010/main" xmlns="" val="3355884736"/>
+        <p14:creationId xmlns="" xmlns:p14="http://schemas.microsoft.com/office/powerpoint/2010/main" val="3355884736"/>
       </p:ext>
     </p:extLst>
   </p:cSld>
@@ -27469,7 +27349,7 @@
           <a:blip r:embed="rId2" cstate="print">
             <a:extLst>
               <a:ext uri="{28A0092B-C50C-407E-A947-70E740481C1C}">
-                <a14:useLocalDpi xmlns:a14="http://schemas.microsoft.com/office/drawing/2010/main" xmlns="" val="0"/>
+                <a14:useLocalDpi xmlns="" xmlns:a14="http://schemas.microsoft.com/office/drawing/2010/main" val="0"/>
               </a:ext>
             </a:extLst>
           </a:blip>
@@ -27490,7 +27370,7 @@
     </p:spTree>
     <p:extLst>
       <p:ext uri="{BB962C8B-B14F-4D97-AF65-F5344CB8AC3E}">
-        <p14:creationId xmlns:p14="http://schemas.microsoft.com/office/powerpoint/2010/main" xmlns="" val="2676742917"/>
+        <p14:creationId xmlns="" xmlns:p14="http://schemas.microsoft.com/office/powerpoint/2010/main" val="2676742917"/>
       </p:ext>
     </p:extLst>
   </p:cSld>
@@ -28015,7 +27895,7 @@
           <a:blip r:embed="rId2" cstate="print">
             <a:extLst>
               <a:ext uri="{28A0092B-C50C-407E-A947-70E740481C1C}">
-                <a14:useLocalDpi xmlns:a14="http://schemas.microsoft.com/office/drawing/2010/main" xmlns="" val="0"/>
+                <a14:useLocalDpi xmlns="" xmlns:a14="http://schemas.microsoft.com/office/drawing/2010/main" val="0"/>
               </a:ext>
             </a:extLst>
           </a:blip>
@@ -28036,7 +27916,7 @@
     </p:spTree>
     <p:extLst>
       <p:ext uri="{BB962C8B-B14F-4D97-AF65-F5344CB8AC3E}">
-        <p14:creationId xmlns:p14="http://schemas.microsoft.com/office/powerpoint/2010/main" xmlns="" val="4241905287"/>
+        <p14:creationId xmlns="" xmlns:p14="http://schemas.microsoft.com/office/powerpoint/2010/main" val="4241905287"/>
       </p:ext>
     </p:extLst>
   </p:cSld>
@@ -28574,7 +28454,7 @@
   <a:extraClrSchemeLst/>
   <a:extLst>
     <a:ext uri="{05A4C25C-085E-4340-85A3-A5531E510DB2}">
-      <thm15:themeFamily xmlns:thm15="http://schemas.microsoft.com/office/thememl/2012/main" xmlns="" name="Integral" id="{3577F8C9-A904-41D8-97D2-FD898F53F20E}" vid="{682D6EBE-8D36-4FF2-9DB3-F3D8D7B6715D}"/>
+      <thm15:themeFamily xmlns="" xmlns:thm15="http://schemas.microsoft.com/office/thememl/2012/main" name="Integral" id="{3577F8C9-A904-41D8-97D2-FD898F53F20E}" vid="{682D6EBE-8D36-4FF2-9DB3-F3D8D7B6715D}"/>
     </a:ext>
   </a:extLst>
 </a:theme>

--- a/pptpresentasieptikhacking-140615110436-phpapp01.pptx
+++ b/pptpresentasieptikhacking-140615110436-phpapp01.pptx
@@ -115,7 +115,7 @@
   </p:defaultTextStyle>
   <p:extLst>
     <p:ext uri="{EFAFB233-063F-42B5-8137-9DF3F51BA10A}">
-      <p15:sldGuideLst xmlns="" xmlns:p15="http://schemas.microsoft.com/office/powerpoint/2012/main">
+      <p15:sldGuideLst xmlns:p15="http://schemas.microsoft.com/office/powerpoint/2012/main" xmlns="">
         <p15:guide id="1" orient="horz" pos="2160">
           <p15:clr>
             <a:srgbClr val="A4A3A4"/>
@@ -8926,7 +8926,7 @@
             <a:fld id="{500C9B02-63A3-4BC9-94F1-A91AB2B1B62F}" type="datetimeFigureOut">
               <a:rPr lang="en-US" smtClean="0"/>
               <a:pPr/>
-              <a:t>6/16/2015</a:t>
+              <a:t>6/17/2015</a:t>
             </a:fld>
             <a:endParaRPr lang="en-US"/>
           </a:p>
@@ -9015,7 +9015,7 @@
     </p:spTree>
     <p:extLst>
       <p:ext uri="{BB962C8B-B14F-4D97-AF65-F5344CB8AC3E}">
-        <p14:creationId xmlns="" xmlns:p14="http://schemas.microsoft.com/office/powerpoint/2010/main" val="3654701431"/>
+        <p14:creationId xmlns:p14="http://schemas.microsoft.com/office/powerpoint/2010/main" xmlns="" val="3654701431"/>
       </p:ext>
     </p:extLst>
   </p:cSld>
@@ -9135,7 +9135,7 @@
             <a:fld id="{500C9B02-63A3-4BC9-94F1-A91AB2B1B62F}" type="datetimeFigureOut">
               <a:rPr lang="en-US" smtClean="0"/>
               <a:pPr/>
-              <a:t>6/16/2015</a:t>
+              <a:t>6/17/2015</a:t>
             </a:fld>
             <a:endParaRPr lang="en-US"/>
           </a:p>
@@ -9187,7 +9187,7 @@
     </p:spTree>
     <p:extLst>
       <p:ext uri="{BB962C8B-B14F-4D97-AF65-F5344CB8AC3E}">
-        <p14:creationId xmlns="" xmlns:p14="http://schemas.microsoft.com/office/powerpoint/2010/main" val="1541394338"/>
+        <p14:creationId xmlns:p14="http://schemas.microsoft.com/office/powerpoint/2010/main" xmlns="" val="1541394338"/>
       </p:ext>
     </p:extLst>
   </p:cSld>
@@ -9317,7 +9317,7 @@
             <a:fld id="{500C9B02-63A3-4BC9-94F1-A91AB2B1B62F}" type="datetimeFigureOut">
               <a:rPr lang="en-US" smtClean="0"/>
               <a:pPr/>
-              <a:t>6/16/2015</a:t>
+              <a:t>6/17/2015</a:t>
             </a:fld>
             <a:endParaRPr lang="en-US"/>
           </a:p>
@@ -9404,7 +9404,7 @@
     </p:spTree>
     <p:extLst>
       <p:ext uri="{BB962C8B-B14F-4D97-AF65-F5344CB8AC3E}">
-        <p14:creationId xmlns="" xmlns:p14="http://schemas.microsoft.com/office/powerpoint/2010/main" val="3398663238"/>
+        <p14:creationId xmlns:p14="http://schemas.microsoft.com/office/powerpoint/2010/main" xmlns="" val="3398663238"/>
       </p:ext>
     </p:extLst>
   </p:cSld>
@@ -9524,7 +9524,7 @@
             <a:fld id="{500C9B02-63A3-4BC9-94F1-A91AB2B1B62F}" type="datetimeFigureOut">
               <a:rPr lang="en-US" smtClean="0"/>
               <a:pPr/>
-              <a:t>6/16/2015</a:t>
+              <a:t>6/17/2015</a:t>
             </a:fld>
             <a:endParaRPr lang="en-US"/>
           </a:p>
@@ -9576,7 +9576,7 @@
     </p:spTree>
     <p:extLst>
       <p:ext uri="{BB962C8B-B14F-4D97-AF65-F5344CB8AC3E}">
-        <p14:creationId xmlns="" xmlns:p14="http://schemas.microsoft.com/office/powerpoint/2010/main" val="3505705185"/>
+        <p14:creationId xmlns:p14="http://schemas.microsoft.com/office/powerpoint/2010/main" xmlns="" val="3505705185"/>
       </p:ext>
     </p:extLst>
   </p:cSld>
@@ -18424,7 +18424,7 @@
             <a:fld id="{500C9B02-63A3-4BC9-94F1-A91AB2B1B62F}" type="datetimeFigureOut">
               <a:rPr lang="en-US" smtClean="0"/>
               <a:pPr/>
-              <a:t>6/16/2015</a:t>
+              <a:t>6/17/2015</a:t>
             </a:fld>
             <a:endParaRPr lang="en-US"/>
           </a:p>
@@ -18513,7 +18513,7 @@
     </p:spTree>
     <p:extLst>
       <p:ext uri="{BB962C8B-B14F-4D97-AF65-F5344CB8AC3E}">
-        <p14:creationId xmlns="" xmlns:p14="http://schemas.microsoft.com/office/powerpoint/2010/main" val="3284221378"/>
+        <p14:creationId xmlns:p14="http://schemas.microsoft.com/office/powerpoint/2010/main" xmlns="" val="3284221378"/>
       </p:ext>
     </p:extLst>
   </p:cSld>
@@ -18700,7 +18700,7 @@
             <a:fld id="{500C9B02-63A3-4BC9-94F1-A91AB2B1B62F}" type="datetimeFigureOut">
               <a:rPr lang="en-US" smtClean="0"/>
               <a:pPr/>
-              <a:t>6/16/2015</a:t>
+              <a:t>6/17/2015</a:t>
             </a:fld>
             <a:endParaRPr lang="en-US"/>
           </a:p>
@@ -18752,7 +18752,7 @@
     </p:spTree>
     <p:extLst>
       <p:ext uri="{BB962C8B-B14F-4D97-AF65-F5344CB8AC3E}">
-        <p14:creationId xmlns="" xmlns:p14="http://schemas.microsoft.com/office/powerpoint/2010/main" val="526306287"/>
+        <p14:creationId xmlns:p14="http://schemas.microsoft.com/office/powerpoint/2010/main" xmlns="" val="526306287"/>
       </p:ext>
     </p:extLst>
   </p:cSld>
@@ -19100,7 +19100,7 @@
             <a:fld id="{500C9B02-63A3-4BC9-94F1-A91AB2B1B62F}" type="datetimeFigureOut">
               <a:rPr lang="en-US" smtClean="0"/>
               <a:pPr/>
-              <a:t>6/16/2015</a:t>
+              <a:t>6/17/2015</a:t>
             </a:fld>
             <a:endParaRPr lang="en-US"/>
           </a:p>
@@ -19152,7 +19152,7 @@
     </p:spTree>
     <p:extLst>
       <p:ext uri="{BB962C8B-B14F-4D97-AF65-F5344CB8AC3E}">
-        <p14:creationId xmlns="" xmlns:p14="http://schemas.microsoft.com/office/powerpoint/2010/main" val="4293701871"/>
+        <p14:creationId xmlns:p14="http://schemas.microsoft.com/office/powerpoint/2010/main" xmlns="" val="4293701871"/>
       </p:ext>
     </p:extLst>
   </p:cSld>
@@ -19220,7 +19220,7 @@
             <a:fld id="{500C9B02-63A3-4BC9-94F1-A91AB2B1B62F}" type="datetimeFigureOut">
               <a:rPr lang="en-US" smtClean="0"/>
               <a:pPr/>
-              <a:t>6/16/2015</a:t>
+              <a:t>6/17/2015</a:t>
             </a:fld>
             <a:endParaRPr lang="en-US"/>
           </a:p>
@@ -19272,7 +19272,7 @@
     </p:spTree>
     <p:extLst>
       <p:ext uri="{BB962C8B-B14F-4D97-AF65-F5344CB8AC3E}">
-        <p14:creationId xmlns="" xmlns:p14="http://schemas.microsoft.com/office/powerpoint/2010/main" val="4212152486"/>
+        <p14:creationId xmlns:p14="http://schemas.microsoft.com/office/powerpoint/2010/main" xmlns="" val="4212152486"/>
       </p:ext>
     </p:extLst>
   </p:cSld>
@@ -19317,7 +19317,7 @@
             <a:fld id="{500C9B02-63A3-4BC9-94F1-A91AB2B1B62F}" type="datetimeFigureOut">
               <a:rPr lang="en-US" smtClean="0"/>
               <a:pPr/>
-              <a:t>6/16/2015</a:t>
+              <a:t>6/17/2015</a:t>
             </a:fld>
             <a:endParaRPr lang="en-US"/>
           </a:p>
@@ -19369,7 +19369,7 @@
     </p:spTree>
     <p:extLst>
       <p:ext uri="{BB962C8B-B14F-4D97-AF65-F5344CB8AC3E}">
-        <p14:creationId xmlns="" xmlns:p14="http://schemas.microsoft.com/office/powerpoint/2010/main" val="490336406"/>
+        <p14:creationId xmlns:p14="http://schemas.microsoft.com/office/powerpoint/2010/main" xmlns="" val="490336406"/>
       </p:ext>
     </p:extLst>
   </p:cSld>
@@ -19609,7 +19609,7 @@
             <a:fld id="{500C9B02-63A3-4BC9-94F1-A91AB2B1B62F}" type="datetimeFigureOut">
               <a:rPr lang="en-US" smtClean="0"/>
               <a:pPr/>
-              <a:t>6/16/2015</a:t>
+              <a:t>6/17/2015</a:t>
             </a:fld>
             <a:endParaRPr lang="en-US"/>
           </a:p>
@@ -19661,7 +19661,7 @@
     </p:spTree>
     <p:extLst>
       <p:ext uri="{BB962C8B-B14F-4D97-AF65-F5344CB8AC3E}">
-        <p14:creationId xmlns="" xmlns:p14="http://schemas.microsoft.com/office/powerpoint/2010/main" val="3525253028"/>
+        <p14:creationId xmlns:p14="http://schemas.microsoft.com/office/powerpoint/2010/main" xmlns="" val="3525253028"/>
       </p:ext>
     </p:extLst>
   </p:cSld>
@@ -19891,7 +19891,7 @@
             <a:fld id="{500C9B02-63A3-4BC9-94F1-A91AB2B1B62F}" type="datetimeFigureOut">
               <a:rPr lang="en-US" smtClean="0"/>
               <a:pPr/>
-              <a:t>6/16/2015</a:t>
+              <a:t>6/17/2015</a:t>
             </a:fld>
             <a:endParaRPr lang="en-US"/>
           </a:p>
@@ -19978,7 +19978,7 @@
     </p:spTree>
     <p:extLst>
       <p:ext uri="{BB962C8B-B14F-4D97-AF65-F5344CB8AC3E}">
-        <p14:creationId xmlns="" xmlns:p14="http://schemas.microsoft.com/office/powerpoint/2010/main" val="3471977317"/>
+        <p14:creationId xmlns:p14="http://schemas.microsoft.com/office/powerpoint/2010/main" xmlns="" val="3471977317"/>
       </p:ext>
     </p:extLst>
   </p:cSld>
@@ -20143,7 +20143,7 @@
             <a:fld id="{500C9B02-63A3-4BC9-94F1-A91AB2B1B62F}" type="datetimeFigureOut">
               <a:rPr lang="en-US" smtClean="0"/>
               <a:pPr/>
-              <a:t>6/16/2015</a:t>
+              <a:t>6/17/2015</a:t>
             </a:fld>
             <a:endParaRPr lang="en-US"/>
           </a:p>
@@ -20270,7 +20270,7 @@
     </p:spTree>
     <p:extLst>
       <p:ext uri="{BB962C8B-B14F-4D97-AF65-F5344CB8AC3E}">
-        <p14:creationId xmlns="" xmlns:p14="http://schemas.microsoft.com/office/powerpoint/2010/main" val="1352232978"/>
+        <p14:creationId xmlns:p14="http://schemas.microsoft.com/office/powerpoint/2010/main" xmlns="" val="1352232978"/>
       </p:ext>
     </p:extLst>
   </p:cSld>
@@ -20713,7 +20713,7 @@
     </p:spTree>
     <p:extLst>
       <p:ext uri="{BB962C8B-B14F-4D97-AF65-F5344CB8AC3E}">
-        <p14:creationId xmlns="" xmlns:p14="http://schemas.microsoft.com/office/powerpoint/2010/main" val="3420847315"/>
+        <p14:creationId xmlns:p14="http://schemas.microsoft.com/office/powerpoint/2010/main" xmlns="" val="3420847315"/>
       </p:ext>
     </p:extLst>
   </p:cSld>
@@ -21034,40 +21034,10 @@
           </a:p>
         </p:txBody>
       </p:sp>
-      <p:pic>
-        <p:nvPicPr>
-          <p:cNvPr id="4" name="Picture 3"/>
-          <p:cNvPicPr>
-            <a:picLocks noChangeAspect="1"/>
-          </p:cNvPicPr>
-          <p:nvPr/>
-        </p:nvPicPr>
-        <p:blipFill>
-          <a:blip r:embed="rId2" cstate="print">
-            <a:extLst>
-              <a:ext uri="{28A0092B-C50C-407E-A947-70E740481C1C}">
-                <a14:useLocalDpi xmlns="" xmlns:a14="http://schemas.microsoft.com/office/drawing/2010/main" val="0"/>
-              </a:ext>
-            </a:extLst>
-          </a:blip>
-          <a:stretch>
-            <a:fillRect/>
-          </a:stretch>
-        </p:blipFill>
-        <p:spPr>
-          <a:xfrm>
-            <a:off x="11388436" y="6054436"/>
-            <a:ext cx="803564" cy="803564"/>
-          </a:xfrm>
-          <a:prstGeom prst="rect">
-            <a:avLst/>
-          </a:prstGeom>
-        </p:spPr>
-      </p:pic>
     </p:spTree>
     <p:extLst>
       <p:ext uri="{BB962C8B-B14F-4D97-AF65-F5344CB8AC3E}">
-        <p14:creationId xmlns="" xmlns:p14="http://schemas.microsoft.com/office/powerpoint/2010/main" val="2910849362"/>
+        <p14:creationId xmlns:p14="http://schemas.microsoft.com/office/powerpoint/2010/main" xmlns="" val="2910849362"/>
       </p:ext>
     </p:extLst>
   </p:cSld>
@@ -21540,7 +21510,7 @@
     </p:spTree>
     <p:extLst>
       <p:ext uri="{BB962C8B-B14F-4D97-AF65-F5344CB8AC3E}">
-        <p14:creationId xmlns="" xmlns:p14="http://schemas.microsoft.com/office/powerpoint/2010/main" val="1715396240"/>
+        <p14:creationId xmlns:p14="http://schemas.microsoft.com/office/powerpoint/2010/main" xmlns="" val="1715396240"/>
       </p:ext>
     </p:extLst>
   </p:cSld>
@@ -22017,7 +21987,7 @@
           <a:blip r:embed="rId2">
             <a:extLst>
               <a:ext uri="{28A0092B-C50C-407E-A947-70E740481C1C}">
-                <a14:useLocalDpi xmlns="" xmlns:a14="http://schemas.microsoft.com/office/drawing/2010/main" val="0"/>
+                <a14:useLocalDpi xmlns:a14="http://schemas.microsoft.com/office/drawing/2010/main" xmlns="" val="0"/>
               </a:ext>
             </a:extLst>
           </a:blip>
@@ -22038,7 +22008,7 @@
     </p:spTree>
     <p:extLst>
       <p:ext uri="{BB962C8B-B14F-4D97-AF65-F5344CB8AC3E}">
-        <p14:creationId xmlns="" xmlns:p14="http://schemas.microsoft.com/office/powerpoint/2010/main" val="3349968423"/>
+        <p14:creationId xmlns:p14="http://schemas.microsoft.com/office/powerpoint/2010/main" xmlns="" val="3349968423"/>
       </p:ext>
     </p:extLst>
   </p:cSld>
@@ -24125,40 +24095,10 @@
           </a:p>
         </p:txBody>
       </p:sp>
-      <p:pic>
-        <p:nvPicPr>
-          <p:cNvPr id="4" name="Picture 3"/>
-          <p:cNvPicPr>
-            <a:picLocks noChangeAspect="1"/>
-          </p:cNvPicPr>
-          <p:nvPr/>
-        </p:nvPicPr>
-        <p:blipFill>
-          <a:blip r:embed="rId7" cstate="print">
-            <a:extLst>
-              <a:ext uri="{28A0092B-C50C-407E-A947-70E740481C1C}">
-                <a14:useLocalDpi xmlns="" xmlns:a14="http://schemas.microsoft.com/office/drawing/2010/main" val="0"/>
-              </a:ext>
-            </a:extLst>
-          </a:blip>
-          <a:stretch>
-            <a:fillRect/>
-          </a:stretch>
-        </p:blipFill>
-        <p:spPr>
-          <a:xfrm>
-            <a:off x="11388436" y="6054436"/>
-            <a:ext cx="803564" cy="803564"/>
-          </a:xfrm>
-          <a:prstGeom prst="rect">
-            <a:avLst/>
-          </a:prstGeom>
-        </p:spPr>
-      </p:pic>
     </p:spTree>
     <p:extLst>
       <p:ext uri="{BB962C8B-B14F-4D97-AF65-F5344CB8AC3E}">
-        <p14:creationId xmlns="" xmlns:p14="http://schemas.microsoft.com/office/powerpoint/2010/main" val="4077646618"/>
+        <p14:creationId xmlns:p14="http://schemas.microsoft.com/office/powerpoint/2010/main" xmlns="" val="4077646618"/>
       </p:ext>
     </p:extLst>
   </p:cSld>
@@ -24916,7 +24856,7 @@
           <a:blip r:embed="rId2">
             <a:extLst>
               <a:ext uri="{28A0092B-C50C-407E-A947-70E740481C1C}">
-                <a14:useLocalDpi xmlns="" xmlns:a14="http://schemas.microsoft.com/office/drawing/2010/main" val="0"/>
+                <a14:useLocalDpi xmlns:a14="http://schemas.microsoft.com/office/drawing/2010/main" xmlns="" val="0"/>
               </a:ext>
             </a:extLst>
           </a:blip>
@@ -24934,40 +24874,10 @@
           </a:prstGeom>
         </p:spPr>
       </p:pic>
-      <p:pic>
-        <p:nvPicPr>
-          <p:cNvPr id="5" name="Picture 4"/>
-          <p:cNvPicPr>
-            <a:picLocks noChangeAspect="1"/>
-          </p:cNvPicPr>
-          <p:nvPr/>
-        </p:nvPicPr>
-        <p:blipFill>
-          <a:blip r:embed="rId3" cstate="print">
-            <a:extLst>
-              <a:ext uri="{28A0092B-C50C-407E-A947-70E740481C1C}">
-                <a14:useLocalDpi xmlns="" xmlns:a14="http://schemas.microsoft.com/office/drawing/2010/main" val="0"/>
-              </a:ext>
-            </a:extLst>
-          </a:blip>
-          <a:stretch>
-            <a:fillRect/>
-          </a:stretch>
-        </p:blipFill>
-        <p:spPr>
-          <a:xfrm>
-            <a:off x="11388436" y="6054436"/>
-            <a:ext cx="803564" cy="803564"/>
-          </a:xfrm>
-          <a:prstGeom prst="rect">
-            <a:avLst/>
-          </a:prstGeom>
-        </p:spPr>
-      </p:pic>
     </p:spTree>
     <p:extLst>
       <p:ext uri="{BB962C8B-B14F-4D97-AF65-F5344CB8AC3E}">
-        <p14:creationId xmlns="" xmlns:p14="http://schemas.microsoft.com/office/powerpoint/2010/main" val="2772349537"/>
+        <p14:creationId xmlns:p14="http://schemas.microsoft.com/office/powerpoint/2010/main" xmlns="" val="2772349537"/>
       </p:ext>
     </p:extLst>
   </p:cSld>
@@ -25913,40 +25823,10 @@
           </a:p>
         </p:txBody>
       </p:sp>
-      <p:pic>
-        <p:nvPicPr>
-          <p:cNvPr id="4" name="Picture 3"/>
-          <p:cNvPicPr>
-            <a:picLocks noChangeAspect="1"/>
-          </p:cNvPicPr>
-          <p:nvPr/>
-        </p:nvPicPr>
-        <p:blipFill>
-          <a:blip r:embed="rId2" cstate="print">
-            <a:extLst>
-              <a:ext uri="{28A0092B-C50C-407E-A947-70E740481C1C}">
-                <a14:useLocalDpi xmlns="" xmlns:a14="http://schemas.microsoft.com/office/drawing/2010/main" val="0"/>
-              </a:ext>
-            </a:extLst>
-          </a:blip>
-          <a:stretch>
-            <a:fillRect/>
-          </a:stretch>
-        </p:blipFill>
-        <p:spPr>
-          <a:xfrm>
-            <a:off x="11388436" y="6054436"/>
-            <a:ext cx="803564" cy="803564"/>
-          </a:xfrm>
-          <a:prstGeom prst="rect">
-            <a:avLst/>
-          </a:prstGeom>
-        </p:spPr>
-      </p:pic>
     </p:spTree>
     <p:extLst>
       <p:ext uri="{BB962C8B-B14F-4D97-AF65-F5344CB8AC3E}">
-        <p14:creationId xmlns="" xmlns:p14="http://schemas.microsoft.com/office/powerpoint/2010/main" val="2922175094"/>
+        <p14:creationId xmlns:p14="http://schemas.microsoft.com/office/powerpoint/2010/main" xmlns="" val="2922175094"/>
       </p:ext>
     </p:extLst>
   </p:cSld>
@@ -26768,40 +26648,10 @@
           </a:p>
         </p:txBody>
       </p:sp>
-      <p:pic>
-        <p:nvPicPr>
-          <p:cNvPr id="4" name="Picture 3"/>
-          <p:cNvPicPr>
-            <a:picLocks noChangeAspect="1"/>
-          </p:cNvPicPr>
-          <p:nvPr/>
-        </p:nvPicPr>
-        <p:blipFill>
-          <a:blip r:embed="rId2" cstate="print">
-            <a:extLst>
-              <a:ext uri="{28A0092B-C50C-407E-A947-70E740481C1C}">
-                <a14:useLocalDpi xmlns="" xmlns:a14="http://schemas.microsoft.com/office/drawing/2010/main" val="0"/>
-              </a:ext>
-            </a:extLst>
-          </a:blip>
-          <a:stretch>
-            <a:fillRect/>
-          </a:stretch>
-        </p:blipFill>
-        <p:spPr>
-          <a:xfrm>
-            <a:off x="11388436" y="6054436"/>
-            <a:ext cx="803564" cy="803564"/>
-          </a:xfrm>
-          <a:prstGeom prst="rect">
-            <a:avLst/>
-          </a:prstGeom>
-        </p:spPr>
-      </p:pic>
     </p:spTree>
     <p:extLst>
       <p:ext uri="{BB962C8B-B14F-4D97-AF65-F5344CB8AC3E}">
-        <p14:creationId xmlns="" xmlns:p14="http://schemas.microsoft.com/office/powerpoint/2010/main" val="3355884736"/>
+        <p14:creationId xmlns:p14="http://schemas.microsoft.com/office/powerpoint/2010/main" xmlns="" val="3355884736"/>
       </p:ext>
     </p:extLst>
   </p:cSld>
@@ -27337,40 +27187,10 @@
           </a:p>
         </p:txBody>
       </p:sp>
-      <p:pic>
-        <p:nvPicPr>
-          <p:cNvPr id="4" name="Picture 3"/>
-          <p:cNvPicPr>
-            <a:picLocks noChangeAspect="1"/>
-          </p:cNvPicPr>
-          <p:nvPr/>
-        </p:nvPicPr>
-        <p:blipFill>
-          <a:blip r:embed="rId2" cstate="print">
-            <a:extLst>
-              <a:ext uri="{28A0092B-C50C-407E-A947-70E740481C1C}">
-                <a14:useLocalDpi xmlns="" xmlns:a14="http://schemas.microsoft.com/office/drawing/2010/main" val="0"/>
-              </a:ext>
-            </a:extLst>
-          </a:blip>
-          <a:stretch>
-            <a:fillRect/>
-          </a:stretch>
-        </p:blipFill>
-        <p:spPr>
-          <a:xfrm>
-            <a:off x="11388436" y="6054436"/>
-            <a:ext cx="803564" cy="803564"/>
-          </a:xfrm>
-          <a:prstGeom prst="rect">
-            <a:avLst/>
-          </a:prstGeom>
-        </p:spPr>
-      </p:pic>
     </p:spTree>
     <p:extLst>
       <p:ext uri="{BB962C8B-B14F-4D97-AF65-F5344CB8AC3E}">
-        <p14:creationId xmlns="" xmlns:p14="http://schemas.microsoft.com/office/powerpoint/2010/main" val="2676742917"/>
+        <p14:creationId xmlns:p14="http://schemas.microsoft.com/office/powerpoint/2010/main" xmlns="" val="2676742917"/>
       </p:ext>
     </p:extLst>
   </p:cSld>
@@ -27883,40 +27703,10 @@
           </a:p>
         </p:txBody>
       </p:sp>
-      <p:pic>
-        <p:nvPicPr>
-          <p:cNvPr id="4" name="Picture 3"/>
-          <p:cNvPicPr>
-            <a:picLocks noChangeAspect="1"/>
-          </p:cNvPicPr>
-          <p:nvPr/>
-        </p:nvPicPr>
-        <p:blipFill>
-          <a:blip r:embed="rId2" cstate="print">
-            <a:extLst>
-              <a:ext uri="{28A0092B-C50C-407E-A947-70E740481C1C}">
-                <a14:useLocalDpi xmlns="" xmlns:a14="http://schemas.microsoft.com/office/drawing/2010/main" val="0"/>
-              </a:ext>
-            </a:extLst>
-          </a:blip>
-          <a:stretch>
-            <a:fillRect/>
-          </a:stretch>
-        </p:blipFill>
-        <p:spPr>
-          <a:xfrm>
-            <a:off x="11388436" y="6054436"/>
-            <a:ext cx="803564" cy="803564"/>
-          </a:xfrm>
-          <a:prstGeom prst="rect">
-            <a:avLst/>
-          </a:prstGeom>
-        </p:spPr>
-      </p:pic>
     </p:spTree>
     <p:extLst>
       <p:ext uri="{BB962C8B-B14F-4D97-AF65-F5344CB8AC3E}">
-        <p14:creationId xmlns="" xmlns:p14="http://schemas.microsoft.com/office/powerpoint/2010/main" val="4241905287"/>
+        <p14:creationId xmlns:p14="http://schemas.microsoft.com/office/powerpoint/2010/main" xmlns="" val="4241905287"/>
       </p:ext>
     </p:extLst>
   </p:cSld>
@@ -28454,7 +28244,7 @@
   <a:extraClrSchemeLst/>
   <a:extLst>
     <a:ext uri="{05A4C25C-085E-4340-85A3-A5531E510DB2}">
-      <thm15:themeFamily xmlns="" xmlns:thm15="http://schemas.microsoft.com/office/thememl/2012/main" name="Integral" id="{3577F8C9-A904-41D8-97D2-FD898F53F20E}" vid="{682D6EBE-8D36-4FF2-9DB3-F3D8D7B6715D}"/>
+      <thm15:themeFamily xmlns:thm15="http://schemas.microsoft.com/office/thememl/2012/main" xmlns="" name="Integral" id="{3577F8C9-A904-41D8-97D2-FD898F53F20E}" vid="{682D6EBE-8D36-4FF2-9DB3-F3D8D7B6715D}"/>
     </a:ext>
   </a:extLst>
 </a:theme>

--- a/pptpresentasieptikhacking-140615110436-phpapp01.pptx
+++ b/pptpresentasieptikhacking-140615110436-phpapp01.pptx
@@ -115,7 +115,7 @@
   </p:defaultTextStyle>
   <p:extLst>
     <p:ext uri="{EFAFB233-063F-42B5-8137-9DF3F51BA10A}">
-      <p15:sldGuideLst xmlns:p15="http://schemas.microsoft.com/office/powerpoint/2012/main" xmlns="">
+      <p15:sldGuideLst xmlns="" xmlns:p15="http://schemas.microsoft.com/office/powerpoint/2012/main">
         <p15:guide id="1" orient="horz" pos="2160">
           <p15:clr>
             <a:srgbClr val="A4A3A4"/>
@@ -9015,7 +9015,7 @@
     </p:spTree>
     <p:extLst>
       <p:ext uri="{BB962C8B-B14F-4D97-AF65-F5344CB8AC3E}">
-        <p14:creationId xmlns:p14="http://schemas.microsoft.com/office/powerpoint/2010/main" xmlns="" val="3654701431"/>
+        <p14:creationId xmlns="" xmlns:p14="http://schemas.microsoft.com/office/powerpoint/2010/main" val="3654701431"/>
       </p:ext>
     </p:extLst>
   </p:cSld>
@@ -9187,7 +9187,7 @@
     </p:spTree>
     <p:extLst>
       <p:ext uri="{BB962C8B-B14F-4D97-AF65-F5344CB8AC3E}">
-        <p14:creationId xmlns:p14="http://schemas.microsoft.com/office/powerpoint/2010/main" xmlns="" val="1541394338"/>
+        <p14:creationId xmlns="" xmlns:p14="http://schemas.microsoft.com/office/powerpoint/2010/main" val="1541394338"/>
       </p:ext>
     </p:extLst>
   </p:cSld>
@@ -9404,7 +9404,7 @@
     </p:spTree>
     <p:extLst>
       <p:ext uri="{BB962C8B-B14F-4D97-AF65-F5344CB8AC3E}">
-        <p14:creationId xmlns:p14="http://schemas.microsoft.com/office/powerpoint/2010/main" xmlns="" val="3398663238"/>
+        <p14:creationId xmlns="" xmlns:p14="http://schemas.microsoft.com/office/powerpoint/2010/main" val="3398663238"/>
       </p:ext>
     </p:extLst>
   </p:cSld>
@@ -9576,7 +9576,7 @@
     </p:spTree>
     <p:extLst>
       <p:ext uri="{BB962C8B-B14F-4D97-AF65-F5344CB8AC3E}">
-        <p14:creationId xmlns:p14="http://schemas.microsoft.com/office/powerpoint/2010/main" xmlns="" val="3505705185"/>
+        <p14:creationId xmlns="" xmlns:p14="http://schemas.microsoft.com/office/powerpoint/2010/main" val="3505705185"/>
       </p:ext>
     </p:extLst>
   </p:cSld>
@@ -18513,7 +18513,7 @@
     </p:spTree>
     <p:extLst>
       <p:ext uri="{BB962C8B-B14F-4D97-AF65-F5344CB8AC3E}">
-        <p14:creationId xmlns:p14="http://schemas.microsoft.com/office/powerpoint/2010/main" xmlns="" val="3284221378"/>
+        <p14:creationId xmlns="" xmlns:p14="http://schemas.microsoft.com/office/powerpoint/2010/main" val="3284221378"/>
       </p:ext>
     </p:extLst>
   </p:cSld>
@@ -18752,7 +18752,7 @@
     </p:spTree>
     <p:extLst>
       <p:ext uri="{BB962C8B-B14F-4D97-AF65-F5344CB8AC3E}">
-        <p14:creationId xmlns:p14="http://schemas.microsoft.com/office/powerpoint/2010/main" xmlns="" val="526306287"/>
+        <p14:creationId xmlns="" xmlns:p14="http://schemas.microsoft.com/office/powerpoint/2010/main" val="526306287"/>
       </p:ext>
     </p:extLst>
   </p:cSld>
@@ -19152,7 +19152,7 @@
     </p:spTree>
     <p:extLst>
       <p:ext uri="{BB962C8B-B14F-4D97-AF65-F5344CB8AC3E}">
-        <p14:creationId xmlns:p14="http://schemas.microsoft.com/office/powerpoint/2010/main" xmlns="" val="4293701871"/>
+        <p14:creationId xmlns="" xmlns:p14="http://schemas.microsoft.com/office/powerpoint/2010/main" val="4293701871"/>
       </p:ext>
     </p:extLst>
   </p:cSld>
@@ -19272,7 +19272,7 @@
     </p:spTree>
     <p:extLst>
       <p:ext uri="{BB962C8B-B14F-4D97-AF65-F5344CB8AC3E}">
-        <p14:creationId xmlns:p14="http://schemas.microsoft.com/office/powerpoint/2010/main" xmlns="" val="4212152486"/>
+        <p14:creationId xmlns="" xmlns:p14="http://schemas.microsoft.com/office/powerpoint/2010/main" val="4212152486"/>
       </p:ext>
     </p:extLst>
   </p:cSld>
@@ -19369,7 +19369,7 @@
     </p:spTree>
     <p:extLst>
       <p:ext uri="{BB962C8B-B14F-4D97-AF65-F5344CB8AC3E}">
-        <p14:creationId xmlns:p14="http://schemas.microsoft.com/office/powerpoint/2010/main" xmlns="" val="490336406"/>
+        <p14:creationId xmlns="" xmlns:p14="http://schemas.microsoft.com/office/powerpoint/2010/main" val="490336406"/>
       </p:ext>
     </p:extLst>
   </p:cSld>
@@ -19661,7 +19661,7 @@
     </p:spTree>
     <p:extLst>
       <p:ext uri="{BB962C8B-B14F-4D97-AF65-F5344CB8AC3E}">
-        <p14:creationId xmlns:p14="http://schemas.microsoft.com/office/powerpoint/2010/main" xmlns="" val="3525253028"/>
+        <p14:creationId xmlns="" xmlns:p14="http://schemas.microsoft.com/office/powerpoint/2010/main" val="3525253028"/>
       </p:ext>
     </p:extLst>
   </p:cSld>
@@ -19978,7 +19978,7 @@
     </p:spTree>
     <p:extLst>
       <p:ext uri="{BB962C8B-B14F-4D97-AF65-F5344CB8AC3E}">
-        <p14:creationId xmlns:p14="http://schemas.microsoft.com/office/powerpoint/2010/main" xmlns="" val="3471977317"/>
+        <p14:creationId xmlns="" xmlns:p14="http://schemas.microsoft.com/office/powerpoint/2010/main" val="3471977317"/>
       </p:ext>
     </p:extLst>
   </p:cSld>
@@ -20270,7 +20270,7 @@
     </p:spTree>
     <p:extLst>
       <p:ext uri="{BB962C8B-B14F-4D97-AF65-F5344CB8AC3E}">
-        <p14:creationId xmlns:p14="http://schemas.microsoft.com/office/powerpoint/2010/main" xmlns="" val="1352232978"/>
+        <p14:creationId xmlns="" xmlns:p14="http://schemas.microsoft.com/office/powerpoint/2010/main" val="1352232978"/>
       </p:ext>
     </p:extLst>
   </p:cSld>
@@ -20713,7 +20713,7 @@
     </p:spTree>
     <p:extLst>
       <p:ext uri="{BB962C8B-B14F-4D97-AF65-F5344CB8AC3E}">
-        <p14:creationId xmlns:p14="http://schemas.microsoft.com/office/powerpoint/2010/main" xmlns="" val="3420847315"/>
+        <p14:creationId xmlns="" xmlns:p14="http://schemas.microsoft.com/office/powerpoint/2010/main" val="3420847315"/>
       </p:ext>
     </p:extLst>
   </p:cSld>
@@ -21037,7 +21037,7 @@
     </p:spTree>
     <p:extLst>
       <p:ext uri="{BB962C8B-B14F-4D97-AF65-F5344CB8AC3E}">
-        <p14:creationId xmlns:p14="http://schemas.microsoft.com/office/powerpoint/2010/main" xmlns="" val="2910849362"/>
+        <p14:creationId xmlns="" xmlns:p14="http://schemas.microsoft.com/office/powerpoint/2010/main" val="2910849362"/>
       </p:ext>
     </p:extLst>
   </p:cSld>
@@ -21510,7 +21510,7 @@
     </p:spTree>
     <p:extLst>
       <p:ext uri="{BB962C8B-B14F-4D97-AF65-F5344CB8AC3E}">
-        <p14:creationId xmlns:p14="http://schemas.microsoft.com/office/powerpoint/2010/main" xmlns="" val="1715396240"/>
+        <p14:creationId xmlns="" xmlns:p14="http://schemas.microsoft.com/office/powerpoint/2010/main" val="1715396240"/>
       </p:ext>
     </p:extLst>
   </p:cSld>
@@ -21877,32 +21877,6 @@
       </p:grpSpPr>
       <p:sp>
         <p:nvSpPr>
-          <p:cNvPr id="4" name="Title 3"/>
-          <p:cNvSpPr>
-            <a:spLocks noGrp="1"/>
-          </p:cNvSpPr>
-          <p:nvPr>
-            <p:ph type="title"/>
-          </p:nvPr>
-        </p:nvSpPr>
-        <p:spPr>
-          <a:xfrm>
-            <a:off x="1024129" y="914400"/>
-            <a:ext cx="9720072" cy="5367645"/>
-          </a:xfrm>
-        </p:spPr>
-        <p:txBody>
-          <a:bodyPr>
-            <a:normAutofit/>
-          </a:bodyPr>
-          <a:lstStyle/>
-          <a:p>
-            <a:endParaRPr lang="en-US" dirty="0"/>
-          </a:p>
-        </p:txBody>
-      </p:sp>
-      <p:sp>
-        <p:nvSpPr>
           <p:cNvPr id="3" name="Content Placeholder 2"/>
           <p:cNvSpPr>
             <a:spLocks noGrp="1"/>
@@ -21913,13 +21887,13 @@
         </p:nvSpPr>
         <p:spPr>
           <a:xfrm>
-            <a:off x="1024128" y="296884"/>
-            <a:ext cx="9720073" cy="4215740"/>
+            <a:off x="1024128" y="498590"/>
+            <a:ext cx="9720073" cy="1209187"/>
           </a:xfrm>
         </p:spPr>
         <p:txBody>
           <a:bodyPr>
-            <a:normAutofit fontScale="92500"/>
+            <a:normAutofit lnSpcReduction="10000"/>
           </a:bodyPr>
           <a:lstStyle/>
           <a:p>
@@ -21927,49 +21901,8 @@
               <a:buNone/>
             </a:pPr>
             <a:r>
-              <a:rPr lang="en-US" sz="6000" dirty="0" smtClean="0"/>
-              <a:t>HACKING              </a:t>
-            </a:r>
-            <a:r>
-              <a:rPr lang="en-US" sz="4000" dirty="0" err="1" smtClean="0"/>
+              <a:rPr lang="en-US" sz="8800" dirty="0" smtClean="0"/>
               <a:t>HACKING</a:t>
-            </a:r>
-            <a:r>
-              <a:rPr lang="en-US" sz="6000" dirty="0" smtClean="0"/>
-              <a:t>      </a:t>
-            </a:r>
-            <a:endParaRPr lang="en-US" sz="6000" dirty="0"/>
-          </a:p>
-          <a:p>
-            <a:pPr marL="310896" lvl="2" indent="0">
-              <a:buNone/>
-            </a:pPr>
-            <a:r>
-              <a:rPr lang="en-US" sz="8800" dirty="0" smtClean="0"/>
-              <a:t> 					  	HACKING</a:t>
-            </a:r>
-          </a:p>
-          <a:p>
-            <a:pPr marL="310896" lvl="2" indent="0">
-              <a:buNone/>
-            </a:pPr>
-            <a:r>
-              <a:rPr lang="en-US" sz="4800" dirty="0" smtClean="0"/>
-              <a:t>HACKING</a:t>
-            </a:r>
-            <a:endParaRPr lang="en-US" sz="5200" dirty="0" smtClean="0"/>
-          </a:p>
-          <a:p>
-            <a:pPr marL="310896" lvl="2" indent="0">
-              <a:buNone/>
-            </a:pPr>
-            <a:r>
-              <a:rPr lang="en-US" sz="8800" dirty="0"/>
-              <a:t> </a:t>
-            </a:r>
-            <a:r>
-              <a:rPr lang="en-US" sz="8800" dirty="0" smtClean="0"/>
-              <a:t>            HACKING</a:t>
             </a:r>
             <a:endParaRPr lang="en-US" sz="8800" dirty="0"/>
           </a:p>
@@ -21987,7 +21920,7 @@
           <a:blip r:embed="rId2">
             <a:extLst>
               <a:ext uri="{28A0092B-C50C-407E-A947-70E740481C1C}">
-                <a14:useLocalDpi xmlns:a14="http://schemas.microsoft.com/office/drawing/2010/main" xmlns="" val="0"/>
+                <a14:useLocalDpi xmlns="" xmlns:a14="http://schemas.microsoft.com/office/drawing/2010/main" val="0"/>
               </a:ext>
             </a:extLst>
           </a:blip>
@@ -21997,7 +21930,7 @@
         </p:blipFill>
         <p:spPr>
           <a:xfrm>
-            <a:off x="2933204" y="1514103"/>
+            <a:off x="3188697" y="1675466"/>
             <a:ext cx="5692240" cy="4269180"/>
           </a:xfrm>
           <a:prstGeom prst="rect">
@@ -22008,7 +21941,7 @@
     </p:spTree>
     <p:extLst>
       <p:ext uri="{BB962C8B-B14F-4D97-AF65-F5344CB8AC3E}">
-        <p14:creationId xmlns:p14="http://schemas.microsoft.com/office/powerpoint/2010/main" xmlns="" val="3349968423"/>
+        <p14:creationId xmlns="" xmlns:p14="http://schemas.microsoft.com/office/powerpoint/2010/main" val="3349968423"/>
       </p:ext>
     </p:extLst>
   </p:cSld>
@@ -22036,55 +21969,14 @@
                             </p:stCondLst>
                             <p:childTnLst>
                               <p:par>
-                                <p:cTn id="5" presetID="6" presetClass="emph" presetSubtype="0" fill="hold" grpId="0" nodeType="clickEffect" nodePh="1">
-                                  <p:stCondLst>
-                                    <p:cond delay="0"/>
-                                  </p:stCondLst>
-                                  <p:endCondLst>
-                                    <p:cond evt="begin" delay="0">
-                                      <p:tn val="5"/>
-                                    </p:cond>
-                                  </p:endCondLst>
-                                  <p:childTnLst>
-                                    <p:animScale>
-                                      <p:cBhvr>
-                                        <p:cTn id="6" dur="2000" fill="hold"/>
-                                        <p:tgtEl>
-                                          <p:spTgt spid="4"/>
-                                        </p:tgtEl>
-                                      </p:cBhvr>
-                                      <p:by x="150000" y="150000"/>
-                                    </p:animScale>
-                                  </p:childTnLst>
-                                </p:cTn>
-                              </p:par>
-                            </p:childTnLst>
-                          </p:cTn>
-                        </p:par>
-                      </p:childTnLst>
-                    </p:cTn>
-                  </p:par>
-                  <p:par>
-                    <p:cTn id="7" fill="hold">
-                      <p:stCondLst>
-                        <p:cond delay="indefinite"/>
-                      </p:stCondLst>
-                      <p:childTnLst>
-                        <p:par>
-                          <p:cTn id="8" fill="hold">
-                            <p:stCondLst>
-                              <p:cond delay="0"/>
-                            </p:stCondLst>
-                            <p:childTnLst>
-                              <p:par>
-                                <p:cTn id="9" presetID="10" presetClass="entr" presetSubtype="0" fill="hold" grpId="0" nodeType="clickEffect">
+                                <p:cTn id="5" presetID="10" presetClass="entr" presetSubtype="0" fill="hold" grpId="0" nodeType="clickEffect">
                                   <p:stCondLst>
                                     <p:cond delay="0"/>
                                   </p:stCondLst>
                                   <p:childTnLst>
                                     <p:set>
                                       <p:cBhvr>
-                                        <p:cTn id="10" dur="1" fill="hold">
+                                        <p:cTn id="6" dur="1" fill="hold">
                                           <p:stCondLst>
                                             <p:cond delay="0"/>
                                           </p:stCondLst>
@@ -22106,7 +21998,7 @@
                                     </p:set>
                                     <p:animEffect transition="in" filter="fade">
                                       <p:cBhvr>
-                                        <p:cTn id="11" dur="500"/>
+                                        <p:cTn id="7" dur="500"/>
                                         <p:tgtEl>
                                           <p:spTgt spid="3">
                                             <p:txEl>
@@ -22119,174 +22011,6 @@
                                   </p:childTnLst>
                                 </p:cTn>
                               </p:par>
-                              <p:par>
-                                <p:cTn id="12" presetID="6" presetClass="emph" presetSubtype="0" fill="hold" grpId="0" nodeType="withEffect">
-                                  <p:stCondLst>
-                                    <p:cond delay="0"/>
-                                  </p:stCondLst>
-                                  <p:childTnLst>
-                                    <p:animScale>
-                                      <p:cBhvr>
-                                        <p:cTn id="13" dur="2000" fill="hold"/>
-                                        <p:tgtEl>
-                                          <p:spTgt spid="3">
-                                            <p:txEl>
-                                              <p:pRg st="1" end="1"/>
-                                            </p:txEl>
-                                          </p:spTgt>
-                                        </p:tgtEl>
-                                      </p:cBhvr>
-                                      <p:by x="150000" y="150000"/>
-                                    </p:animScale>
-                                  </p:childTnLst>
-                                </p:cTn>
-                              </p:par>
-                              <p:par>
-                                <p:cTn id="14" presetID="31" presetClass="entr" presetSubtype="0" fill="hold" grpId="0" nodeType="withEffect">
-                                  <p:stCondLst>
-                                    <p:cond delay="0"/>
-                                  </p:stCondLst>
-                                  <p:childTnLst>
-                                    <p:set>
-                                      <p:cBhvr>
-                                        <p:cTn id="15" dur="1" fill="hold">
-                                          <p:stCondLst>
-                                            <p:cond delay="0"/>
-                                          </p:stCondLst>
-                                        </p:cTn>
-                                        <p:tgtEl>
-                                          <p:spTgt spid="3">
-                                            <p:txEl>
-                                              <p:pRg st="2" end="2"/>
-                                            </p:txEl>
-                                          </p:spTgt>
-                                        </p:tgtEl>
-                                        <p:attrNameLst>
-                                          <p:attrName>style.visibility</p:attrName>
-                                        </p:attrNameLst>
-                                      </p:cBhvr>
-                                      <p:to>
-                                        <p:strVal val="visible"/>
-                                      </p:to>
-                                    </p:set>
-                                    <p:anim calcmode="lin" valueType="num">
-                                      <p:cBhvr>
-                                        <p:cTn id="16" dur="1000" fill="hold"/>
-                                        <p:tgtEl>
-                                          <p:spTgt spid="3">
-                                            <p:txEl>
-                                              <p:pRg st="2" end="2"/>
-                                            </p:txEl>
-                                          </p:spTgt>
-                                        </p:tgtEl>
-                                        <p:attrNameLst>
-                                          <p:attrName>ppt_w</p:attrName>
-                                        </p:attrNameLst>
-                                      </p:cBhvr>
-                                      <p:tavLst>
-                                        <p:tav tm="0">
-                                          <p:val>
-                                            <p:fltVal val="0"/>
-                                          </p:val>
-                                        </p:tav>
-                                        <p:tav tm="100000">
-                                          <p:val>
-                                            <p:strVal val="#ppt_w"/>
-                                          </p:val>
-                                        </p:tav>
-                                      </p:tavLst>
-                                    </p:anim>
-                                    <p:anim calcmode="lin" valueType="num">
-                                      <p:cBhvr>
-                                        <p:cTn id="17" dur="1000" fill="hold"/>
-                                        <p:tgtEl>
-                                          <p:spTgt spid="3">
-                                            <p:txEl>
-                                              <p:pRg st="2" end="2"/>
-                                            </p:txEl>
-                                          </p:spTgt>
-                                        </p:tgtEl>
-                                        <p:attrNameLst>
-                                          <p:attrName>ppt_h</p:attrName>
-                                        </p:attrNameLst>
-                                      </p:cBhvr>
-                                      <p:tavLst>
-                                        <p:tav tm="0">
-                                          <p:val>
-                                            <p:fltVal val="0"/>
-                                          </p:val>
-                                        </p:tav>
-                                        <p:tav tm="100000">
-                                          <p:val>
-                                            <p:strVal val="#ppt_h"/>
-                                          </p:val>
-                                        </p:tav>
-                                      </p:tavLst>
-                                    </p:anim>
-                                    <p:anim calcmode="lin" valueType="num">
-                                      <p:cBhvr>
-                                        <p:cTn id="18" dur="1000" fill="hold"/>
-                                        <p:tgtEl>
-                                          <p:spTgt spid="3">
-                                            <p:txEl>
-                                              <p:pRg st="2" end="2"/>
-                                            </p:txEl>
-                                          </p:spTgt>
-                                        </p:tgtEl>
-                                        <p:attrNameLst>
-                                          <p:attrName>style.rotation</p:attrName>
-                                        </p:attrNameLst>
-                                      </p:cBhvr>
-                                      <p:tavLst>
-                                        <p:tav tm="0">
-                                          <p:val>
-                                            <p:fltVal val="90"/>
-                                          </p:val>
-                                        </p:tav>
-                                        <p:tav tm="100000">
-                                          <p:val>
-                                            <p:fltVal val="0"/>
-                                          </p:val>
-                                        </p:tav>
-                                      </p:tavLst>
-                                    </p:anim>
-                                    <p:animEffect transition="in" filter="fade">
-                                      <p:cBhvr>
-                                        <p:cTn id="19" dur="1000"/>
-                                        <p:tgtEl>
-                                          <p:spTgt spid="3">
-                                            <p:txEl>
-                                              <p:pRg st="2" end="2"/>
-                                            </p:txEl>
-                                          </p:spTgt>
-                                        </p:tgtEl>
-                                      </p:cBhvr>
-                                    </p:animEffect>
-                                  </p:childTnLst>
-                                </p:cTn>
-                              </p:par>
-                              <p:par>
-                                <p:cTn id="20" presetID="6" presetClass="emph" presetSubtype="0" fill="hold" grpId="0" nodeType="withEffect">
-                                  <p:stCondLst>
-                                    <p:cond delay="0"/>
-                                  </p:stCondLst>
-                                  <p:childTnLst>
-                                    <p:animScale>
-                                      <p:cBhvr>
-                                        <p:cTn id="21" dur="2000" fill="hold"/>
-                                        <p:tgtEl>
-                                          <p:spTgt spid="3">
-                                            <p:txEl>
-                                              <p:pRg st="3" end="3"/>
-                                            </p:txEl>
-                                          </p:spTgt>
-                                        </p:tgtEl>
-                                      </p:cBhvr>
-                                      <p:by x="150000" y="150000"/>
-                                    </p:animScale>
-                                  </p:childTnLst>
-                                </p:cTn>
-                              </p:par>
                             </p:childTnLst>
                           </p:cTn>
                         </p:par>
@@ -22294,26 +22018,26 @@
                     </p:cTn>
                   </p:par>
                   <p:par>
-                    <p:cTn id="22" fill="hold">
+                    <p:cTn id="8" fill="hold">
                       <p:stCondLst>
                         <p:cond delay="indefinite"/>
                       </p:stCondLst>
                       <p:childTnLst>
                         <p:par>
-                          <p:cTn id="23" fill="hold">
+                          <p:cTn id="9" fill="hold">
                             <p:stCondLst>
                               <p:cond delay="0"/>
                             </p:stCondLst>
                             <p:childTnLst>
                               <p:par>
-                                <p:cTn id="24" presetID="31" presetClass="entr" presetSubtype="0" fill="hold" grpId="1" nodeType="clickEffect">
+                                <p:cTn id="10" presetID="31" presetClass="entr" presetSubtype="0" fill="hold" grpId="1" nodeType="clickEffect">
                                   <p:stCondLst>
                                     <p:cond delay="0"/>
                                   </p:stCondLst>
                                   <p:childTnLst>
                                     <p:set>
                                       <p:cBhvr>
-                                        <p:cTn id="25" dur="1" fill="hold">
+                                        <p:cTn id="11" dur="1" fill="hold">
                                           <p:stCondLst>
                                             <p:cond delay="0"/>
                                           </p:stCondLst>
@@ -22335,7 +22059,7 @@
                                     </p:set>
                                     <p:anim calcmode="lin" valueType="num">
                                       <p:cBhvr>
-                                        <p:cTn id="26" dur="1000" fill="hold"/>
+                                        <p:cTn id="12" dur="1000" fill="hold"/>
                                         <p:tgtEl>
                                           <p:spTgt spid="3">
                                             <p:txEl>
@@ -22362,7 +22086,7 @@
                                     </p:anim>
                                     <p:anim calcmode="lin" valueType="num">
                                       <p:cBhvr>
-                                        <p:cTn id="27" dur="1000" fill="hold"/>
+                                        <p:cTn id="13" dur="1000" fill="hold"/>
                                         <p:tgtEl>
                                           <p:spTgt spid="3">
                                             <p:txEl>
@@ -22389,7 +22113,7 @@
                                     </p:anim>
                                     <p:anim calcmode="lin" valueType="num">
                                       <p:cBhvr>
-                                        <p:cTn id="28" dur="1000" fill="hold"/>
+                                        <p:cTn id="14" dur="1000" fill="hold"/>
                                         <p:tgtEl>
                                           <p:spTgt spid="3">
                                             <p:txEl>
@@ -22416,281 +22140,11 @@
                                     </p:anim>
                                     <p:animEffect transition="in" filter="fade">
                                       <p:cBhvr>
-                                        <p:cTn id="29" dur="1000"/>
+                                        <p:cTn id="15" dur="1000"/>
                                         <p:tgtEl>
                                           <p:spTgt spid="3">
                                             <p:txEl>
                                               <p:pRg st="0" end="0"/>
-                                            </p:txEl>
-                                          </p:spTgt>
-                                        </p:tgtEl>
-                                      </p:cBhvr>
-                                    </p:animEffect>
-                                  </p:childTnLst>
-                                </p:cTn>
-                              </p:par>
-                              <p:par>
-                                <p:cTn id="30" presetID="31" presetClass="entr" presetSubtype="0" fill="hold" grpId="1" nodeType="withEffect">
-                                  <p:stCondLst>
-                                    <p:cond delay="0"/>
-                                  </p:stCondLst>
-                                  <p:childTnLst>
-                                    <p:set>
-                                      <p:cBhvr>
-                                        <p:cTn id="31" dur="1" fill="hold">
-                                          <p:stCondLst>
-                                            <p:cond delay="0"/>
-                                          </p:stCondLst>
-                                        </p:cTn>
-                                        <p:tgtEl>
-                                          <p:spTgt spid="3">
-                                            <p:txEl>
-                                              <p:pRg st="1" end="1"/>
-                                            </p:txEl>
-                                          </p:spTgt>
-                                        </p:tgtEl>
-                                        <p:attrNameLst>
-                                          <p:attrName>style.visibility</p:attrName>
-                                        </p:attrNameLst>
-                                      </p:cBhvr>
-                                      <p:to>
-                                        <p:strVal val="visible"/>
-                                      </p:to>
-                                    </p:set>
-                                    <p:anim calcmode="lin" valueType="num">
-                                      <p:cBhvr>
-                                        <p:cTn id="32" dur="1000" fill="hold"/>
-                                        <p:tgtEl>
-                                          <p:spTgt spid="3">
-                                            <p:txEl>
-                                              <p:pRg st="1" end="1"/>
-                                            </p:txEl>
-                                          </p:spTgt>
-                                        </p:tgtEl>
-                                        <p:attrNameLst>
-                                          <p:attrName>ppt_w</p:attrName>
-                                        </p:attrNameLst>
-                                      </p:cBhvr>
-                                      <p:tavLst>
-                                        <p:tav tm="0">
-                                          <p:val>
-                                            <p:fltVal val="0"/>
-                                          </p:val>
-                                        </p:tav>
-                                        <p:tav tm="100000">
-                                          <p:val>
-                                            <p:strVal val="#ppt_w"/>
-                                          </p:val>
-                                        </p:tav>
-                                      </p:tavLst>
-                                    </p:anim>
-                                    <p:anim calcmode="lin" valueType="num">
-                                      <p:cBhvr>
-                                        <p:cTn id="33" dur="1000" fill="hold"/>
-                                        <p:tgtEl>
-                                          <p:spTgt spid="3">
-                                            <p:txEl>
-                                              <p:pRg st="1" end="1"/>
-                                            </p:txEl>
-                                          </p:spTgt>
-                                        </p:tgtEl>
-                                        <p:attrNameLst>
-                                          <p:attrName>ppt_h</p:attrName>
-                                        </p:attrNameLst>
-                                      </p:cBhvr>
-                                      <p:tavLst>
-                                        <p:tav tm="0">
-                                          <p:val>
-                                            <p:fltVal val="0"/>
-                                          </p:val>
-                                        </p:tav>
-                                        <p:tav tm="100000">
-                                          <p:val>
-                                            <p:strVal val="#ppt_h"/>
-                                          </p:val>
-                                        </p:tav>
-                                      </p:tavLst>
-                                    </p:anim>
-                                    <p:anim calcmode="lin" valueType="num">
-                                      <p:cBhvr>
-                                        <p:cTn id="34" dur="1000" fill="hold"/>
-                                        <p:tgtEl>
-                                          <p:spTgt spid="3">
-                                            <p:txEl>
-                                              <p:pRg st="1" end="1"/>
-                                            </p:txEl>
-                                          </p:spTgt>
-                                        </p:tgtEl>
-                                        <p:attrNameLst>
-                                          <p:attrName>style.rotation</p:attrName>
-                                        </p:attrNameLst>
-                                      </p:cBhvr>
-                                      <p:tavLst>
-                                        <p:tav tm="0">
-                                          <p:val>
-                                            <p:fltVal val="90"/>
-                                          </p:val>
-                                        </p:tav>
-                                        <p:tav tm="100000">
-                                          <p:val>
-                                            <p:fltVal val="0"/>
-                                          </p:val>
-                                        </p:tav>
-                                      </p:tavLst>
-                                    </p:anim>
-                                    <p:animEffect transition="in" filter="fade">
-                                      <p:cBhvr>
-                                        <p:cTn id="35" dur="1000"/>
-                                        <p:tgtEl>
-                                          <p:spTgt spid="3">
-                                            <p:txEl>
-                                              <p:pRg st="1" end="1"/>
-                                            </p:txEl>
-                                          </p:spTgt>
-                                        </p:tgtEl>
-                                      </p:cBhvr>
-                                    </p:animEffect>
-                                  </p:childTnLst>
-                                </p:cTn>
-                              </p:par>
-                              <p:par>
-                                <p:cTn id="36" presetID="6" presetClass="emph" presetSubtype="0" fill="hold" grpId="1" nodeType="withEffect">
-                                  <p:stCondLst>
-                                    <p:cond delay="0"/>
-                                  </p:stCondLst>
-                                  <p:childTnLst>
-                                    <p:animScale>
-                                      <p:cBhvr>
-                                        <p:cTn id="37" dur="2000" fill="hold"/>
-                                        <p:tgtEl>
-                                          <p:spTgt spid="3">
-                                            <p:txEl>
-                                              <p:pRg st="2" end="2"/>
-                                            </p:txEl>
-                                          </p:spTgt>
-                                        </p:tgtEl>
-                                      </p:cBhvr>
-                                      <p:by x="150000" y="150000"/>
-                                    </p:animScale>
-                                  </p:childTnLst>
-                                </p:cTn>
-                              </p:par>
-                              <p:par>
-                                <p:cTn id="38" presetID="31" presetClass="entr" presetSubtype="0" fill="hold" grpId="1" nodeType="withEffect">
-                                  <p:stCondLst>
-                                    <p:cond delay="0"/>
-                                  </p:stCondLst>
-                                  <p:childTnLst>
-                                    <p:set>
-                                      <p:cBhvr>
-                                        <p:cTn id="39" dur="1" fill="hold">
-                                          <p:stCondLst>
-                                            <p:cond delay="0"/>
-                                          </p:stCondLst>
-                                        </p:cTn>
-                                        <p:tgtEl>
-                                          <p:spTgt spid="3">
-                                            <p:txEl>
-                                              <p:pRg st="3" end="3"/>
-                                            </p:txEl>
-                                          </p:spTgt>
-                                        </p:tgtEl>
-                                        <p:attrNameLst>
-                                          <p:attrName>style.visibility</p:attrName>
-                                        </p:attrNameLst>
-                                      </p:cBhvr>
-                                      <p:to>
-                                        <p:strVal val="visible"/>
-                                      </p:to>
-                                    </p:set>
-                                    <p:anim calcmode="lin" valueType="num">
-                                      <p:cBhvr>
-                                        <p:cTn id="40" dur="1000" fill="hold"/>
-                                        <p:tgtEl>
-                                          <p:spTgt spid="3">
-                                            <p:txEl>
-                                              <p:pRg st="3" end="3"/>
-                                            </p:txEl>
-                                          </p:spTgt>
-                                        </p:tgtEl>
-                                        <p:attrNameLst>
-                                          <p:attrName>ppt_w</p:attrName>
-                                        </p:attrNameLst>
-                                      </p:cBhvr>
-                                      <p:tavLst>
-                                        <p:tav tm="0">
-                                          <p:val>
-                                            <p:fltVal val="0"/>
-                                          </p:val>
-                                        </p:tav>
-                                        <p:tav tm="100000">
-                                          <p:val>
-                                            <p:strVal val="#ppt_w"/>
-                                          </p:val>
-                                        </p:tav>
-                                      </p:tavLst>
-                                    </p:anim>
-                                    <p:anim calcmode="lin" valueType="num">
-                                      <p:cBhvr>
-                                        <p:cTn id="41" dur="1000" fill="hold"/>
-                                        <p:tgtEl>
-                                          <p:spTgt spid="3">
-                                            <p:txEl>
-                                              <p:pRg st="3" end="3"/>
-                                            </p:txEl>
-                                          </p:spTgt>
-                                        </p:tgtEl>
-                                        <p:attrNameLst>
-                                          <p:attrName>ppt_h</p:attrName>
-                                        </p:attrNameLst>
-                                      </p:cBhvr>
-                                      <p:tavLst>
-                                        <p:tav tm="0">
-                                          <p:val>
-                                            <p:fltVal val="0"/>
-                                          </p:val>
-                                        </p:tav>
-                                        <p:tav tm="100000">
-                                          <p:val>
-                                            <p:strVal val="#ppt_h"/>
-                                          </p:val>
-                                        </p:tav>
-                                      </p:tavLst>
-                                    </p:anim>
-                                    <p:anim calcmode="lin" valueType="num">
-                                      <p:cBhvr>
-                                        <p:cTn id="42" dur="1000" fill="hold"/>
-                                        <p:tgtEl>
-                                          <p:spTgt spid="3">
-                                            <p:txEl>
-                                              <p:pRg st="3" end="3"/>
-                                            </p:txEl>
-                                          </p:spTgt>
-                                        </p:tgtEl>
-                                        <p:attrNameLst>
-                                          <p:attrName>style.rotation</p:attrName>
-                                        </p:attrNameLst>
-                                      </p:cBhvr>
-                                      <p:tavLst>
-                                        <p:tav tm="0">
-                                          <p:val>
-                                            <p:fltVal val="90"/>
-                                          </p:val>
-                                        </p:tav>
-                                        <p:tav tm="100000">
-                                          <p:val>
-                                            <p:fltVal val="0"/>
-                                          </p:val>
-                                        </p:tav>
-                                      </p:tavLst>
-                                    </p:anim>
-                                    <p:animEffect transition="in" filter="fade">
-                                      <p:cBhvr>
-                                        <p:cTn id="43" dur="1000"/>
-                                        <p:tgtEl>
-                                          <p:spTgt spid="3">
-                                            <p:txEl>
-                                              <p:pRg st="3" end="3"/>
                                             </p:txEl>
                                           </p:spTgt>
                                         </p:tgtEl>
@@ -22706,26 +22160,26 @@
                     </p:cTn>
                   </p:par>
                   <p:par>
-                    <p:cTn id="44" fill="hold">
+                    <p:cTn id="16" fill="hold">
                       <p:stCondLst>
                         <p:cond delay="indefinite"/>
                       </p:stCondLst>
                       <p:childTnLst>
                         <p:par>
-                          <p:cTn id="45" fill="hold">
+                          <p:cTn id="17" fill="hold">
                             <p:stCondLst>
                               <p:cond delay="0"/>
                             </p:stCondLst>
                             <p:childTnLst>
                               <p:par>
-                                <p:cTn id="46" presetID="2" presetClass="entr" presetSubtype="4" fill="hold" nodeType="clickEffect">
+                                <p:cTn id="18" presetID="2" presetClass="entr" presetSubtype="4" fill="hold" nodeType="clickEffect">
                                   <p:stCondLst>
                                     <p:cond delay="0"/>
                                   </p:stCondLst>
                                   <p:childTnLst>
                                     <p:set>
                                       <p:cBhvr>
-                                        <p:cTn id="47" dur="1" fill="hold">
+                                        <p:cTn id="19" dur="1" fill="hold">
                                           <p:stCondLst>
                                             <p:cond delay="0"/>
                                           </p:stCondLst>
@@ -22743,7 +22197,7 @@
                                     </p:set>
                                     <p:anim calcmode="lin" valueType="num">
                                       <p:cBhvr additive="base">
-                                        <p:cTn id="48" dur="500" fill="hold"/>
+                                        <p:cTn id="20" dur="500" fill="hold"/>
                                         <p:tgtEl>
                                           <p:spTgt spid="6"/>
                                         </p:tgtEl>
@@ -22766,7 +22220,7 @@
                                     </p:anim>
                                     <p:anim calcmode="lin" valueType="num">
                                       <p:cBhvr additive="base">
-                                        <p:cTn id="49" dur="500" fill="hold"/>
+                                        <p:cTn id="21" dur="500" fill="hold"/>
                                         <p:tgtEl>
                                           <p:spTgt spid="6"/>
                                         </p:tgtEl>
@@ -22818,7 +22272,6 @@
       </p:par>
     </p:tnLst>
     <p:bldLst>
-      <p:bldP spid="4" grpId="0"/>
       <p:bldP spid="3" grpId="0" uiExpand="1" build="p"/>
       <p:bldP spid="3" grpId="1" uiExpand="1" build="p"/>
     </p:bldLst>
@@ -22899,371 +22352,642 @@
               <a:buNone/>
             </a:pPr>
             <a:r>
-              <a:rPr lang="en-US" dirty="0" smtClean="0"/>
+              <a:rPr lang="en-US" dirty="0" smtClean="0">
+                <a:latin typeface="Times New Roman" pitchFamily="18" charset="0"/>
+                <a:cs typeface="Times New Roman" pitchFamily="18" charset="0"/>
+              </a:rPr>
               <a:t>	</a:t>
             </a:r>
             <a:r>
-              <a:rPr lang="en-US" dirty="0" err="1" smtClean="0"/>
+              <a:rPr lang="en-US" dirty="0" err="1" smtClean="0">
+                <a:latin typeface="Times New Roman" pitchFamily="18" charset="0"/>
+                <a:cs typeface="Times New Roman" pitchFamily="18" charset="0"/>
+              </a:rPr>
               <a:t>Terminologi</a:t>
             </a:r>
             <a:r>
-              <a:rPr lang="en-US" dirty="0" smtClean="0"/>
+              <a:rPr lang="en-US" dirty="0" smtClean="0">
+                <a:latin typeface="Times New Roman" pitchFamily="18" charset="0"/>
+                <a:cs typeface="Times New Roman" pitchFamily="18" charset="0"/>
+              </a:rPr>
               <a:t> </a:t>
             </a:r>
             <a:r>
-              <a:rPr lang="en-US" dirty="0" err="1" smtClean="0"/>
+              <a:rPr lang="en-US" dirty="0" err="1" smtClean="0">
+                <a:latin typeface="Times New Roman" pitchFamily="18" charset="0"/>
+                <a:cs typeface="Times New Roman" pitchFamily="18" charset="0"/>
+              </a:rPr>
               <a:t>peretas</a:t>
             </a:r>
             <a:r>
-              <a:rPr lang="en-US" dirty="0" smtClean="0"/>
+              <a:rPr lang="en-US" dirty="0" smtClean="0">
+                <a:latin typeface="Times New Roman" pitchFamily="18" charset="0"/>
+                <a:cs typeface="Times New Roman" pitchFamily="18" charset="0"/>
+              </a:rPr>
               <a:t> </a:t>
             </a:r>
             <a:r>
-              <a:rPr lang="en-US" dirty="0" err="1" smtClean="0"/>
+              <a:rPr lang="en-US" dirty="0" err="1" smtClean="0">
+                <a:latin typeface="Times New Roman" pitchFamily="18" charset="0"/>
+                <a:cs typeface="Times New Roman" pitchFamily="18" charset="0"/>
+              </a:rPr>
               <a:t>muncul</a:t>
             </a:r>
             <a:r>
-              <a:rPr lang="en-US" dirty="0" smtClean="0"/>
+              <a:rPr lang="en-US" dirty="0" smtClean="0">
+                <a:latin typeface="Times New Roman" pitchFamily="18" charset="0"/>
+                <a:cs typeface="Times New Roman" pitchFamily="18" charset="0"/>
+              </a:rPr>
               <a:t> </a:t>
             </a:r>
             <a:r>
-              <a:rPr lang="en-US" dirty="0" err="1" smtClean="0"/>
+              <a:rPr lang="en-US" dirty="0" err="1" smtClean="0">
+                <a:latin typeface="Times New Roman" pitchFamily="18" charset="0"/>
+                <a:cs typeface="Times New Roman" pitchFamily="18" charset="0"/>
+              </a:rPr>
               <a:t>pada</a:t>
             </a:r>
             <a:r>
-              <a:rPr lang="en-US" dirty="0" smtClean="0"/>
+              <a:rPr lang="en-US" dirty="0" smtClean="0">
+                <a:latin typeface="Times New Roman" pitchFamily="18" charset="0"/>
+                <a:cs typeface="Times New Roman" pitchFamily="18" charset="0"/>
+              </a:rPr>
               <a:t> </a:t>
             </a:r>
             <a:r>
-              <a:rPr lang="en-US" dirty="0" err="1" smtClean="0"/>
+              <a:rPr lang="en-US" dirty="0" err="1" smtClean="0">
+                <a:latin typeface="Times New Roman" pitchFamily="18" charset="0"/>
+                <a:cs typeface="Times New Roman" pitchFamily="18" charset="0"/>
+              </a:rPr>
               <a:t>awal</a:t>
             </a:r>
             <a:r>
-              <a:rPr lang="en-US" dirty="0" smtClean="0"/>
+              <a:rPr lang="en-US" dirty="0" smtClean="0">
+                <a:latin typeface="Times New Roman" pitchFamily="18" charset="0"/>
+                <a:cs typeface="Times New Roman" pitchFamily="18" charset="0"/>
+              </a:rPr>
               <a:t> </a:t>
             </a:r>
             <a:r>
-              <a:rPr lang="en-US" dirty="0" err="1" smtClean="0"/>
+              <a:rPr lang="en-US" dirty="0" err="1" smtClean="0">
+                <a:latin typeface="Times New Roman" pitchFamily="18" charset="0"/>
+                <a:cs typeface="Times New Roman" pitchFamily="18" charset="0"/>
+              </a:rPr>
               <a:t>tahun</a:t>
             </a:r>
             <a:r>
-              <a:rPr lang="en-US" dirty="0" smtClean="0"/>
+              <a:rPr lang="en-US" dirty="0" smtClean="0">
+                <a:latin typeface="Times New Roman" pitchFamily="18" charset="0"/>
+                <a:cs typeface="Times New Roman" pitchFamily="18" charset="0"/>
+              </a:rPr>
               <a:t> </a:t>
             </a:r>
             <a:r>
               <a:rPr lang="en-US" dirty="0" smtClean="0">
+                <a:latin typeface="Times New Roman" pitchFamily="18" charset="0"/>
+                <a:cs typeface="Times New Roman" pitchFamily="18" charset="0"/>
                 <a:hlinkClick r:id="rId2" tooltip="1960"/>
               </a:rPr>
               <a:t>1960</a:t>
             </a:r>
             <a:r>
-              <a:rPr lang="en-US" dirty="0" smtClean="0"/>
+              <a:rPr lang="en-US" dirty="0" smtClean="0">
+                <a:latin typeface="Times New Roman" pitchFamily="18" charset="0"/>
+                <a:cs typeface="Times New Roman" pitchFamily="18" charset="0"/>
+              </a:rPr>
               <a:t>-an </a:t>
             </a:r>
             <a:r>
-              <a:rPr lang="en-US" dirty="0" err="1" smtClean="0"/>
+              <a:rPr lang="en-US" dirty="0" err="1" smtClean="0">
+                <a:latin typeface="Times New Roman" pitchFamily="18" charset="0"/>
+                <a:cs typeface="Times New Roman" pitchFamily="18" charset="0"/>
+              </a:rPr>
               <a:t>di</a:t>
             </a:r>
             <a:r>
-              <a:rPr lang="en-US" dirty="0" smtClean="0"/>
+              <a:rPr lang="en-US" dirty="0" smtClean="0">
+                <a:latin typeface="Times New Roman" pitchFamily="18" charset="0"/>
+                <a:cs typeface="Times New Roman" pitchFamily="18" charset="0"/>
+              </a:rPr>
               <a:t> </a:t>
             </a:r>
             <a:r>
-              <a:rPr lang="en-US" dirty="0" err="1" smtClean="0"/>
+              <a:rPr lang="en-US" dirty="0" err="1" smtClean="0">
+                <a:latin typeface="Times New Roman" pitchFamily="18" charset="0"/>
+                <a:cs typeface="Times New Roman" pitchFamily="18" charset="0"/>
+              </a:rPr>
               <a:t>antara</a:t>
             </a:r>
             <a:r>
-              <a:rPr lang="en-US" dirty="0" smtClean="0"/>
+              <a:rPr lang="en-US" dirty="0" smtClean="0">
+                <a:latin typeface="Times New Roman" pitchFamily="18" charset="0"/>
+                <a:cs typeface="Times New Roman" pitchFamily="18" charset="0"/>
+              </a:rPr>
               <a:t> </a:t>
             </a:r>
             <a:r>
-              <a:rPr lang="en-US" dirty="0" err="1" smtClean="0"/>
+              <a:rPr lang="en-US" dirty="0" err="1" smtClean="0">
+                <a:latin typeface="Times New Roman" pitchFamily="18" charset="0"/>
+                <a:cs typeface="Times New Roman" pitchFamily="18" charset="0"/>
+              </a:rPr>
               <a:t>para</a:t>
             </a:r>
             <a:r>
-              <a:rPr lang="en-US" dirty="0" smtClean="0"/>
+              <a:rPr lang="en-US" dirty="0" smtClean="0">
+                <a:latin typeface="Times New Roman" pitchFamily="18" charset="0"/>
+                <a:cs typeface="Times New Roman" pitchFamily="18" charset="0"/>
+              </a:rPr>
               <a:t> </a:t>
             </a:r>
             <a:r>
-              <a:rPr lang="en-US" dirty="0" err="1" smtClean="0"/>
+              <a:rPr lang="en-US" dirty="0" err="1" smtClean="0">
+                <a:latin typeface="Times New Roman" pitchFamily="18" charset="0"/>
+                <a:cs typeface="Times New Roman" pitchFamily="18" charset="0"/>
+              </a:rPr>
               <a:t>anggota</a:t>
             </a:r>
             <a:r>
-              <a:rPr lang="en-US" dirty="0" smtClean="0"/>
+              <a:rPr lang="en-US" dirty="0" smtClean="0">
+                <a:latin typeface="Times New Roman" pitchFamily="18" charset="0"/>
+                <a:cs typeface="Times New Roman" pitchFamily="18" charset="0"/>
+              </a:rPr>
               <a:t> </a:t>
             </a:r>
             <a:r>
               <a:rPr lang="en-US" dirty="0" err="1" smtClean="0">
+                <a:latin typeface="Times New Roman" pitchFamily="18" charset="0"/>
+                <a:cs typeface="Times New Roman" pitchFamily="18" charset="0"/>
                 <a:hlinkClick r:id="rId3" tooltip="Organisasi"/>
               </a:rPr>
               <a:t>organisasi</a:t>
             </a:r>
             <a:r>
-              <a:rPr lang="en-US" dirty="0" smtClean="0"/>
+              <a:rPr lang="en-US" dirty="0" smtClean="0">
+                <a:latin typeface="Times New Roman" pitchFamily="18" charset="0"/>
+                <a:cs typeface="Times New Roman" pitchFamily="18" charset="0"/>
+              </a:rPr>
               <a:t> </a:t>
             </a:r>
             <a:r>
-              <a:rPr lang="en-US" dirty="0" err="1" smtClean="0"/>
+              <a:rPr lang="en-US" dirty="0" err="1" smtClean="0">
+                <a:latin typeface="Times New Roman" pitchFamily="18" charset="0"/>
+                <a:cs typeface="Times New Roman" pitchFamily="18" charset="0"/>
+              </a:rPr>
               <a:t>mahasiswa</a:t>
             </a:r>
             <a:r>
-              <a:rPr lang="en-US" dirty="0" smtClean="0"/>
+              <a:rPr lang="en-US" dirty="0" smtClean="0">
+                <a:latin typeface="Times New Roman" pitchFamily="18" charset="0"/>
+                <a:cs typeface="Times New Roman" pitchFamily="18" charset="0"/>
+              </a:rPr>
               <a:t> Tech Model Railroad Club </a:t>
             </a:r>
             <a:r>
-              <a:rPr lang="en-US" dirty="0" err="1" smtClean="0"/>
+              <a:rPr lang="en-US" dirty="0" err="1" smtClean="0">
+                <a:latin typeface="Times New Roman" pitchFamily="18" charset="0"/>
+                <a:cs typeface="Times New Roman" pitchFamily="18" charset="0"/>
+              </a:rPr>
               <a:t>di</a:t>
             </a:r>
             <a:r>
-              <a:rPr lang="en-US" dirty="0" smtClean="0"/>
+              <a:rPr lang="en-US" dirty="0" smtClean="0">
+                <a:latin typeface="Times New Roman" pitchFamily="18" charset="0"/>
+                <a:cs typeface="Times New Roman" pitchFamily="18" charset="0"/>
+              </a:rPr>
               <a:t> </a:t>
             </a:r>
             <a:r>
-              <a:rPr lang="en-US" dirty="0" err="1" smtClean="0"/>
+              <a:rPr lang="en-US" dirty="0" err="1" smtClean="0">
+                <a:latin typeface="Times New Roman" pitchFamily="18" charset="0"/>
+                <a:cs typeface="Times New Roman" pitchFamily="18" charset="0"/>
+              </a:rPr>
               <a:t>Laboratorium</a:t>
             </a:r>
             <a:r>
-              <a:rPr lang="en-US" dirty="0" smtClean="0"/>
+              <a:rPr lang="en-US" dirty="0" smtClean="0">
+                <a:latin typeface="Times New Roman" pitchFamily="18" charset="0"/>
+                <a:cs typeface="Times New Roman" pitchFamily="18" charset="0"/>
+              </a:rPr>
               <a:t> </a:t>
             </a:r>
             <a:r>
-              <a:rPr lang="en-US" dirty="0" err="1" smtClean="0"/>
+              <a:rPr lang="en-US" dirty="0" err="1" smtClean="0">
+                <a:latin typeface="Times New Roman" pitchFamily="18" charset="0"/>
+                <a:cs typeface="Times New Roman" pitchFamily="18" charset="0"/>
+              </a:rPr>
               <a:t>Kecerdasan</a:t>
             </a:r>
             <a:r>
-              <a:rPr lang="en-US" dirty="0" smtClean="0"/>
+              <a:rPr lang="en-US" dirty="0" smtClean="0">
+                <a:latin typeface="Times New Roman" pitchFamily="18" charset="0"/>
+                <a:cs typeface="Times New Roman" pitchFamily="18" charset="0"/>
+              </a:rPr>
               <a:t> </a:t>
             </a:r>
             <a:r>
-              <a:rPr lang="en-US" dirty="0" err="1" smtClean="0"/>
+              <a:rPr lang="en-US" dirty="0" err="1" smtClean="0">
+                <a:latin typeface="Times New Roman" pitchFamily="18" charset="0"/>
+                <a:cs typeface="Times New Roman" pitchFamily="18" charset="0"/>
+              </a:rPr>
               <a:t>Artifisial</a:t>
             </a:r>
             <a:r>
-              <a:rPr lang="en-US" dirty="0" smtClean="0"/>
+              <a:rPr lang="en-US" dirty="0" smtClean="0">
+                <a:latin typeface="Times New Roman" pitchFamily="18" charset="0"/>
+                <a:cs typeface="Times New Roman" pitchFamily="18" charset="0"/>
+              </a:rPr>
               <a:t> Massachusetts Institute of Technology (MIT). </a:t>
             </a:r>
             <a:r>
-              <a:rPr lang="en-US" dirty="0" err="1" smtClean="0"/>
+              <a:rPr lang="en-US" dirty="0" err="1" smtClean="0">
+                <a:latin typeface="Times New Roman" pitchFamily="18" charset="0"/>
+                <a:cs typeface="Times New Roman" pitchFamily="18" charset="0"/>
+              </a:rPr>
               <a:t>Kata</a:t>
             </a:r>
             <a:r>
-              <a:rPr lang="en-US" dirty="0" smtClean="0"/>
+              <a:rPr lang="en-US" dirty="0" smtClean="0">
+                <a:latin typeface="Times New Roman" pitchFamily="18" charset="0"/>
+                <a:cs typeface="Times New Roman" pitchFamily="18" charset="0"/>
+              </a:rPr>
               <a:t> </a:t>
             </a:r>
             <a:r>
-              <a:rPr lang="en-US" dirty="0" err="1" smtClean="0"/>
+              <a:rPr lang="en-US" dirty="0" err="1" smtClean="0">
+                <a:latin typeface="Times New Roman" pitchFamily="18" charset="0"/>
+                <a:cs typeface="Times New Roman" pitchFamily="18" charset="0"/>
+              </a:rPr>
               <a:t>bahasa</a:t>
             </a:r>
             <a:r>
-              <a:rPr lang="en-US" dirty="0" smtClean="0"/>
+              <a:rPr lang="en-US" dirty="0" smtClean="0">
+                <a:latin typeface="Times New Roman" pitchFamily="18" charset="0"/>
+                <a:cs typeface="Times New Roman" pitchFamily="18" charset="0"/>
+              </a:rPr>
               <a:t> </a:t>
             </a:r>
             <a:r>
-              <a:rPr lang="en-US" dirty="0" err="1" smtClean="0"/>
+              <a:rPr lang="en-US" dirty="0" err="1" smtClean="0">
+                <a:latin typeface="Times New Roman" pitchFamily="18" charset="0"/>
+                <a:cs typeface="Times New Roman" pitchFamily="18" charset="0"/>
+              </a:rPr>
               <a:t>Inggris</a:t>
             </a:r>
             <a:r>
-              <a:rPr lang="en-US" dirty="0" smtClean="0"/>
+              <a:rPr lang="en-US" dirty="0" smtClean="0">
+                <a:latin typeface="Times New Roman" pitchFamily="18" charset="0"/>
+                <a:cs typeface="Times New Roman" pitchFamily="18" charset="0"/>
+              </a:rPr>
               <a:t> "hacker" </a:t>
             </a:r>
             <a:r>
-              <a:rPr lang="en-US" dirty="0" err="1" smtClean="0"/>
+              <a:rPr lang="en-US" dirty="0" err="1" smtClean="0">
+                <a:latin typeface="Times New Roman" pitchFamily="18" charset="0"/>
+                <a:cs typeface="Times New Roman" pitchFamily="18" charset="0"/>
+              </a:rPr>
               <a:t>pertama</a:t>
             </a:r>
             <a:r>
-              <a:rPr lang="en-US" dirty="0" smtClean="0"/>
+              <a:rPr lang="en-US" dirty="0" smtClean="0">
+                <a:latin typeface="Times New Roman" pitchFamily="18" charset="0"/>
+                <a:cs typeface="Times New Roman" pitchFamily="18" charset="0"/>
+              </a:rPr>
               <a:t> </a:t>
             </a:r>
             <a:r>
-              <a:rPr lang="en-US" dirty="0" err="1" smtClean="0"/>
+              <a:rPr lang="en-US" dirty="0" err="1" smtClean="0">
+                <a:latin typeface="Times New Roman" pitchFamily="18" charset="0"/>
+                <a:cs typeface="Times New Roman" pitchFamily="18" charset="0"/>
+              </a:rPr>
               <a:t>kalinya</a:t>
             </a:r>
             <a:r>
-              <a:rPr lang="en-US" dirty="0" smtClean="0"/>
+              <a:rPr lang="en-US" dirty="0" smtClean="0">
+                <a:latin typeface="Times New Roman" pitchFamily="18" charset="0"/>
+                <a:cs typeface="Times New Roman" pitchFamily="18" charset="0"/>
+              </a:rPr>
               <a:t> </a:t>
             </a:r>
             <a:r>
-              <a:rPr lang="en-US" dirty="0" err="1" smtClean="0"/>
+              <a:rPr lang="en-US" dirty="0" err="1" smtClean="0">
+                <a:latin typeface="Times New Roman" pitchFamily="18" charset="0"/>
+                <a:cs typeface="Times New Roman" pitchFamily="18" charset="0"/>
+              </a:rPr>
               <a:t>muncul</a:t>
             </a:r>
             <a:r>
-              <a:rPr lang="en-US" dirty="0" smtClean="0"/>
+              <a:rPr lang="en-US" dirty="0" smtClean="0">
+                <a:latin typeface="Times New Roman" pitchFamily="18" charset="0"/>
+                <a:cs typeface="Times New Roman" pitchFamily="18" charset="0"/>
+              </a:rPr>
               <a:t> </a:t>
             </a:r>
             <a:r>
-              <a:rPr lang="en-US" dirty="0" err="1" smtClean="0"/>
+              <a:rPr lang="en-US" dirty="0" err="1" smtClean="0">
+                <a:latin typeface="Times New Roman" pitchFamily="18" charset="0"/>
+                <a:cs typeface="Times New Roman" pitchFamily="18" charset="0"/>
+              </a:rPr>
               <a:t>dengan</a:t>
             </a:r>
             <a:r>
-              <a:rPr lang="en-US" dirty="0" smtClean="0"/>
+              <a:rPr lang="en-US" dirty="0" smtClean="0">
+                <a:latin typeface="Times New Roman" pitchFamily="18" charset="0"/>
+                <a:cs typeface="Times New Roman" pitchFamily="18" charset="0"/>
+              </a:rPr>
               <a:t> </a:t>
             </a:r>
             <a:r>
-              <a:rPr lang="en-US" dirty="0" err="1" smtClean="0"/>
+              <a:rPr lang="en-US" dirty="0" err="1" smtClean="0">
+                <a:latin typeface="Times New Roman" pitchFamily="18" charset="0"/>
+                <a:cs typeface="Times New Roman" pitchFamily="18" charset="0"/>
+              </a:rPr>
               <a:t>arti</a:t>
             </a:r>
             <a:r>
-              <a:rPr lang="en-US" dirty="0" smtClean="0"/>
+              <a:rPr lang="en-US" dirty="0" smtClean="0">
+                <a:latin typeface="Times New Roman" pitchFamily="18" charset="0"/>
+                <a:cs typeface="Times New Roman" pitchFamily="18" charset="0"/>
+              </a:rPr>
               <a:t> </a:t>
             </a:r>
             <a:r>
-              <a:rPr lang="en-US" dirty="0" err="1" smtClean="0"/>
+              <a:rPr lang="en-US" dirty="0" err="1" smtClean="0">
+                <a:latin typeface="Times New Roman" pitchFamily="18" charset="0"/>
+                <a:cs typeface="Times New Roman" pitchFamily="18" charset="0"/>
+              </a:rPr>
               <a:t>positif</a:t>
             </a:r>
             <a:r>
-              <a:rPr lang="en-US" dirty="0" smtClean="0"/>
+              <a:rPr lang="en-US" dirty="0" smtClean="0">
+                <a:latin typeface="Times New Roman" pitchFamily="18" charset="0"/>
+                <a:cs typeface="Times New Roman" pitchFamily="18" charset="0"/>
+              </a:rPr>
               <a:t> </a:t>
             </a:r>
             <a:r>
-              <a:rPr lang="en-US" dirty="0" err="1" smtClean="0"/>
+              <a:rPr lang="en-US" dirty="0" err="1" smtClean="0">
+                <a:latin typeface="Times New Roman" pitchFamily="18" charset="0"/>
+                <a:cs typeface="Times New Roman" pitchFamily="18" charset="0"/>
+              </a:rPr>
               <a:t>untuk</a:t>
             </a:r>
             <a:r>
-              <a:rPr lang="en-US" dirty="0" smtClean="0"/>
+              <a:rPr lang="en-US" dirty="0" smtClean="0">
+                <a:latin typeface="Times New Roman" pitchFamily="18" charset="0"/>
+                <a:cs typeface="Times New Roman" pitchFamily="18" charset="0"/>
+              </a:rPr>
               <a:t> </a:t>
             </a:r>
             <a:r>
-              <a:rPr lang="en-US" dirty="0" err="1" smtClean="0"/>
+              <a:rPr lang="en-US" dirty="0" err="1" smtClean="0">
+                <a:latin typeface="Times New Roman" pitchFamily="18" charset="0"/>
+                <a:cs typeface="Times New Roman" pitchFamily="18" charset="0"/>
+              </a:rPr>
               <a:t>menyebut</a:t>
             </a:r>
             <a:r>
-              <a:rPr lang="en-US" dirty="0" smtClean="0"/>
+              <a:rPr lang="en-US" dirty="0" smtClean="0">
+                <a:latin typeface="Times New Roman" pitchFamily="18" charset="0"/>
+                <a:cs typeface="Times New Roman" pitchFamily="18" charset="0"/>
+              </a:rPr>
               <a:t> </a:t>
             </a:r>
             <a:r>
-              <a:rPr lang="en-US" dirty="0" err="1" smtClean="0"/>
+              <a:rPr lang="en-US" dirty="0" err="1" smtClean="0">
+                <a:latin typeface="Times New Roman" pitchFamily="18" charset="0"/>
+                <a:cs typeface="Times New Roman" pitchFamily="18" charset="0"/>
+              </a:rPr>
               <a:t>seorang</a:t>
             </a:r>
             <a:r>
-              <a:rPr lang="en-US" dirty="0" smtClean="0"/>
+              <a:rPr lang="en-US" dirty="0" smtClean="0">
+                <a:latin typeface="Times New Roman" pitchFamily="18" charset="0"/>
+                <a:cs typeface="Times New Roman" pitchFamily="18" charset="0"/>
+              </a:rPr>
               <a:t> </a:t>
             </a:r>
             <a:r>
-              <a:rPr lang="en-US" dirty="0" err="1" smtClean="0"/>
+              <a:rPr lang="en-US" dirty="0" err="1" smtClean="0">
+                <a:latin typeface="Times New Roman" pitchFamily="18" charset="0"/>
+                <a:cs typeface="Times New Roman" pitchFamily="18" charset="0"/>
+              </a:rPr>
               <a:t>anggota</a:t>
             </a:r>
             <a:r>
-              <a:rPr lang="en-US" dirty="0" smtClean="0"/>
+              <a:rPr lang="en-US" dirty="0" smtClean="0">
+                <a:latin typeface="Times New Roman" pitchFamily="18" charset="0"/>
+                <a:cs typeface="Times New Roman" pitchFamily="18" charset="0"/>
+              </a:rPr>
               <a:t> yang </a:t>
             </a:r>
             <a:r>
-              <a:rPr lang="en-US" dirty="0" err="1" smtClean="0"/>
+              <a:rPr lang="en-US" dirty="0" err="1" smtClean="0">
+                <a:latin typeface="Times New Roman" pitchFamily="18" charset="0"/>
+                <a:cs typeface="Times New Roman" pitchFamily="18" charset="0"/>
+              </a:rPr>
               <a:t>memiliki</a:t>
             </a:r>
             <a:r>
-              <a:rPr lang="en-US" dirty="0" smtClean="0"/>
+              <a:rPr lang="en-US" dirty="0" smtClean="0">
+                <a:latin typeface="Times New Roman" pitchFamily="18" charset="0"/>
+                <a:cs typeface="Times New Roman" pitchFamily="18" charset="0"/>
+              </a:rPr>
               <a:t> </a:t>
             </a:r>
             <a:r>
-              <a:rPr lang="en-US" dirty="0" err="1" smtClean="0"/>
+              <a:rPr lang="en-US" dirty="0" err="1" smtClean="0">
+                <a:latin typeface="Times New Roman" pitchFamily="18" charset="0"/>
+                <a:cs typeface="Times New Roman" pitchFamily="18" charset="0"/>
+              </a:rPr>
               <a:t>keahlian</a:t>
             </a:r>
             <a:r>
-              <a:rPr lang="en-US" dirty="0" smtClean="0"/>
+              <a:rPr lang="en-US" dirty="0" smtClean="0">
+                <a:latin typeface="Times New Roman" pitchFamily="18" charset="0"/>
+                <a:cs typeface="Times New Roman" pitchFamily="18" charset="0"/>
+              </a:rPr>
               <a:t> </a:t>
             </a:r>
             <a:r>
-              <a:rPr lang="en-US" dirty="0" err="1" smtClean="0"/>
+              <a:rPr lang="en-US" dirty="0" err="1" smtClean="0">
+                <a:latin typeface="Times New Roman" pitchFamily="18" charset="0"/>
+                <a:cs typeface="Times New Roman" pitchFamily="18" charset="0"/>
+              </a:rPr>
               <a:t>dalam</a:t>
             </a:r>
             <a:r>
-              <a:rPr lang="en-US" dirty="0" smtClean="0"/>
+              <a:rPr lang="en-US" dirty="0" smtClean="0">
+                <a:latin typeface="Times New Roman" pitchFamily="18" charset="0"/>
+                <a:cs typeface="Times New Roman" pitchFamily="18" charset="0"/>
+              </a:rPr>
               <a:t> </a:t>
             </a:r>
             <a:r>
-              <a:rPr lang="en-US" dirty="0" err="1" smtClean="0"/>
+              <a:rPr lang="en-US" dirty="0" err="1" smtClean="0">
+                <a:latin typeface="Times New Roman" pitchFamily="18" charset="0"/>
+                <a:cs typeface="Times New Roman" pitchFamily="18" charset="0"/>
+              </a:rPr>
               <a:t>bidang</a:t>
             </a:r>
             <a:r>
-              <a:rPr lang="en-US" dirty="0" smtClean="0"/>
+              <a:rPr lang="en-US" dirty="0" smtClean="0">
+                <a:latin typeface="Times New Roman" pitchFamily="18" charset="0"/>
+                <a:cs typeface="Times New Roman" pitchFamily="18" charset="0"/>
+              </a:rPr>
               <a:t> </a:t>
             </a:r>
             <a:r>
-              <a:rPr lang="en-US" dirty="0" err="1" smtClean="0"/>
+              <a:rPr lang="en-US" dirty="0" err="1" smtClean="0">
+                <a:latin typeface="Times New Roman" pitchFamily="18" charset="0"/>
+                <a:cs typeface="Times New Roman" pitchFamily="18" charset="0"/>
+              </a:rPr>
               <a:t>komputer</a:t>
             </a:r>
             <a:r>
-              <a:rPr lang="en-US" dirty="0" smtClean="0"/>
+              <a:rPr lang="en-US" dirty="0" smtClean="0">
+                <a:latin typeface="Times New Roman" pitchFamily="18" charset="0"/>
+                <a:cs typeface="Times New Roman" pitchFamily="18" charset="0"/>
+              </a:rPr>
               <a:t> </a:t>
             </a:r>
             <a:r>
-              <a:rPr lang="en-US" dirty="0" err="1" smtClean="0"/>
+              <a:rPr lang="en-US" dirty="0" err="1" smtClean="0">
+                <a:latin typeface="Times New Roman" pitchFamily="18" charset="0"/>
+                <a:cs typeface="Times New Roman" pitchFamily="18" charset="0"/>
+              </a:rPr>
               <a:t>dan</a:t>
             </a:r>
             <a:r>
-              <a:rPr lang="en-US" dirty="0" smtClean="0"/>
+              <a:rPr lang="en-US" dirty="0" smtClean="0">
+                <a:latin typeface="Times New Roman" pitchFamily="18" charset="0"/>
+                <a:cs typeface="Times New Roman" pitchFamily="18" charset="0"/>
+              </a:rPr>
               <a:t> </a:t>
             </a:r>
             <a:r>
-              <a:rPr lang="en-US" dirty="0" err="1" smtClean="0"/>
+              <a:rPr lang="en-US" dirty="0" err="1" smtClean="0">
+                <a:latin typeface="Times New Roman" pitchFamily="18" charset="0"/>
+                <a:cs typeface="Times New Roman" pitchFamily="18" charset="0"/>
+              </a:rPr>
               <a:t>mampu</a:t>
             </a:r>
             <a:r>
-              <a:rPr lang="en-US" dirty="0" smtClean="0"/>
+              <a:rPr lang="en-US" dirty="0" smtClean="0">
+                <a:latin typeface="Times New Roman" pitchFamily="18" charset="0"/>
+                <a:cs typeface="Times New Roman" pitchFamily="18" charset="0"/>
+              </a:rPr>
               <a:t> </a:t>
             </a:r>
             <a:r>
-              <a:rPr lang="en-US" dirty="0" err="1" smtClean="0"/>
+              <a:rPr lang="en-US" dirty="0" err="1" smtClean="0">
+                <a:latin typeface="Times New Roman" pitchFamily="18" charset="0"/>
+                <a:cs typeface="Times New Roman" pitchFamily="18" charset="0"/>
+              </a:rPr>
               <a:t>membuat</a:t>
             </a:r>
             <a:r>
-              <a:rPr lang="en-US" dirty="0" smtClean="0"/>
+              <a:rPr lang="en-US" dirty="0" smtClean="0">
+                <a:latin typeface="Times New Roman" pitchFamily="18" charset="0"/>
+                <a:cs typeface="Times New Roman" pitchFamily="18" charset="0"/>
+              </a:rPr>
               <a:t> program </a:t>
             </a:r>
             <a:r>
-              <a:rPr lang="en-US" dirty="0" err="1" smtClean="0"/>
+              <a:rPr lang="en-US" dirty="0" err="1" smtClean="0">
+                <a:latin typeface="Times New Roman" pitchFamily="18" charset="0"/>
+                <a:cs typeface="Times New Roman" pitchFamily="18" charset="0"/>
+              </a:rPr>
               <a:t>komputer</a:t>
             </a:r>
             <a:r>
-              <a:rPr lang="en-US" dirty="0" smtClean="0"/>
+              <a:rPr lang="en-US" dirty="0" smtClean="0">
+                <a:latin typeface="Times New Roman" pitchFamily="18" charset="0"/>
+                <a:cs typeface="Times New Roman" pitchFamily="18" charset="0"/>
+              </a:rPr>
               <a:t> yang </a:t>
             </a:r>
             <a:r>
-              <a:rPr lang="en-US" dirty="0" err="1" smtClean="0"/>
+              <a:rPr lang="en-US" dirty="0" err="1" smtClean="0">
+                <a:latin typeface="Times New Roman" pitchFamily="18" charset="0"/>
+                <a:cs typeface="Times New Roman" pitchFamily="18" charset="0"/>
+              </a:rPr>
               <a:t>lebih</a:t>
             </a:r>
             <a:r>
-              <a:rPr lang="en-US" dirty="0" smtClean="0"/>
+              <a:rPr lang="en-US" dirty="0" smtClean="0">
+                <a:latin typeface="Times New Roman" pitchFamily="18" charset="0"/>
+                <a:cs typeface="Times New Roman" pitchFamily="18" charset="0"/>
+              </a:rPr>
               <a:t> </a:t>
             </a:r>
             <a:r>
-              <a:rPr lang="en-US" dirty="0" err="1" smtClean="0"/>
+              <a:rPr lang="en-US" dirty="0" err="1" smtClean="0">
+                <a:latin typeface="Times New Roman" pitchFamily="18" charset="0"/>
+                <a:cs typeface="Times New Roman" pitchFamily="18" charset="0"/>
+              </a:rPr>
               <a:t>baik</a:t>
             </a:r>
             <a:r>
-              <a:rPr lang="en-US" dirty="0" smtClean="0"/>
+              <a:rPr lang="en-US" dirty="0" smtClean="0">
+                <a:latin typeface="Times New Roman" pitchFamily="18" charset="0"/>
+                <a:cs typeface="Times New Roman" pitchFamily="18" charset="0"/>
+              </a:rPr>
               <a:t> </a:t>
             </a:r>
             <a:r>
-              <a:rPr lang="en-US" dirty="0" err="1" smtClean="0"/>
+              <a:rPr lang="en-US" dirty="0" err="1" smtClean="0">
+                <a:latin typeface="Times New Roman" pitchFamily="18" charset="0"/>
+                <a:cs typeface="Times New Roman" pitchFamily="18" charset="0"/>
+              </a:rPr>
               <a:t>daripada</a:t>
             </a:r>
             <a:r>
-              <a:rPr lang="en-US" dirty="0" smtClean="0"/>
+              <a:rPr lang="en-US" dirty="0" smtClean="0">
+                <a:latin typeface="Times New Roman" pitchFamily="18" charset="0"/>
+                <a:cs typeface="Times New Roman" pitchFamily="18" charset="0"/>
+              </a:rPr>
               <a:t> yang </a:t>
             </a:r>
             <a:r>
-              <a:rPr lang="en-US" dirty="0" err="1" smtClean="0"/>
+              <a:rPr lang="en-US" dirty="0" err="1" smtClean="0">
+                <a:latin typeface="Times New Roman" pitchFamily="18" charset="0"/>
+                <a:cs typeface="Times New Roman" pitchFamily="18" charset="0"/>
+              </a:rPr>
               <a:t>telah</a:t>
             </a:r>
             <a:r>
-              <a:rPr lang="en-US" dirty="0" smtClean="0"/>
+              <a:rPr lang="en-US" dirty="0" smtClean="0">
+                <a:latin typeface="Times New Roman" pitchFamily="18" charset="0"/>
+                <a:cs typeface="Times New Roman" pitchFamily="18" charset="0"/>
+              </a:rPr>
               <a:t> </a:t>
             </a:r>
             <a:r>
-              <a:rPr lang="en-US" dirty="0" err="1" smtClean="0"/>
+              <a:rPr lang="en-US" dirty="0" err="1" smtClean="0">
+                <a:latin typeface="Times New Roman" pitchFamily="18" charset="0"/>
+                <a:cs typeface="Times New Roman" pitchFamily="18" charset="0"/>
+              </a:rPr>
               <a:t>dirancang</a:t>
             </a:r>
             <a:r>
-              <a:rPr lang="en-US" dirty="0" smtClean="0"/>
+              <a:rPr lang="en-US" dirty="0" smtClean="0">
+                <a:latin typeface="Times New Roman" pitchFamily="18" charset="0"/>
+                <a:cs typeface="Times New Roman" pitchFamily="18" charset="0"/>
+              </a:rPr>
               <a:t> </a:t>
             </a:r>
             <a:r>
-              <a:rPr lang="en-US" dirty="0" err="1" smtClean="0"/>
+              <a:rPr lang="en-US" dirty="0" err="1" smtClean="0">
+                <a:latin typeface="Times New Roman" pitchFamily="18" charset="0"/>
+                <a:cs typeface="Times New Roman" pitchFamily="18" charset="0"/>
+              </a:rPr>
               <a:t>bersama</a:t>
             </a:r>
             <a:r>
-              <a:rPr lang="en-US" dirty="0" smtClean="0"/>
+              <a:rPr lang="en-US" dirty="0" smtClean="0">
+                <a:latin typeface="Times New Roman" pitchFamily="18" charset="0"/>
+                <a:cs typeface="Times New Roman" pitchFamily="18" charset="0"/>
+              </a:rPr>
               <a:t>.</a:t>
             </a:r>
           </a:p>
@@ -23272,221 +22996,377 @@
               <a:buNone/>
             </a:pPr>
             <a:r>
-              <a:rPr lang="en-US" dirty="0" smtClean="0"/>
+              <a:rPr lang="en-US" dirty="0" smtClean="0">
+                <a:latin typeface="Times New Roman" pitchFamily="18" charset="0"/>
+                <a:cs typeface="Times New Roman" pitchFamily="18" charset="0"/>
+              </a:rPr>
               <a:t>Dan </a:t>
             </a:r>
             <a:r>
-              <a:rPr lang="en-US" dirty="0" err="1" smtClean="0"/>
+              <a:rPr lang="en-US" dirty="0" err="1" smtClean="0">
+                <a:latin typeface="Times New Roman" pitchFamily="18" charset="0"/>
+                <a:cs typeface="Times New Roman" pitchFamily="18" charset="0"/>
+              </a:rPr>
               <a:t>pada</a:t>
             </a:r>
             <a:r>
-              <a:rPr lang="en-US" dirty="0" smtClean="0"/>
+              <a:rPr lang="en-US" dirty="0" smtClean="0">
+                <a:latin typeface="Times New Roman" pitchFamily="18" charset="0"/>
+                <a:cs typeface="Times New Roman" pitchFamily="18" charset="0"/>
+              </a:rPr>
               <a:t> </a:t>
             </a:r>
             <a:r>
-              <a:rPr lang="en-US" dirty="0" err="1" smtClean="0"/>
+              <a:rPr lang="en-US" dirty="0" err="1" smtClean="0">
+                <a:latin typeface="Times New Roman" pitchFamily="18" charset="0"/>
+                <a:cs typeface="Times New Roman" pitchFamily="18" charset="0"/>
+              </a:rPr>
               <a:t>tahun</a:t>
             </a:r>
             <a:r>
-              <a:rPr lang="en-US" dirty="0" smtClean="0"/>
+              <a:rPr lang="en-US" dirty="0" smtClean="0">
+                <a:latin typeface="Times New Roman" pitchFamily="18" charset="0"/>
+                <a:cs typeface="Times New Roman" pitchFamily="18" charset="0"/>
+              </a:rPr>
               <a:t> </a:t>
             </a:r>
             <a:r>
               <a:rPr lang="en-US" dirty="0" smtClean="0">
+                <a:latin typeface="Times New Roman" pitchFamily="18" charset="0"/>
+                <a:cs typeface="Times New Roman" pitchFamily="18" charset="0"/>
                 <a:hlinkClick r:id="rId4" tooltip="1983"/>
               </a:rPr>
               <a:t>1983</a:t>
             </a:r>
             <a:r>
-              <a:rPr lang="en-US" dirty="0" smtClean="0"/>
+              <a:rPr lang="en-US" dirty="0" smtClean="0">
+                <a:latin typeface="Times New Roman" pitchFamily="18" charset="0"/>
+                <a:cs typeface="Times New Roman" pitchFamily="18" charset="0"/>
+              </a:rPr>
               <a:t>, </a:t>
             </a:r>
             <a:r>
-              <a:rPr lang="en-US" dirty="0" err="1" smtClean="0"/>
+              <a:rPr lang="en-US" dirty="0" err="1" smtClean="0">
+                <a:latin typeface="Times New Roman" pitchFamily="18" charset="0"/>
+                <a:cs typeface="Times New Roman" pitchFamily="18" charset="0"/>
+              </a:rPr>
               <a:t>istilah</a:t>
             </a:r>
             <a:r>
-              <a:rPr lang="en-US" dirty="0" smtClean="0"/>
+              <a:rPr lang="en-US" dirty="0" smtClean="0">
+                <a:latin typeface="Times New Roman" pitchFamily="18" charset="0"/>
+                <a:cs typeface="Times New Roman" pitchFamily="18" charset="0"/>
+              </a:rPr>
               <a:t> “</a:t>
             </a:r>
             <a:r>
-              <a:rPr lang="en-US" i="1" dirty="0" smtClean="0"/>
+              <a:rPr lang="en-US" i="1" dirty="0" smtClean="0">
+                <a:latin typeface="Times New Roman" pitchFamily="18" charset="0"/>
+                <a:cs typeface="Times New Roman" pitchFamily="18" charset="0"/>
+              </a:rPr>
               <a:t>hacker”</a:t>
             </a:r>
             <a:r>
-              <a:rPr lang="en-US" dirty="0" smtClean="0"/>
+              <a:rPr lang="en-US" dirty="0" smtClean="0">
+                <a:latin typeface="Times New Roman" pitchFamily="18" charset="0"/>
+                <a:cs typeface="Times New Roman" pitchFamily="18" charset="0"/>
+              </a:rPr>
               <a:t> </a:t>
             </a:r>
             <a:r>
-              <a:rPr lang="en-US" dirty="0" err="1" smtClean="0"/>
+              <a:rPr lang="en-US" dirty="0" err="1" smtClean="0">
+                <a:latin typeface="Times New Roman" pitchFamily="18" charset="0"/>
+                <a:cs typeface="Times New Roman" pitchFamily="18" charset="0"/>
+              </a:rPr>
               <a:t>mulai</a:t>
             </a:r>
             <a:r>
-              <a:rPr lang="en-US" dirty="0" smtClean="0"/>
+              <a:rPr lang="en-US" dirty="0" smtClean="0">
+                <a:latin typeface="Times New Roman" pitchFamily="18" charset="0"/>
+                <a:cs typeface="Times New Roman" pitchFamily="18" charset="0"/>
+              </a:rPr>
               <a:t> </a:t>
             </a:r>
             <a:r>
-              <a:rPr lang="en-US" dirty="0" err="1" smtClean="0"/>
+              <a:rPr lang="en-US" dirty="0" err="1" smtClean="0">
+                <a:latin typeface="Times New Roman" pitchFamily="18" charset="0"/>
+                <a:cs typeface="Times New Roman" pitchFamily="18" charset="0"/>
+              </a:rPr>
               <a:t>berkonotasi</a:t>
             </a:r>
             <a:r>
-              <a:rPr lang="en-US" dirty="0" smtClean="0"/>
+              <a:rPr lang="en-US" dirty="0" smtClean="0">
+                <a:latin typeface="Times New Roman" pitchFamily="18" charset="0"/>
+                <a:cs typeface="Times New Roman" pitchFamily="18" charset="0"/>
+              </a:rPr>
               <a:t> </a:t>
             </a:r>
             <a:r>
-              <a:rPr lang="en-US" dirty="0" err="1" smtClean="0"/>
+              <a:rPr lang="en-US" dirty="0" err="1" smtClean="0">
+                <a:latin typeface="Times New Roman" pitchFamily="18" charset="0"/>
+                <a:cs typeface="Times New Roman" pitchFamily="18" charset="0"/>
+              </a:rPr>
               <a:t>negatif</a:t>
             </a:r>
             <a:r>
-              <a:rPr lang="en-US" dirty="0" smtClean="0"/>
+              <a:rPr lang="en-US" dirty="0" smtClean="0">
+                <a:latin typeface="Times New Roman" pitchFamily="18" charset="0"/>
+                <a:cs typeface="Times New Roman" pitchFamily="18" charset="0"/>
+              </a:rPr>
               <a:t>. </a:t>
             </a:r>
             <a:r>
-              <a:rPr lang="en-US" dirty="0" err="1" smtClean="0"/>
+              <a:rPr lang="en-US" dirty="0" err="1" smtClean="0">
+                <a:latin typeface="Times New Roman" pitchFamily="18" charset="0"/>
+                <a:cs typeface="Times New Roman" pitchFamily="18" charset="0"/>
+              </a:rPr>
               <a:t>Pasalnya</a:t>
             </a:r>
             <a:r>
-              <a:rPr lang="en-US" dirty="0" smtClean="0"/>
+              <a:rPr lang="en-US" dirty="0" smtClean="0">
+                <a:latin typeface="Times New Roman" pitchFamily="18" charset="0"/>
+                <a:cs typeface="Times New Roman" pitchFamily="18" charset="0"/>
+              </a:rPr>
               <a:t>, </a:t>
             </a:r>
             <a:r>
-              <a:rPr lang="en-US" dirty="0" err="1" smtClean="0"/>
+              <a:rPr lang="en-US" dirty="0" err="1" smtClean="0">
+                <a:latin typeface="Times New Roman" pitchFamily="18" charset="0"/>
+                <a:cs typeface="Times New Roman" pitchFamily="18" charset="0"/>
+              </a:rPr>
               <a:t>pada</a:t>
             </a:r>
             <a:r>
-              <a:rPr lang="en-US" dirty="0" smtClean="0"/>
+              <a:rPr lang="en-US" dirty="0" smtClean="0">
+                <a:latin typeface="Times New Roman" pitchFamily="18" charset="0"/>
+                <a:cs typeface="Times New Roman" pitchFamily="18" charset="0"/>
+              </a:rPr>
               <a:t> </a:t>
             </a:r>
             <a:r>
-              <a:rPr lang="en-US" dirty="0" err="1" smtClean="0"/>
+              <a:rPr lang="en-US" dirty="0" err="1" smtClean="0">
+                <a:latin typeface="Times New Roman" pitchFamily="18" charset="0"/>
+                <a:cs typeface="Times New Roman" pitchFamily="18" charset="0"/>
+              </a:rPr>
               <a:t>tahun</a:t>
             </a:r>
             <a:r>
-              <a:rPr lang="en-US" dirty="0" smtClean="0"/>
+              <a:rPr lang="en-US" dirty="0" smtClean="0">
+                <a:latin typeface="Times New Roman" pitchFamily="18" charset="0"/>
+                <a:cs typeface="Times New Roman" pitchFamily="18" charset="0"/>
+              </a:rPr>
               <a:t> </a:t>
             </a:r>
             <a:r>
-              <a:rPr lang="en-US" dirty="0" err="1" smtClean="0"/>
+              <a:rPr lang="en-US" dirty="0" err="1" smtClean="0">
+                <a:latin typeface="Times New Roman" pitchFamily="18" charset="0"/>
+                <a:cs typeface="Times New Roman" pitchFamily="18" charset="0"/>
+              </a:rPr>
               <a:t>tersebut</a:t>
             </a:r>
             <a:r>
-              <a:rPr lang="en-US" dirty="0" smtClean="0"/>
+              <a:rPr lang="en-US" dirty="0" smtClean="0">
+                <a:latin typeface="Times New Roman" pitchFamily="18" charset="0"/>
+                <a:cs typeface="Times New Roman" pitchFamily="18" charset="0"/>
+              </a:rPr>
               <a:t> </a:t>
             </a:r>
             <a:r>
-              <a:rPr lang="en-US" dirty="0" err="1" smtClean="0"/>
+              <a:rPr lang="en-US" dirty="0" err="1" smtClean="0">
+                <a:latin typeface="Times New Roman" pitchFamily="18" charset="0"/>
+                <a:cs typeface="Times New Roman" pitchFamily="18" charset="0"/>
+              </a:rPr>
               <a:t>untuk</a:t>
             </a:r>
             <a:r>
-              <a:rPr lang="en-US" dirty="0" smtClean="0"/>
+              <a:rPr lang="en-US" dirty="0" smtClean="0">
+                <a:latin typeface="Times New Roman" pitchFamily="18" charset="0"/>
+                <a:cs typeface="Times New Roman" pitchFamily="18" charset="0"/>
+              </a:rPr>
               <a:t> </a:t>
             </a:r>
             <a:r>
-              <a:rPr lang="en-US" dirty="0" err="1" smtClean="0"/>
+              <a:rPr lang="en-US" dirty="0" err="1" smtClean="0">
+                <a:latin typeface="Times New Roman" pitchFamily="18" charset="0"/>
+                <a:cs typeface="Times New Roman" pitchFamily="18" charset="0"/>
+              </a:rPr>
               <a:t>pertama</a:t>
             </a:r>
             <a:r>
-              <a:rPr lang="en-US" dirty="0" smtClean="0"/>
+              <a:rPr lang="en-US" dirty="0" smtClean="0">
+                <a:latin typeface="Times New Roman" pitchFamily="18" charset="0"/>
+                <a:cs typeface="Times New Roman" pitchFamily="18" charset="0"/>
+              </a:rPr>
               <a:t> </a:t>
             </a:r>
             <a:r>
-              <a:rPr lang="en-US" dirty="0" err="1" smtClean="0"/>
+              <a:rPr lang="en-US" dirty="0" err="1" smtClean="0">
+                <a:latin typeface="Times New Roman" pitchFamily="18" charset="0"/>
+                <a:cs typeface="Times New Roman" pitchFamily="18" charset="0"/>
+              </a:rPr>
               <a:t>kalinya</a:t>
             </a:r>
             <a:r>
-              <a:rPr lang="en-US" dirty="0" smtClean="0"/>
+              <a:rPr lang="en-US" dirty="0" smtClean="0">
+                <a:latin typeface="Times New Roman" pitchFamily="18" charset="0"/>
+                <a:cs typeface="Times New Roman" pitchFamily="18" charset="0"/>
+              </a:rPr>
               <a:t> </a:t>
             </a:r>
             <a:r>
               <a:rPr lang="en-US" dirty="0" smtClean="0">
+                <a:latin typeface="Times New Roman" pitchFamily="18" charset="0"/>
+                <a:cs typeface="Times New Roman" pitchFamily="18" charset="0"/>
                 <a:hlinkClick r:id="rId5" tooltip="Federal Bureau of Investigation"/>
               </a:rPr>
               <a:t>FBI</a:t>
             </a:r>
             <a:r>
-              <a:rPr lang="en-US" dirty="0" smtClean="0"/>
+              <a:rPr lang="en-US" dirty="0" smtClean="0">
+                <a:latin typeface="Times New Roman" pitchFamily="18" charset="0"/>
+                <a:cs typeface="Times New Roman" pitchFamily="18" charset="0"/>
+              </a:rPr>
               <a:t> </a:t>
             </a:r>
             <a:r>
-              <a:rPr lang="en-US" dirty="0" err="1" smtClean="0"/>
+              <a:rPr lang="en-US" dirty="0" err="1" smtClean="0">
+                <a:latin typeface="Times New Roman" pitchFamily="18" charset="0"/>
+                <a:cs typeface="Times New Roman" pitchFamily="18" charset="0"/>
+              </a:rPr>
               <a:t>menangkap</a:t>
             </a:r>
             <a:r>
-              <a:rPr lang="en-US" dirty="0" smtClean="0"/>
+              <a:rPr lang="en-US" dirty="0" smtClean="0">
+                <a:latin typeface="Times New Roman" pitchFamily="18" charset="0"/>
+                <a:cs typeface="Times New Roman" pitchFamily="18" charset="0"/>
+              </a:rPr>
               <a:t> </a:t>
             </a:r>
             <a:r>
-              <a:rPr lang="en-US" dirty="0" err="1" smtClean="0"/>
+              <a:rPr lang="en-US" dirty="0" err="1" smtClean="0">
+                <a:latin typeface="Times New Roman" pitchFamily="18" charset="0"/>
+                <a:cs typeface="Times New Roman" pitchFamily="18" charset="0"/>
+              </a:rPr>
               <a:t>kelompok</a:t>
             </a:r>
             <a:r>
-              <a:rPr lang="en-US" dirty="0" smtClean="0"/>
+              <a:rPr lang="en-US" dirty="0" smtClean="0">
+                <a:latin typeface="Times New Roman" pitchFamily="18" charset="0"/>
+                <a:cs typeface="Times New Roman" pitchFamily="18" charset="0"/>
+              </a:rPr>
               <a:t> </a:t>
             </a:r>
             <a:r>
-              <a:rPr lang="en-US" dirty="0" err="1" smtClean="0"/>
+              <a:rPr lang="en-US" dirty="0" err="1" smtClean="0">
+                <a:latin typeface="Times New Roman" pitchFamily="18" charset="0"/>
+                <a:cs typeface="Times New Roman" pitchFamily="18" charset="0"/>
+              </a:rPr>
               <a:t>kriminal</a:t>
             </a:r>
             <a:r>
-              <a:rPr lang="en-US" dirty="0" smtClean="0"/>
+              <a:rPr lang="en-US" dirty="0" smtClean="0">
+                <a:latin typeface="Times New Roman" pitchFamily="18" charset="0"/>
+                <a:cs typeface="Times New Roman" pitchFamily="18" charset="0"/>
+              </a:rPr>
               <a:t> </a:t>
             </a:r>
             <a:r>
-              <a:rPr lang="en-US" dirty="0" err="1" smtClean="0"/>
+              <a:rPr lang="en-US" dirty="0" err="1" smtClean="0">
+                <a:latin typeface="Times New Roman" pitchFamily="18" charset="0"/>
+                <a:cs typeface="Times New Roman" pitchFamily="18" charset="0"/>
+              </a:rPr>
               <a:t>komputer</a:t>
             </a:r>
             <a:r>
-              <a:rPr lang="en-US" dirty="0" smtClean="0"/>
+              <a:rPr lang="en-US" dirty="0" smtClean="0">
+                <a:latin typeface="Times New Roman" pitchFamily="18" charset="0"/>
+                <a:cs typeface="Times New Roman" pitchFamily="18" charset="0"/>
+              </a:rPr>
               <a:t> </a:t>
             </a:r>
             <a:r>
-              <a:rPr lang="en-US" b="1" dirty="0" smtClean="0"/>
+              <a:rPr lang="en-US" b="1" dirty="0" smtClean="0">
+                <a:latin typeface="Times New Roman" pitchFamily="18" charset="0"/>
+                <a:cs typeface="Times New Roman" pitchFamily="18" charset="0"/>
+              </a:rPr>
               <a:t>The 414s</a:t>
             </a:r>
             <a:r>
-              <a:rPr lang="en-US" dirty="0" smtClean="0"/>
+              <a:rPr lang="en-US" dirty="0" smtClean="0">
+                <a:latin typeface="Times New Roman" pitchFamily="18" charset="0"/>
+                <a:cs typeface="Times New Roman" pitchFamily="18" charset="0"/>
+              </a:rPr>
               <a:t> yang </a:t>
             </a:r>
             <a:r>
-              <a:rPr lang="en-US" dirty="0" err="1" smtClean="0"/>
+              <a:rPr lang="en-US" dirty="0" err="1" smtClean="0">
+                <a:latin typeface="Times New Roman" pitchFamily="18" charset="0"/>
+                <a:cs typeface="Times New Roman" pitchFamily="18" charset="0"/>
+              </a:rPr>
               <a:t>berbasis</a:t>
             </a:r>
             <a:r>
-              <a:rPr lang="en-US" dirty="0" smtClean="0"/>
+              <a:rPr lang="en-US" dirty="0" smtClean="0">
+                <a:latin typeface="Times New Roman" pitchFamily="18" charset="0"/>
+                <a:cs typeface="Times New Roman" pitchFamily="18" charset="0"/>
+              </a:rPr>
               <a:t> </a:t>
             </a:r>
             <a:r>
-              <a:rPr lang="en-US" dirty="0" err="1" smtClean="0"/>
+              <a:rPr lang="en-US" dirty="0" err="1" smtClean="0">
+                <a:latin typeface="Times New Roman" pitchFamily="18" charset="0"/>
+                <a:cs typeface="Times New Roman" pitchFamily="18" charset="0"/>
+              </a:rPr>
               <a:t>di</a:t>
             </a:r>
             <a:r>
-              <a:rPr lang="en-US" dirty="0" smtClean="0"/>
+              <a:rPr lang="en-US" dirty="0" smtClean="0">
+                <a:latin typeface="Times New Roman" pitchFamily="18" charset="0"/>
+                <a:cs typeface="Times New Roman" pitchFamily="18" charset="0"/>
+              </a:rPr>
               <a:t> </a:t>
             </a:r>
             <a:r>
               <a:rPr lang="en-US" dirty="0" smtClean="0">
+                <a:latin typeface="Times New Roman" pitchFamily="18" charset="0"/>
+                <a:cs typeface="Times New Roman" pitchFamily="18" charset="0"/>
                 <a:hlinkClick r:id="rId6" tooltip="Milwaukee, Amerika Serikat (halaman belum tersedia)"/>
               </a:rPr>
               <a:t>Milwaukee</a:t>
             </a:r>
             <a:r>
-              <a:rPr lang="en-US" dirty="0" smtClean="0"/>
+              <a:rPr lang="en-US" dirty="0" smtClean="0">
+                <a:latin typeface="Times New Roman" pitchFamily="18" charset="0"/>
+                <a:cs typeface="Times New Roman" pitchFamily="18" charset="0"/>
+              </a:rPr>
               <a:t>, </a:t>
             </a:r>
             <a:r>
-              <a:rPr lang="en-US" dirty="0" err="1" smtClean="0"/>
+              <a:rPr lang="en-US" dirty="0" err="1" smtClean="0">
+                <a:latin typeface="Times New Roman" pitchFamily="18" charset="0"/>
+                <a:cs typeface="Times New Roman" pitchFamily="18" charset="0"/>
+              </a:rPr>
               <a:t>Amerika</a:t>
             </a:r>
             <a:r>
-              <a:rPr lang="en-US" dirty="0" smtClean="0"/>
+              <a:rPr lang="en-US" dirty="0" smtClean="0">
+                <a:latin typeface="Times New Roman" pitchFamily="18" charset="0"/>
+                <a:cs typeface="Times New Roman" pitchFamily="18" charset="0"/>
+              </a:rPr>
               <a:t> </a:t>
             </a:r>
             <a:r>
-              <a:rPr lang="en-US" dirty="0" err="1" smtClean="0"/>
+              <a:rPr lang="en-US" dirty="0" err="1" smtClean="0">
+                <a:latin typeface="Times New Roman" pitchFamily="18" charset="0"/>
+                <a:cs typeface="Times New Roman" pitchFamily="18" charset="0"/>
+              </a:rPr>
               <a:t>Serikat</a:t>
             </a:r>
             <a:r>
-              <a:rPr lang="en-US" dirty="0" smtClean="0"/>
+              <a:rPr lang="en-US" dirty="0" smtClean="0">
+                <a:latin typeface="Times New Roman" pitchFamily="18" charset="0"/>
+                <a:cs typeface="Times New Roman" pitchFamily="18" charset="0"/>
+              </a:rPr>
               <a:t>.</a:t>
             </a:r>
           </a:p>
@@ -23495,371 +23375,642 @@
               <a:buNone/>
             </a:pPr>
             <a:r>
-              <a:rPr lang="en-US" dirty="0" smtClean="0"/>
+              <a:rPr lang="en-US" dirty="0" smtClean="0">
+                <a:latin typeface="Times New Roman" pitchFamily="18" charset="0"/>
+                <a:cs typeface="Times New Roman" pitchFamily="18" charset="0"/>
+              </a:rPr>
               <a:t>	</a:t>
             </a:r>
             <a:r>
-              <a:rPr lang="en-US" dirty="0" err="1" smtClean="0"/>
+              <a:rPr lang="en-US" dirty="0" err="1" smtClean="0">
+                <a:latin typeface="Times New Roman" pitchFamily="18" charset="0"/>
+                <a:cs typeface="Times New Roman" pitchFamily="18" charset="0"/>
+              </a:rPr>
               <a:t>Terminologi</a:t>
             </a:r>
             <a:r>
-              <a:rPr lang="en-US" dirty="0" smtClean="0"/>
+              <a:rPr lang="en-US" dirty="0" smtClean="0">
+                <a:latin typeface="Times New Roman" pitchFamily="18" charset="0"/>
+                <a:cs typeface="Times New Roman" pitchFamily="18" charset="0"/>
+              </a:rPr>
               <a:t> </a:t>
             </a:r>
             <a:r>
-              <a:rPr lang="en-US" dirty="0" err="1" smtClean="0"/>
+              <a:rPr lang="en-US" dirty="0" err="1" smtClean="0">
+                <a:latin typeface="Times New Roman" pitchFamily="18" charset="0"/>
+                <a:cs typeface="Times New Roman" pitchFamily="18" charset="0"/>
+              </a:rPr>
               <a:t>peretas</a:t>
             </a:r>
             <a:r>
-              <a:rPr lang="en-US" dirty="0" smtClean="0"/>
+              <a:rPr lang="en-US" dirty="0" smtClean="0">
+                <a:latin typeface="Times New Roman" pitchFamily="18" charset="0"/>
+                <a:cs typeface="Times New Roman" pitchFamily="18" charset="0"/>
+              </a:rPr>
               <a:t> </a:t>
             </a:r>
             <a:r>
-              <a:rPr lang="en-US" dirty="0" err="1" smtClean="0"/>
+              <a:rPr lang="en-US" dirty="0" err="1" smtClean="0">
+                <a:latin typeface="Times New Roman" pitchFamily="18" charset="0"/>
+                <a:cs typeface="Times New Roman" pitchFamily="18" charset="0"/>
+              </a:rPr>
               <a:t>muncul</a:t>
             </a:r>
             <a:r>
-              <a:rPr lang="en-US" dirty="0" smtClean="0"/>
+              <a:rPr lang="en-US" dirty="0" smtClean="0">
+                <a:latin typeface="Times New Roman" pitchFamily="18" charset="0"/>
+                <a:cs typeface="Times New Roman" pitchFamily="18" charset="0"/>
+              </a:rPr>
               <a:t> </a:t>
             </a:r>
             <a:r>
-              <a:rPr lang="en-US" dirty="0" err="1" smtClean="0"/>
+              <a:rPr lang="en-US" dirty="0" err="1" smtClean="0">
+                <a:latin typeface="Times New Roman" pitchFamily="18" charset="0"/>
+                <a:cs typeface="Times New Roman" pitchFamily="18" charset="0"/>
+              </a:rPr>
               <a:t>pada</a:t>
             </a:r>
             <a:r>
-              <a:rPr lang="en-US" dirty="0" smtClean="0"/>
+              <a:rPr lang="en-US" dirty="0" smtClean="0">
+                <a:latin typeface="Times New Roman" pitchFamily="18" charset="0"/>
+                <a:cs typeface="Times New Roman" pitchFamily="18" charset="0"/>
+              </a:rPr>
               <a:t> </a:t>
             </a:r>
             <a:r>
-              <a:rPr lang="en-US" dirty="0" err="1" smtClean="0"/>
+              <a:rPr lang="en-US" dirty="0" err="1" smtClean="0">
+                <a:latin typeface="Times New Roman" pitchFamily="18" charset="0"/>
+                <a:cs typeface="Times New Roman" pitchFamily="18" charset="0"/>
+              </a:rPr>
               <a:t>awal</a:t>
             </a:r>
             <a:r>
-              <a:rPr lang="en-US" dirty="0" smtClean="0"/>
+              <a:rPr lang="en-US" dirty="0" smtClean="0">
+                <a:latin typeface="Times New Roman" pitchFamily="18" charset="0"/>
+                <a:cs typeface="Times New Roman" pitchFamily="18" charset="0"/>
+              </a:rPr>
               <a:t> </a:t>
             </a:r>
             <a:r>
-              <a:rPr lang="en-US" dirty="0" err="1" smtClean="0"/>
+              <a:rPr lang="en-US" dirty="0" err="1" smtClean="0">
+                <a:latin typeface="Times New Roman" pitchFamily="18" charset="0"/>
+                <a:cs typeface="Times New Roman" pitchFamily="18" charset="0"/>
+              </a:rPr>
               <a:t>tahun</a:t>
             </a:r>
             <a:r>
-              <a:rPr lang="en-US" dirty="0" smtClean="0"/>
+              <a:rPr lang="en-US" dirty="0" smtClean="0">
+                <a:latin typeface="Times New Roman" pitchFamily="18" charset="0"/>
+                <a:cs typeface="Times New Roman" pitchFamily="18" charset="0"/>
+              </a:rPr>
               <a:t> </a:t>
             </a:r>
             <a:r>
               <a:rPr lang="en-US" dirty="0" smtClean="0">
+                <a:latin typeface="Times New Roman" pitchFamily="18" charset="0"/>
+                <a:cs typeface="Times New Roman" pitchFamily="18" charset="0"/>
                 <a:hlinkClick r:id="rId2" tooltip="1960"/>
               </a:rPr>
               <a:t>1960</a:t>
             </a:r>
             <a:r>
-              <a:rPr lang="en-US" dirty="0" smtClean="0"/>
+              <a:rPr lang="en-US" dirty="0" smtClean="0">
+                <a:latin typeface="Times New Roman" pitchFamily="18" charset="0"/>
+                <a:cs typeface="Times New Roman" pitchFamily="18" charset="0"/>
+              </a:rPr>
               <a:t>-an </a:t>
             </a:r>
             <a:r>
-              <a:rPr lang="en-US" dirty="0" err="1" smtClean="0"/>
+              <a:rPr lang="en-US" dirty="0" err="1" smtClean="0">
+                <a:latin typeface="Times New Roman" pitchFamily="18" charset="0"/>
+                <a:cs typeface="Times New Roman" pitchFamily="18" charset="0"/>
+              </a:rPr>
               <a:t>di</a:t>
             </a:r>
             <a:r>
-              <a:rPr lang="en-US" dirty="0" smtClean="0"/>
+              <a:rPr lang="en-US" dirty="0" smtClean="0">
+                <a:latin typeface="Times New Roman" pitchFamily="18" charset="0"/>
+                <a:cs typeface="Times New Roman" pitchFamily="18" charset="0"/>
+              </a:rPr>
               <a:t> </a:t>
             </a:r>
             <a:r>
-              <a:rPr lang="en-US" dirty="0" err="1" smtClean="0"/>
+              <a:rPr lang="en-US" dirty="0" err="1" smtClean="0">
+                <a:latin typeface="Times New Roman" pitchFamily="18" charset="0"/>
+                <a:cs typeface="Times New Roman" pitchFamily="18" charset="0"/>
+              </a:rPr>
               <a:t>antara</a:t>
             </a:r>
             <a:r>
-              <a:rPr lang="en-US" dirty="0" smtClean="0"/>
+              <a:rPr lang="en-US" dirty="0" smtClean="0">
+                <a:latin typeface="Times New Roman" pitchFamily="18" charset="0"/>
+                <a:cs typeface="Times New Roman" pitchFamily="18" charset="0"/>
+              </a:rPr>
               <a:t> </a:t>
             </a:r>
             <a:r>
-              <a:rPr lang="en-US" dirty="0" err="1" smtClean="0"/>
+              <a:rPr lang="en-US" dirty="0" err="1" smtClean="0">
+                <a:latin typeface="Times New Roman" pitchFamily="18" charset="0"/>
+                <a:cs typeface="Times New Roman" pitchFamily="18" charset="0"/>
+              </a:rPr>
               <a:t>para</a:t>
             </a:r>
             <a:r>
-              <a:rPr lang="en-US" dirty="0" smtClean="0"/>
+              <a:rPr lang="en-US" dirty="0" smtClean="0">
+                <a:latin typeface="Times New Roman" pitchFamily="18" charset="0"/>
+                <a:cs typeface="Times New Roman" pitchFamily="18" charset="0"/>
+              </a:rPr>
               <a:t> </a:t>
             </a:r>
             <a:r>
-              <a:rPr lang="en-US" dirty="0" err="1" smtClean="0"/>
+              <a:rPr lang="en-US" dirty="0" err="1" smtClean="0">
+                <a:latin typeface="Times New Roman" pitchFamily="18" charset="0"/>
+                <a:cs typeface="Times New Roman" pitchFamily="18" charset="0"/>
+              </a:rPr>
               <a:t>anggota</a:t>
             </a:r>
             <a:r>
-              <a:rPr lang="en-US" dirty="0" smtClean="0"/>
+              <a:rPr lang="en-US" dirty="0" smtClean="0">
+                <a:latin typeface="Times New Roman" pitchFamily="18" charset="0"/>
+                <a:cs typeface="Times New Roman" pitchFamily="18" charset="0"/>
+              </a:rPr>
               <a:t> </a:t>
             </a:r>
             <a:r>
               <a:rPr lang="en-US" dirty="0" err="1" smtClean="0">
+                <a:latin typeface="Times New Roman" pitchFamily="18" charset="0"/>
+                <a:cs typeface="Times New Roman" pitchFamily="18" charset="0"/>
                 <a:hlinkClick r:id="rId3" tooltip="Organisasi"/>
               </a:rPr>
               <a:t>organisasi</a:t>
             </a:r>
             <a:r>
-              <a:rPr lang="en-US" dirty="0" smtClean="0"/>
+              <a:rPr lang="en-US" dirty="0" smtClean="0">
+                <a:latin typeface="Times New Roman" pitchFamily="18" charset="0"/>
+                <a:cs typeface="Times New Roman" pitchFamily="18" charset="0"/>
+              </a:rPr>
               <a:t> </a:t>
             </a:r>
             <a:r>
-              <a:rPr lang="en-US" dirty="0" err="1" smtClean="0"/>
+              <a:rPr lang="en-US" dirty="0" err="1" smtClean="0">
+                <a:latin typeface="Times New Roman" pitchFamily="18" charset="0"/>
+                <a:cs typeface="Times New Roman" pitchFamily="18" charset="0"/>
+              </a:rPr>
               <a:t>mahasiswa</a:t>
             </a:r>
             <a:r>
-              <a:rPr lang="en-US" dirty="0" smtClean="0"/>
+              <a:rPr lang="en-US" dirty="0" smtClean="0">
+                <a:latin typeface="Times New Roman" pitchFamily="18" charset="0"/>
+                <a:cs typeface="Times New Roman" pitchFamily="18" charset="0"/>
+              </a:rPr>
               <a:t> Tech Model Railroad Club </a:t>
             </a:r>
             <a:r>
-              <a:rPr lang="en-US" dirty="0" err="1" smtClean="0"/>
+              <a:rPr lang="en-US" dirty="0" err="1" smtClean="0">
+                <a:latin typeface="Times New Roman" pitchFamily="18" charset="0"/>
+                <a:cs typeface="Times New Roman" pitchFamily="18" charset="0"/>
+              </a:rPr>
               <a:t>di</a:t>
             </a:r>
             <a:r>
-              <a:rPr lang="en-US" dirty="0" smtClean="0"/>
+              <a:rPr lang="en-US" dirty="0" smtClean="0">
+                <a:latin typeface="Times New Roman" pitchFamily="18" charset="0"/>
+                <a:cs typeface="Times New Roman" pitchFamily="18" charset="0"/>
+              </a:rPr>
               <a:t> </a:t>
             </a:r>
             <a:r>
-              <a:rPr lang="en-US" dirty="0" err="1" smtClean="0"/>
+              <a:rPr lang="en-US" dirty="0" err="1" smtClean="0">
+                <a:latin typeface="Times New Roman" pitchFamily="18" charset="0"/>
+                <a:cs typeface="Times New Roman" pitchFamily="18" charset="0"/>
+              </a:rPr>
               <a:t>Laboratorium</a:t>
             </a:r>
             <a:r>
-              <a:rPr lang="en-US" dirty="0" smtClean="0"/>
+              <a:rPr lang="en-US" dirty="0" smtClean="0">
+                <a:latin typeface="Times New Roman" pitchFamily="18" charset="0"/>
+                <a:cs typeface="Times New Roman" pitchFamily="18" charset="0"/>
+              </a:rPr>
               <a:t> </a:t>
             </a:r>
             <a:r>
-              <a:rPr lang="en-US" dirty="0" err="1" smtClean="0"/>
+              <a:rPr lang="en-US" dirty="0" err="1" smtClean="0">
+                <a:latin typeface="Times New Roman" pitchFamily="18" charset="0"/>
+                <a:cs typeface="Times New Roman" pitchFamily="18" charset="0"/>
+              </a:rPr>
               <a:t>Kecerdasan</a:t>
             </a:r>
             <a:r>
-              <a:rPr lang="en-US" dirty="0" smtClean="0"/>
+              <a:rPr lang="en-US" dirty="0" smtClean="0">
+                <a:latin typeface="Times New Roman" pitchFamily="18" charset="0"/>
+                <a:cs typeface="Times New Roman" pitchFamily="18" charset="0"/>
+              </a:rPr>
               <a:t> </a:t>
             </a:r>
             <a:r>
-              <a:rPr lang="en-US" dirty="0" err="1" smtClean="0"/>
+              <a:rPr lang="en-US" dirty="0" err="1" smtClean="0">
+                <a:latin typeface="Times New Roman" pitchFamily="18" charset="0"/>
+                <a:cs typeface="Times New Roman" pitchFamily="18" charset="0"/>
+              </a:rPr>
               <a:t>Artifisial</a:t>
             </a:r>
             <a:r>
-              <a:rPr lang="en-US" dirty="0" smtClean="0"/>
+              <a:rPr lang="en-US" dirty="0" smtClean="0">
+                <a:latin typeface="Times New Roman" pitchFamily="18" charset="0"/>
+                <a:cs typeface="Times New Roman" pitchFamily="18" charset="0"/>
+              </a:rPr>
               <a:t> Massachusetts Institute of Technology (MIT). </a:t>
             </a:r>
             <a:r>
-              <a:rPr lang="en-US" dirty="0" err="1" smtClean="0"/>
+              <a:rPr lang="en-US" dirty="0" err="1" smtClean="0">
+                <a:latin typeface="Times New Roman" pitchFamily="18" charset="0"/>
+                <a:cs typeface="Times New Roman" pitchFamily="18" charset="0"/>
+              </a:rPr>
               <a:t>Kata</a:t>
             </a:r>
             <a:r>
-              <a:rPr lang="en-US" dirty="0" smtClean="0"/>
+              <a:rPr lang="en-US" dirty="0" smtClean="0">
+                <a:latin typeface="Times New Roman" pitchFamily="18" charset="0"/>
+                <a:cs typeface="Times New Roman" pitchFamily="18" charset="0"/>
+              </a:rPr>
               <a:t> </a:t>
             </a:r>
             <a:r>
-              <a:rPr lang="en-US" dirty="0" err="1" smtClean="0"/>
+              <a:rPr lang="en-US" dirty="0" err="1" smtClean="0">
+                <a:latin typeface="Times New Roman" pitchFamily="18" charset="0"/>
+                <a:cs typeface="Times New Roman" pitchFamily="18" charset="0"/>
+              </a:rPr>
               <a:t>bahasa</a:t>
             </a:r>
             <a:r>
-              <a:rPr lang="en-US" dirty="0" smtClean="0"/>
+              <a:rPr lang="en-US" dirty="0" smtClean="0">
+                <a:latin typeface="Times New Roman" pitchFamily="18" charset="0"/>
+                <a:cs typeface="Times New Roman" pitchFamily="18" charset="0"/>
+              </a:rPr>
               <a:t> </a:t>
             </a:r>
             <a:r>
-              <a:rPr lang="en-US" dirty="0" err="1" smtClean="0"/>
+              <a:rPr lang="en-US" dirty="0" err="1" smtClean="0">
+                <a:latin typeface="Times New Roman" pitchFamily="18" charset="0"/>
+                <a:cs typeface="Times New Roman" pitchFamily="18" charset="0"/>
+              </a:rPr>
               <a:t>Inggris</a:t>
             </a:r>
             <a:r>
-              <a:rPr lang="en-US" dirty="0" smtClean="0"/>
+              <a:rPr lang="en-US" dirty="0" smtClean="0">
+                <a:latin typeface="Times New Roman" pitchFamily="18" charset="0"/>
+                <a:cs typeface="Times New Roman" pitchFamily="18" charset="0"/>
+              </a:rPr>
               <a:t> "hacker" </a:t>
             </a:r>
             <a:r>
-              <a:rPr lang="en-US" dirty="0" err="1" smtClean="0"/>
+              <a:rPr lang="en-US" dirty="0" err="1" smtClean="0">
+                <a:latin typeface="Times New Roman" pitchFamily="18" charset="0"/>
+                <a:cs typeface="Times New Roman" pitchFamily="18" charset="0"/>
+              </a:rPr>
               <a:t>pertama</a:t>
             </a:r>
             <a:r>
-              <a:rPr lang="en-US" dirty="0" smtClean="0"/>
+              <a:rPr lang="en-US" dirty="0" smtClean="0">
+                <a:latin typeface="Times New Roman" pitchFamily="18" charset="0"/>
+                <a:cs typeface="Times New Roman" pitchFamily="18" charset="0"/>
+              </a:rPr>
               <a:t> </a:t>
             </a:r>
             <a:r>
-              <a:rPr lang="en-US" dirty="0" err="1" smtClean="0"/>
+              <a:rPr lang="en-US" dirty="0" err="1" smtClean="0">
+                <a:latin typeface="Times New Roman" pitchFamily="18" charset="0"/>
+                <a:cs typeface="Times New Roman" pitchFamily="18" charset="0"/>
+              </a:rPr>
               <a:t>kalinya</a:t>
             </a:r>
             <a:r>
-              <a:rPr lang="en-US" dirty="0" smtClean="0"/>
+              <a:rPr lang="en-US" dirty="0" smtClean="0">
+                <a:latin typeface="Times New Roman" pitchFamily="18" charset="0"/>
+                <a:cs typeface="Times New Roman" pitchFamily="18" charset="0"/>
+              </a:rPr>
               <a:t> </a:t>
             </a:r>
             <a:r>
-              <a:rPr lang="en-US" dirty="0" err="1" smtClean="0"/>
+              <a:rPr lang="en-US" dirty="0" err="1" smtClean="0">
+                <a:latin typeface="Times New Roman" pitchFamily="18" charset="0"/>
+                <a:cs typeface="Times New Roman" pitchFamily="18" charset="0"/>
+              </a:rPr>
               <a:t>muncul</a:t>
             </a:r>
             <a:r>
-              <a:rPr lang="en-US" dirty="0" smtClean="0"/>
+              <a:rPr lang="en-US" dirty="0" smtClean="0">
+                <a:latin typeface="Times New Roman" pitchFamily="18" charset="0"/>
+                <a:cs typeface="Times New Roman" pitchFamily="18" charset="0"/>
+              </a:rPr>
               <a:t> </a:t>
             </a:r>
             <a:r>
-              <a:rPr lang="en-US" dirty="0" err="1" smtClean="0"/>
+              <a:rPr lang="en-US" dirty="0" err="1" smtClean="0">
+                <a:latin typeface="Times New Roman" pitchFamily="18" charset="0"/>
+                <a:cs typeface="Times New Roman" pitchFamily="18" charset="0"/>
+              </a:rPr>
               <a:t>dengan</a:t>
             </a:r>
             <a:r>
-              <a:rPr lang="en-US" dirty="0" smtClean="0"/>
+              <a:rPr lang="en-US" dirty="0" smtClean="0">
+                <a:latin typeface="Times New Roman" pitchFamily="18" charset="0"/>
+                <a:cs typeface="Times New Roman" pitchFamily="18" charset="0"/>
+              </a:rPr>
               <a:t> </a:t>
             </a:r>
             <a:r>
-              <a:rPr lang="en-US" dirty="0" err="1" smtClean="0"/>
+              <a:rPr lang="en-US" dirty="0" err="1" smtClean="0">
+                <a:latin typeface="Times New Roman" pitchFamily="18" charset="0"/>
+                <a:cs typeface="Times New Roman" pitchFamily="18" charset="0"/>
+              </a:rPr>
               <a:t>arti</a:t>
             </a:r>
             <a:r>
-              <a:rPr lang="en-US" dirty="0" smtClean="0"/>
+              <a:rPr lang="en-US" dirty="0" smtClean="0">
+                <a:latin typeface="Times New Roman" pitchFamily="18" charset="0"/>
+                <a:cs typeface="Times New Roman" pitchFamily="18" charset="0"/>
+              </a:rPr>
               <a:t> </a:t>
             </a:r>
             <a:r>
-              <a:rPr lang="en-US" dirty="0" err="1" smtClean="0"/>
+              <a:rPr lang="en-US" dirty="0" err="1" smtClean="0">
+                <a:latin typeface="Times New Roman" pitchFamily="18" charset="0"/>
+                <a:cs typeface="Times New Roman" pitchFamily="18" charset="0"/>
+              </a:rPr>
               <a:t>positif</a:t>
             </a:r>
             <a:r>
-              <a:rPr lang="en-US" dirty="0" smtClean="0"/>
+              <a:rPr lang="en-US" dirty="0" smtClean="0">
+                <a:latin typeface="Times New Roman" pitchFamily="18" charset="0"/>
+                <a:cs typeface="Times New Roman" pitchFamily="18" charset="0"/>
+              </a:rPr>
               <a:t> </a:t>
             </a:r>
             <a:r>
-              <a:rPr lang="en-US" dirty="0" err="1" smtClean="0"/>
+              <a:rPr lang="en-US" dirty="0" err="1" smtClean="0">
+                <a:latin typeface="Times New Roman" pitchFamily="18" charset="0"/>
+                <a:cs typeface="Times New Roman" pitchFamily="18" charset="0"/>
+              </a:rPr>
               <a:t>untuk</a:t>
             </a:r>
             <a:r>
-              <a:rPr lang="en-US" dirty="0" smtClean="0"/>
+              <a:rPr lang="en-US" dirty="0" smtClean="0">
+                <a:latin typeface="Times New Roman" pitchFamily="18" charset="0"/>
+                <a:cs typeface="Times New Roman" pitchFamily="18" charset="0"/>
+              </a:rPr>
               <a:t> </a:t>
             </a:r>
             <a:r>
-              <a:rPr lang="en-US" dirty="0" err="1" smtClean="0"/>
+              <a:rPr lang="en-US" dirty="0" err="1" smtClean="0">
+                <a:latin typeface="Times New Roman" pitchFamily="18" charset="0"/>
+                <a:cs typeface="Times New Roman" pitchFamily="18" charset="0"/>
+              </a:rPr>
               <a:t>menyebut</a:t>
             </a:r>
             <a:r>
-              <a:rPr lang="en-US" dirty="0" smtClean="0"/>
+              <a:rPr lang="en-US" dirty="0" smtClean="0">
+                <a:latin typeface="Times New Roman" pitchFamily="18" charset="0"/>
+                <a:cs typeface="Times New Roman" pitchFamily="18" charset="0"/>
+              </a:rPr>
               <a:t> </a:t>
             </a:r>
             <a:r>
-              <a:rPr lang="en-US" dirty="0" err="1" smtClean="0"/>
+              <a:rPr lang="en-US" dirty="0" err="1" smtClean="0">
+                <a:latin typeface="Times New Roman" pitchFamily="18" charset="0"/>
+                <a:cs typeface="Times New Roman" pitchFamily="18" charset="0"/>
+              </a:rPr>
               <a:t>seorang</a:t>
             </a:r>
             <a:r>
-              <a:rPr lang="en-US" dirty="0" smtClean="0"/>
+              <a:rPr lang="en-US" dirty="0" smtClean="0">
+                <a:latin typeface="Times New Roman" pitchFamily="18" charset="0"/>
+                <a:cs typeface="Times New Roman" pitchFamily="18" charset="0"/>
+              </a:rPr>
               <a:t> </a:t>
             </a:r>
             <a:r>
-              <a:rPr lang="en-US" dirty="0" err="1" smtClean="0"/>
+              <a:rPr lang="en-US" dirty="0" err="1" smtClean="0">
+                <a:latin typeface="Times New Roman" pitchFamily="18" charset="0"/>
+                <a:cs typeface="Times New Roman" pitchFamily="18" charset="0"/>
+              </a:rPr>
               <a:t>anggota</a:t>
             </a:r>
             <a:r>
-              <a:rPr lang="en-US" dirty="0" smtClean="0"/>
+              <a:rPr lang="en-US" dirty="0" smtClean="0">
+                <a:latin typeface="Times New Roman" pitchFamily="18" charset="0"/>
+                <a:cs typeface="Times New Roman" pitchFamily="18" charset="0"/>
+              </a:rPr>
               <a:t> yang </a:t>
             </a:r>
             <a:r>
-              <a:rPr lang="en-US" dirty="0" err="1" smtClean="0"/>
+              <a:rPr lang="en-US" dirty="0" err="1" smtClean="0">
+                <a:latin typeface="Times New Roman" pitchFamily="18" charset="0"/>
+                <a:cs typeface="Times New Roman" pitchFamily="18" charset="0"/>
+              </a:rPr>
               <a:t>memiliki</a:t>
             </a:r>
             <a:r>
-              <a:rPr lang="en-US" dirty="0" smtClean="0"/>
+              <a:rPr lang="en-US" dirty="0" smtClean="0">
+                <a:latin typeface="Times New Roman" pitchFamily="18" charset="0"/>
+                <a:cs typeface="Times New Roman" pitchFamily="18" charset="0"/>
+              </a:rPr>
               <a:t> </a:t>
             </a:r>
             <a:r>
-              <a:rPr lang="en-US" dirty="0" err="1" smtClean="0"/>
+              <a:rPr lang="en-US" dirty="0" err="1" smtClean="0">
+                <a:latin typeface="Times New Roman" pitchFamily="18" charset="0"/>
+                <a:cs typeface="Times New Roman" pitchFamily="18" charset="0"/>
+              </a:rPr>
               <a:t>keahlian</a:t>
             </a:r>
             <a:r>
-              <a:rPr lang="en-US" dirty="0" smtClean="0"/>
+              <a:rPr lang="en-US" dirty="0" smtClean="0">
+                <a:latin typeface="Times New Roman" pitchFamily="18" charset="0"/>
+                <a:cs typeface="Times New Roman" pitchFamily="18" charset="0"/>
+              </a:rPr>
               <a:t> </a:t>
             </a:r>
             <a:r>
-              <a:rPr lang="en-US" dirty="0" err="1" smtClean="0"/>
+              <a:rPr lang="en-US" dirty="0" err="1" smtClean="0">
+                <a:latin typeface="Times New Roman" pitchFamily="18" charset="0"/>
+                <a:cs typeface="Times New Roman" pitchFamily="18" charset="0"/>
+              </a:rPr>
               <a:t>dalam</a:t>
             </a:r>
             <a:r>
-              <a:rPr lang="en-US" dirty="0" smtClean="0"/>
+              <a:rPr lang="en-US" dirty="0" smtClean="0">
+                <a:latin typeface="Times New Roman" pitchFamily="18" charset="0"/>
+                <a:cs typeface="Times New Roman" pitchFamily="18" charset="0"/>
+              </a:rPr>
               <a:t> </a:t>
             </a:r>
             <a:r>
-              <a:rPr lang="en-US" dirty="0" err="1" smtClean="0"/>
+              <a:rPr lang="en-US" dirty="0" err="1" smtClean="0">
+                <a:latin typeface="Times New Roman" pitchFamily="18" charset="0"/>
+                <a:cs typeface="Times New Roman" pitchFamily="18" charset="0"/>
+              </a:rPr>
               <a:t>bidang</a:t>
             </a:r>
             <a:r>
-              <a:rPr lang="en-US" dirty="0" smtClean="0"/>
+              <a:rPr lang="en-US" dirty="0" smtClean="0">
+                <a:latin typeface="Times New Roman" pitchFamily="18" charset="0"/>
+                <a:cs typeface="Times New Roman" pitchFamily="18" charset="0"/>
+              </a:rPr>
               <a:t> </a:t>
             </a:r>
             <a:r>
-              <a:rPr lang="en-US" dirty="0" err="1" smtClean="0"/>
+              <a:rPr lang="en-US" dirty="0" err="1" smtClean="0">
+                <a:latin typeface="Times New Roman" pitchFamily="18" charset="0"/>
+                <a:cs typeface="Times New Roman" pitchFamily="18" charset="0"/>
+              </a:rPr>
               <a:t>komputer</a:t>
             </a:r>
             <a:r>
-              <a:rPr lang="en-US" dirty="0" smtClean="0"/>
+              <a:rPr lang="en-US" dirty="0" smtClean="0">
+                <a:latin typeface="Times New Roman" pitchFamily="18" charset="0"/>
+                <a:cs typeface="Times New Roman" pitchFamily="18" charset="0"/>
+              </a:rPr>
               <a:t> </a:t>
             </a:r>
             <a:r>
-              <a:rPr lang="en-US" dirty="0" err="1" smtClean="0"/>
+              <a:rPr lang="en-US" dirty="0" err="1" smtClean="0">
+                <a:latin typeface="Times New Roman" pitchFamily="18" charset="0"/>
+                <a:cs typeface="Times New Roman" pitchFamily="18" charset="0"/>
+              </a:rPr>
               <a:t>dan</a:t>
             </a:r>
             <a:r>
-              <a:rPr lang="en-US" dirty="0" smtClean="0"/>
+              <a:rPr lang="en-US" dirty="0" smtClean="0">
+                <a:latin typeface="Times New Roman" pitchFamily="18" charset="0"/>
+                <a:cs typeface="Times New Roman" pitchFamily="18" charset="0"/>
+              </a:rPr>
               <a:t> </a:t>
             </a:r>
             <a:r>
-              <a:rPr lang="en-US" dirty="0" err="1" smtClean="0"/>
+              <a:rPr lang="en-US" dirty="0" err="1" smtClean="0">
+                <a:latin typeface="Times New Roman" pitchFamily="18" charset="0"/>
+                <a:cs typeface="Times New Roman" pitchFamily="18" charset="0"/>
+              </a:rPr>
               <a:t>mampu</a:t>
             </a:r>
             <a:r>
-              <a:rPr lang="en-US" dirty="0" smtClean="0"/>
+              <a:rPr lang="en-US" dirty="0" smtClean="0">
+                <a:latin typeface="Times New Roman" pitchFamily="18" charset="0"/>
+                <a:cs typeface="Times New Roman" pitchFamily="18" charset="0"/>
+              </a:rPr>
               <a:t> </a:t>
             </a:r>
             <a:r>
-              <a:rPr lang="en-US" dirty="0" err="1" smtClean="0"/>
+              <a:rPr lang="en-US" dirty="0" err="1" smtClean="0">
+                <a:latin typeface="Times New Roman" pitchFamily="18" charset="0"/>
+                <a:cs typeface="Times New Roman" pitchFamily="18" charset="0"/>
+              </a:rPr>
               <a:t>membuat</a:t>
             </a:r>
             <a:r>
-              <a:rPr lang="en-US" dirty="0" smtClean="0"/>
+              <a:rPr lang="en-US" dirty="0" smtClean="0">
+                <a:latin typeface="Times New Roman" pitchFamily="18" charset="0"/>
+                <a:cs typeface="Times New Roman" pitchFamily="18" charset="0"/>
+              </a:rPr>
               <a:t> program </a:t>
             </a:r>
             <a:r>
-              <a:rPr lang="en-US" dirty="0" err="1" smtClean="0"/>
+              <a:rPr lang="en-US" dirty="0" err="1" smtClean="0">
+                <a:latin typeface="Times New Roman" pitchFamily="18" charset="0"/>
+                <a:cs typeface="Times New Roman" pitchFamily="18" charset="0"/>
+              </a:rPr>
               <a:t>komputer</a:t>
             </a:r>
             <a:r>
-              <a:rPr lang="en-US" dirty="0" smtClean="0"/>
+              <a:rPr lang="en-US" dirty="0" smtClean="0">
+                <a:latin typeface="Times New Roman" pitchFamily="18" charset="0"/>
+                <a:cs typeface="Times New Roman" pitchFamily="18" charset="0"/>
+              </a:rPr>
               <a:t> yang </a:t>
             </a:r>
             <a:r>
-              <a:rPr lang="en-US" dirty="0" err="1" smtClean="0"/>
+              <a:rPr lang="en-US" dirty="0" err="1" smtClean="0">
+                <a:latin typeface="Times New Roman" pitchFamily="18" charset="0"/>
+                <a:cs typeface="Times New Roman" pitchFamily="18" charset="0"/>
+              </a:rPr>
               <a:t>lebih</a:t>
             </a:r>
             <a:r>
-              <a:rPr lang="en-US" dirty="0" smtClean="0"/>
+              <a:rPr lang="en-US" dirty="0" smtClean="0">
+                <a:latin typeface="Times New Roman" pitchFamily="18" charset="0"/>
+                <a:cs typeface="Times New Roman" pitchFamily="18" charset="0"/>
+              </a:rPr>
               <a:t> </a:t>
             </a:r>
             <a:r>
-              <a:rPr lang="en-US" dirty="0" err="1" smtClean="0"/>
+              <a:rPr lang="en-US" dirty="0" err="1" smtClean="0">
+                <a:latin typeface="Times New Roman" pitchFamily="18" charset="0"/>
+                <a:cs typeface="Times New Roman" pitchFamily="18" charset="0"/>
+              </a:rPr>
               <a:t>baik</a:t>
             </a:r>
             <a:r>
-              <a:rPr lang="en-US" dirty="0" smtClean="0"/>
+              <a:rPr lang="en-US" dirty="0" smtClean="0">
+                <a:latin typeface="Times New Roman" pitchFamily="18" charset="0"/>
+                <a:cs typeface="Times New Roman" pitchFamily="18" charset="0"/>
+              </a:rPr>
               <a:t> </a:t>
             </a:r>
             <a:r>
-              <a:rPr lang="en-US" dirty="0" err="1" smtClean="0"/>
+              <a:rPr lang="en-US" dirty="0" err="1" smtClean="0">
+                <a:latin typeface="Times New Roman" pitchFamily="18" charset="0"/>
+                <a:cs typeface="Times New Roman" pitchFamily="18" charset="0"/>
+              </a:rPr>
               <a:t>daripada</a:t>
             </a:r>
             <a:r>
-              <a:rPr lang="en-US" dirty="0" smtClean="0"/>
+              <a:rPr lang="en-US" dirty="0" smtClean="0">
+                <a:latin typeface="Times New Roman" pitchFamily="18" charset="0"/>
+                <a:cs typeface="Times New Roman" pitchFamily="18" charset="0"/>
+              </a:rPr>
               <a:t> yang </a:t>
             </a:r>
             <a:r>
-              <a:rPr lang="en-US" dirty="0" err="1" smtClean="0"/>
+              <a:rPr lang="en-US" dirty="0" err="1" smtClean="0">
+                <a:latin typeface="Times New Roman" pitchFamily="18" charset="0"/>
+                <a:cs typeface="Times New Roman" pitchFamily="18" charset="0"/>
+              </a:rPr>
               <a:t>telah</a:t>
             </a:r>
             <a:r>
-              <a:rPr lang="en-US" dirty="0" smtClean="0"/>
+              <a:rPr lang="en-US" dirty="0" smtClean="0">
+                <a:latin typeface="Times New Roman" pitchFamily="18" charset="0"/>
+                <a:cs typeface="Times New Roman" pitchFamily="18" charset="0"/>
+              </a:rPr>
               <a:t> </a:t>
             </a:r>
             <a:r>
-              <a:rPr lang="en-US" dirty="0" err="1" smtClean="0"/>
+              <a:rPr lang="en-US" dirty="0" err="1" smtClean="0">
+                <a:latin typeface="Times New Roman" pitchFamily="18" charset="0"/>
+                <a:cs typeface="Times New Roman" pitchFamily="18" charset="0"/>
+              </a:rPr>
               <a:t>dirancang</a:t>
             </a:r>
             <a:r>
-              <a:rPr lang="en-US" dirty="0" smtClean="0"/>
+              <a:rPr lang="en-US" dirty="0" smtClean="0">
+                <a:latin typeface="Times New Roman" pitchFamily="18" charset="0"/>
+                <a:cs typeface="Times New Roman" pitchFamily="18" charset="0"/>
+              </a:rPr>
               <a:t> </a:t>
             </a:r>
             <a:r>
-              <a:rPr lang="en-US" dirty="0" err="1" smtClean="0"/>
+              <a:rPr lang="en-US" dirty="0" err="1" smtClean="0">
+                <a:latin typeface="Times New Roman" pitchFamily="18" charset="0"/>
+                <a:cs typeface="Times New Roman" pitchFamily="18" charset="0"/>
+              </a:rPr>
               <a:t>bersama</a:t>
             </a:r>
             <a:r>
-              <a:rPr lang="en-US" dirty="0" smtClean="0"/>
+              <a:rPr lang="en-US" dirty="0" smtClean="0">
+                <a:latin typeface="Times New Roman" pitchFamily="18" charset="0"/>
+                <a:cs typeface="Times New Roman" pitchFamily="18" charset="0"/>
+              </a:rPr>
               <a:t>.</a:t>
             </a:r>
           </a:p>
@@ -23868,237 +24019,395 @@
               <a:buNone/>
             </a:pPr>
             <a:r>
-              <a:rPr lang="en-US" dirty="0" smtClean="0"/>
+              <a:rPr lang="en-US" dirty="0" smtClean="0">
+                <a:latin typeface="Times New Roman" pitchFamily="18" charset="0"/>
+                <a:cs typeface="Times New Roman" pitchFamily="18" charset="0"/>
+              </a:rPr>
               <a:t>Dan </a:t>
             </a:r>
             <a:r>
-              <a:rPr lang="en-US" dirty="0" err="1" smtClean="0"/>
+              <a:rPr lang="en-US" dirty="0" err="1" smtClean="0">
+                <a:latin typeface="Times New Roman" pitchFamily="18" charset="0"/>
+                <a:cs typeface="Times New Roman" pitchFamily="18" charset="0"/>
+              </a:rPr>
               <a:t>pada</a:t>
             </a:r>
             <a:r>
-              <a:rPr lang="en-US" dirty="0" smtClean="0"/>
+              <a:rPr lang="en-US" dirty="0" smtClean="0">
+                <a:latin typeface="Times New Roman" pitchFamily="18" charset="0"/>
+                <a:cs typeface="Times New Roman" pitchFamily="18" charset="0"/>
+              </a:rPr>
               <a:t> </a:t>
             </a:r>
             <a:r>
-              <a:rPr lang="en-US" dirty="0" err="1" smtClean="0"/>
+              <a:rPr lang="en-US" dirty="0" err="1" smtClean="0">
+                <a:latin typeface="Times New Roman" pitchFamily="18" charset="0"/>
+                <a:cs typeface="Times New Roman" pitchFamily="18" charset="0"/>
+              </a:rPr>
               <a:t>tahun</a:t>
             </a:r>
             <a:r>
-              <a:rPr lang="en-US" dirty="0" smtClean="0"/>
+              <a:rPr lang="en-US" dirty="0" smtClean="0">
+                <a:latin typeface="Times New Roman" pitchFamily="18" charset="0"/>
+                <a:cs typeface="Times New Roman" pitchFamily="18" charset="0"/>
+              </a:rPr>
               <a:t> </a:t>
             </a:r>
             <a:r>
               <a:rPr lang="en-US" dirty="0" smtClean="0">
+                <a:latin typeface="Times New Roman" pitchFamily="18" charset="0"/>
+                <a:cs typeface="Times New Roman" pitchFamily="18" charset="0"/>
                 <a:hlinkClick r:id="rId4" tooltip="1983"/>
               </a:rPr>
               <a:t>1983</a:t>
             </a:r>
             <a:r>
-              <a:rPr lang="en-US" dirty="0" smtClean="0"/>
+              <a:rPr lang="en-US" dirty="0" smtClean="0">
+                <a:latin typeface="Times New Roman" pitchFamily="18" charset="0"/>
+                <a:cs typeface="Times New Roman" pitchFamily="18" charset="0"/>
+              </a:rPr>
               <a:t>, </a:t>
             </a:r>
             <a:r>
-              <a:rPr lang="en-US" dirty="0" err="1" smtClean="0"/>
+              <a:rPr lang="en-US" dirty="0" err="1" smtClean="0">
+                <a:latin typeface="Times New Roman" pitchFamily="18" charset="0"/>
+                <a:cs typeface="Times New Roman" pitchFamily="18" charset="0"/>
+              </a:rPr>
               <a:t>istilah</a:t>
             </a:r>
             <a:r>
-              <a:rPr lang="en-US" dirty="0" smtClean="0"/>
+              <a:rPr lang="en-US" dirty="0" smtClean="0">
+                <a:latin typeface="Times New Roman" pitchFamily="18" charset="0"/>
+                <a:cs typeface="Times New Roman" pitchFamily="18" charset="0"/>
+              </a:rPr>
               <a:t> “</a:t>
             </a:r>
             <a:r>
-              <a:rPr lang="en-US" i="1" dirty="0" smtClean="0"/>
+              <a:rPr lang="en-US" i="1" dirty="0" smtClean="0">
+                <a:latin typeface="Times New Roman" pitchFamily="18" charset="0"/>
+                <a:cs typeface="Times New Roman" pitchFamily="18" charset="0"/>
+              </a:rPr>
               <a:t>hacker”</a:t>
             </a:r>
             <a:r>
-              <a:rPr lang="en-US" dirty="0" smtClean="0"/>
+              <a:rPr lang="en-US" dirty="0" smtClean="0">
+                <a:latin typeface="Times New Roman" pitchFamily="18" charset="0"/>
+                <a:cs typeface="Times New Roman" pitchFamily="18" charset="0"/>
+              </a:rPr>
               <a:t> </a:t>
             </a:r>
             <a:r>
-              <a:rPr lang="en-US" dirty="0" err="1" smtClean="0"/>
+              <a:rPr lang="en-US" dirty="0" err="1" smtClean="0">
+                <a:latin typeface="Times New Roman" pitchFamily="18" charset="0"/>
+                <a:cs typeface="Times New Roman" pitchFamily="18" charset="0"/>
+              </a:rPr>
               <a:t>mulai</a:t>
             </a:r>
             <a:r>
-              <a:rPr lang="en-US" dirty="0" smtClean="0"/>
+              <a:rPr lang="en-US" dirty="0" smtClean="0">
+                <a:latin typeface="Times New Roman" pitchFamily="18" charset="0"/>
+                <a:cs typeface="Times New Roman" pitchFamily="18" charset="0"/>
+              </a:rPr>
               <a:t> </a:t>
             </a:r>
             <a:r>
-              <a:rPr lang="en-US" dirty="0" err="1" smtClean="0"/>
+              <a:rPr lang="en-US" dirty="0" err="1" smtClean="0">
+                <a:latin typeface="Times New Roman" pitchFamily="18" charset="0"/>
+                <a:cs typeface="Times New Roman" pitchFamily="18" charset="0"/>
+              </a:rPr>
               <a:t>berkonotasi</a:t>
             </a:r>
             <a:r>
-              <a:rPr lang="en-US" dirty="0" smtClean="0"/>
+              <a:rPr lang="en-US" dirty="0" smtClean="0">
+                <a:latin typeface="Times New Roman" pitchFamily="18" charset="0"/>
+                <a:cs typeface="Times New Roman" pitchFamily="18" charset="0"/>
+              </a:rPr>
               <a:t> </a:t>
             </a:r>
             <a:r>
-              <a:rPr lang="en-US" dirty="0" err="1" smtClean="0"/>
+              <a:rPr lang="en-US" dirty="0" err="1" smtClean="0">
+                <a:latin typeface="Times New Roman" pitchFamily="18" charset="0"/>
+                <a:cs typeface="Times New Roman" pitchFamily="18" charset="0"/>
+              </a:rPr>
               <a:t>negatif</a:t>
             </a:r>
             <a:r>
-              <a:rPr lang="en-US" dirty="0" smtClean="0"/>
+              <a:rPr lang="en-US" dirty="0" smtClean="0">
+                <a:latin typeface="Times New Roman" pitchFamily="18" charset="0"/>
+                <a:cs typeface="Times New Roman" pitchFamily="18" charset="0"/>
+              </a:rPr>
               <a:t>. </a:t>
             </a:r>
             <a:r>
-              <a:rPr lang="en-US" dirty="0" err="1" smtClean="0"/>
+              <a:rPr lang="en-US" dirty="0" err="1" smtClean="0">
+                <a:latin typeface="Times New Roman" pitchFamily="18" charset="0"/>
+                <a:cs typeface="Times New Roman" pitchFamily="18" charset="0"/>
+              </a:rPr>
               <a:t>Pasalnya</a:t>
             </a:r>
             <a:r>
-              <a:rPr lang="en-US" dirty="0" smtClean="0"/>
+              <a:rPr lang="en-US" dirty="0" smtClean="0">
+                <a:latin typeface="Times New Roman" pitchFamily="18" charset="0"/>
+                <a:cs typeface="Times New Roman" pitchFamily="18" charset="0"/>
+              </a:rPr>
               <a:t>, </a:t>
             </a:r>
             <a:r>
-              <a:rPr lang="en-US" dirty="0" err="1" smtClean="0"/>
+              <a:rPr lang="en-US" dirty="0" err="1" smtClean="0">
+                <a:latin typeface="Times New Roman" pitchFamily="18" charset="0"/>
+                <a:cs typeface="Times New Roman" pitchFamily="18" charset="0"/>
+              </a:rPr>
               <a:t>pada</a:t>
             </a:r>
             <a:r>
-              <a:rPr lang="en-US" dirty="0" smtClean="0"/>
+              <a:rPr lang="en-US" dirty="0" smtClean="0">
+                <a:latin typeface="Times New Roman" pitchFamily="18" charset="0"/>
+                <a:cs typeface="Times New Roman" pitchFamily="18" charset="0"/>
+              </a:rPr>
               <a:t> </a:t>
             </a:r>
             <a:r>
-              <a:rPr lang="en-US" dirty="0" err="1" smtClean="0"/>
+              <a:rPr lang="en-US" dirty="0" err="1" smtClean="0">
+                <a:latin typeface="Times New Roman" pitchFamily="18" charset="0"/>
+                <a:cs typeface="Times New Roman" pitchFamily="18" charset="0"/>
+              </a:rPr>
               <a:t>tahun</a:t>
             </a:r>
             <a:r>
-              <a:rPr lang="en-US" dirty="0" smtClean="0"/>
+              <a:rPr lang="en-US" dirty="0" smtClean="0">
+                <a:latin typeface="Times New Roman" pitchFamily="18" charset="0"/>
+                <a:cs typeface="Times New Roman" pitchFamily="18" charset="0"/>
+              </a:rPr>
               <a:t> </a:t>
             </a:r>
             <a:r>
-              <a:rPr lang="en-US" dirty="0" err="1" smtClean="0"/>
+              <a:rPr lang="en-US" dirty="0" err="1" smtClean="0">
+                <a:latin typeface="Times New Roman" pitchFamily="18" charset="0"/>
+                <a:cs typeface="Times New Roman" pitchFamily="18" charset="0"/>
+              </a:rPr>
               <a:t>tersebut</a:t>
             </a:r>
             <a:r>
-              <a:rPr lang="en-US" dirty="0" smtClean="0"/>
+              <a:rPr lang="en-US" dirty="0" smtClean="0">
+                <a:latin typeface="Times New Roman" pitchFamily="18" charset="0"/>
+                <a:cs typeface="Times New Roman" pitchFamily="18" charset="0"/>
+              </a:rPr>
               <a:t> </a:t>
             </a:r>
             <a:r>
-              <a:rPr lang="en-US" dirty="0" err="1" smtClean="0"/>
+              <a:rPr lang="en-US" dirty="0" err="1" smtClean="0">
+                <a:latin typeface="Times New Roman" pitchFamily="18" charset="0"/>
+                <a:cs typeface="Times New Roman" pitchFamily="18" charset="0"/>
+              </a:rPr>
               <a:t>untuk</a:t>
             </a:r>
             <a:r>
-              <a:rPr lang="en-US" dirty="0" smtClean="0"/>
+              <a:rPr lang="en-US" dirty="0" smtClean="0">
+                <a:latin typeface="Times New Roman" pitchFamily="18" charset="0"/>
+                <a:cs typeface="Times New Roman" pitchFamily="18" charset="0"/>
+              </a:rPr>
               <a:t> </a:t>
             </a:r>
             <a:r>
-              <a:rPr lang="en-US" dirty="0" err="1" smtClean="0"/>
+              <a:rPr lang="en-US" dirty="0" err="1" smtClean="0">
+                <a:latin typeface="Times New Roman" pitchFamily="18" charset="0"/>
+                <a:cs typeface="Times New Roman" pitchFamily="18" charset="0"/>
+              </a:rPr>
               <a:t>pertama</a:t>
             </a:r>
             <a:r>
-              <a:rPr lang="en-US" dirty="0" smtClean="0"/>
+              <a:rPr lang="en-US" dirty="0" smtClean="0">
+                <a:latin typeface="Times New Roman" pitchFamily="18" charset="0"/>
+                <a:cs typeface="Times New Roman" pitchFamily="18" charset="0"/>
+              </a:rPr>
               <a:t> </a:t>
             </a:r>
             <a:r>
-              <a:rPr lang="en-US" dirty="0" err="1" smtClean="0"/>
+              <a:rPr lang="en-US" dirty="0" err="1" smtClean="0">
+                <a:latin typeface="Times New Roman" pitchFamily="18" charset="0"/>
+                <a:cs typeface="Times New Roman" pitchFamily="18" charset="0"/>
+              </a:rPr>
               <a:t>kalinya</a:t>
             </a:r>
             <a:r>
-              <a:rPr lang="en-US" dirty="0" smtClean="0"/>
+              <a:rPr lang="en-US" dirty="0" smtClean="0">
+                <a:latin typeface="Times New Roman" pitchFamily="18" charset="0"/>
+                <a:cs typeface="Times New Roman" pitchFamily="18" charset="0"/>
+              </a:rPr>
               <a:t> </a:t>
             </a:r>
             <a:r>
               <a:rPr lang="en-US" dirty="0" smtClean="0">
+                <a:latin typeface="Times New Roman" pitchFamily="18" charset="0"/>
+                <a:cs typeface="Times New Roman" pitchFamily="18" charset="0"/>
                 <a:hlinkClick r:id="rId5" tooltip="Federal Bureau of Investigation"/>
               </a:rPr>
               <a:t>FBI</a:t>
             </a:r>
             <a:r>
-              <a:rPr lang="en-US" dirty="0" smtClean="0"/>
+              <a:rPr lang="en-US" dirty="0" smtClean="0">
+                <a:latin typeface="Times New Roman" pitchFamily="18" charset="0"/>
+                <a:cs typeface="Times New Roman" pitchFamily="18" charset="0"/>
+              </a:rPr>
               <a:t> </a:t>
             </a:r>
             <a:r>
-              <a:rPr lang="en-US" dirty="0" err="1" smtClean="0"/>
+              <a:rPr lang="en-US" dirty="0" err="1" smtClean="0">
+                <a:latin typeface="Times New Roman" pitchFamily="18" charset="0"/>
+                <a:cs typeface="Times New Roman" pitchFamily="18" charset="0"/>
+              </a:rPr>
               <a:t>menangkap</a:t>
             </a:r>
             <a:r>
-              <a:rPr lang="en-US" dirty="0" smtClean="0"/>
+              <a:rPr lang="en-US" dirty="0" smtClean="0">
+                <a:latin typeface="Times New Roman" pitchFamily="18" charset="0"/>
+                <a:cs typeface="Times New Roman" pitchFamily="18" charset="0"/>
+              </a:rPr>
               <a:t> </a:t>
             </a:r>
             <a:r>
-              <a:rPr lang="en-US" dirty="0" err="1" smtClean="0"/>
+              <a:rPr lang="en-US" dirty="0" err="1" smtClean="0">
+                <a:latin typeface="Times New Roman" pitchFamily="18" charset="0"/>
+                <a:cs typeface="Times New Roman" pitchFamily="18" charset="0"/>
+              </a:rPr>
               <a:t>kelompok</a:t>
             </a:r>
             <a:r>
-              <a:rPr lang="en-US" dirty="0" smtClean="0"/>
+              <a:rPr lang="en-US" dirty="0" smtClean="0">
+                <a:latin typeface="Times New Roman" pitchFamily="18" charset="0"/>
+                <a:cs typeface="Times New Roman" pitchFamily="18" charset="0"/>
+              </a:rPr>
               <a:t> </a:t>
             </a:r>
             <a:r>
-              <a:rPr lang="en-US" dirty="0" err="1" smtClean="0"/>
+              <a:rPr lang="en-US" dirty="0" err="1" smtClean="0">
+                <a:latin typeface="Times New Roman" pitchFamily="18" charset="0"/>
+                <a:cs typeface="Times New Roman" pitchFamily="18" charset="0"/>
+              </a:rPr>
               <a:t>kriminal</a:t>
             </a:r>
             <a:r>
-              <a:rPr lang="en-US" dirty="0" smtClean="0"/>
+              <a:rPr lang="en-US" dirty="0" smtClean="0">
+                <a:latin typeface="Times New Roman" pitchFamily="18" charset="0"/>
+                <a:cs typeface="Times New Roman" pitchFamily="18" charset="0"/>
+              </a:rPr>
               <a:t> </a:t>
             </a:r>
             <a:r>
-              <a:rPr lang="en-US" dirty="0" err="1" smtClean="0"/>
+              <a:rPr lang="en-US" dirty="0" err="1" smtClean="0">
+                <a:latin typeface="Times New Roman" pitchFamily="18" charset="0"/>
+                <a:cs typeface="Times New Roman" pitchFamily="18" charset="0"/>
+              </a:rPr>
               <a:t>komputer</a:t>
             </a:r>
             <a:r>
-              <a:rPr lang="en-US" dirty="0" smtClean="0"/>
+              <a:rPr lang="en-US" dirty="0" smtClean="0">
+                <a:latin typeface="Times New Roman" pitchFamily="18" charset="0"/>
+                <a:cs typeface="Times New Roman" pitchFamily="18" charset="0"/>
+              </a:rPr>
               <a:t> </a:t>
             </a:r>
             <a:r>
-              <a:rPr lang="en-US" b="1" dirty="0" smtClean="0"/>
+              <a:rPr lang="en-US" b="1" dirty="0" smtClean="0">
+                <a:latin typeface="Times New Roman" pitchFamily="18" charset="0"/>
+                <a:cs typeface="Times New Roman" pitchFamily="18" charset="0"/>
+              </a:rPr>
               <a:t>The 414s</a:t>
             </a:r>
             <a:r>
-              <a:rPr lang="en-US" dirty="0" smtClean="0"/>
+              <a:rPr lang="en-US" dirty="0" smtClean="0">
+                <a:latin typeface="Times New Roman" pitchFamily="18" charset="0"/>
+                <a:cs typeface="Times New Roman" pitchFamily="18" charset="0"/>
+              </a:rPr>
               <a:t> yang </a:t>
             </a:r>
             <a:r>
-              <a:rPr lang="en-US" dirty="0" err="1" smtClean="0"/>
+              <a:rPr lang="en-US" dirty="0" err="1" smtClean="0">
+                <a:latin typeface="Times New Roman" pitchFamily="18" charset="0"/>
+                <a:cs typeface="Times New Roman" pitchFamily="18" charset="0"/>
+              </a:rPr>
               <a:t>berbasis</a:t>
             </a:r>
             <a:r>
-              <a:rPr lang="en-US" dirty="0" smtClean="0"/>
+              <a:rPr lang="en-US" dirty="0" smtClean="0">
+                <a:latin typeface="Times New Roman" pitchFamily="18" charset="0"/>
+                <a:cs typeface="Times New Roman" pitchFamily="18" charset="0"/>
+              </a:rPr>
               <a:t> </a:t>
             </a:r>
             <a:r>
-              <a:rPr lang="en-US" dirty="0" err="1" smtClean="0"/>
+              <a:rPr lang="en-US" dirty="0" err="1" smtClean="0">
+                <a:latin typeface="Times New Roman" pitchFamily="18" charset="0"/>
+                <a:cs typeface="Times New Roman" pitchFamily="18" charset="0"/>
+              </a:rPr>
               <a:t>di</a:t>
             </a:r>
             <a:r>
-              <a:rPr lang="en-US" dirty="0" smtClean="0"/>
+              <a:rPr lang="en-US" dirty="0" smtClean="0">
+                <a:latin typeface="Times New Roman" pitchFamily="18" charset="0"/>
+                <a:cs typeface="Times New Roman" pitchFamily="18" charset="0"/>
+              </a:rPr>
               <a:t> </a:t>
             </a:r>
             <a:r>
               <a:rPr lang="en-US" dirty="0" smtClean="0">
+                <a:latin typeface="Times New Roman" pitchFamily="18" charset="0"/>
+                <a:cs typeface="Times New Roman" pitchFamily="18" charset="0"/>
                 <a:hlinkClick r:id="rId6" tooltip="Milwaukee, Amerika Serikat (halaman belum tersedia)"/>
               </a:rPr>
               <a:t>Milwaukee</a:t>
             </a:r>
             <a:r>
-              <a:rPr lang="en-US" dirty="0" smtClean="0"/>
+              <a:rPr lang="en-US" dirty="0" smtClean="0">
+                <a:latin typeface="Times New Roman" pitchFamily="18" charset="0"/>
+                <a:cs typeface="Times New Roman" pitchFamily="18" charset="0"/>
+              </a:rPr>
               <a:t>, </a:t>
             </a:r>
             <a:r>
-              <a:rPr lang="en-US" dirty="0" err="1" smtClean="0"/>
+              <a:rPr lang="en-US" dirty="0" err="1" smtClean="0">
+                <a:latin typeface="Times New Roman" pitchFamily="18" charset="0"/>
+                <a:cs typeface="Times New Roman" pitchFamily="18" charset="0"/>
+              </a:rPr>
               <a:t>Amerika</a:t>
             </a:r>
             <a:r>
-              <a:rPr lang="en-US" dirty="0" smtClean="0"/>
+              <a:rPr lang="en-US" dirty="0" smtClean="0">
+                <a:latin typeface="Times New Roman" pitchFamily="18" charset="0"/>
+                <a:cs typeface="Times New Roman" pitchFamily="18" charset="0"/>
+              </a:rPr>
               <a:t> </a:t>
             </a:r>
             <a:r>
-              <a:rPr lang="en-US" dirty="0" err="1" smtClean="0"/>
+              <a:rPr lang="en-US" dirty="0" err="1" smtClean="0">
+                <a:latin typeface="Times New Roman" pitchFamily="18" charset="0"/>
+                <a:cs typeface="Times New Roman" pitchFamily="18" charset="0"/>
+              </a:rPr>
               <a:t>Serikat</a:t>
             </a:r>
             <a:r>
-              <a:rPr lang="en-US" dirty="0" smtClean="0"/>
+              <a:rPr lang="en-US" dirty="0" smtClean="0">
+                <a:latin typeface="Times New Roman" pitchFamily="18" charset="0"/>
+                <a:cs typeface="Times New Roman" pitchFamily="18" charset="0"/>
+              </a:rPr>
               <a:t>.</a:t>
             </a:r>
-            <a:endParaRPr lang="en-US" smtClean="0"/>
           </a:p>
           <a:p>
             <a:pPr marL="0" indent="0">
               <a:buNone/>
             </a:pPr>
-            <a:endParaRPr lang="en-US" dirty="0"/>
+            <a:endParaRPr lang="en-US" dirty="0">
+              <a:latin typeface="Times New Roman" pitchFamily="18" charset="0"/>
+              <a:cs typeface="Times New Roman" pitchFamily="18" charset="0"/>
+            </a:endParaRPr>
           </a:p>
         </p:txBody>
       </p:sp>
     </p:spTree>
     <p:extLst>
       <p:ext uri="{BB962C8B-B14F-4D97-AF65-F5344CB8AC3E}">
-        <p14:creationId xmlns:p14="http://schemas.microsoft.com/office/powerpoint/2010/main" xmlns="" val="4077646618"/>
+        <p14:creationId xmlns="" xmlns:p14="http://schemas.microsoft.com/office/powerpoint/2010/main" val="4077646618"/>
       </p:ext>
     </p:extLst>
   </p:cSld>
@@ -24453,19 +24762,31 @@
           <a:lstStyle/>
           <a:p>
             <a:r>
-              <a:rPr lang="en-US" b="1" dirty="0" smtClean="0"/>
+              <a:rPr lang="en-US" b="1" dirty="0" smtClean="0">
+                <a:latin typeface="Times New Roman" pitchFamily="18" charset="0"/>
+                <a:cs typeface="Times New Roman" pitchFamily="18" charset="0"/>
+              </a:rPr>
               <a:t>Hacking</a:t>
             </a:r>
             <a:r>
-              <a:rPr lang="en-US" dirty="0" smtClean="0"/>
+              <a:rPr lang="en-US" dirty="0" smtClean="0">
+                <a:latin typeface="Times New Roman" pitchFamily="18" charset="0"/>
+                <a:cs typeface="Times New Roman" pitchFamily="18" charset="0"/>
+              </a:rPr>
               <a:t> </a:t>
             </a:r>
             <a:r>
-              <a:rPr lang="en-US" dirty="0" err="1" smtClean="0"/>
+              <a:rPr lang="en-US" dirty="0" err="1" smtClean="0">
+                <a:latin typeface="Times New Roman" pitchFamily="18" charset="0"/>
+                <a:cs typeface="Times New Roman" pitchFamily="18" charset="0"/>
+              </a:rPr>
               <a:t>adalah</a:t>
             </a:r>
             <a:r>
-              <a:rPr lang="en-US" dirty="0" smtClean="0"/>
+              <a:rPr lang="en-US" dirty="0" smtClean="0">
+                <a:latin typeface="Times New Roman" pitchFamily="18" charset="0"/>
+                <a:cs typeface="Times New Roman" pitchFamily="18" charset="0"/>
+              </a:rPr>
               <a:t> : </a:t>
             </a:r>
           </a:p>
@@ -24474,307 +24795,535 @@
               <a:buNone/>
             </a:pPr>
             <a:r>
-              <a:rPr lang="en-US" dirty="0" smtClean="0"/>
+              <a:rPr lang="en-US" dirty="0" smtClean="0">
+                <a:latin typeface="Times New Roman" pitchFamily="18" charset="0"/>
+                <a:cs typeface="Times New Roman" pitchFamily="18" charset="0"/>
+              </a:rPr>
               <a:t>	</a:t>
             </a:r>
             <a:r>
-              <a:rPr lang="en-US" dirty="0" err="1" smtClean="0"/>
+              <a:rPr lang="en-US" dirty="0" err="1" smtClean="0">
+                <a:latin typeface="Times New Roman" pitchFamily="18" charset="0"/>
+                <a:cs typeface="Times New Roman" pitchFamily="18" charset="0"/>
+              </a:rPr>
               <a:t>Kegiatan</a:t>
             </a:r>
             <a:r>
-              <a:rPr lang="en-US" dirty="0" smtClean="0"/>
+              <a:rPr lang="en-US" dirty="0" smtClean="0">
+                <a:latin typeface="Times New Roman" pitchFamily="18" charset="0"/>
+                <a:cs typeface="Times New Roman" pitchFamily="18" charset="0"/>
+              </a:rPr>
               <a:t> </a:t>
             </a:r>
             <a:r>
-              <a:rPr lang="en-US" dirty="0" err="1" smtClean="0"/>
+              <a:rPr lang="en-US" dirty="0" err="1" smtClean="0">
+                <a:latin typeface="Times New Roman" pitchFamily="18" charset="0"/>
+                <a:cs typeface="Times New Roman" pitchFamily="18" charset="0"/>
+              </a:rPr>
               <a:t>sekelompok</a:t>
             </a:r>
             <a:r>
-              <a:rPr lang="en-US" dirty="0" smtClean="0"/>
+              <a:rPr lang="en-US" dirty="0" smtClean="0">
+                <a:latin typeface="Times New Roman" pitchFamily="18" charset="0"/>
+                <a:cs typeface="Times New Roman" pitchFamily="18" charset="0"/>
+              </a:rPr>
               <a:t> orang </a:t>
             </a:r>
             <a:r>
-              <a:rPr lang="en-US" dirty="0" err="1" smtClean="0"/>
+              <a:rPr lang="en-US" dirty="0" err="1" smtClean="0">
+                <a:latin typeface="Times New Roman" pitchFamily="18" charset="0"/>
+                <a:cs typeface="Times New Roman" pitchFamily="18" charset="0"/>
+              </a:rPr>
               <a:t>atau</a:t>
             </a:r>
             <a:r>
-              <a:rPr lang="en-US" dirty="0" smtClean="0"/>
+              <a:rPr lang="en-US" dirty="0" smtClean="0">
+                <a:latin typeface="Times New Roman" pitchFamily="18" charset="0"/>
+                <a:cs typeface="Times New Roman" pitchFamily="18" charset="0"/>
+              </a:rPr>
               <a:t> </a:t>
             </a:r>
             <a:r>
-              <a:rPr lang="en-US" dirty="0" err="1" smtClean="0"/>
+              <a:rPr lang="en-US" dirty="0" err="1" smtClean="0">
+                <a:latin typeface="Times New Roman" pitchFamily="18" charset="0"/>
+                <a:cs typeface="Times New Roman" pitchFamily="18" charset="0"/>
+              </a:rPr>
               <a:t>individu</a:t>
             </a:r>
             <a:r>
-              <a:rPr lang="en-US" dirty="0" smtClean="0"/>
+              <a:rPr lang="en-US" dirty="0" smtClean="0">
+                <a:latin typeface="Times New Roman" pitchFamily="18" charset="0"/>
+                <a:cs typeface="Times New Roman" pitchFamily="18" charset="0"/>
+              </a:rPr>
               <a:t> </a:t>
             </a:r>
             <a:r>
-              <a:rPr lang="en-US" dirty="0"/>
+              <a:rPr lang="en-US" dirty="0">
+                <a:latin typeface="Times New Roman" pitchFamily="18" charset="0"/>
+                <a:cs typeface="Times New Roman" pitchFamily="18" charset="0"/>
+              </a:rPr>
               <a:t>yang </a:t>
             </a:r>
             <a:r>
-              <a:rPr lang="en-US" dirty="0" err="1"/>
+              <a:rPr lang="en-US" dirty="0" err="1">
+                <a:latin typeface="Times New Roman" pitchFamily="18" charset="0"/>
+                <a:cs typeface="Times New Roman" pitchFamily="18" charset="0"/>
+              </a:rPr>
               <a:t>memberikan</a:t>
             </a:r>
             <a:r>
-              <a:rPr lang="en-US" dirty="0"/>
+              <a:rPr lang="en-US" dirty="0">
+                <a:latin typeface="Times New Roman" pitchFamily="18" charset="0"/>
+                <a:cs typeface="Times New Roman" pitchFamily="18" charset="0"/>
+              </a:rPr>
               <a:t> </a:t>
             </a:r>
             <a:r>
-              <a:rPr lang="en-US" dirty="0" err="1"/>
+              <a:rPr lang="en-US" dirty="0" err="1">
+                <a:latin typeface="Times New Roman" pitchFamily="18" charset="0"/>
+                <a:cs typeface="Times New Roman" pitchFamily="18" charset="0"/>
+              </a:rPr>
               <a:t>sumbangan</a:t>
             </a:r>
             <a:r>
-              <a:rPr lang="en-US" dirty="0"/>
+              <a:rPr lang="en-US" dirty="0">
+                <a:latin typeface="Times New Roman" pitchFamily="18" charset="0"/>
+                <a:cs typeface="Times New Roman" pitchFamily="18" charset="0"/>
+              </a:rPr>
               <a:t> </a:t>
             </a:r>
             <a:r>
-              <a:rPr lang="en-US" dirty="0" err="1"/>
+              <a:rPr lang="en-US" dirty="0" err="1">
+                <a:latin typeface="Times New Roman" pitchFamily="18" charset="0"/>
+                <a:cs typeface="Times New Roman" pitchFamily="18" charset="0"/>
+              </a:rPr>
               <a:t>bermanfaat</a:t>
             </a:r>
             <a:r>
-              <a:rPr lang="en-US" dirty="0"/>
+              <a:rPr lang="en-US" dirty="0">
+                <a:latin typeface="Times New Roman" pitchFamily="18" charset="0"/>
+                <a:cs typeface="Times New Roman" pitchFamily="18" charset="0"/>
+              </a:rPr>
               <a:t> </a:t>
             </a:r>
             <a:r>
-              <a:rPr lang="en-US" dirty="0" err="1"/>
+              <a:rPr lang="en-US" dirty="0" err="1">
+                <a:latin typeface="Times New Roman" pitchFamily="18" charset="0"/>
+                <a:cs typeface="Times New Roman" pitchFamily="18" charset="0"/>
+              </a:rPr>
               <a:t>untuk</a:t>
             </a:r>
             <a:r>
-              <a:rPr lang="en-US" dirty="0"/>
+              <a:rPr lang="en-US" dirty="0">
+                <a:latin typeface="Times New Roman" pitchFamily="18" charset="0"/>
+                <a:cs typeface="Times New Roman" pitchFamily="18" charset="0"/>
+              </a:rPr>
               <a:t> </a:t>
             </a:r>
             <a:r>
-              <a:rPr lang="en-US" dirty="0" err="1"/>
+              <a:rPr lang="en-US" dirty="0" err="1">
+                <a:latin typeface="Times New Roman" pitchFamily="18" charset="0"/>
+                <a:cs typeface="Times New Roman" pitchFamily="18" charset="0"/>
+              </a:rPr>
               <a:t>dunia</a:t>
             </a:r>
             <a:r>
-              <a:rPr lang="en-US" dirty="0"/>
+              <a:rPr lang="en-US" dirty="0">
+                <a:latin typeface="Times New Roman" pitchFamily="18" charset="0"/>
+                <a:cs typeface="Times New Roman" pitchFamily="18" charset="0"/>
+              </a:rPr>
               <a:t> </a:t>
             </a:r>
             <a:r>
-              <a:rPr lang="en-US" dirty="0" err="1"/>
+              <a:rPr lang="en-US" dirty="0" err="1">
+                <a:latin typeface="Times New Roman" pitchFamily="18" charset="0"/>
+                <a:cs typeface="Times New Roman" pitchFamily="18" charset="0"/>
+              </a:rPr>
               <a:t>jaringan</a:t>
             </a:r>
             <a:r>
-              <a:rPr lang="en-US" dirty="0"/>
+              <a:rPr lang="en-US" dirty="0">
+                <a:latin typeface="Times New Roman" pitchFamily="18" charset="0"/>
+                <a:cs typeface="Times New Roman" pitchFamily="18" charset="0"/>
+              </a:rPr>
               <a:t> </a:t>
             </a:r>
             <a:r>
-              <a:rPr lang="en-US" dirty="0" err="1"/>
+              <a:rPr lang="en-US" dirty="0" err="1">
+                <a:latin typeface="Times New Roman" pitchFamily="18" charset="0"/>
+                <a:cs typeface="Times New Roman" pitchFamily="18" charset="0"/>
+              </a:rPr>
               <a:t>dan</a:t>
             </a:r>
             <a:r>
-              <a:rPr lang="en-US" dirty="0"/>
+              <a:rPr lang="en-US" dirty="0">
+                <a:latin typeface="Times New Roman" pitchFamily="18" charset="0"/>
+                <a:cs typeface="Times New Roman" pitchFamily="18" charset="0"/>
+              </a:rPr>
               <a:t> </a:t>
             </a:r>
             <a:r>
-              <a:rPr lang="en-US" dirty="0" err="1"/>
+              <a:rPr lang="en-US" dirty="0" err="1">
+                <a:latin typeface="Times New Roman" pitchFamily="18" charset="0"/>
+                <a:cs typeface="Times New Roman" pitchFamily="18" charset="0"/>
+              </a:rPr>
               <a:t>sistem</a:t>
             </a:r>
             <a:r>
-              <a:rPr lang="en-US" dirty="0"/>
+              <a:rPr lang="en-US" dirty="0">
+                <a:latin typeface="Times New Roman" pitchFamily="18" charset="0"/>
+                <a:cs typeface="Times New Roman" pitchFamily="18" charset="0"/>
+              </a:rPr>
               <a:t> </a:t>
             </a:r>
             <a:r>
-              <a:rPr lang="en-US" dirty="0" err="1"/>
+              <a:rPr lang="en-US" dirty="0" err="1">
+                <a:latin typeface="Times New Roman" pitchFamily="18" charset="0"/>
+                <a:cs typeface="Times New Roman" pitchFamily="18" charset="0"/>
+              </a:rPr>
               <a:t>operasi</a:t>
             </a:r>
             <a:r>
-              <a:rPr lang="en-US" dirty="0"/>
+              <a:rPr lang="en-US" dirty="0">
+                <a:latin typeface="Times New Roman" pitchFamily="18" charset="0"/>
+                <a:cs typeface="Times New Roman" pitchFamily="18" charset="0"/>
+              </a:rPr>
               <a:t>, </a:t>
             </a:r>
             <a:r>
-              <a:rPr lang="en-US" dirty="0" err="1"/>
+              <a:rPr lang="en-US" dirty="0" err="1">
+                <a:latin typeface="Times New Roman" pitchFamily="18" charset="0"/>
+                <a:cs typeface="Times New Roman" pitchFamily="18" charset="0"/>
+              </a:rPr>
               <a:t>membuat</a:t>
             </a:r>
             <a:r>
-              <a:rPr lang="en-US" dirty="0"/>
+              <a:rPr lang="en-US" dirty="0">
+                <a:latin typeface="Times New Roman" pitchFamily="18" charset="0"/>
+                <a:cs typeface="Times New Roman" pitchFamily="18" charset="0"/>
+              </a:rPr>
               <a:t> program </a:t>
             </a:r>
             <a:r>
-              <a:rPr lang="en-US" dirty="0" err="1"/>
+              <a:rPr lang="en-US" dirty="0" err="1">
+                <a:latin typeface="Times New Roman" pitchFamily="18" charset="0"/>
+                <a:cs typeface="Times New Roman" pitchFamily="18" charset="0"/>
+              </a:rPr>
               <a:t>bantuan</a:t>
             </a:r>
             <a:r>
-              <a:rPr lang="en-US" dirty="0"/>
+              <a:rPr lang="en-US" dirty="0">
+                <a:latin typeface="Times New Roman" pitchFamily="18" charset="0"/>
+                <a:cs typeface="Times New Roman" pitchFamily="18" charset="0"/>
+              </a:rPr>
               <a:t> </a:t>
             </a:r>
             <a:r>
-              <a:rPr lang="en-US" dirty="0" err="1"/>
+              <a:rPr lang="en-US" dirty="0" err="1">
+                <a:latin typeface="Times New Roman" pitchFamily="18" charset="0"/>
+                <a:cs typeface="Times New Roman" pitchFamily="18" charset="0"/>
+              </a:rPr>
               <a:t>untuk</a:t>
             </a:r>
             <a:r>
-              <a:rPr lang="en-US" dirty="0"/>
+              <a:rPr lang="en-US" dirty="0">
+                <a:latin typeface="Times New Roman" pitchFamily="18" charset="0"/>
+                <a:cs typeface="Times New Roman" pitchFamily="18" charset="0"/>
+              </a:rPr>
               <a:t> </a:t>
             </a:r>
             <a:r>
-              <a:rPr lang="en-US" dirty="0" err="1"/>
+              <a:rPr lang="en-US" dirty="0" err="1">
+                <a:latin typeface="Times New Roman" pitchFamily="18" charset="0"/>
+                <a:cs typeface="Times New Roman" pitchFamily="18" charset="0"/>
+              </a:rPr>
               <a:t>dunia</a:t>
             </a:r>
             <a:r>
-              <a:rPr lang="en-US" dirty="0"/>
+              <a:rPr lang="en-US" dirty="0">
+                <a:latin typeface="Times New Roman" pitchFamily="18" charset="0"/>
+                <a:cs typeface="Times New Roman" pitchFamily="18" charset="0"/>
+              </a:rPr>
               <a:t> </a:t>
             </a:r>
             <a:r>
-              <a:rPr lang="en-US" dirty="0" err="1"/>
+              <a:rPr lang="en-US" dirty="0" err="1">
+                <a:latin typeface="Times New Roman" pitchFamily="18" charset="0"/>
+                <a:cs typeface="Times New Roman" pitchFamily="18" charset="0"/>
+              </a:rPr>
               <a:t>jaringan</a:t>
             </a:r>
             <a:r>
-              <a:rPr lang="en-US" dirty="0"/>
+              <a:rPr lang="en-US" dirty="0">
+                <a:latin typeface="Times New Roman" pitchFamily="18" charset="0"/>
+                <a:cs typeface="Times New Roman" pitchFamily="18" charset="0"/>
+              </a:rPr>
               <a:t> </a:t>
             </a:r>
             <a:r>
-              <a:rPr lang="en-US" dirty="0" err="1"/>
+              <a:rPr lang="en-US" dirty="0" err="1">
+                <a:latin typeface="Times New Roman" pitchFamily="18" charset="0"/>
+                <a:cs typeface="Times New Roman" pitchFamily="18" charset="0"/>
+              </a:rPr>
               <a:t>dan</a:t>
             </a:r>
             <a:r>
-              <a:rPr lang="en-US" dirty="0"/>
+              <a:rPr lang="en-US" dirty="0">
+                <a:latin typeface="Times New Roman" pitchFamily="18" charset="0"/>
+                <a:cs typeface="Times New Roman" pitchFamily="18" charset="0"/>
+              </a:rPr>
               <a:t> </a:t>
             </a:r>
             <a:r>
-              <a:rPr lang="en-US" dirty="0" err="1"/>
+              <a:rPr lang="en-US" dirty="0" err="1">
+                <a:latin typeface="Times New Roman" pitchFamily="18" charset="0"/>
+                <a:cs typeface="Times New Roman" pitchFamily="18" charset="0"/>
+              </a:rPr>
               <a:t>komputer</a:t>
             </a:r>
             <a:r>
-              <a:rPr lang="en-US" dirty="0"/>
+              <a:rPr lang="en-US" dirty="0">
+                <a:latin typeface="Times New Roman" pitchFamily="18" charset="0"/>
+                <a:cs typeface="Times New Roman" pitchFamily="18" charset="0"/>
+              </a:rPr>
               <a:t>. Hacker </a:t>
             </a:r>
             <a:r>
-              <a:rPr lang="en-US" dirty="0" err="1"/>
+              <a:rPr lang="en-US" dirty="0" err="1">
+                <a:latin typeface="Times New Roman" pitchFamily="18" charset="0"/>
+                <a:cs typeface="Times New Roman" pitchFamily="18" charset="0"/>
+              </a:rPr>
               <a:t>juga</a:t>
             </a:r>
             <a:r>
-              <a:rPr lang="en-US" dirty="0"/>
+              <a:rPr lang="en-US" dirty="0">
+                <a:latin typeface="Times New Roman" pitchFamily="18" charset="0"/>
+                <a:cs typeface="Times New Roman" pitchFamily="18" charset="0"/>
+              </a:rPr>
               <a:t> </a:t>
             </a:r>
             <a:r>
-              <a:rPr lang="en-US" dirty="0" err="1"/>
+              <a:rPr lang="en-US" dirty="0" err="1">
+                <a:latin typeface="Times New Roman" pitchFamily="18" charset="0"/>
+                <a:cs typeface="Times New Roman" pitchFamily="18" charset="0"/>
+              </a:rPr>
               <a:t>bisa</a:t>
             </a:r>
             <a:r>
-              <a:rPr lang="en-US" dirty="0"/>
+              <a:rPr lang="en-US" dirty="0">
+                <a:latin typeface="Times New Roman" pitchFamily="18" charset="0"/>
+                <a:cs typeface="Times New Roman" pitchFamily="18" charset="0"/>
+              </a:rPr>
               <a:t> di </a:t>
             </a:r>
             <a:r>
-              <a:rPr lang="en-US" dirty="0" err="1"/>
+              <a:rPr lang="en-US" dirty="0" err="1">
+                <a:latin typeface="Times New Roman" pitchFamily="18" charset="0"/>
+                <a:cs typeface="Times New Roman" pitchFamily="18" charset="0"/>
+              </a:rPr>
               <a:t>kategorikan</a:t>
             </a:r>
             <a:r>
-              <a:rPr lang="en-US" dirty="0"/>
+              <a:rPr lang="en-US" dirty="0">
+                <a:latin typeface="Times New Roman" pitchFamily="18" charset="0"/>
+                <a:cs typeface="Times New Roman" pitchFamily="18" charset="0"/>
+              </a:rPr>
               <a:t> </a:t>
             </a:r>
             <a:r>
-              <a:rPr lang="en-US" dirty="0" err="1"/>
+              <a:rPr lang="en-US" dirty="0" err="1">
+                <a:latin typeface="Times New Roman" pitchFamily="18" charset="0"/>
+                <a:cs typeface="Times New Roman" pitchFamily="18" charset="0"/>
+              </a:rPr>
               <a:t>perkerjaan</a:t>
             </a:r>
             <a:r>
-              <a:rPr lang="en-US" dirty="0"/>
+              <a:rPr lang="en-US" dirty="0">
+                <a:latin typeface="Times New Roman" pitchFamily="18" charset="0"/>
+                <a:cs typeface="Times New Roman" pitchFamily="18" charset="0"/>
+              </a:rPr>
               <a:t> yang </a:t>
             </a:r>
             <a:r>
-              <a:rPr lang="en-US" dirty="0" err="1"/>
+              <a:rPr lang="en-US" dirty="0" err="1">
+                <a:latin typeface="Times New Roman" pitchFamily="18" charset="0"/>
+                <a:cs typeface="Times New Roman" pitchFamily="18" charset="0"/>
+              </a:rPr>
               <a:t>dilakukan</a:t>
             </a:r>
             <a:r>
-              <a:rPr lang="en-US" dirty="0"/>
+              <a:rPr lang="en-US" dirty="0">
+                <a:latin typeface="Times New Roman" pitchFamily="18" charset="0"/>
+                <a:cs typeface="Times New Roman" pitchFamily="18" charset="0"/>
+              </a:rPr>
               <a:t> </a:t>
             </a:r>
             <a:r>
-              <a:rPr lang="en-US" dirty="0" err="1"/>
+              <a:rPr lang="en-US" dirty="0" err="1">
+                <a:latin typeface="Times New Roman" pitchFamily="18" charset="0"/>
+                <a:cs typeface="Times New Roman" pitchFamily="18" charset="0"/>
+              </a:rPr>
               <a:t>untuk</a:t>
             </a:r>
             <a:r>
-              <a:rPr lang="en-US" dirty="0"/>
+              <a:rPr lang="en-US" dirty="0">
+                <a:latin typeface="Times New Roman" pitchFamily="18" charset="0"/>
+                <a:cs typeface="Times New Roman" pitchFamily="18" charset="0"/>
+              </a:rPr>
               <a:t> </a:t>
             </a:r>
             <a:r>
-              <a:rPr lang="en-US" dirty="0" err="1"/>
+              <a:rPr lang="en-US" dirty="0" err="1">
+                <a:latin typeface="Times New Roman" pitchFamily="18" charset="0"/>
+                <a:cs typeface="Times New Roman" pitchFamily="18" charset="0"/>
+              </a:rPr>
               <a:t>mencari</a:t>
             </a:r>
             <a:r>
-              <a:rPr lang="en-US" dirty="0"/>
+              <a:rPr lang="en-US" dirty="0">
+                <a:latin typeface="Times New Roman" pitchFamily="18" charset="0"/>
+                <a:cs typeface="Times New Roman" pitchFamily="18" charset="0"/>
+              </a:rPr>
               <a:t> </a:t>
             </a:r>
             <a:r>
-              <a:rPr lang="en-US" dirty="0" err="1"/>
+              <a:rPr lang="en-US" dirty="0" err="1">
+                <a:latin typeface="Times New Roman" pitchFamily="18" charset="0"/>
+                <a:cs typeface="Times New Roman" pitchFamily="18" charset="0"/>
+              </a:rPr>
               <a:t>kelemahan</a:t>
             </a:r>
             <a:r>
-              <a:rPr lang="en-US" dirty="0"/>
+              <a:rPr lang="en-US" dirty="0">
+                <a:latin typeface="Times New Roman" pitchFamily="18" charset="0"/>
+                <a:cs typeface="Times New Roman" pitchFamily="18" charset="0"/>
+              </a:rPr>
               <a:t> </a:t>
             </a:r>
             <a:r>
-              <a:rPr lang="en-US" dirty="0" err="1"/>
+              <a:rPr lang="en-US" dirty="0" err="1">
+                <a:latin typeface="Times New Roman" pitchFamily="18" charset="0"/>
+                <a:cs typeface="Times New Roman" pitchFamily="18" charset="0"/>
+              </a:rPr>
               <a:t>suatu</a:t>
             </a:r>
             <a:r>
-              <a:rPr lang="en-US" dirty="0"/>
+              <a:rPr lang="en-US" dirty="0">
+                <a:latin typeface="Times New Roman" pitchFamily="18" charset="0"/>
+                <a:cs typeface="Times New Roman" pitchFamily="18" charset="0"/>
+              </a:rPr>
               <a:t> system </a:t>
             </a:r>
             <a:r>
-              <a:rPr lang="en-US" dirty="0" err="1"/>
+              <a:rPr lang="en-US" dirty="0" err="1">
+                <a:latin typeface="Times New Roman" pitchFamily="18" charset="0"/>
+                <a:cs typeface="Times New Roman" pitchFamily="18" charset="0"/>
+              </a:rPr>
               <a:t>dan</a:t>
             </a:r>
             <a:r>
-              <a:rPr lang="en-US" dirty="0"/>
+              <a:rPr lang="en-US" dirty="0">
+                <a:latin typeface="Times New Roman" pitchFamily="18" charset="0"/>
+                <a:cs typeface="Times New Roman" pitchFamily="18" charset="0"/>
+              </a:rPr>
               <a:t> </a:t>
             </a:r>
             <a:r>
-              <a:rPr lang="en-US" dirty="0" err="1"/>
+              <a:rPr lang="en-US" dirty="0" err="1">
+                <a:latin typeface="Times New Roman" pitchFamily="18" charset="0"/>
+                <a:cs typeface="Times New Roman" pitchFamily="18" charset="0"/>
+              </a:rPr>
               <a:t>memberikan</a:t>
             </a:r>
             <a:r>
-              <a:rPr lang="en-US" dirty="0"/>
+              <a:rPr lang="en-US" dirty="0">
+                <a:latin typeface="Times New Roman" pitchFamily="18" charset="0"/>
+                <a:cs typeface="Times New Roman" pitchFamily="18" charset="0"/>
+              </a:rPr>
               <a:t> ide </a:t>
             </a:r>
             <a:r>
-              <a:rPr lang="en-US" dirty="0" err="1"/>
+              <a:rPr lang="en-US" dirty="0" err="1">
+                <a:latin typeface="Times New Roman" pitchFamily="18" charset="0"/>
+                <a:cs typeface="Times New Roman" pitchFamily="18" charset="0"/>
+              </a:rPr>
               <a:t>atau</a:t>
             </a:r>
             <a:r>
-              <a:rPr lang="en-US" dirty="0"/>
+              <a:rPr lang="en-US" dirty="0">
+                <a:latin typeface="Times New Roman" pitchFamily="18" charset="0"/>
+                <a:cs typeface="Times New Roman" pitchFamily="18" charset="0"/>
+              </a:rPr>
               <a:t> </a:t>
             </a:r>
             <a:r>
-              <a:rPr lang="en-US" dirty="0" err="1"/>
+              <a:rPr lang="en-US" dirty="0" err="1">
+                <a:latin typeface="Times New Roman" pitchFamily="18" charset="0"/>
+                <a:cs typeface="Times New Roman" pitchFamily="18" charset="0"/>
+              </a:rPr>
               <a:t>pendapat</a:t>
             </a:r>
             <a:r>
-              <a:rPr lang="en-US" dirty="0"/>
+              <a:rPr lang="en-US" dirty="0">
+                <a:latin typeface="Times New Roman" pitchFamily="18" charset="0"/>
+                <a:cs typeface="Times New Roman" pitchFamily="18" charset="0"/>
+              </a:rPr>
               <a:t> yang </a:t>
             </a:r>
             <a:r>
-              <a:rPr lang="en-US" dirty="0" err="1"/>
+              <a:rPr lang="en-US" dirty="0" err="1">
+                <a:latin typeface="Times New Roman" pitchFamily="18" charset="0"/>
+                <a:cs typeface="Times New Roman" pitchFamily="18" charset="0"/>
+              </a:rPr>
               <a:t>bisa</a:t>
             </a:r>
             <a:r>
-              <a:rPr lang="en-US" dirty="0"/>
+              <a:rPr lang="en-US" dirty="0">
+                <a:latin typeface="Times New Roman" pitchFamily="18" charset="0"/>
+                <a:cs typeface="Times New Roman" pitchFamily="18" charset="0"/>
+              </a:rPr>
               <a:t> </a:t>
             </a:r>
             <a:r>
-              <a:rPr lang="en-US" dirty="0" err="1"/>
+              <a:rPr lang="en-US" dirty="0" err="1">
+                <a:latin typeface="Times New Roman" pitchFamily="18" charset="0"/>
+                <a:cs typeface="Times New Roman" pitchFamily="18" charset="0"/>
+              </a:rPr>
               <a:t>memperbaiki</a:t>
             </a:r>
             <a:r>
-              <a:rPr lang="en-US" dirty="0"/>
+              <a:rPr lang="en-US" dirty="0">
+                <a:latin typeface="Times New Roman" pitchFamily="18" charset="0"/>
+                <a:cs typeface="Times New Roman" pitchFamily="18" charset="0"/>
+              </a:rPr>
               <a:t> </a:t>
             </a:r>
             <a:r>
-              <a:rPr lang="en-US" dirty="0" err="1"/>
+              <a:rPr lang="en-US" dirty="0" err="1">
+                <a:latin typeface="Times New Roman" pitchFamily="18" charset="0"/>
+                <a:cs typeface="Times New Roman" pitchFamily="18" charset="0"/>
+              </a:rPr>
               <a:t>kelemahan</a:t>
             </a:r>
             <a:r>
-              <a:rPr lang="en-US" dirty="0"/>
+              <a:rPr lang="en-US" dirty="0">
+                <a:latin typeface="Times New Roman" pitchFamily="18" charset="0"/>
+                <a:cs typeface="Times New Roman" pitchFamily="18" charset="0"/>
+              </a:rPr>
               <a:t> system yang di </a:t>
             </a:r>
             <a:r>
-              <a:rPr lang="en-US" dirty="0" err="1" smtClean="0"/>
+              <a:rPr lang="en-US" dirty="0" err="1" smtClean="0">
+                <a:latin typeface="Times New Roman" pitchFamily="18" charset="0"/>
+                <a:cs typeface="Times New Roman" pitchFamily="18" charset="0"/>
+              </a:rPr>
               <a:t>temukannya</a:t>
             </a:r>
             <a:r>
-              <a:rPr lang="en-US" dirty="0" smtClean="0"/>
+              <a:rPr lang="en-US" dirty="0" smtClean="0">
+                <a:latin typeface="Times New Roman" pitchFamily="18" charset="0"/>
+                <a:cs typeface="Times New Roman" pitchFamily="18" charset="0"/>
+              </a:rPr>
               <a:t>.</a:t>
             </a:r>
           </a:p>
@@ -24782,65 +25331,110 @@
             <a:pPr marL="128016" lvl="1" indent="0">
               <a:buNone/>
             </a:pPr>
-            <a:endParaRPr lang="en-US" dirty="0"/>
+            <a:endParaRPr lang="en-US" dirty="0">
+              <a:latin typeface="Times New Roman" pitchFamily="18" charset="0"/>
+              <a:cs typeface="Times New Roman" pitchFamily="18" charset="0"/>
+            </a:endParaRPr>
           </a:p>
           <a:p>
             <a:pPr marL="128016" lvl="1" indent="0">
               <a:buNone/>
             </a:pPr>
             <a:r>
-              <a:rPr lang="en-US" dirty="0" err="1" smtClean="0"/>
+              <a:rPr lang="en-US" dirty="0" err="1" smtClean="0">
+                <a:latin typeface="Times New Roman" pitchFamily="18" charset="0"/>
+                <a:cs typeface="Times New Roman" pitchFamily="18" charset="0"/>
+              </a:rPr>
               <a:t>Sedangkan</a:t>
             </a:r>
             <a:r>
-              <a:rPr lang="en-US" dirty="0" smtClean="0"/>
+              <a:rPr lang="en-US" dirty="0" smtClean="0">
+                <a:latin typeface="Times New Roman" pitchFamily="18" charset="0"/>
+                <a:cs typeface="Times New Roman" pitchFamily="18" charset="0"/>
+              </a:rPr>
               <a:t> orang </a:t>
             </a:r>
             <a:r>
-              <a:rPr lang="en-US" dirty="0" err="1" smtClean="0"/>
+              <a:rPr lang="en-US" dirty="0" err="1" smtClean="0">
+                <a:latin typeface="Times New Roman" pitchFamily="18" charset="0"/>
+                <a:cs typeface="Times New Roman" pitchFamily="18" charset="0"/>
+              </a:rPr>
               <a:t>yg</a:t>
             </a:r>
             <a:r>
-              <a:rPr lang="en-US" dirty="0" smtClean="0"/>
+              <a:rPr lang="en-US" dirty="0" smtClean="0">
+                <a:latin typeface="Times New Roman" pitchFamily="18" charset="0"/>
+                <a:cs typeface="Times New Roman" pitchFamily="18" charset="0"/>
+              </a:rPr>
               <a:t> </a:t>
             </a:r>
             <a:r>
-              <a:rPr lang="en-US" dirty="0" err="1" smtClean="0"/>
+              <a:rPr lang="en-US" dirty="0" err="1" smtClean="0">
+                <a:latin typeface="Times New Roman" pitchFamily="18" charset="0"/>
+                <a:cs typeface="Times New Roman" pitchFamily="18" charset="0"/>
+              </a:rPr>
               <a:t>melakukan</a:t>
             </a:r>
             <a:r>
-              <a:rPr lang="en-US" dirty="0" smtClean="0"/>
+              <a:rPr lang="en-US" dirty="0" smtClean="0">
+                <a:latin typeface="Times New Roman" pitchFamily="18" charset="0"/>
+                <a:cs typeface="Times New Roman" pitchFamily="18" charset="0"/>
+              </a:rPr>
               <a:t> Hacking </a:t>
             </a:r>
             <a:r>
-              <a:rPr lang="en-US" dirty="0" err="1" smtClean="0"/>
+              <a:rPr lang="en-US" dirty="0" err="1" smtClean="0">
+                <a:latin typeface="Times New Roman" pitchFamily="18" charset="0"/>
+                <a:cs typeface="Times New Roman" pitchFamily="18" charset="0"/>
+              </a:rPr>
               <a:t>itu</a:t>
             </a:r>
             <a:r>
-              <a:rPr lang="en-US" dirty="0" smtClean="0"/>
+              <a:rPr lang="en-US" dirty="0" smtClean="0">
+                <a:latin typeface="Times New Roman" pitchFamily="18" charset="0"/>
+                <a:cs typeface="Times New Roman" pitchFamily="18" charset="0"/>
+              </a:rPr>
               <a:t> </a:t>
             </a:r>
             <a:r>
-              <a:rPr lang="en-US" dirty="0" err="1" smtClean="0"/>
+              <a:rPr lang="en-US" dirty="0" err="1" smtClean="0">
+                <a:latin typeface="Times New Roman" pitchFamily="18" charset="0"/>
+                <a:cs typeface="Times New Roman" pitchFamily="18" charset="0"/>
+              </a:rPr>
               <a:t>sendiri</a:t>
             </a:r>
             <a:r>
-              <a:rPr lang="en-US" dirty="0" smtClean="0"/>
+              <a:rPr lang="en-US" dirty="0" smtClean="0">
+                <a:latin typeface="Times New Roman" pitchFamily="18" charset="0"/>
+                <a:cs typeface="Times New Roman" pitchFamily="18" charset="0"/>
+              </a:rPr>
               <a:t> </a:t>
             </a:r>
             <a:r>
-              <a:rPr lang="en-US" dirty="0" err="1" smtClean="0"/>
+              <a:rPr lang="en-US" dirty="0" err="1" smtClean="0">
+                <a:latin typeface="Times New Roman" pitchFamily="18" charset="0"/>
+                <a:cs typeface="Times New Roman" pitchFamily="18" charset="0"/>
+              </a:rPr>
               <a:t>disebut</a:t>
             </a:r>
             <a:r>
-              <a:rPr lang="en-US" dirty="0"/>
+              <a:rPr lang="en-US" dirty="0">
+                <a:latin typeface="Times New Roman" pitchFamily="18" charset="0"/>
+                <a:cs typeface="Times New Roman" pitchFamily="18" charset="0"/>
+              </a:rPr>
               <a:t> </a:t>
             </a:r>
             <a:r>
-              <a:rPr lang="en-US" b="1" i="1" u="sng" dirty="0" smtClean="0"/>
+              <a:rPr lang="en-US" b="1" i="1" u="sng" dirty="0" smtClean="0">
+                <a:latin typeface="Times New Roman" pitchFamily="18" charset="0"/>
+                <a:cs typeface="Times New Roman" pitchFamily="18" charset="0"/>
+              </a:rPr>
               <a:t>HACKER</a:t>
             </a:r>
-            <a:endParaRPr lang="en-US" b="1" i="1" u="sng" dirty="0"/>
+            <a:endParaRPr lang="en-US" b="1" i="1" u="sng" dirty="0">
+              <a:latin typeface="Times New Roman" pitchFamily="18" charset="0"/>
+              <a:cs typeface="Times New Roman" pitchFamily="18" charset="0"/>
+            </a:endParaRPr>
           </a:p>
         </p:txBody>
       </p:sp>
@@ -24856,7 +25450,7 @@
           <a:blip r:embed="rId2">
             <a:extLst>
               <a:ext uri="{28A0092B-C50C-407E-A947-70E740481C1C}">
-                <a14:useLocalDpi xmlns:a14="http://schemas.microsoft.com/office/drawing/2010/main" xmlns="" val="0"/>
+                <a14:useLocalDpi xmlns="" xmlns:a14="http://schemas.microsoft.com/office/drawing/2010/main" val="0"/>
               </a:ext>
             </a:extLst>
           </a:blip>
@@ -24877,7 +25471,7 @@
     </p:spTree>
     <p:extLst>
       <p:ext uri="{BB962C8B-B14F-4D97-AF65-F5344CB8AC3E}">
-        <p14:creationId xmlns:p14="http://schemas.microsoft.com/office/powerpoint/2010/main" xmlns="" val="2772349537"/>
+        <p14:creationId xmlns="" xmlns:p14="http://schemas.microsoft.com/office/powerpoint/2010/main" val="2772349537"/>
       </p:ext>
     </p:extLst>
   </p:cSld>
@@ -25826,7 +26420,7 @@
     </p:spTree>
     <p:extLst>
       <p:ext uri="{BB962C8B-B14F-4D97-AF65-F5344CB8AC3E}">
-        <p14:creationId xmlns:p14="http://schemas.microsoft.com/office/powerpoint/2010/main" xmlns="" val="2922175094"/>
+        <p14:creationId xmlns="" xmlns:p14="http://schemas.microsoft.com/office/powerpoint/2010/main" val="2922175094"/>
       </p:ext>
     </p:extLst>
   </p:cSld>
@@ -26651,7 +27245,7 @@
     </p:spTree>
     <p:extLst>
       <p:ext uri="{BB962C8B-B14F-4D97-AF65-F5344CB8AC3E}">
-        <p14:creationId xmlns:p14="http://schemas.microsoft.com/office/powerpoint/2010/main" xmlns="" val="3355884736"/>
+        <p14:creationId xmlns="" xmlns:p14="http://schemas.microsoft.com/office/powerpoint/2010/main" val="3355884736"/>
       </p:ext>
     </p:extLst>
   </p:cSld>
@@ -27190,7 +27784,7 @@
     </p:spTree>
     <p:extLst>
       <p:ext uri="{BB962C8B-B14F-4D97-AF65-F5344CB8AC3E}">
-        <p14:creationId xmlns:p14="http://schemas.microsoft.com/office/powerpoint/2010/main" xmlns="" val="2676742917"/>
+        <p14:creationId xmlns="" xmlns:p14="http://schemas.microsoft.com/office/powerpoint/2010/main" val="2676742917"/>
       </p:ext>
     </p:extLst>
   </p:cSld>
@@ -27706,7 +28300,7 @@
     </p:spTree>
     <p:extLst>
       <p:ext uri="{BB962C8B-B14F-4D97-AF65-F5344CB8AC3E}">
-        <p14:creationId xmlns:p14="http://schemas.microsoft.com/office/powerpoint/2010/main" xmlns="" val="4241905287"/>
+        <p14:creationId xmlns="" xmlns:p14="http://schemas.microsoft.com/office/powerpoint/2010/main" val="4241905287"/>
       </p:ext>
     </p:extLst>
   </p:cSld>
@@ -28244,7 +28838,7 @@
   <a:extraClrSchemeLst/>
   <a:extLst>
     <a:ext uri="{05A4C25C-085E-4340-85A3-A5531E510DB2}">
-      <thm15:themeFamily xmlns:thm15="http://schemas.microsoft.com/office/thememl/2012/main" xmlns="" name="Integral" id="{3577F8C9-A904-41D8-97D2-FD898F53F20E}" vid="{682D6EBE-8D36-4FF2-9DB3-F3D8D7B6715D}"/>
+      <thm15:themeFamily xmlns="" xmlns:thm15="http://schemas.microsoft.com/office/thememl/2012/main" name="Integral" id="{3577F8C9-A904-41D8-97D2-FD898F53F20E}" vid="{682D6EBE-8D36-4FF2-9DB3-F3D8D7B6715D}"/>
     </a:ext>
   </a:extLst>
 </a:theme>

--- a/pptpresentasieptikhacking-140615110436-phpapp01.pptx
+++ b/pptpresentasieptikhacking-140615110436-phpapp01.pptx
@@ -115,7 +115,7 @@
   </p:defaultTextStyle>
   <p:extLst>
     <p:ext uri="{EFAFB233-063F-42B5-8137-9DF3F51BA10A}">
-      <p15:sldGuideLst xmlns="" xmlns:p15="http://schemas.microsoft.com/office/powerpoint/2012/main">
+      <p15:sldGuideLst xmlns:p15="http://schemas.microsoft.com/office/powerpoint/2012/main" xmlns="">
         <p15:guide id="1" orient="horz" pos="2160">
           <p15:clr>
             <a:srgbClr val="A4A3A4"/>
@@ -9015,7 +9015,7 @@
     </p:spTree>
     <p:extLst>
       <p:ext uri="{BB962C8B-B14F-4D97-AF65-F5344CB8AC3E}">
-        <p14:creationId xmlns="" xmlns:p14="http://schemas.microsoft.com/office/powerpoint/2010/main" val="3654701431"/>
+        <p14:creationId xmlns:p14="http://schemas.microsoft.com/office/powerpoint/2010/main" xmlns="" val="3654701431"/>
       </p:ext>
     </p:extLst>
   </p:cSld>
@@ -9187,7 +9187,7 @@
     </p:spTree>
     <p:extLst>
       <p:ext uri="{BB962C8B-B14F-4D97-AF65-F5344CB8AC3E}">
-        <p14:creationId xmlns="" xmlns:p14="http://schemas.microsoft.com/office/powerpoint/2010/main" val="1541394338"/>
+        <p14:creationId xmlns:p14="http://schemas.microsoft.com/office/powerpoint/2010/main" xmlns="" val="1541394338"/>
       </p:ext>
     </p:extLst>
   </p:cSld>
@@ -9404,7 +9404,7 @@
     </p:spTree>
     <p:extLst>
       <p:ext uri="{BB962C8B-B14F-4D97-AF65-F5344CB8AC3E}">
-        <p14:creationId xmlns="" xmlns:p14="http://schemas.microsoft.com/office/powerpoint/2010/main" val="3398663238"/>
+        <p14:creationId xmlns:p14="http://schemas.microsoft.com/office/powerpoint/2010/main" xmlns="" val="3398663238"/>
       </p:ext>
     </p:extLst>
   </p:cSld>
@@ -9576,7 +9576,7 @@
     </p:spTree>
     <p:extLst>
       <p:ext uri="{BB962C8B-B14F-4D97-AF65-F5344CB8AC3E}">
-        <p14:creationId xmlns="" xmlns:p14="http://schemas.microsoft.com/office/powerpoint/2010/main" val="3505705185"/>
+        <p14:creationId xmlns:p14="http://schemas.microsoft.com/office/powerpoint/2010/main" xmlns="" val="3505705185"/>
       </p:ext>
     </p:extLst>
   </p:cSld>
@@ -18513,7 +18513,7 @@
     </p:spTree>
     <p:extLst>
       <p:ext uri="{BB962C8B-B14F-4D97-AF65-F5344CB8AC3E}">
-        <p14:creationId xmlns="" xmlns:p14="http://schemas.microsoft.com/office/powerpoint/2010/main" val="3284221378"/>
+        <p14:creationId xmlns:p14="http://schemas.microsoft.com/office/powerpoint/2010/main" xmlns="" val="3284221378"/>
       </p:ext>
     </p:extLst>
   </p:cSld>
@@ -18752,7 +18752,7 @@
     </p:spTree>
     <p:extLst>
       <p:ext uri="{BB962C8B-B14F-4D97-AF65-F5344CB8AC3E}">
-        <p14:creationId xmlns="" xmlns:p14="http://schemas.microsoft.com/office/powerpoint/2010/main" val="526306287"/>
+        <p14:creationId xmlns:p14="http://schemas.microsoft.com/office/powerpoint/2010/main" xmlns="" val="526306287"/>
       </p:ext>
     </p:extLst>
   </p:cSld>
@@ -19152,7 +19152,7 @@
     </p:spTree>
     <p:extLst>
       <p:ext uri="{BB962C8B-B14F-4D97-AF65-F5344CB8AC3E}">
-        <p14:creationId xmlns="" xmlns:p14="http://schemas.microsoft.com/office/powerpoint/2010/main" val="4293701871"/>
+        <p14:creationId xmlns:p14="http://schemas.microsoft.com/office/powerpoint/2010/main" xmlns="" val="4293701871"/>
       </p:ext>
     </p:extLst>
   </p:cSld>
@@ -19272,7 +19272,7 @@
     </p:spTree>
     <p:extLst>
       <p:ext uri="{BB962C8B-B14F-4D97-AF65-F5344CB8AC3E}">
-        <p14:creationId xmlns="" xmlns:p14="http://schemas.microsoft.com/office/powerpoint/2010/main" val="4212152486"/>
+        <p14:creationId xmlns:p14="http://schemas.microsoft.com/office/powerpoint/2010/main" xmlns="" val="4212152486"/>
       </p:ext>
     </p:extLst>
   </p:cSld>
@@ -19369,7 +19369,7 @@
     </p:spTree>
     <p:extLst>
       <p:ext uri="{BB962C8B-B14F-4D97-AF65-F5344CB8AC3E}">
-        <p14:creationId xmlns="" xmlns:p14="http://schemas.microsoft.com/office/powerpoint/2010/main" val="490336406"/>
+        <p14:creationId xmlns:p14="http://schemas.microsoft.com/office/powerpoint/2010/main" xmlns="" val="490336406"/>
       </p:ext>
     </p:extLst>
   </p:cSld>
@@ -19661,7 +19661,7 @@
     </p:spTree>
     <p:extLst>
       <p:ext uri="{BB962C8B-B14F-4D97-AF65-F5344CB8AC3E}">
-        <p14:creationId xmlns="" xmlns:p14="http://schemas.microsoft.com/office/powerpoint/2010/main" val="3525253028"/>
+        <p14:creationId xmlns:p14="http://schemas.microsoft.com/office/powerpoint/2010/main" xmlns="" val="3525253028"/>
       </p:ext>
     </p:extLst>
   </p:cSld>
@@ -19978,7 +19978,7 @@
     </p:spTree>
     <p:extLst>
       <p:ext uri="{BB962C8B-B14F-4D97-AF65-F5344CB8AC3E}">
-        <p14:creationId xmlns="" xmlns:p14="http://schemas.microsoft.com/office/powerpoint/2010/main" val="3471977317"/>
+        <p14:creationId xmlns:p14="http://schemas.microsoft.com/office/powerpoint/2010/main" xmlns="" val="3471977317"/>
       </p:ext>
     </p:extLst>
   </p:cSld>
@@ -20270,7 +20270,7 @@
     </p:spTree>
     <p:extLst>
       <p:ext uri="{BB962C8B-B14F-4D97-AF65-F5344CB8AC3E}">
-        <p14:creationId xmlns="" xmlns:p14="http://schemas.microsoft.com/office/powerpoint/2010/main" val="1352232978"/>
+        <p14:creationId xmlns:p14="http://schemas.microsoft.com/office/powerpoint/2010/main" xmlns="" val="1352232978"/>
       </p:ext>
     </p:extLst>
   </p:cSld>
@@ -20668,15 +20668,23 @@
           <a:p>
             <a:r>
               <a:rPr lang="en-US" dirty="0" smtClean="0"/>
-              <a:t>TUGAS P</a:t>
-            </a:r>
-            <a:r>
-              <a:rPr lang="id-ID" dirty="0" smtClean="0"/>
-              <a:t>re</a:t>
+              <a:t>TUGAS </a:t>
+            </a:r>
+            <a:r>
+              <a:rPr lang="en-US" dirty="0" err="1" smtClean="0"/>
+              <a:t>Teknologi</a:t>
             </a:r>
             <a:r>
               <a:rPr lang="en-US" dirty="0" smtClean="0"/>
-              <a:t>SENTASI EPTIK CYBERCRIME</a:t>
+              <a:t> KOLABORASI </a:t>
+            </a:r>
+            <a:r>
+              <a:rPr lang="en-US" dirty="0" err="1" smtClean="0"/>
+              <a:t>pengembangan</a:t>
+            </a:r>
+            <a:r>
+              <a:rPr lang="en-US" dirty="0" smtClean="0"/>
+              <a:t> pl</a:t>
             </a:r>
             <a:endParaRPr lang="en-US" dirty="0"/>
           </a:p>
@@ -20713,7 +20721,7 @@
     </p:spTree>
     <p:extLst>
       <p:ext uri="{BB962C8B-B14F-4D97-AF65-F5344CB8AC3E}">
-        <p14:creationId xmlns="" xmlns:p14="http://schemas.microsoft.com/office/powerpoint/2010/main" val="3420847315"/>
+        <p14:creationId xmlns:p14="http://schemas.microsoft.com/office/powerpoint/2010/main" xmlns="" val="3420847315"/>
       </p:ext>
     </p:extLst>
   </p:cSld>
@@ -21037,7 +21045,7 @@
     </p:spTree>
     <p:extLst>
       <p:ext uri="{BB962C8B-B14F-4D97-AF65-F5344CB8AC3E}">
-        <p14:creationId xmlns="" xmlns:p14="http://schemas.microsoft.com/office/powerpoint/2010/main" val="2910849362"/>
+        <p14:creationId xmlns:p14="http://schemas.microsoft.com/office/powerpoint/2010/main" xmlns="" val="2910849362"/>
       </p:ext>
     </p:extLst>
   </p:cSld>
@@ -21510,7 +21518,7 @@
     </p:spTree>
     <p:extLst>
       <p:ext uri="{BB962C8B-B14F-4D97-AF65-F5344CB8AC3E}">
-        <p14:creationId xmlns="" xmlns:p14="http://schemas.microsoft.com/office/powerpoint/2010/main" val="1715396240"/>
+        <p14:creationId xmlns:p14="http://schemas.microsoft.com/office/powerpoint/2010/main" xmlns="" val="1715396240"/>
       </p:ext>
     </p:extLst>
   </p:cSld>
@@ -21920,7 +21928,7 @@
           <a:blip r:embed="rId2">
             <a:extLst>
               <a:ext uri="{28A0092B-C50C-407E-A947-70E740481C1C}">
-                <a14:useLocalDpi xmlns="" xmlns:a14="http://schemas.microsoft.com/office/drawing/2010/main" val="0"/>
+                <a14:useLocalDpi xmlns:a14="http://schemas.microsoft.com/office/drawing/2010/main" xmlns="" val="0"/>
               </a:ext>
             </a:extLst>
           </a:blip>
@@ -21941,7 +21949,7 @@
     </p:spTree>
     <p:extLst>
       <p:ext uri="{BB962C8B-B14F-4D97-AF65-F5344CB8AC3E}">
-        <p14:creationId xmlns="" xmlns:p14="http://schemas.microsoft.com/office/powerpoint/2010/main" val="3349968423"/>
+        <p14:creationId xmlns:p14="http://schemas.microsoft.com/office/powerpoint/2010/main" xmlns="" val="3349968423"/>
       </p:ext>
     </p:extLst>
   </p:cSld>
@@ -24407,7 +24415,7 @@
     </p:spTree>
     <p:extLst>
       <p:ext uri="{BB962C8B-B14F-4D97-AF65-F5344CB8AC3E}">
-        <p14:creationId xmlns="" xmlns:p14="http://schemas.microsoft.com/office/powerpoint/2010/main" val="4077646618"/>
+        <p14:creationId xmlns:p14="http://schemas.microsoft.com/office/powerpoint/2010/main" xmlns="" val="4077646618"/>
       </p:ext>
     </p:extLst>
   </p:cSld>
@@ -25450,7 +25458,7 @@
           <a:blip r:embed="rId2">
             <a:extLst>
               <a:ext uri="{28A0092B-C50C-407E-A947-70E740481C1C}">
-                <a14:useLocalDpi xmlns="" xmlns:a14="http://schemas.microsoft.com/office/drawing/2010/main" val="0"/>
+                <a14:useLocalDpi xmlns:a14="http://schemas.microsoft.com/office/drawing/2010/main" xmlns="" val="0"/>
               </a:ext>
             </a:extLst>
           </a:blip>
@@ -25471,7 +25479,7 @@
     </p:spTree>
     <p:extLst>
       <p:ext uri="{BB962C8B-B14F-4D97-AF65-F5344CB8AC3E}">
-        <p14:creationId xmlns="" xmlns:p14="http://schemas.microsoft.com/office/powerpoint/2010/main" val="2772349537"/>
+        <p14:creationId xmlns:p14="http://schemas.microsoft.com/office/powerpoint/2010/main" xmlns="" val="2772349537"/>
       </p:ext>
     </p:extLst>
   </p:cSld>
@@ -26420,7 +26428,7 @@
     </p:spTree>
     <p:extLst>
       <p:ext uri="{BB962C8B-B14F-4D97-AF65-F5344CB8AC3E}">
-        <p14:creationId xmlns="" xmlns:p14="http://schemas.microsoft.com/office/powerpoint/2010/main" val="2922175094"/>
+        <p14:creationId xmlns:p14="http://schemas.microsoft.com/office/powerpoint/2010/main" xmlns="" val="2922175094"/>
       </p:ext>
     </p:extLst>
   </p:cSld>
@@ -27245,7 +27253,7 @@
     </p:spTree>
     <p:extLst>
       <p:ext uri="{BB962C8B-B14F-4D97-AF65-F5344CB8AC3E}">
-        <p14:creationId xmlns="" xmlns:p14="http://schemas.microsoft.com/office/powerpoint/2010/main" val="3355884736"/>
+        <p14:creationId xmlns:p14="http://schemas.microsoft.com/office/powerpoint/2010/main" xmlns="" val="3355884736"/>
       </p:ext>
     </p:extLst>
   </p:cSld>
@@ -27527,255 +27535,441 @@
           <a:lstStyle/>
           <a:p>
             <a:r>
-              <a:rPr lang="en-US" dirty="0" smtClean="0"/>
+              <a:rPr lang="en-US" dirty="0" smtClean="0">
+                <a:latin typeface="Times New Roman" pitchFamily="18" charset="0"/>
+                <a:cs typeface="Times New Roman" pitchFamily="18" charset="0"/>
+              </a:rPr>
               <a:t>1. </a:t>
             </a:r>
             <a:r>
-              <a:rPr lang="en-US" dirty="0" err="1" smtClean="0"/>
+              <a:rPr lang="en-US" dirty="0" err="1" smtClean="0">
+                <a:latin typeface="Times New Roman" pitchFamily="18" charset="0"/>
+                <a:cs typeface="Times New Roman" pitchFamily="18" charset="0"/>
+              </a:rPr>
               <a:t>kemampuan</a:t>
             </a:r>
             <a:r>
-              <a:rPr lang="en-US" dirty="0" smtClean="0"/>
+              <a:rPr lang="en-US" dirty="0" smtClean="0">
+                <a:latin typeface="Times New Roman" pitchFamily="18" charset="0"/>
+                <a:cs typeface="Times New Roman" pitchFamily="18" charset="0"/>
+              </a:rPr>
               <a:t> </a:t>
             </a:r>
             <a:r>
-              <a:rPr lang="en-US" dirty="0" err="1" smtClean="0"/>
+              <a:rPr lang="en-US" dirty="0" err="1" smtClean="0">
+                <a:latin typeface="Times New Roman" pitchFamily="18" charset="0"/>
+                <a:cs typeface="Times New Roman" pitchFamily="18" charset="0"/>
+              </a:rPr>
               <a:t>ilmu</a:t>
             </a:r>
             <a:r>
-              <a:rPr lang="en-US" dirty="0" smtClean="0"/>
+              <a:rPr lang="en-US" dirty="0" smtClean="0">
+                <a:latin typeface="Times New Roman" pitchFamily="18" charset="0"/>
+                <a:cs typeface="Times New Roman" pitchFamily="18" charset="0"/>
+              </a:rPr>
               <a:t> </a:t>
             </a:r>
             <a:r>
-              <a:rPr lang="en-US" dirty="0" err="1" smtClean="0"/>
+              <a:rPr lang="en-US" dirty="0" err="1" smtClean="0">
+                <a:latin typeface="Times New Roman" pitchFamily="18" charset="0"/>
+                <a:cs typeface="Times New Roman" pitchFamily="18" charset="0"/>
+              </a:rPr>
               <a:t>teknologi</a:t>
             </a:r>
             <a:r>
-              <a:rPr lang="en-US" dirty="0" smtClean="0"/>
+              <a:rPr lang="en-US" dirty="0" smtClean="0">
+                <a:latin typeface="Times New Roman" pitchFamily="18" charset="0"/>
+                <a:cs typeface="Times New Roman" pitchFamily="18" charset="0"/>
+              </a:rPr>
               <a:t> </a:t>
             </a:r>
             <a:r>
-              <a:rPr lang="id-ID" dirty="0" smtClean="0"/>
+              <a:rPr lang="id-ID" dirty="0" smtClean="0">
+                <a:latin typeface="Times New Roman" pitchFamily="18" charset="0"/>
+                <a:cs typeface="Times New Roman" pitchFamily="18" charset="0"/>
+              </a:rPr>
               <a:t>&amp;</a:t>
             </a:r>
             <a:r>
-              <a:rPr lang="en-US" dirty="0" smtClean="0"/>
+              <a:rPr lang="en-US" dirty="0" smtClean="0">
+                <a:latin typeface="Times New Roman" pitchFamily="18" charset="0"/>
+                <a:cs typeface="Times New Roman" pitchFamily="18" charset="0"/>
+              </a:rPr>
               <a:t> </a:t>
             </a:r>
             <a:r>
-              <a:rPr lang="en-US" dirty="0" err="1" smtClean="0"/>
+              <a:rPr lang="en-US" dirty="0" err="1" smtClean="0">
+                <a:latin typeface="Times New Roman" pitchFamily="18" charset="0"/>
+                <a:cs typeface="Times New Roman" pitchFamily="18" charset="0"/>
+              </a:rPr>
               <a:t>jaringan</a:t>
             </a:r>
             <a:r>
-              <a:rPr lang="en-US" dirty="0" smtClean="0"/>
+              <a:rPr lang="en-US" dirty="0" smtClean="0">
+                <a:latin typeface="Times New Roman" pitchFamily="18" charset="0"/>
+                <a:cs typeface="Times New Roman" pitchFamily="18" charset="0"/>
+              </a:rPr>
               <a:t> </a:t>
             </a:r>
             <a:r>
-              <a:rPr lang="en-US" dirty="0" err="1" smtClean="0"/>
+              <a:rPr lang="en-US" dirty="0" err="1" smtClean="0">
+                <a:latin typeface="Times New Roman" pitchFamily="18" charset="0"/>
+                <a:cs typeface="Times New Roman" pitchFamily="18" charset="0"/>
+              </a:rPr>
               <a:t>dan</a:t>
             </a:r>
             <a:r>
-              <a:rPr lang="en-US" dirty="0" smtClean="0"/>
+              <a:rPr lang="en-US" dirty="0" smtClean="0">
+                <a:latin typeface="Times New Roman" pitchFamily="18" charset="0"/>
+                <a:cs typeface="Times New Roman" pitchFamily="18" charset="0"/>
+              </a:rPr>
               <a:t> s</a:t>
             </a:r>
             <a:r>
-              <a:rPr lang="id-ID" dirty="0" smtClean="0"/>
+              <a:rPr lang="id-ID" dirty="0" smtClean="0">
+                <a:latin typeface="Times New Roman" pitchFamily="18" charset="0"/>
+                <a:cs typeface="Times New Roman" pitchFamily="18" charset="0"/>
+              </a:rPr>
               <a:t>e</a:t>
             </a:r>
             <a:r>
-              <a:rPr lang="en-US" dirty="0" err="1" smtClean="0"/>
+              <a:rPr lang="en-US" dirty="0" err="1" smtClean="0">
+                <a:latin typeface="Times New Roman" pitchFamily="18" charset="0"/>
+                <a:cs typeface="Times New Roman" pitchFamily="18" charset="0"/>
+              </a:rPr>
               <a:t>lalu</a:t>
             </a:r>
             <a:r>
-              <a:rPr lang="en-US" dirty="0" smtClean="0"/>
+              <a:rPr lang="en-US" dirty="0" smtClean="0">
+                <a:latin typeface="Times New Roman" pitchFamily="18" charset="0"/>
+                <a:cs typeface="Times New Roman" pitchFamily="18" charset="0"/>
+              </a:rPr>
               <a:t> </a:t>
             </a:r>
             <a:r>
-              <a:rPr lang="en-US" dirty="0" err="1" smtClean="0"/>
+              <a:rPr lang="en-US" dirty="0" err="1" smtClean="0">
+                <a:latin typeface="Times New Roman" pitchFamily="18" charset="0"/>
+                <a:cs typeface="Times New Roman" pitchFamily="18" charset="0"/>
+              </a:rPr>
               <a:t>belajar</a:t>
             </a:r>
             <a:r>
-              <a:rPr lang="en-US" dirty="0" smtClean="0"/>
+              <a:rPr lang="en-US" dirty="0" smtClean="0">
+                <a:latin typeface="Times New Roman" pitchFamily="18" charset="0"/>
+                <a:cs typeface="Times New Roman" pitchFamily="18" charset="0"/>
+              </a:rPr>
               <a:t> </a:t>
             </a:r>
             <a:r>
-              <a:rPr lang="en-US" dirty="0" err="1" smtClean="0"/>
+              <a:rPr lang="en-US" dirty="0" err="1" smtClean="0">
+                <a:latin typeface="Times New Roman" pitchFamily="18" charset="0"/>
+                <a:cs typeface="Times New Roman" pitchFamily="18" charset="0"/>
+              </a:rPr>
               <a:t>memahami</a:t>
             </a:r>
             <a:r>
-              <a:rPr lang="en-US" dirty="0" smtClean="0"/>
+              <a:rPr lang="en-US" dirty="0" smtClean="0">
+                <a:latin typeface="Times New Roman" pitchFamily="18" charset="0"/>
+                <a:cs typeface="Times New Roman" pitchFamily="18" charset="0"/>
+              </a:rPr>
               <a:t> system </a:t>
             </a:r>
             <a:r>
-              <a:rPr lang="en-US" dirty="0" err="1" smtClean="0"/>
+              <a:rPr lang="en-US" dirty="0" err="1" smtClean="0">
+                <a:latin typeface="Times New Roman" pitchFamily="18" charset="0"/>
+                <a:cs typeface="Times New Roman" pitchFamily="18" charset="0"/>
+              </a:rPr>
               <a:t>operasi</a:t>
             </a:r>
             <a:r>
-              <a:rPr lang="en-US" dirty="0" smtClean="0"/>
+              <a:rPr lang="en-US" dirty="0" smtClean="0">
+                <a:latin typeface="Times New Roman" pitchFamily="18" charset="0"/>
+                <a:cs typeface="Times New Roman" pitchFamily="18" charset="0"/>
+              </a:rPr>
               <a:t>.</a:t>
             </a:r>
           </a:p>
           <a:p>
             <a:r>
-              <a:rPr lang="en-US" dirty="0" smtClean="0"/>
+              <a:rPr lang="en-US" dirty="0" smtClean="0">
+                <a:latin typeface="Times New Roman" pitchFamily="18" charset="0"/>
+                <a:cs typeface="Times New Roman" pitchFamily="18" charset="0"/>
+              </a:rPr>
               <a:t>2. </a:t>
             </a:r>
             <a:r>
-              <a:rPr lang="en-US" dirty="0" err="1" smtClean="0"/>
+              <a:rPr lang="en-US" dirty="0" err="1" smtClean="0">
+                <a:latin typeface="Times New Roman" pitchFamily="18" charset="0"/>
+                <a:cs typeface="Times New Roman" pitchFamily="18" charset="0"/>
+              </a:rPr>
               <a:t>senantiasa</a:t>
             </a:r>
             <a:r>
-              <a:rPr lang="en-US" dirty="0" smtClean="0"/>
+              <a:rPr lang="en-US" dirty="0" smtClean="0">
+                <a:latin typeface="Times New Roman" pitchFamily="18" charset="0"/>
+                <a:cs typeface="Times New Roman" pitchFamily="18" charset="0"/>
+              </a:rPr>
               <a:t> </a:t>
             </a:r>
             <a:r>
-              <a:rPr lang="en-US" dirty="0" err="1" smtClean="0"/>
+              <a:rPr lang="en-US" dirty="0" err="1" smtClean="0">
+                <a:latin typeface="Times New Roman" pitchFamily="18" charset="0"/>
+                <a:cs typeface="Times New Roman" pitchFamily="18" charset="0"/>
+              </a:rPr>
               <a:t>mengecek</a:t>
             </a:r>
             <a:r>
-              <a:rPr lang="en-US" dirty="0" smtClean="0"/>
+              <a:rPr lang="en-US" dirty="0" smtClean="0">
+                <a:latin typeface="Times New Roman" pitchFamily="18" charset="0"/>
+                <a:cs typeface="Times New Roman" pitchFamily="18" charset="0"/>
+              </a:rPr>
               <a:t> </a:t>
             </a:r>
             <a:r>
-              <a:rPr lang="en-US" dirty="0" err="1" smtClean="0"/>
+              <a:rPr lang="en-US" dirty="0" err="1" smtClean="0">
+                <a:latin typeface="Times New Roman" pitchFamily="18" charset="0"/>
+                <a:cs typeface="Times New Roman" pitchFamily="18" charset="0"/>
+              </a:rPr>
               <a:t>situs</a:t>
             </a:r>
             <a:r>
-              <a:rPr lang="en-US" dirty="0" smtClean="0"/>
+              <a:rPr lang="en-US" dirty="0" smtClean="0">
+                <a:latin typeface="Times New Roman" pitchFamily="18" charset="0"/>
+                <a:cs typeface="Times New Roman" pitchFamily="18" charset="0"/>
+              </a:rPr>
               <a:t> – </a:t>
             </a:r>
             <a:r>
-              <a:rPr lang="en-US" dirty="0" err="1" smtClean="0"/>
+              <a:rPr lang="en-US" dirty="0" err="1" smtClean="0">
+                <a:latin typeface="Times New Roman" pitchFamily="18" charset="0"/>
+                <a:cs typeface="Times New Roman" pitchFamily="18" charset="0"/>
+              </a:rPr>
               <a:t>situs</a:t>
             </a:r>
             <a:r>
-              <a:rPr lang="en-US" dirty="0" smtClean="0"/>
+              <a:rPr lang="en-US" dirty="0" smtClean="0">
+                <a:latin typeface="Times New Roman" pitchFamily="18" charset="0"/>
+                <a:cs typeface="Times New Roman" pitchFamily="18" charset="0"/>
+              </a:rPr>
               <a:t> yang </a:t>
             </a:r>
             <a:r>
-              <a:rPr lang="en-US" dirty="0" err="1" smtClean="0"/>
+              <a:rPr lang="en-US" dirty="0" err="1" smtClean="0">
+                <a:latin typeface="Times New Roman" pitchFamily="18" charset="0"/>
+                <a:cs typeface="Times New Roman" pitchFamily="18" charset="0"/>
+              </a:rPr>
               <a:t>mengalami</a:t>
             </a:r>
             <a:r>
-              <a:rPr lang="en-US" dirty="0" smtClean="0"/>
+              <a:rPr lang="en-US" dirty="0" smtClean="0">
+                <a:latin typeface="Times New Roman" pitchFamily="18" charset="0"/>
+                <a:cs typeface="Times New Roman" pitchFamily="18" charset="0"/>
+              </a:rPr>
               <a:t> </a:t>
             </a:r>
             <a:r>
-              <a:rPr lang="en-US" dirty="0" err="1" smtClean="0"/>
+              <a:rPr lang="en-US" dirty="0" err="1" smtClean="0">
+                <a:latin typeface="Times New Roman" pitchFamily="18" charset="0"/>
+                <a:cs typeface="Times New Roman" pitchFamily="18" charset="0"/>
+              </a:rPr>
               <a:t>kelemahan</a:t>
             </a:r>
             <a:r>
-              <a:rPr lang="en-US" dirty="0" smtClean="0"/>
+              <a:rPr lang="en-US" dirty="0" smtClean="0">
+                <a:latin typeface="Times New Roman" pitchFamily="18" charset="0"/>
+                <a:cs typeface="Times New Roman" pitchFamily="18" charset="0"/>
+              </a:rPr>
               <a:t> </a:t>
             </a:r>
             <a:r>
-              <a:rPr lang="en-US" dirty="0" err="1" smtClean="0"/>
+              <a:rPr lang="en-US" dirty="0" err="1" smtClean="0">
+                <a:latin typeface="Times New Roman" pitchFamily="18" charset="0"/>
+                <a:cs typeface="Times New Roman" pitchFamily="18" charset="0"/>
+              </a:rPr>
               <a:t>dalam</a:t>
             </a:r>
             <a:r>
-              <a:rPr lang="en-US" dirty="0" smtClean="0"/>
+              <a:rPr lang="en-US" dirty="0" smtClean="0">
+                <a:latin typeface="Times New Roman" pitchFamily="18" charset="0"/>
+                <a:cs typeface="Times New Roman" pitchFamily="18" charset="0"/>
+              </a:rPr>
               <a:t> system </a:t>
             </a:r>
             <a:r>
-              <a:rPr lang="en-US" dirty="0" err="1" smtClean="0"/>
+              <a:rPr lang="en-US" dirty="0" err="1" smtClean="0">
+                <a:latin typeface="Times New Roman" pitchFamily="18" charset="0"/>
+                <a:cs typeface="Times New Roman" pitchFamily="18" charset="0"/>
+              </a:rPr>
               <a:t>keamanan</a:t>
             </a:r>
             <a:r>
-              <a:rPr lang="en-US" dirty="0" smtClean="0"/>
+              <a:rPr lang="en-US" dirty="0" smtClean="0">
+                <a:latin typeface="Times New Roman" pitchFamily="18" charset="0"/>
+                <a:cs typeface="Times New Roman" pitchFamily="18" charset="0"/>
+              </a:rPr>
               <a:t>.</a:t>
             </a:r>
           </a:p>
           <a:p>
             <a:r>
-              <a:rPr lang="en-US" dirty="0" smtClean="0"/>
+              <a:rPr lang="en-US" dirty="0" smtClean="0">
+                <a:latin typeface="Times New Roman" pitchFamily="18" charset="0"/>
+                <a:cs typeface="Times New Roman" pitchFamily="18" charset="0"/>
+              </a:rPr>
               <a:t>3. </a:t>
             </a:r>
             <a:r>
-              <a:rPr lang="en-US" dirty="0" err="1"/>
+              <a:rPr lang="en-US" dirty="0" err="1">
+                <a:latin typeface="Times New Roman" pitchFamily="18" charset="0"/>
+                <a:cs typeface="Times New Roman" pitchFamily="18" charset="0"/>
+              </a:rPr>
               <a:t>mempunyai</a:t>
             </a:r>
             <a:r>
-              <a:rPr lang="en-US" dirty="0"/>
+              <a:rPr lang="en-US" dirty="0">
+                <a:latin typeface="Times New Roman" pitchFamily="18" charset="0"/>
+                <a:cs typeface="Times New Roman" pitchFamily="18" charset="0"/>
+              </a:rPr>
               <a:t> </a:t>
             </a:r>
             <a:r>
-              <a:rPr lang="en-US" dirty="0" err="1"/>
+              <a:rPr lang="en-US" dirty="0" err="1">
+                <a:latin typeface="Times New Roman" pitchFamily="18" charset="0"/>
+                <a:cs typeface="Times New Roman" pitchFamily="18" charset="0"/>
+              </a:rPr>
               <a:t>etika</a:t>
             </a:r>
             <a:r>
-              <a:rPr lang="en-US" dirty="0"/>
+              <a:rPr lang="en-US" dirty="0">
+                <a:latin typeface="Times New Roman" pitchFamily="18" charset="0"/>
+                <a:cs typeface="Times New Roman" pitchFamily="18" charset="0"/>
+              </a:rPr>
               <a:t> </a:t>
             </a:r>
             <a:r>
-              <a:rPr lang="en-US" dirty="0" err="1"/>
+              <a:rPr lang="en-US" dirty="0" err="1">
+                <a:latin typeface="Times New Roman" pitchFamily="18" charset="0"/>
+                <a:cs typeface="Times New Roman" pitchFamily="18" charset="0"/>
+              </a:rPr>
               <a:t>serta</a:t>
             </a:r>
             <a:r>
-              <a:rPr lang="en-US" dirty="0"/>
+              <a:rPr lang="en-US" dirty="0">
+                <a:latin typeface="Times New Roman" pitchFamily="18" charset="0"/>
+                <a:cs typeface="Times New Roman" pitchFamily="18" charset="0"/>
+              </a:rPr>
               <a:t> </a:t>
             </a:r>
             <a:r>
-              <a:rPr lang="en-US" dirty="0" err="1"/>
+              <a:rPr lang="en-US" dirty="0" err="1">
+                <a:latin typeface="Times New Roman" pitchFamily="18" charset="0"/>
+                <a:cs typeface="Times New Roman" pitchFamily="18" charset="0"/>
+              </a:rPr>
               <a:t>kreatif</a:t>
             </a:r>
             <a:r>
-              <a:rPr lang="en-US" dirty="0"/>
+              <a:rPr lang="en-US" dirty="0">
+                <a:latin typeface="Times New Roman" pitchFamily="18" charset="0"/>
+                <a:cs typeface="Times New Roman" pitchFamily="18" charset="0"/>
+              </a:rPr>
               <a:t> </a:t>
             </a:r>
             <a:r>
-              <a:rPr lang="en-US" dirty="0" err="1"/>
+              <a:rPr lang="en-US" dirty="0" err="1">
+                <a:latin typeface="Times New Roman" pitchFamily="18" charset="0"/>
+                <a:cs typeface="Times New Roman" pitchFamily="18" charset="0"/>
+              </a:rPr>
               <a:t>dalam</a:t>
             </a:r>
             <a:r>
-              <a:rPr lang="en-US" dirty="0"/>
+              <a:rPr lang="en-US" dirty="0">
+                <a:latin typeface="Times New Roman" pitchFamily="18" charset="0"/>
+                <a:cs typeface="Times New Roman" pitchFamily="18" charset="0"/>
+              </a:rPr>
               <a:t> </a:t>
             </a:r>
             <a:r>
-              <a:rPr lang="en-US" dirty="0" err="1"/>
+              <a:rPr lang="en-US" dirty="0" err="1">
+                <a:latin typeface="Times New Roman" pitchFamily="18" charset="0"/>
+                <a:cs typeface="Times New Roman" pitchFamily="18" charset="0"/>
+              </a:rPr>
               <a:t>merancang</a:t>
             </a:r>
             <a:r>
-              <a:rPr lang="en-US" dirty="0"/>
+              <a:rPr lang="en-US" dirty="0">
+                <a:latin typeface="Times New Roman" pitchFamily="18" charset="0"/>
+                <a:cs typeface="Times New Roman" pitchFamily="18" charset="0"/>
+              </a:rPr>
               <a:t> </a:t>
             </a:r>
             <a:r>
-              <a:rPr lang="en-US" dirty="0" err="1"/>
+              <a:rPr lang="en-US" dirty="0" err="1">
+                <a:latin typeface="Times New Roman" pitchFamily="18" charset="0"/>
+                <a:cs typeface="Times New Roman" pitchFamily="18" charset="0"/>
+              </a:rPr>
               <a:t>suatu</a:t>
             </a:r>
             <a:r>
-              <a:rPr lang="en-US" dirty="0"/>
+              <a:rPr lang="en-US" dirty="0">
+                <a:latin typeface="Times New Roman" pitchFamily="18" charset="0"/>
+                <a:cs typeface="Times New Roman" pitchFamily="18" charset="0"/>
+              </a:rPr>
               <a:t> program yang </a:t>
             </a:r>
             <a:r>
-              <a:rPr lang="en-US" dirty="0" err="1"/>
+              <a:rPr lang="en-US" dirty="0" err="1">
+                <a:latin typeface="Times New Roman" pitchFamily="18" charset="0"/>
+                <a:cs typeface="Times New Roman" pitchFamily="18" charset="0"/>
+              </a:rPr>
               <a:t>berguna</a:t>
             </a:r>
             <a:r>
-              <a:rPr lang="en-US" dirty="0"/>
+              <a:rPr lang="en-US" dirty="0">
+                <a:latin typeface="Times New Roman" pitchFamily="18" charset="0"/>
+                <a:cs typeface="Times New Roman" pitchFamily="18" charset="0"/>
+              </a:rPr>
               <a:t> </a:t>
             </a:r>
             <a:r>
-              <a:rPr lang="en-US" dirty="0" err="1"/>
+              <a:rPr lang="en-US" dirty="0" err="1">
+                <a:latin typeface="Times New Roman" pitchFamily="18" charset="0"/>
+                <a:cs typeface="Times New Roman" pitchFamily="18" charset="0"/>
+              </a:rPr>
               <a:t>bagi</a:t>
             </a:r>
             <a:r>
-              <a:rPr lang="en-US" dirty="0"/>
+              <a:rPr lang="en-US" dirty="0">
+                <a:latin typeface="Times New Roman" pitchFamily="18" charset="0"/>
+                <a:cs typeface="Times New Roman" pitchFamily="18" charset="0"/>
+              </a:rPr>
               <a:t> </a:t>
             </a:r>
             <a:r>
-              <a:rPr lang="en-US" dirty="0" err="1"/>
+              <a:rPr lang="en-US" dirty="0" err="1">
+                <a:latin typeface="Times New Roman" pitchFamily="18" charset="0"/>
+                <a:cs typeface="Times New Roman" pitchFamily="18" charset="0"/>
+              </a:rPr>
               <a:t>siapa</a:t>
             </a:r>
             <a:r>
-              <a:rPr lang="en-US" dirty="0"/>
+              <a:rPr lang="en-US" dirty="0">
+                <a:latin typeface="Times New Roman" pitchFamily="18" charset="0"/>
+                <a:cs typeface="Times New Roman" pitchFamily="18" charset="0"/>
+              </a:rPr>
               <a:t> </a:t>
             </a:r>
             <a:r>
-              <a:rPr lang="en-US" dirty="0" err="1"/>
+              <a:rPr lang="en-US" dirty="0" err="1">
+                <a:latin typeface="Times New Roman" pitchFamily="18" charset="0"/>
+                <a:cs typeface="Times New Roman" pitchFamily="18" charset="0"/>
+              </a:rPr>
               <a:t>saja</a:t>
             </a:r>
             <a:r>
-              <a:rPr lang="en-US" dirty="0"/>
+              <a:rPr lang="en-US" dirty="0">
+                <a:latin typeface="Times New Roman" pitchFamily="18" charset="0"/>
+                <a:cs typeface="Times New Roman" pitchFamily="18" charset="0"/>
+              </a:rPr>
               <a:t>.</a:t>
             </a:r>
           </a:p>
@@ -27784,7 +27978,7 @@
     </p:spTree>
     <p:extLst>
       <p:ext uri="{BB962C8B-B14F-4D97-AF65-F5344CB8AC3E}">
-        <p14:creationId xmlns="" xmlns:p14="http://schemas.microsoft.com/office/powerpoint/2010/main" val="2676742917"/>
+        <p14:creationId xmlns:p14="http://schemas.microsoft.com/office/powerpoint/2010/main" xmlns="" val="2676742917"/>
       </p:ext>
     </p:extLst>
   </p:cSld>
@@ -28071,67 +28265,115 @@
               <a:buNone/>
             </a:pPr>
             <a:r>
-              <a:rPr lang="en-US" sz="2200" dirty="0"/>
+              <a:rPr lang="en-US" sz="2200" dirty="0">
+                <a:latin typeface="Times New Roman" pitchFamily="18" charset="0"/>
+                <a:cs typeface="Times New Roman" pitchFamily="18" charset="0"/>
+              </a:rPr>
               <a:t>	</a:t>
             </a:r>
             <a:r>
-              <a:rPr lang="id-ID" sz="2200" dirty="0" err="1" smtClean="0"/>
+              <a:rPr lang="id-ID" sz="2200" dirty="0" err="1" smtClean="0">
+                <a:latin typeface="Times New Roman" pitchFamily="18" charset="0"/>
+                <a:cs typeface="Times New Roman" pitchFamily="18" charset="0"/>
+              </a:rPr>
               <a:t>P</a:t>
             </a:r>
             <a:r>
-              <a:rPr lang="en-US" sz="2200" dirty="0" err="1" smtClean="0"/>
+              <a:rPr lang="en-US" sz="2200" dirty="0" err="1" smtClean="0">
+                <a:latin typeface="Times New Roman" pitchFamily="18" charset="0"/>
+                <a:cs typeface="Times New Roman" pitchFamily="18" charset="0"/>
+              </a:rPr>
               <a:t>enyebab</a:t>
             </a:r>
             <a:r>
-              <a:rPr lang="en-US" sz="2200" dirty="0" smtClean="0"/>
+              <a:rPr lang="en-US" sz="2200" dirty="0" smtClean="0">
+                <a:latin typeface="Times New Roman" pitchFamily="18" charset="0"/>
+                <a:cs typeface="Times New Roman" pitchFamily="18" charset="0"/>
+              </a:rPr>
               <a:t> </a:t>
             </a:r>
             <a:r>
-              <a:rPr lang="en-US" sz="2200" dirty="0" err="1" smtClean="0"/>
+              <a:rPr lang="en-US" sz="2200" dirty="0" err="1" smtClean="0">
+                <a:latin typeface="Times New Roman" pitchFamily="18" charset="0"/>
+                <a:cs typeface="Times New Roman" pitchFamily="18" charset="0"/>
+              </a:rPr>
               <a:t>terjadinya</a:t>
             </a:r>
             <a:r>
-              <a:rPr lang="en-US" sz="2200" dirty="0" smtClean="0"/>
+              <a:rPr lang="en-US" sz="2200" dirty="0" smtClean="0">
+                <a:latin typeface="Times New Roman" pitchFamily="18" charset="0"/>
+                <a:cs typeface="Times New Roman" pitchFamily="18" charset="0"/>
+              </a:rPr>
               <a:t> hacking </a:t>
             </a:r>
             <a:r>
-              <a:rPr lang="en-US" sz="2200" dirty="0" err="1" smtClean="0"/>
+              <a:rPr lang="en-US" sz="2200" dirty="0" err="1" smtClean="0">
+                <a:latin typeface="Times New Roman" pitchFamily="18" charset="0"/>
+                <a:cs typeface="Times New Roman" pitchFamily="18" charset="0"/>
+              </a:rPr>
               <a:t>biasanya</a:t>
             </a:r>
             <a:r>
-              <a:rPr lang="en-US" sz="2200" dirty="0" smtClean="0"/>
+              <a:rPr lang="en-US" sz="2200" dirty="0" smtClean="0">
+                <a:latin typeface="Times New Roman" pitchFamily="18" charset="0"/>
+                <a:cs typeface="Times New Roman" pitchFamily="18" charset="0"/>
+              </a:rPr>
               <a:t> </a:t>
             </a:r>
             <a:r>
-              <a:rPr lang="en-US" sz="2200" dirty="0" err="1" smtClean="0"/>
+              <a:rPr lang="en-US" sz="2200" dirty="0" err="1" smtClean="0">
+                <a:latin typeface="Times New Roman" pitchFamily="18" charset="0"/>
+                <a:cs typeface="Times New Roman" pitchFamily="18" charset="0"/>
+              </a:rPr>
               <a:t>dilandasi</a:t>
             </a:r>
             <a:r>
-              <a:rPr lang="en-US" sz="2200" dirty="0" smtClean="0"/>
+              <a:rPr lang="en-US" sz="2200" dirty="0" smtClean="0">
+                <a:latin typeface="Times New Roman" pitchFamily="18" charset="0"/>
+                <a:cs typeface="Times New Roman" pitchFamily="18" charset="0"/>
+              </a:rPr>
               <a:t> </a:t>
             </a:r>
             <a:r>
-              <a:rPr lang="en-US" sz="2200" dirty="0" err="1" smtClean="0"/>
+              <a:rPr lang="en-US" sz="2200" dirty="0" err="1" smtClean="0">
+                <a:latin typeface="Times New Roman" pitchFamily="18" charset="0"/>
+                <a:cs typeface="Times New Roman" pitchFamily="18" charset="0"/>
+              </a:rPr>
               <a:t>dengan</a:t>
             </a:r>
             <a:r>
-              <a:rPr lang="en-US" sz="2200" dirty="0" smtClean="0"/>
+              <a:rPr lang="en-US" sz="2200" dirty="0" smtClean="0">
+                <a:latin typeface="Times New Roman" pitchFamily="18" charset="0"/>
+                <a:cs typeface="Times New Roman" pitchFamily="18" charset="0"/>
+              </a:rPr>
               <a:t> </a:t>
             </a:r>
             <a:r>
-              <a:rPr lang="en-US" sz="2200" dirty="0" err="1" smtClean="0"/>
+              <a:rPr lang="en-US" sz="2200" dirty="0" err="1" smtClean="0">
+                <a:latin typeface="Times New Roman" pitchFamily="18" charset="0"/>
+                <a:cs typeface="Times New Roman" pitchFamily="18" charset="0"/>
+              </a:rPr>
               <a:t>beberapa</a:t>
             </a:r>
             <a:r>
-              <a:rPr lang="en-US" sz="2200" dirty="0" smtClean="0"/>
+              <a:rPr lang="en-US" sz="2200" dirty="0" smtClean="0">
+                <a:latin typeface="Times New Roman" pitchFamily="18" charset="0"/>
+                <a:cs typeface="Times New Roman" pitchFamily="18" charset="0"/>
+              </a:rPr>
               <a:t> </a:t>
             </a:r>
             <a:r>
-              <a:rPr lang="en-US" sz="2200" dirty="0" err="1" smtClean="0"/>
+              <a:rPr lang="en-US" sz="2200" dirty="0" err="1" smtClean="0">
+                <a:latin typeface="Times New Roman" pitchFamily="18" charset="0"/>
+                <a:cs typeface="Times New Roman" pitchFamily="18" charset="0"/>
+              </a:rPr>
               <a:t>hal</a:t>
             </a:r>
             <a:r>
-              <a:rPr lang="en-US" sz="2200" dirty="0" smtClean="0"/>
+              <a:rPr lang="en-US" sz="2200" dirty="0" smtClean="0">
+                <a:latin typeface="Times New Roman" pitchFamily="18" charset="0"/>
+                <a:cs typeface="Times New Roman" pitchFamily="18" charset="0"/>
+              </a:rPr>
               <a:t> :</a:t>
             </a:r>
           </a:p>
@@ -28140,47 +28382,80 @@
               <a:buAutoNum type="arabicPeriod"/>
             </a:pPr>
             <a:r>
-              <a:rPr lang="en-US" sz="2200" dirty="0" smtClean="0"/>
+              <a:rPr lang="en-US" sz="2200" dirty="0" smtClean="0">
+                <a:latin typeface="Times New Roman" pitchFamily="18" charset="0"/>
+                <a:cs typeface="Times New Roman" pitchFamily="18" charset="0"/>
+              </a:rPr>
               <a:t>Rasa </a:t>
             </a:r>
             <a:r>
-              <a:rPr lang="en-US" sz="2200" dirty="0" err="1" smtClean="0"/>
+              <a:rPr lang="en-US" sz="2200" dirty="0" err="1" smtClean="0">
+                <a:latin typeface="Times New Roman" pitchFamily="18" charset="0"/>
+                <a:cs typeface="Times New Roman" pitchFamily="18" charset="0"/>
+              </a:rPr>
               <a:t>ingin</a:t>
             </a:r>
             <a:r>
-              <a:rPr lang="en-US" sz="2200" dirty="0" smtClean="0"/>
+              <a:rPr lang="en-US" sz="2200" dirty="0" smtClean="0">
+                <a:latin typeface="Times New Roman" pitchFamily="18" charset="0"/>
+                <a:cs typeface="Times New Roman" pitchFamily="18" charset="0"/>
+              </a:rPr>
               <a:t> </a:t>
             </a:r>
             <a:r>
-              <a:rPr lang="en-US" sz="2200" dirty="0" err="1" smtClean="0"/>
+              <a:rPr lang="en-US" sz="2200" dirty="0" err="1" smtClean="0">
+                <a:latin typeface="Times New Roman" pitchFamily="18" charset="0"/>
+                <a:cs typeface="Times New Roman" pitchFamily="18" charset="0"/>
+              </a:rPr>
               <a:t>tahu</a:t>
             </a:r>
             <a:r>
-              <a:rPr lang="en-US" sz="2200" dirty="0" smtClean="0"/>
+              <a:rPr lang="en-US" sz="2200" dirty="0" smtClean="0">
+                <a:latin typeface="Times New Roman" pitchFamily="18" charset="0"/>
+                <a:cs typeface="Times New Roman" pitchFamily="18" charset="0"/>
+              </a:rPr>
               <a:t> </a:t>
             </a:r>
             <a:r>
-              <a:rPr lang="en-US" sz="2200" dirty="0" err="1" smtClean="0"/>
+              <a:rPr lang="en-US" sz="2200" dirty="0" err="1" smtClean="0">
+                <a:latin typeface="Times New Roman" pitchFamily="18" charset="0"/>
+                <a:cs typeface="Times New Roman" pitchFamily="18" charset="0"/>
+              </a:rPr>
               <a:t>akan</a:t>
             </a:r>
             <a:r>
-              <a:rPr lang="en-US" sz="2200" dirty="0" smtClean="0"/>
+              <a:rPr lang="en-US" sz="2200" dirty="0" smtClean="0">
+                <a:latin typeface="Times New Roman" pitchFamily="18" charset="0"/>
+                <a:cs typeface="Times New Roman" pitchFamily="18" charset="0"/>
+              </a:rPr>
               <a:t> </a:t>
             </a:r>
             <a:r>
-              <a:rPr lang="en-US" sz="2200" dirty="0" err="1" smtClean="0"/>
+              <a:rPr lang="en-US" sz="2200" dirty="0" err="1" smtClean="0">
+                <a:latin typeface="Times New Roman" pitchFamily="18" charset="0"/>
+                <a:cs typeface="Times New Roman" pitchFamily="18" charset="0"/>
+              </a:rPr>
               <a:t>suatu</a:t>
             </a:r>
             <a:r>
-              <a:rPr lang="en-US" sz="2200" dirty="0" smtClean="0"/>
+              <a:rPr lang="en-US" sz="2200" dirty="0" smtClean="0">
+                <a:latin typeface="Times New Roman" pitchFamily="18" charset="0"/>
+                <a:cs typeface="Times New Roman" pitchFamily="18" charset="0"/>
+              </a:rPr>
               <a:t> system </a:t>
             </a:r>
             <a:r>
-              <a:rPr lang="en-US" sz="2200" dirty="0" err="1" smtClean="0"/>
+              <a:rPr lang="en-US" sz="2200" dirty="0" err="1" smtClean="0">
+                <a:latin typeface="Times New Roman" pitchFamily="18" charset="0"/>
+                <a:cs typeface="Times New Roman" pitchFamily="18" charset="0"/>
+              </a:rPr>
               <a:t>keamananya</a:t>
             </a:r>
             <a:r>
-              <a:rPr lang="en-US" sz="2200" dirty="0" smtClean="0"/>
+              <a:rPr lang="en-US" sz="2200" dirty="0" smtClean="0">
+                <a:latin typeface="Times New Roman" pitchFamily="18" charset="0"/>
+                <a:cs typeface="Times New Roman" pitchFamily="18" charset="0"/>
+              </a:rPr>
               <a:t>.</a:t>
             </a:r>
           </a:p>
@@ -28189,35 +28464,59 @@
               <a:buAutoNum type="arabicPeriod"/>
             </a:pPr>
             <a:r>
-              <a:rPr lang="en-US" sz="2200" dirty="0" err="1" smtClean="0"/>
+              <a:rPr lang="en-US" sz="2200" dirty="0" err="1" smtClean="0">
+                <a:latin typeface="Times New Roman" pitchFamily="18" charset="0"/>
+                <a:cs typeface="Times New Roman" pitchFamily="18" charset="0"/>
+              </a:rPr>
               <a:t>Penggunaan</a:t>
             </a:r>
             <a:r>
-              <a:rPr lang="en-US" sz="2200" dirty="0" smtClean="0"/>
+              <a:rPr lang="en-US" sz="2200" dirty="0" smtClean="0">
+                <a:latin typeface="Times New Roman" pitchFamily="18" charset="0"/>
+                <a:cs typeface="Times New Roman" pitchFamily="18" charset="0"/>
+              </a:rPr>
               <a:t> internet </a:t>
             </a:r>
             <a:r>
-              <a:rPr lang="en-US" sz="2200" dirty="0" err="1" smtClean="0"/>
+              <a:rPr lang="en-US" sz="2200" dirty="0" err="1" smtClean="0">
+                <a:latin typeface="Times New Roman" pitchFamily="18" charset="0"/>
+                <a:cs typeface="Times New Roman" pitchFamily="18" charset="0"/>
+              </a:rPr>
               <a:t>yg</a:t>
             </a:r>
             <a:r>
-              <a:rPr lang="en-US" sz="2200" dirty="0" smtClean="0"/>
+              <a:rPr lang="en-US" sz="2200" dirty="0" smtClean="0">
+                <a:latin typeface="Times New Roman" pitchFamily="18" charset="0"/>
+                <a:cs typeface="Times New Roman" pitchFamily="18" charset="0"/>
+              </a:rPr>
               <a:t> </a:t>
             </a:r>
             <a:r>
-              <a:rPr lang="en-US" sz="2200" dirty="0" err="1" smtClean="0"/>
+              <a:rPr lang="en-US" sz="2200" dirty="0" err="1" smtClean="0">
+                <a:latin typeface="Times New Roman" pitchFamily="18" charset="0"/>
+                <a:cs typeface="Times New Roman" pitchFamily="18" charset="0"/>
+              </a:rPr>
               <a:t>tak</a:t>
             </a:r>
             <a:r>
-              <a:rPr lang="en-US" sz="2200" dirty="0" smtClean="0"/>
+              <a:rPr lang="en-US" sz="2200" dirty="0" smtClean="0">
+                <a:latin typeface="Times New Roman" pitchFamily="18" charset="0"/>
+                <a:cs typeface="Times New Roman" pitchFamily="18" charset="0"/>
+              </a:rPr>
               <a:t> </a:t>
             </a:r>
             <a:r>
-              <a:rPr lang="en-US" sz="2200" dirty="0" err="1" smtClean="0"/>
+              <a:rPr lang="en-US" sz="2200" dirty="0" err="1" smtClean="0">
+                <a:latin typeface="Times New Roman" pitchFamily="18" charset="0"/>
+                <a:cs typeface="Times New Roman" pitchFamily="18" charset="0"/>
+              </a:rPr>
               <a:t>terbatas</a:t>
             </a:r>
             <a:r>
-              <a:rPr lang="en-US" sz="2200" dirty="0" smtClean="0"/>
+              <a:rPr lang="en-US" sz="2200" dirty="0" smtClean="0">
+                <a:latin typeface="Times New Roman" pitchFamily="18" charset="0"/>
+                <a:cs typeface="Times New Roman" pitchFamily="18" charset="0"/>
+              </a:rPr>
               <a:t>.</a:t>
             </a:r>
           </a:p>
@@ -28226,59 +28525,101 @@
               <a:buAutoNum type="arabicPeriod"/>
             </a:pPr>
             <a:r>
-              <a:rPr lang="en-US" sz="2200" dirty="0" err="1" smtClean="0"/>
+              <a:rPr lang="en-US" sz="2200" dirty="0" err="1" smtClean="0">
+                <a:latin typeface="Times New Roman" pitchFamily="18" charset="0"/>
+                <a:cs typeface="Times New Roman" pitchFamily="18" charset="0"/>
+              </a:rPr>
               <a:t>Dapat</a:t>
             </a:r>
             <a:r>
-              <a:rPr lang="en-US" sz="2200" dirty="0" smtClean="0"/>
+              <a:rPr lang="en-US" sz="2200" dirty="0" smtClean="0">
+                <a:latin typeface="Times New Roman" pitchFamily="18" charset="0"/>
+                <a:cs typeface="Times New Roman" pitchFamily="18" charset="0"/>
+              </a:rPr>
               <a:t> </a:t>
             </a:r>
             <a:r>
-              <a:rPr lang="en-US" sz="2200" dirty="0" err="1" smtClean="0"/>
+              <a:rPr lang="en-US" sz="2200" dirty="0" err="1" smtClean="0">
+                <a:latin typeface="Times New Roman" pitchFamily="18" charset="0"/>
+                <a:cs typeface="Times New Roman" pitchFamily="18" charset="0"/>
+              </a:rPr>
               <a:t>dilakukan</a:t>
             </a:r>
             <a:r>
-              <a:rPr lang="en-US" sz="2200" dirty="0" smtClean="0"/>
+              <a:rPr lang="en-US" sz="2200" dirty="0" smtClean="0">
+                <a:latin typeface="Times New Roman" pitchFamily="18" charset="0"/>
+                <a:cs typeface="Times New Roman" pitchFamily="18" charset="0"/>
+              </a:rPr>
               <a:t> </a:t>
             </a:r>
             <a:r>
-              <a:rPr lang="en-US" sz="2200" dirty="0" err="1" smtClean="0"/>
+              <a:rPr lang="en-US" sz="2200" dirty="0" err="1" smtClean="0">
+                <a:latin typeface="Times New Roman" pitchFamily="18" charset="0"/>
+                <a:cs typeface="Times New Roman" pitchFamily="18" charset="0"/>
+              </a:rPr>
               <a:t>dimana</a:t>
             </a:r>
             <a:r>
-              <a:rPr lang="en-US" sz="2200" dirty="0" smtClean="0"/>
+              <a:rPr lang="en-US" sz="2200" dirty="0" smtClean="0">
+                <a:latin typeface="Times New Roman" pitchFamily="18" charset="0"/>
+                <a:cs typeface="Times New Roman" pitchFamily="18" charset="0"/>
+              </a:rPr>
               <a:t> </a:t>
             </a:r>
             <a:r>
-              <a:rPr lang="en-US" sz="2200" dirty="0" err="1" smtClean="0"/>
+              <a:rPr lang="en-US" sz="2200" dirty="0" err="1" smtClean="0">
+                <a:latin typeface="Times New Roman" pitchFamily="18" charset="0"/>
+                <a:cs typeface="Times New Roman" pitchFamily="18" charset="0"/>
+              </a:rPr>
               <a:t>saja</a:t>
             </a:r>
             <a:r>
-              <a:rPr lang="en-US" sz="2200" dirty="0"/>
+              <a:rPr lang="en-US" sz="2200" dirty="0">
+                <a:latin typeface="Times New Roman" pitchFamily="18" charset="0"/>
+                <a:cs typeface="Times New Roman" pitchFamily="18" charset="0"/>
+              </a:rPr>
               <a:t> </a:t>
             </a:r>
             <a:r>
-              <a:rPr lang="en-US" sz="2200" dirty="0" err="1" smtClean="0"/>
+              <a:rPr lang="en-US" sz="2200" dirty="0" err="1" smtClean="0">
+                <a:latin typeface="Times New Roman" pitchFamily="18" charset="0"/>
+                <a:cs typeface="Times New Roman" pitchFamily="18" charset="0"/>
+              </a:rPr>
               <a:t>asalkan</a:t>
             </a:r>
             <a:r>
-              <a:rPr lang="en-US" sz="2200" dirty="0" smtClean="0"/>
+              <a:rPr lang="en-US" sz="2200" dirty="0" smtClean="0">
+                <a:latin typeface="Times New Roman" pitchFamily="18" charset="0"/>
+                <a:cs typeface="Times New Roman" pitchFamily="18" charset="0"/>
+              </a:rPr>
               <a:t> </a:t>
             </a:r>
             <a:r>
-              <a:rPr lang="en-US" sz="2200" dirty="0" err="1" smtClean="0"/>
+              <a:rPr lang="en-US" sz="2200" dirty="0" err="1" smtClean="0">
+                <a:latin typeface="Times New Roman" pitchFamily="18" charset="0"/>
+                <a:cs typeface="Times New Roman" pitchFamily="18" charset="0"/>
+              </a:rPr>
               <a:t>terhubung</a:t>
             </a:r>
             <a:r>
-              <a:rPr lang="en-US" sz="2200" dirty="0" smtClean="0"/>
+              <a:rPr lang="en-US" sz="2200" dirty="0" smtClean="0">
+                <a:latin typeface="Times New Roman" pitchFamily="18" charset="0"/>
+                <a:cs typeface="Times New Roman" pitchFamily="18" charset="0"/>
+              </a:rPr>
               <a:t> </a:t>
             </a:r>
             <a:r>
-              <a:rPr lang="en-US" sz="2200" dirty="0" err="1" smtClean="0"/>
+              <a:rPr lang="en-US" sz="2200" dirty="0" err="1" smtClean="0">
+                <a:latin typeface="Times New Roman" pitchFamily="18" charset="0"/>
+                <a:cs typeface="Times New Roman" pitchFamily="18" charset="0"/>
+              </a:rPr>
               <a:t>dengan</a:t>
             </a:r>
             <a:r>
-              <a:rPr lang="en-US" sz="2200" dirty="0" smtClean="0"/>
+              <a:rPr lang="en-US" sz="2200" dirty="0" smtClean="0">
+                <a:latin typeface="Times New Roman" pitchFamily="18" charset="0"/>
+                <a:cs typeface="Times New Roman" pitchFamily="18" charset="0"/>
+              </a:rPr>
               <a:t> internet.</a:t>
             </a:r>
           </a:p>
@@ -28287,11 +28628,17 @@
               <a:buAutoNum type="arabicPeriod"/>
             </a:pPr>
             <a:r>
-              <a:rPr lang="en-US" sz="2200" dirty="0" err="1" smtClean="0"/>
+              <a:rPr lang="en-US" sz="2200" dirty="0" err="1" smtClean="0">
+                <a:latin typeface="Times New Roman" pitchFamily="18" charset="0"/>
+                <a:cs typeface="Times New Roman" pitchFamily="18" charset="0"/>
+              </a:rPr>
               <a:t>Iseng</a:t>
             </a:r>
             <a:r>
-              <a:rPr lang="en-US" sz="2200" dirty="0" smtClean="0"/>
+              <a:rPr lang="en-US" sz="2200" dirty="0" smtClean="0">
+                <a:latin typeface="Times New Roman" pitchFamily="18" charset="0"/>
+                <a:cs typeface="Times New Roman" pitchFamily="18" charset="0"/>
+              </a:rPr>
               <a:t>.</a:t>
             </a:r>
           </a:p>
@@ -28300,7 +28647,7 @@
     </p:spTree>
     <p:extLst>
       <p:ext uri="{BB962C8B-B14F-4D97-AF65-F5344CB8AC3E}">
-        <p14:creationId xmlns="" xmlns:p14="http://schemas.microsoft.com/office/powerpoint/2010/main" val="4241905287"/>
+        <p14:creationId xmlns:p14="http://schemas.microsoft.com/office/powerpoint/2010/main" xmlns="" val="4241905287"/>
       </p:ext>
     </p:extLst>
   </p:cSld>
@@ -28838,7 +29185,7 @@
   <a:extraClrSchemeLst/>
   <a:extLst>
     <a:ext uri="{05A4C25C-085E-4340-85A3-A5531E510DB2}">
-      <thm15:themeFamily xmlns="" xmlns:thm15="http://schemas.microsoft.com/office/thememl/2012/main" name="Integral" id="{3577F8C9-A904-41D8-97D2-FD898F53F20E}" vid="{682D6EBE-8D36-4FF2-9DB3-F3D8D7B6715D}"/>
+      <thm15:themeFamily xmlns:thm15="http://schemas.microsoft.com/office/thememl/2012/main" xmlns="" name="Integral" id="{3577F8C9-A904-41D8-97D2-FD898F53F20E}" vid="{682D6EBE-8D36-4FF2-9DB3-F3D8D7B6715D}"/>
     </a:ext>
   </a:extLst>
 </a:theme>

--- a/pptpresentasieptikhacking-140615110436-phpapp01.pptx
+++ b/pptpresentasieptikhacking-140615110436-phpapp01.pptx
@@ -115,7 +115,7 @@
   </p:defaultTextStyle>
   <p:extLst>
     <p:ext uri="{EFAFB233-063F-42B5-8137-9DF3F51BA10A}">
-      <p15:sldGuideLst xmlns:p15="http://schemas.microsoft.com/office/powerpoint/2012/main" xmlns="">
+      <p15:sldGuideLst xmlns="" xmlns:p15="http://schemas.microsoft.com/office/powerpoint/2012/main">
         <p15:guide id="1" orient="horz" pos="2160">
           <p15:clr>
             <a:srgbClr val="A4A3A4"/>
@@ -9015,7 +9015,7 @@
     </p:spTree>
     <p:extLst>
       <p:ext uri="{BB962C8B-B14F-4D97-AF65-F5344CB8AC3E}">
-        <p14:creationId xmlns:p14="http://schemas.microsoft.com/office/powerpoint/2010/main" xmlns="" val="3654701431"/>
+        <p14:creationId xmlns="" xmlns:p14="http://schemas.microsoft.com/office/powerpoint/2010/main" val="3654701431"/>
       </p:ext>
     </p:extLst>
   </p:cSld>
@@ -9187,7 +9187,7 @@
     </p:spTree>
     <p:extLst>
       <p:ext uri="{BB962C8B-B14F-4D97-AF65-F5344CB8AC3E}">
-        <p14:creationId xmlns:p14="http://schemas.microsoft.com/office/powerpoint/2010/main" xmlns="" val="1541394338"/>
+        <p14:creationId xmlns="" xmlns:p14="http://schemas.microsoft.com/office/powerpoint/2010/main" val="1541394338"/>
       </p:ext>
     </p:extLst>
   </p:cSld>
@@ -9404,7 +9404,7 @@
     </p:spTree>
     <p:extLst>
       <p:ext uri="{BB962C8B-B14F-4D97-AF65-F5344CB8AC3E}">
-        <p14:creationId xmlns:p14="http://schemas.microsoft.com/office/powerpoint/2010/main" xmlns="" val="3398663238"/>
+        <p14:creationId xmlns="" xmlns:p14="http://schemas.microsoft.com/office/powerpoint/2010/main" val="3398663238"/>
       </p:ext>
     </p:extLst>
   </p:cSld>
@@ -9576,7 +9576,7 @@
     </p:spTree>
     <p:extLst>
       <p:ext uri="{BB962C8B-B14F-4D97-AF65-F5344CB8AC3E}">
-        <p14:creationId xmlns:p14="http://schemas.microsoft.com/office/powerpoint/2010/main" xmlns="" val="3505705185"/>
+        <p14:creationId xmlns="" xmlns:p14="http://schemas.microsoft.com/office/powerpoint/2010/main" val="3505705185"/>
       </p:ext>
     </p:extLst>
   </p:cSld>
@@ -18513,7 +18513,7 @@
     </p:spTree>
     <p:extLst>
       <p:ext uri="{BB962C8B-B14F-4D97-AF65-F5344CB8AC3E}">
-        <p14:creationId xmlns:p14="http://schemas.microsoft.com/office/powerpoint/2010/main" xmlns="" val="3284221378"/>
+        <p14:creationId xmlns="" xmlns:p14="http://schemas.microsoft.com/office/powerpoint/2010/main" val="3284221378"/>
       </p:ext>
     </p:extLst>
   </p:cSld>
@@ -18752,7 +18752,7 @@
     </p:spTree>
     <p:extLst>
       <p:ext uri="{BB962C8B-B14F-4D97-AF65-F5344CB8AC3E}">
-        <p14:creationId xmlns:p14="http://schemas.microsoft.com/office/powerpoint/2010/main" xmlns="" val="526306287"/>
+        <p14:creationId xmlns="" xmlns:p14="http://schemas.microsoft.com/office/powerpoint/2010/main" val="526306287"/>
       </p:ext>
     </p:extLst>
   </p:cSld>
@@ -19152,7 +19152,7 @@
     </p:spTree>
     <p:extLst>
       <p:ext uri="{BB962C8B-B14F-4D97-AF65-F5344CB8AC3E}">
-        <p14:creationId xmlns:p14="http://schemas.microsoft.com/office/powerpoint/2010/main" xmlns="" val="4293701871"/>
+        <p14:creationId xmlns="" xmlns:p14="http://schemas.microsoft.com/office/powerpoint/2010/main" val="4293701871"/>
       </p:ext>
     </p:extLst>
   </p:cSld>
@@ -19272,7 +19272,7 @@
     </p:spTree>
     <p:extLst>
       <p:ext uri="{BB962C8B-B14F-4D97-AF65-F5344CB8AC3E}">
-        <p14:creationId xmlns:p14="http://schemas.microsoft.com/office/powerpoint/2010/main" xmlns="" val="4212152486"/>
+        <p14:creationId xmlns="" xmlns:p14="http://schemas.microsoft.com/office/powerpoint/2010/main" val="4212152486"/>
       </p:ext>
     </p:extLst>
   </p:cSld>
@@ -19369,7 +19369,7 @@
     </p:spTree>
     <p:extLst>
       <p:ext uri="{BB962C8B-B14F-4D97-AF65-F5344CB8AC3E}">
-        <p14:creationId xmlns:p14="http://schemas.microsoft.com/office/powerpoint/2010/main" xmlns="" val="490336406"/>
+        <p14:creationId xmlns="" xmlns:p14="http://schemas.microsoft.com/office/powerpoint/2010/main" val="490336406"/>
       </p:ext>
     </p:extLst>
   </p:cSld>
@@ -19661,7 +19661,7 @@
     </p:spTree>
     <p:extLst>
       <p:ext uri="{BB962C8B-B14F-4D97-AF65-F5344CB8AC3E}">
-        <p14:creationId xmlns:p14="http://schemas.microsoft.com/office/powerpoint/2010/main" xmlns="" val="3525253028"/>
+        <p14:creationId xmlns="" xmlns:p14="http://schemas.microsoft.com/office/powerpoint/2010/main" val="3525253028"/>
       </p:ext>
     </p:extLst>
   </p:cSld>
@@ -19978,7 +19978,7 @@
     </p:spTree>
     <p:extLst>
       <p:ext uri="{BB962C8B-B14F-4D97-AF65-F5344CB8AC3E}">
-        <p14:creationId xmlns:p14="http://schemas.microsoft.com/office/powerpoint/2010/main" xmlns="" val="3471977317"/>
+        <p14:creationId xmlns="" xmlns:p14="http://schemas.microsoft.com/office/powerpoint/2010/main" val="3471977317"/>
       </p:ext>
     </p:extLst>
   </p:cSld>
@@ -20270,7 +20270,7 @@
     </p:spTree>
     <p:extLst>
       <p:ext uri="{BB962C8B-B14F-4D97-AF65-F5344CB8AC3E}">
-        <p14:creationId xmlns:p14="http://schemas.microsoft.com/office/powerpoint/2010/main" xmlns="" val="1352232978"/>
+        <p14:creationId xmlns="" xmlns:p14="http://schemas.microsoft.com/office/powerpoint/2010/main" val="1352232978"/>
       </p:ext>
     </p:extLst>
   </p:cSld>
@@ -20721,7 +20721,7 @@
     </p:spTree>
     <p:extLst>
       <p:ext uri="{BB962C8B-B14F-4D97-AF65-F5344CB8AC3E}">
-        <p14:creationId xmlns:p14="http://schemas.microsoft.com/office/powerpoint/2010/main" xmlns="" val="3420847315"/>
+        <p14:creationId xmlns="" xmlns:p14="http://schemas.microsoft.com/office/powerpoint/2010/main" val="3420847315"/>
       </p:ext>
     </p:extLst>
   </p:cSld>
@@ -20802,241 +20802,415 @@
           <a:lstStyle/>
           <a:p>
             <a:r>
-              <a:rPr lang="en-US" dirty="0" smtClean="0"/>
+              <a:rPr lang="en-US" dirty="0" smtClean="0">
+                <a:latin typeface="Times New Roman" pitchFamily="18" charset="0"/>
+                <a:cs typeface="Times New Roman" pitchFamily="18" charset="0"/>
+              </a:rPr>
               <a:t>1. </a:t>
             </a:r>
             <a:r>
-              <a:rPr lang="en-US" dirty="0" err="1" smtClean="0"/>
+              <a:rPr lang="en-US" dirty="0" err="1" smtClean="0">
+                <a:latin typeface="Times New Roman" pitchFamily="18" charset="0"/>
+                <a:cs typeface="Times New Roman" pitchFamily="18" charset="0"/>
+              </a:rPr>
               <a:t>meningkatkan</a:t>
             </a:r>
             <a:r>
-              <a:rPr lang="en-US" dirty="0" smtClean="0"/>
+              <a:rPr lang="en-US" dirty="0" smtClean="0">
+                <a:latin typeface="Times New Roman" pitchFamily="18" charset="0"/>
+                <a:cs typeface="Times New Roman" pitchFamily="18" charset="0"/>
+              </a:rPr>
               <a:t> </a:t>
             </a:r>
             <a:r>
-              <a:rPr lang="en-US" dirty="0" err="1" smtClean="0"/>
+              <a:rPr lang="en-US" dirty="0" err="1" smtClean="0">
+                <a:latin typeface="Times New Roman" pitchFamily="18" charset="0"/>
+                <a:cs typeface="Times New Roman" pitchFamily="18" charset="0"/>
+              </a:rPr>
               <a:t>kemampuan</a:t>
             </a:r>
             <a:r>
-              <a:rPr lang="en-US" dirty="0" smtClean="0"/>
+              <a:rPr lang="en-US" dirty="0" smtClean="0">
+                <a:latin typeface="Times New Roman" pitchFamily="18" charset="0"/>
+                <a:cs typeface="Times New Roman" pitchFamily="18" charset="0"/>
+              </a:rPr>
               <a:t> di </a:t>
             </a:r>
             <a:r>
-              <a:rPr lang="en-US" dirty="0" err="1" smtClean="0"/>
+              <a:rPr lang="en-US" dirty="0" err="1" smtClean="0">
+                <a:latin typeface="Times New Roman" pitchFamily="18" charset="0"/>
+                <a:cs typeface="Times New Roman" pitchFamily="18" charset="0"/>
+              </a:rPr>
               <a:t>bidang</a:t>
             </a:r>
             <a:r>
-              <a:rPr lang="en-US" dirty="0" smtClean="0"/>
+              <a:rPr lang="en-US" dirty="0" smtClean="0">
+                <a:latin typeface="Times New Roman" pitchFamily="18" charset="0"/>
+                <a:cs typeface="Times New Roman" pitchFamily="18" charset="0"/>
+              </a:rPr>
               <a:t> IT </a:t>
             </a:r>
             <a:r>
-              <a:rPr lang="en-US" dirty="0" err="1" smtClean="0"/>
+              <a:rPr lang="en-US" dirty="0" err="1" smtClean="0">
+                <a:latin typeface="Times New Roman" pitchFamily="18" charset="0"/>
+                <a:cs typeface="Times New Roman" pitchFamily="18" charset="0"/>
+              </a:rPr>
               <a:t>dan</a:t>
             </a:r>
             <a:r>
-              <a:rPr lang="en-US" dirty="0" smtClean="0"/>
+              <a:rPr lang="en-US" dirty="0" smtClean="0">
+                <a:latin typeface="Times New Roman" pitchFamily="18" charset="0"/>
+                <a:cs typeface="Times New Roman" pitchFamily="18" charset="0"/>
+              </a:rPr>
               <a:t> </a:t>
             </a:r>
             <a:r>
-              <a:rPr lang="en-US" dirty="0" err="1" smtClean="0"/>
+              <a:rPr lang="en-US" dirty="0" err="1" smtClean="0">
+                <a:latin typeface="Times New Roman" pitchFamily="18" charset="0"/>
+                <a:cs typeface="Times New Roman" pitchFamily="18" charset="0"/>
+              </a:rPr>
               <a:t>jaringan</a:t>
             </a:r>
             <a:r>
-              <a:rPr lang="en-US" dirty="0" smtClean="0"/>
+              <a:rPr lang="en-US" dirty="0" smtClean="0">
+                <a:latin typeface="Times New Roman" pitchFamily="18" charset="0"/>
+                <a:cs typeface="Times New Roman" pitchFamily="18" charset="0"/>
+              </a:rPr>
               <a:t>.</a:t>
             </a:r>
           </a:p>
           <a:p>
             <a:r>
-              <a:rPr lang="en-US" dirty="0" smtClean="0"/>
+              <a:rPr lang="en-US" dirty="0" smtClean="0">
+                <a:latin typeface="Times New Roman" pitchFamily="18" charset="0"/>
+                <a:cs typeface="Times New Roman" pitchFamily="18" charset="0"/>
+              </a:rPr>
               <a:t>2. </a:t>
             </a:r>
             <a:r>
-              <a:rPr lang="en-US" dirty="0" err="1" smtClean="0"/>
+              <a:rPr lang="en-US" dirty="0" err="1" smtClean="0">
+                <a:latin typeface="Times New Roman" pitchFamily="18" charset="0"/>
+                <a:cs typeface="Times New Roman" pitchFamily="18" charset="0"/>
+              </a:rPr>
               <a:t>memastikan</a:t>
             </a:r>
             <a:r>
-              <a:rPr lang="en-US" dirty="0" smtClean="0"/>
+              <a:rPr lang="en-US" dirty="0" smtClean="0">
+                <a:latin typeface="Times New Roman" pitchFamily="18" charset="0"/>
+                <a:cs typeface="Times New Roman" pitchFamily="18" charset="0"/>
+              </a:rPr>
               <a:t> </a:t>
             </a:r>
             <a:r>
-              <a:rPr lang="en-US" dirty="0" err="1" smtClean="0"/>
+              <a:rPr lang="en-US" dirty="0" err="1" smtClean="0">
+                <a:latin typeface="Times New Roman" pitchFamily="18" charset="0"/>
+                <a:cs typeface="Times New Roman" pitchFamily="18" charset="0"/>
+              </a:rPr>
               <a:t>apakah</a:t>
             </a:r>
             <a:r>
-              <a:rPr lang="en-US" dirty="0" smtClean="0"/>
+              <a:rPr lang="en-US" dirty="0" smtClean="0">
+                <a:latin typeface="Times New Roman" pitchFamily="18" charset="0"/>
+                <a:cs typeface="Times New Roman" pitchFamily="18" charset="0"/>
+              </a:rPr>
               <a:t> system </a:t>
             </a:r>
             <a:r>
-              <a:rPr lang="en-US" dirty="0" err="1" smtClean="0"/>
+              <a:rPr lang="en-US" dirty="0" err="1" smtClean="0">
+                <a:latin typeface="Times New Roman" pitchFamily="18" charset="0"/>
+                <a:cs typeface="Times New Roman" pitchFamily="18" charset="0"/>
+              </a:rPr>
               <a:t>keamanan</a:t>
             </a:r>
             <a:r>
-              <a:rPr lang="en-US" dirty="0" smtClean="0"/>
+              <a:rPr lang="en-US" dirty="0" smtClean="0">
+                <a:latin typeface="Times New Roman" pitchFamily="18" charset="0"/>
+                <a:cs typeface="Times New Roman" pitchFamily="18" charset="0"/>
+              </a:rPr>
               <a:t> </a:t>
             </a:r>
             <a:r>
-              <a:rPr lang="en-US" dirty="0" err="1" smtClean="0"/>
+              <a:rPr lang="en-US" dirty="0" err="1" smtClean="0">
+                <a:latin typeface="Times New Roman" pitchFamily="18" charset="0"/>
+                <a:cs typeface="Times New Roman" pitchFamily="18" charset="0"/>
+              </a:rPr>
               <a:t>sudah</a:t>
             </a:r>
             <a:r>
-              <a:rPr lang="en-US" dirty="0" smtClean="0"/>
+              <a:rPr lang="en-US" dirty="0" smtClean="0">
+                <a:latin typeface="Times New Roman" pitchFamily="18" charset="0"/>
+                <a:cs typeface="Times New Roman" pitchFamily="18" charset="0"/>
+              </a:rPr>
               <a:t> </a:t>
             </a:r>
             <a:r>
-              <a:rPr lang="en-US" dirty="0" err="1" smtClean="0"/>
+              <a:rPr lang="en-US" dirty="0" err="1" smtClean="0">
+                <a:latin typeface="Times New Roman" pitchFamily="18" charset="0"/>
+                <a:cs typeface="Times New Roman" pitchFamily="18" charset="0"/>
+              </a:rPr>
               <a:t>benar</a:t>
             </a:r>
             <a:r>
-              <a:rPr lang="en-US" dirty="0" smtClean="0"/>
+              <a:rPr lang="en-US" dirty="0" smtClean="0">
+                <a:latin typeface="Times New Roman" pitchFamily="18" charset="0"/>
+                <a:cs typeface="Times New Roman" pitchFamily="18" charset="0"/>
+              </a:rPr>
               <a:t> – </a:t>
             </a:r>
             <a:r>
-              <a:rPr lang="en-US" dirty="0" err="1" smtClean="0"/>
+              <a:rPr lang="en-US" dirty="0" err="1" smtClean="0">
+                <a:latin typeface="Times New Roman" pitchFamily="18" charset="0"/>
+                <a:cs typeface="Times New Roman" pitchFamily="18" charset="0"/>
+              </a:rPr>
               <a:t>benar</a:t>
             </a:r>
             <a:r>
-              <a:rPr lang="en-US" dirty="0" smtClean="0"/>
+              <a:rPr lang="en-US" dirty="0" smtClean="0">
+                <a:latin typeface="Times New Roman" pitchFamily="18" charset="0"/>
+                <a:cs typeface="Times New Roman" pitchFamily="18" charset="0"/>
+              </a:rPr>
               <a:t> </a:t>
             </a:r>
             <a:r>
-              <a:rPr lang="en-US" dirty="0" err="1" smtClean="0"/>
+              <a:rPr lang="en-US" dirty="0" err="1" smtClean="0">
+                <a:latin typeface="Times New Roman" pitchFamily="18" charset="0"/>
+                <a:cs typeface="Times New Roman" pitchFamily="18" charset="0"/>
+              </a:rPr>
               <a:t>sulit</a:t>
             </a:r>
             <a:r>
-              <a:rPr lang="en-US" dirty="0" smtClean="0"/>
+              <a:rPr lang="en-US" dirty="0" smtClean="0">
+                <a:latin typeface="Times New Roman" pitchFamily="18" charset="0"/>
+                <a:cs typeface="Times New Roman" pitchFamily="18" charset="0"/>
+              </a:rPr>
               <a:t> </a:t>
             </a:r>
             <a:r>
-              <a:rPr lang="en-US" dirty="0" err="1" smtClean="0"/>
+              <a:rPr lang="en-US" dirty="0" err="1" smtClean="0">
+                <a:latin typeface="Times New Roman" pitchFamily="18" charset="0"/>
+                <a:cs typeface="Times New Roman" pitchFamily="18" charset="0"/>
+              </a:rPr>
               <a:t>untuk</a:t>
             </a:r>
             <a:r>
-              <a:rPr lang="en-US" dirty="0" smtClean="0"/>
+              <a:rPr lang="en-US" dirty="0" smtClean="0">
+                <a:latin typeface="Times New Roman" pitchFamily="18" charset="0"/>
+                <a:cs typeface="Times New Roman" pitchFamily="18" charset="0"/>
+              </a:rPr>
               <a:t> </a:t>
             </a:r>
             <a:r>
-              <a:rPr lang="en-US" dirty="0" err="1" smtClean="0"/>
+              <a:rPr lang="en-US" dirty="0" err="1" smtClean="0">
+                <a:latin typeface="Times New Roman" pitchFamily="18" charset="0"/>
+                <a:cs typeface="Times New Roman" pitchFamily="18" charset="0"/>
+              </a:rPr>
               <a:t>dibobol</a:t>
             </a:r>
             <a:r>
-              <a:rPr lang="en-US" dirty="0" smtClean="0"/>
+              <a:rPr lang="en-US" dirty="0" smtClean="0">
+                <a:latin typeface="Times New Roman" pitchFamily="18" charset="0"/>
+                <a:cs typeface="Times New Roman" pitchFamily="18" charset="0"/>
+              </a:rPr>
               <a:t>.</a:t>
             </a:r>
           </a:p>
           <a:p>
             <a:r>
-              <a:rPr lang="en-US" dirty="0" smtClean="0"/>
+              <a:rPr lang="en-US" dirty="0" smtClean="0">
+                <a:latin typeface="Times New Roman" pitchFamily="18" charset="0"/>
+                <a:cs typeface="Times New Roman" pitchFamily="18" charset="0"/>
+              </a:rPr>
               <a:t>3. </a:t>
             </a:r>
             <a:r>
-              <a:rPr lang="en-US" dirty="0" err="1" smtClean="0"/>
+              <a:rPr lang="en-US" dirty="0" err="1" smtClean="0">
+                <a:latin typeface="Times New Roman" pitchFamily="18" charset="0"/>
+                <a:cs typeface="Times New Roman" pitchFamily="18" charset="0"/>
+              </a:rPr>
               <a:t>adanya</a:t>
             </a:r>
             <a:r>
-              <a:rPr lang="en-US" dirty="0" smtClean="0"/>
+              <a:rPr lang="en-US" dirty="0" smtClean="0">
+                <a:latin typeface="Times New Roman" pitchFamily="18" charset="0"/>
+                <a:cs typeface="Times New Roman" pitchFamily="18" charset="0"/>
+              </a:rPr>
               <a:t> </a:t>
             </a:r>
             <a:r>
-              <a:rPr lang="en-US" dirty="0" err="1" smtClean="0"/>
+              <a:rPr lang="en-US" dirty="0" err="1" smtClean="0">
+                <a:latin typeface="Times New Roman" pitchFamily="18" charset="0"/>
+                <a:cs typeface="Times New Roman" pitchFamily="18" charset="0"/>
+              </a:rPr>
               <a:t>sangsi</a:t>
             </a:r>
             <a:r>
-              <a:rPr lang="en-US" dirty="0" smtClean="0"/>
+              <a:rPr lang="en-US" dirty="0" smtClean="0">
+                <a:latin typeface="Times New Roman" pitchFamily="18" charset="0"/>
+                <a:cs typeface="Times New Roman" pitchFamily="18" charset="0"/>
+              </a:rPr>
               <a:t> </a:t>
             </a:r>
             <a:r>
-              <a:rPr lang="en-US" dirty="0" err="1" smtClean="0"/>
+              <a:rPr lang="en-US" dirty="0" err="1" smtClean="0">
+                <a:latin typeface="Times New Roman" pitchFamily="18" charset="0"/>
+                <a:cs typeface="Times New Roman" pitchFamily="18" charset="0"/>
+              </a:rPr>
               <a:t>keras</a:t>
             </a:r>
             <a:r>
-              <a:rPr lang="en-US" dirty="0" smtClean="0"/>
+              <a:rPr lang="en-US" dirty="0" smtClean="0">
+                <a:latin typeface="Times New Roman" pitchFamily="18" charset="0"/>
+                <a:cs typeface="Times New Roman" pitchFamily="18" charset="0"/>
+              </a:rPr>
               <a:t> </a:t>
             </a:r>
             <a:r>
-              <a:rPr lang="en-US" dirty="0" err="1" smtClean="0"/>
+              <a:rPr lang="en-US" dirty="0" err="1" smtClean="0">
+                <a:latin typeface="Times New Roman" pitchFamily="18" charset="0"/>
+                <a:cs typeface="Times New Roman" pitchFamily="18" charset="0"/>
+              </a:rPr>
               <a:t>terhadap</a:t>
             </a:r>
             <a:r>
-              <a:rPr lang="en-US" dirty="0" smtClean="0"/>
+              <a:rPr lang="en-US" dirty="0" smtClean="0">
+                <a:latin typeface="Times New Roman" pitchFamily="18" charset="0"/>
+                <a:cs typeface="Times New Roman" pitchFamily="18" charset="0"/>
+              </a:rPr>
               <a:t> </a:t>
             </a:r>
             <a:r>
-              <a:rPr lang="en-US" dirty="0" err="1" smtClean="0"/>
+              <a:rPr lang="en-US" dirty="0" err="1" smtClean="0">
+                <a:latin typeface="Times New Roman" pitchFamily="18" charset="0"/>
+                <a:cs typeface="Times New Roman" pitchFamily="18" charset="0"/>
+              </a:rPr>
               <a:t>penyalahgunaan</a:t>
             </a:r>
             <a:r>
-              <a:rPr lang="en-US" dirty="0" smtClean="0"/>
+              <a:rPr lang="en-US" dirty="0" smtClean="0">
+                <a:latin typeface="Times New Roman" pitchFamily="18" charset="0"/>
+                <a:cs typeface="Times New Roman" pitchFamily="18" charset="0"/>
+              </a:rPr>
               <a:t> internet.</a:t>
             </a:r>
           </a:p>
           <a:p>
             <a:r>
-              <a:rPr lang="en-US" dirty="0" smtClean="0"/>
+              <a:rPr lang="en-US" dirty="0" smtClean="0">
+                <a:latin typeface="Times New Roman" pitchFamily="18" charset="0"/>
+                <a:cs typeface="Times New Roman" pitchFamily="18" charset="0"/>
+              </a:rPr>
               <a:t>4. </a:t>
             </a:r>
             <a:r>
-              <a:rPr lang="en-US" dirty="0" err="1" smtClean="0"/>
+              <a:rPr lang="en-US" dirty="0" err="1" smtClean="0">
+                <a:latin typeface="Times New Roman" pitchFamily="18" charset="0"/>
+                <a:cs typeface="Times New Roman" pitchFamily="18" charset="0"/>
+              </a:rPr>
               <a:t>merefisi</a:t>
             </a:r>
             <a:r>
-              <a:rPr lang="en-US" dirty="0" smtClean="0"/>
+              <a:rPr lang="en-US" dirty="0" smtClean="0">
+                <a:latin typeface="Times New Roman" pitchFamily="18" charset="0"/>
+                <a:cs typeface="Times New Roman" pitchFamily="18" charset="0"/>
+              </a:rPr>
               <a:t> </a:t>
             </a:r>
             <a:r>
-              <a:rPr lang="en-US" dirty="0" err="1" smtClean="0"/>
+              <a:rPr lang="en-US" dirty="0" err="1" smtClean="0">
+                <a:latin typeface="Times New Roman" pitchFamily="18" charset="0"/>
+                <a:cs typeface="Times New Roman" pitchFamily="18" charset="0"/>
+              </a:rPr>
               <a:t>undang</a:t>
             </a:r>
             <a:r>
-              <a:rPr lang="en-US" dirty="0" smtClean="0"/>
+              <a:rPr lang="en-US" dirty="0" smtClean="0">
+                <a:latin typeface="Times New Roman" pitchFamily="18" charset="0"/>
+                <a:cs typeface="Times New Roman" pitchFamily="18" charset="0"/>
+              </a:rPr>
               <a:t> – </a:t>
             </a:r>
             <a:r>
-              <a:rPr lang="en-US" dirty="0" err="1" smtClean="0"/>
+              <a:rPr lang="en-US" dirty="0" err="1" smtClean="0">
+                <a:latin typeface="Times New Roman" pitchFamily="18" charset="0"/>
+                <a:cs typeface="Times New Roman" pitchFamily="18" charset="0"/>
+              </a:rPr>
               <a:t>undang</a:t>
             </a:r>
             <a:r>
-              <a:rPr lang="en-US" dirty="0" smtClean="0"/>
+              <a:rPr lang="en-US" dirty="0" smtClean="0">
+                <a:latin typeface="Times New Roman" pitchFamily="18" charset="0"/>
+                <a:cs typeface="Times New Roman" pitchFamily="18" charset="0"/>
+              </a:rPr>
               <a:t> ITE </a:t>
             </a:r>
             <a:r>
-              <a:rPr lang="en-US" dirty="0" err="1" smtClean="0"/>
+              <a:rPr lang="en-US" dirty="0" err="1" smtClean="0">
+                <a:latin typeface="Times New Roman" pitchFamily="18" charset="0"/>
+                <a:cs typeface="Times New Roman" pitchFamily="18" charset="0"/>
+              </a:rPr>
               <a:t>menjadi</a:t>
             </a:r>
             <a:r>
-              <a:rPr lang="en-US" dirty="0" smtClean="0"/>
+              <a:rPr lang="en-US" dirty="0" smtClean="0">
+                <a:latin typeface="Times New Roman" pitchFamily="18" charset="0"/>
+                <a:cs typeface="Times New Roman" pitchFamily="18" charset="0"/>
+              </a:rPr>
               <a:t> </a:t>
             </a:r>
             <a:r>
-              <a:rPr lang="en-US" dirty="0" err="1" smtClean="0"/>
+              <a:rPr lang="en-US" dirty="0" err="1" smtClean="0">
+                <a:latin typeface="Times New Roman" pitchFamily="18" charset="0"/>
+                <a:cs typeface="Times New Roman" pitchFamily="18" charset="0"/>
+              </a:rPr>
               <a:t>lebih</a:t>
             </a:r>
             <a:r>
-              <a:rPr lang="en-US" dirty="0" smtClean="0"/>
+              <a:rPr lang="en-US" dirty="0" smtClean="0">
+                <a:latin typeface="Times New Roman" pitchFamily="18" charset="0"/>
+                <a:cs typeface="Times New Roman" pitchFamily="18" charset="0"/>
+              </a:rPr>
               <a:t> </a:t>
             </a:r>
             <a:r>
-              <a:rPr lang="en-US" dirty="0" err="1" smtClean="0"/>
+              <a:rPr lang="en-US" dirty="0" err="1" smtClean="0">
+                <a:latin typeface="Times New Roman" pitchFamily="18" charset="0"/>
+                <a:cs typeface="Times New Roman" pitchFamily="18" charset="0"/>
+              </a:rPr>
               <a:t>jelas</a:t>
             </a:r>
             <a:r>
-              <a:rPr lang="en-US" dirty="0" smtClean="0"/>
+              <a:rPr lang="en-US" dirty="0" smtClean="0">
+                <a:latin typeface="Times New Roman" pitchFamily="18" charset="0"/>
+                <a:cs typeface="Times New Roman" pitchFamily="18" charset="0"/>
+              </a:rPr>
               <a:t> </a:t>
             </a:r>
             <a:r>
-              <a:rPr lang="en-US" dirty="0" err="1" smtClean="0"/>
+              <a:rPr lang="en-US" dirty="0" err="1" smtClean="0">
+                <a:latin typeface="Times New Roman" pitchFamily="18" charset="0"/>
+                <a:cs typeface="Times New Roman" pitchFamily="18" charset="0"/>
+              </a:rPr>
               <a:t>jeratan</a:t>
             </a:r>
             <a:r>
-              <a:rPr lang="en-US" dirty="0" smtClean="0"/>
+              <a:rPr lang="en-US" dirty="0" smtClean="0">
+                <a:latin typeface="Times New Roman" pitchFamily="18" charset="0"/>
+                <a:cs typeface="Times New Roman" pitchFamily="18" charset="0"/>
+              </a:rPr>
               <a:t> </a:t>
             </a:r>
             <a:r>
-              <a:rPr lang="en-US" dirty="0" err="1" smtClean="0"/>
+              <a:rPr lang="en-US" dirty="0" err="1" smtClean="0">
+                <a:latin typeface="Times New Roman" pitchFamily="18" charset="0"/>
+                <a:cs typeface="Times New Roman" pitchFamily="18" charset="0"/>
+              </a:rPr>
               <a:t>hukumnya</a:t>
             </a:r>
             <a:r>
-              <a:rPr lang="en-US" dirty="0" smtClean="0"/>
+              <a:rPr lang="en-US" dirty="0" smtClean="0">
+                <a:latin typeface="Times New Roman" pitchFamily="18" charset="0"/>
+                <a:cs typeface="Times New Roman" pitchFamily="18" charset="0"/>
+              </a:rPr>
               <a:t>.</a:t>
             </a:r>
           </a:p>
@@ -21045,7 +21219,7 @@
     </p:spTree>
     <p:extLst>
       <p:ext uri="{BB962C8B-B14F-4D97-AF65-F5344CB8AC3E}">
-        <p14:creationId xmlns:p14="http://schemas.microsoft.com/office/powerpoint/2010/main" xmlns="" val="2910849362"/>
+        <p14:creationId xmlns="" xmlns:p14="http://schemas.microsoft.com/office/powerpoint/2010/main" val="2910849362"/>
       </p:ext>
     </p:extLst>
   </p:cSld>
@@ -21518,7 +21692,7 @@
     </p:spTree>
     <p:extLst>
       <p:ext uri="{BB962C8B-B14F-4D97-AF65-F5344CB8AC3E}">
-        <p14:creationId xmlns:p14="http://schemas.microsoft.com/office/powerpoint/2010/main" xmlns="" val="1715396240"/>
+        <p14:creationId xmlns="" xmlns:p14="http://schemas.microsoft.com/office/powerpoint/2010/main" val="1715396240"/>
       </p:ext>
     </p:extLst>
   </p:cSld>
@@ -21928,7 +22102,7 @@
           <a:blip r:embed="rId2">
             <a:extLst>
               <a:ext uri="{28A0092B-C50C-407E-A947-70E740481C1C}">
-                <a14:useLocalDpi xmlns:a14="http://schemas.microsoft.com/office/drawing/2010/main" xmlns="" val="0"/>
+                <a14:useLocalDpi xmlns="" xmlns:a14="http://schemas.microsoft.com/office/drawing/2010/main" val="0"/>
               </a:ext>
             </a:extLst>
           </a:blip>
@@ -21949,7 +22123,7 @@
     </p:spTree>
     <p:extLst>
       <p:ext uri="{BB962C8B-B14F-4D97-AF65-F5344CB8AC3E}">
-        <p14:creationId xmlns:p14="http://schemas.microsoft.com/office/powerpoint/2010/main" xmlns="" val="3349968423"/>
+        <p14:creationId xmlns="" xmlns:p14="http://schemas.microsoft.com/office/powerpoint/2010/main" val="3349968423"/>
       </p:ext>
     </p:extLst>
   </p:cSld>
@@ -24415,7 +24589,7 @@
     </p:spTree>
     <p:extLst>
       <p:ext uri="{BB962C8B-B14F-4D97-AF65-F5344CB8AC3E}">
-        <p14:creationId xmlns:p14="http://schemas.microsoft.com/office/powerpoint/2010/main" xmlns="" val="4077646618"/>
+        <p14:creationId xmlns="" xmlns:p14="http://schemas.microsoft.com/office/powerpoint/2010/main" val="4077646618"/>
       </p:ext>
     </p:extLst>
   </p:cSld>
@@ -25458,7 +25632,7 @@
           <a:blip r:embed="rId2">
             <a:extLst>
               <a:ext uri="{28A0092B-C50C-407E-A947-70E740481C1C}">
-                <a14:useLocalDpi xmlns:a14="http://schemas.microsoft.com/office/drawing/2010/main" xmlns="" val="0"/>
+                <a14:useLocalDpi xmlns="" xmlns:a14="http://schemas.microsoft.com/office/drawing/2010/main" val="0"/>
               </a:ext>
             </a:extLst>
           </a:blip>
@@ -25479,7 +25653,7 @@
     </p:spTree>
     <p:extLst>
       <p:ext uri="{BB962C8B-B14F-4D97-AF65-F5344CB8AC3E}">
-        <p14:creationId xmlns:p14="http://schemas.microsoft.com/office/powerpoint/2010/main" xmlns="" val="2772349537"/>
+        <p14:creationId xmlns="" xmlns:p14="http://schemas.microsoft.com/office/powerpoint/2010/main" val="2772349537"/>
       </p:ext>
     </p:extLst>
   </p:cSld>
@@ -26428,7 +26602,7 @@
     </p:spTree>
     <p:extLst>
       <p:ext uri="{BB962C8B-B14F-4D97-AF65-F5344CB8AC3E}">
-        <p14:creationId xmlns:p14="http://schemas.microsoft.com/office/powerpoint/2010/main" xmlns="" val="2922175094"/>
+        <p14:creationId xmlns="" xmlns:p14="http://schemas.microsoft.com/office/powerpoint/2010/main" val="2922175094"/>
       </p:ext>
     </p:extLst>
   </p:cSld>
@@ -27253,7 +27427,7 @@
     </p:spTree>
     <p:extLst>
       <p:ext uri="{BB962C8B-B14F-4D97-AF65-F5344CB8AC3E}">
-        <p14:creationId xmlns:p14="http://schemas.microsoft.com/office/powerpoint/2010/main" xmlns="" val="3355884736"/>
+        <p14:creationId xmlns="" xmlns:p14="http://schemas.microsoft.com/office/powerpoint/2010/main" val="3355884736"/>
       </p:ext>
     </p:extLst>
   </p:cSld>
@@ -27978,7 +28152,7 @@
     </p:spTree>
     <p:extLst>
       <p:ext uri="{BB962C8B-B14F-4D97-AF65-F5344CB8AC3E}">
-        <p14:creationId xmlns:p14="http://schemas.microsoft.com/office/powerpoint/2010/main" xmlns="" val="2676742917"/>
+        <p14:creationId xmlns="" xmlns:p14="http://schemas.microsoft.com/office/powerpoint/2010/main" val="2676742917"/>
       </p:ext>
     </p:extLst>
   </p:cSld>
@@ -28647,7 +28821,7 @@
     </p:spTree>
     <p:extLst>
       <p:ext uri="{BB962C8B-B14F-4D97-AF65-F5344CB8AC3E}">
-        <p14:creationId xmlns:p14="http://schemas.microsoft.com/office/powerpoint/2010/main" xmlns="" val="4241905287"/>
+        <p14:creationId xmlns="" xmlns:p14="http://schemas.microsoft.com/office/powerpoint/2010/main" val="4241905287"/>
       </p:ext>
     </p:extLst>
   </p:cSld>
@@ -29185,7 +29359,7 @@
   <a:extraClrSchemeLst/>
   <a:extLst>
     <a:ext uri="{05A4C25C-085E-4340-85A3-A5531E510DB2}">
-      <thm15:themeFamily xmlns:thm15="http://schemas.microsoft.com/office/thememl/2012/main" xmlns="" name="Integral" id="{3577F8C9-A904-41D8-97D2-FD898F53F20E}" vid="{682D6EBE-8D36-4FF2-9DB3-F3D8D7B6715D}"/>
+      <thm15:themeFamily xmlns="" xmlns:thm15="http://schemas.microsoft.com/office/thememl/2012/main" name="Integral" id="{3577F8C9-A904-41D8-97D2-FD898F53F20E}" vid="{682D6EBE-8D36-4FF2-9DB3-F3D8D7B6715D}"/>
     </a:ext>
   </a:extLst>
 </a:theme>

--- a/pptpresentasieptikhacking-140615110436-phpapp01.pptx
+++ b/pptpresentasieptikhacking-140615110436-phpapp01.pptx
@@ -13,8 +13,10 @@
     <p:sldId id="266" r:id="rId7"/>
     <p:sldId id="261" r:id="rId8"/>
     <p:sldId id="262" r:id="rId9"/>
-    <p:sldId id="263" r:id="rId10"/>
-    <p:sldId id="264" r:id="rId11"/>
+    <p:sldId id="267" r:id="rId10"/>
+    <p:sldId id="263" r:id="rId11"/>
+    <p:sldId id="264" r:id="rId12"/>
+    <p:sldId id="268" r:id="rId13"/>
   </p:sldIdLst>
   <p:sldSz cx="12192000" cy="6858000"/>
   <p:notesSz cx="6858000" cy="9144000"/>
@@ -115,7 +117,7 @@
   </p:defaultTextStyle>
   <p:extLst>
     <p:ext uri="{EFAFB233-063F-42B5-8137-9DF3F51BA10A}">
-      <p15:sldGuideLst xmlns="" xmlns:p15="http://schemas.microsoft.com/office/powerpoint/2012/main">
+      <p15:sldGuideLst xmlns:p15="http://schemas.microsoft.com/office/powerpoint/2012/main" xmlns="">
         <p15:guide id="1" orient="horz" pos="2160">
           <p15:clr>
             <a:srgbClr val="A4A3A4"/>
@@ -8926,7 +8928,7 @@
             <a:fld id="{500C9B02-63A3-4BC9-94F1-A91AB2B1B62F}" type="datetimeFigureOut">
               <a:rPr lang="en-US" smtClean="0"/>
               <a:pPr/>
-              <a:t>6/17/2015</a:t>
+              <a:t>6/20/2015</a:t>
             </a:fld>
             <a:endParaRPr lang="en-US"/>
           </a:p>
@@ -9015,7 +9017,7 @@
     </p:spTree>
     <p:extLst>
       <p:ext uri="{BB962C8B-B14F-4D97-AF65-F5344CB8AC3E}">
-        <p14:creationId xmlns="" xmlns:p14="http://schemas.microsoft.com/office/powerpoint/2010/main" val="3654701431"/>
+        <p14:creationId xmlns:p14="http://schemas.microsoft.com/office/powerpoint/2010/main" xmlns="" val="3654701431"/>
       </p:ext>
     </p:extLst>
   </p:cSld>
@@ -9135,7 +9137,7 @@
             <a:fld id="{500C9B02-63A3-4BC9-94F1-A91AB2B1B62F}" type="datetimeFigureOut">
               <a:rPr lang="en-US" smtClean="0"/>
               <a:pPr/>
-              <a:t>6/17/2015</a:t>
+              <a:t>6/20/2015</a:t>
             </a:fld>
             <a:endParaRPr lang="en-US"/>
           </a:p>
@@ -9187,7 +9189,7 @@
     </p:spTree>
     <p:extLst>
       <p:ext uri="{BB962C8B-B14F-4D97-AF65-F5344CB8AC3E}">
-        <p14:creationId xmlns="" xmlns:p14="http://schemas.microsoft.com/office/powerpoint/2010/main" val="1541394338"/>
+        <p14:creationId xmlns:p14="http://schemas.microsoft.com/office/powerpoint/2010/main" xmlns="" val="1541394338"/>
       </p:ext>
     </p:extLst>
   </p:cSld>
@@ -9317,7 +9319,7 @@
             <a:fld id="{500C9B02-63A3-4BC9-94F1-A91AB2B1B62F}" type="datetimeFigureOut">
               <a:rPr lang="en-US" smtClean="0"/>
               <a:pPr/>
-              <a:t>6/17/2015</a:t>
+              <a:t>6/20/2015</a:t>
             </a:fld>
             <a:endParaRPr lang="en-US"/>
           </a:p>
@@ -9404,7 +9406,7 @@
     </p:spTree>
     <p:extLst>
       <p:ext uri="{BB962C8B-B14F-4D97-AF65-F5344CB8AC3E}">
-        <p14:creationId xmlns="" xmlns:p14="http://schemas.microsoft.com/office/powerpoint/2010/main" val="3398663238"/>
+        <p14:creationId xmlns:p14="http://schemas.microsoft.com/office/powerpoint/2010/main" xmlns="" val="3398663238"/>
       </p:ext>
     </p:extLst>
   </p:cSld>
@@ -9524,7 +9526,7 @@
             <a:fld id="{500C9B02-63A3-4BC9-94F1-A91AB2B1B62F}" type="datetimeFigureOut">
               <a:rPr lang="en-US" smtClean="0"/>
               <a:pPr/>
-              <a:t>6/17/2015</a:t>
+              <a:t>6/20/2015</a:t>
             </a:fld>
             <a:endParaRPr lang="en-US"/>
           </a:p>
@@ -9576,7 +9578,7 @@
     </p:spTree>
     <p:extLst>
       <p:ext uri="{BB962C8B-B14F-4D97-AF65-F5344CB8AC3E}">
-        <p14:creationId xmlns="" xmlns:p14="http://schemas.microsoft.com/office/powerpoint/2010/main" val="3505705185"/>
+        <p14:creationId xmlns:p14="http://schemas.microsoft.com/office/powerpoint/2010/main" xmlns="" val="3505705185"/>
       </p:ext>
     </p:extLst>
   </p:cSld>
@@ -18424,7 +18426,7 @@
             <a:fld id="{500C9B02-63A3-4BC9-94F1-A91AB2B1B62F}" type="datetimeFigureOut">
               <a:rPr lang="en-US" smtClean="0"/>
               <a:pPr/>
-              <a:t>6/17/2015</a:t>
+              <a:t>6/20/2015</a:t>
             </a:fld>
             <a:endParaRPr lang="en-US"/>
           </a:p>
@@ -18513,7 +18515,7 @@
     </p:spTree>
     <p:extLst>
       <p:ext uri="{BB962C8B-B14F-4D97-AF65-F5344CB8AC3E}">
-        <p14:creationId xmlns="" xmlns:p14="http://schemas.microsoft.com/office/powerpoint/2010/main" val="3284221378"/>
+        <p14:creationId xmlns:p14="http://schemas.microsoft.com/office/powerpoint/2010/main" xmlns="" val="3284221378"/>
       </p:ext>
     </p:extLst>
   </p:cSld>
@@ -18700,7 +18702,7 @@
             <a:fld id="{500C9B02-63A3-4BC9-94F1-A91AB2B1B62F}" type="datetimeFigureOut">
               <a:rPr lang="en-US" smtClean="0"/>
               <a:pPr/>
-              <a:t>6/17/2015</a:t>
+              <a:t>6/20/2015</a:t>
             </a:fld>
             <a:endParaRPr lang="en-US"/>
           </a:p>
@@ -18752,7 +18754,7 @@
     </p:spTree>
     <p:extLst>
       <p:ext uri="{BB962C8B-B14F-4D97-AF65-F5344CB8AC3E}">
-        <p14:creationId xmlns="" xmlns:p14="http://schemas.microsoft.com/office/powerpoint/2010/main" val="526306287"/>
+        <p14:creationId xmlns:p14="http://schemas.microsoft.com/office/powerpoint/2010/main" xmlns="" val="526306287"/>
       </p:ext>
     </p:extLst>
   </p:cSld>
@@ -19100,7 +19102,7 @@
             <a:fld id="{500C9B02-63A3-4BC9-94F1-A91AB2B1B62F}" type="datetimeFigureOut">
               <a:rPr lang="en-US" smtClean="0"/>
               <a:pPr/>
-              <a:t>6/17/2015</a:t>
+              <a:t>6/20/2015</a:t>
             </a:fld>
             <a:endParaRPr lang="en-US"/>
           </a:p>
@@ -19152,7 +19154,7 @@
     </p:spTree>
     <p:extLst>
       <p:ext uri="{BB962C8B-B14F-4D97-AF65-F5344CB8AC3E}">
-        <p14:creationId xmlns="" xmlns:p14="http://schemas.microsoft.com/office/powerpoint/2010/main" val="4293701871"/>
+        <p14:creationId xmlns:p14="http://schemas.microsoft.com/office/powerpoint/2010/main" xmlns="" val="4293701871"/>
       </p:ext>
     </p:extLst>
   </p:cSld>
@@ -19220,7 +19222,7 @@
             <a:fld id="{500C9B02-63A3-4BC9-94F1-A91AB2B1B62F}" type="datetimeFigureOut">
               <a:rPr lang="en-US" smtClean="0"/>
               <a:pPr/>
-              <a:t>6/17/2015</a:t>
+              <a:t>6/20/2015</a:t>
             </a:fld>
             <a:endParaRPr lang="en-US"/>
           </a:p>
@@ -19272,7 +19274,7 @@
     </p:spTree>
     <p:extLst>
       <p:ext uri="{BB962C8B-B14F-4D97-AF65-F5344CB8AC3E}">
-        <p14:creationId xmlns="" xmlns:p14="http://schemas.microsoft.com/office/powerpoint/2010/main" val="4212152486"/>
+        <p14:creationId xmlns:p14="http://schemas.microsoft.com/office/powerpoint/2010/main" xmlns="" val="4212152486"/>
       </p:ext>
     </p:extLst>
   </p:cSld>
@@ -19317,7 +19319,7 @@
             <a:fld id="{500C9B02-63A3-4BC9-94F1-A91AB2B1B62F}" type="datetimeFigureOut">
               <a:rPr lang="en-US" smtClean="0"/>
               <a:pPr/>
-              <a:t>6/17/2015</a:t>
+              <a:t>6/20/2015</a:t>
             </a:fld>
             <a:endParaRPr lang="en-US"/>
           </a:p>
@@ -19369,7 +19371,7 @@
     </p:spTree>
     <p:extLst>
       <p:ext uri="{BB962C8B-B14F-4D97-AF65-F5344CB8AC3E}">
-        <p14:creationId xmlns="" xmlns:p14="http://schemas.microsoft.com/office/powerpoint/2010/main" val="490336406"/>
+        <p14:creationId xmlns:p14="http://schemas.microsoft.com/office/powerpoint/2010/main" xmlns="" val="490336406"/>
       </p:ext>
     </p:extLst>
   </p:cSld>
@@ -19609,7 +19611,7 @@
             <a:fld id="{500C9B02-63A3-4BC9-94F1-A91AB2B1B62F}" type="datetimeFigureOut">
               <a:rPr lang="en-US" smtClean="0"/>
               <a:pPr/>
-              <a:t>6/17/2015</a:t>
+              <a:t>6/20/2015</a:t>
             </a:fld>
             <a:endParaRPr lang="en-US"/>
           </a:p>
@@ -19661,7 +19663,7 @@
     </p:spTree>
     <p:extLst>
       <p:ext uri="{BB962C8B-B14F-4D97-AF65-F5344CB8AC3E}">
-        <p14:creationId xmlns="" xmlns:p14="http://schemas.microsoft.com/office/powerpoint/2010/main" val="3525253028"/>
+        <p14:creationId xmlns:p14="http://schemas.microsoft.com/office/powerpoint/2010/main" xmlns="" val="3525253028"/>
       </p:ext>
     </p:extLst>
   </p:cSld>
@@ -19891,7 +19893,7 @@
             <a:fld id="{500C9B02-63A3-4BC9-94F1-A91AB2B1B62F}" type="datetimeFigureOut">
               <a:rPr lang="en-US" smtClean="0"/>
               <a:pPr/>
-              <a:t>6/17/2015</a:t>
+              <a:t>6/20/2015</a:t>
             </a:fld>
             <a:endParaRPr lang="en-US"/>
           </a:p>
@@ -19978,7 +19980,7 @@
     </p:spTree>
     <p:extLst>
       <p:ext uri="{BB962C8B-B14F-4D97-AF65-F5344CB8AC3E}">
-        <p14:creationId xmlns="" xmlns:p14="http://schemas.microsoft.com/office/powerpoint/2010/main" val="3471977317"/>
+        <p14:creationId xmlns:p14="http://schemas.microsoft.com/office/powerpoint/2010/main" xmlns="" val="3471977317"/>
       </p:ext>
     </p:extLst>
   </p:cSld>
@@ -20143,7 +20145,7 @@
             <a:fld id="{500C9B02-63A3-4BC9-94F1-A91AB2B1B62F}" type="datetimeFigureOut">
               <a:rPr lang="en-US" smtClean="0"/>
               <a:pPr/>
-              <a:t>6/17/2015</a:t>
+              <a:t>6/20/2015</a:t>
             </a:fld>
             <a:endParaRPr lang="en-US"/>
           </a:p>
@@ -20270,7 +20272,7 @@
     </p:spTree>
     <p:extLst>
       <p:ext uri="{BB962C8B-B14F-4D97-AF65-F5344CB8AC3E}">
-        <p14:creationId xmlns="" xmlns:p14="http://schemas.microsoft.com/office/powerpoint/2010/main" val="1352232978"/>
+        <p14:creationId xmlns:p14="http://schemas.microsoft.com/office/powerpoint/2010/main" xmlns="" val="1352232978"/>
       </p:ext>
     </p:extLst>
   </p:cSld>
@@ -20721,7 +20723,7 @@
     </p:spTree>
     <p:extLst>
       <p:ext uri="{BB962C8B-B14F-4D97-AF65-F5344CB8AC3E}">
-        <p14:creationId xmlns="" xmlns:p14="http://schemas.microsoft.com/office/powerpoint/2010/main" val="3420847315"/>
+        <p14:creationId xmlns:p14="http://schemas.microsoft.com/office/powerpoint/2010/main" xmlns="" val="3420847315"/>
       </p:ext>
     </p:extLst>
   </p:cSld>
@@ -20772,6 +20774,725 @@
           <a:p>
             <a:r>
               <a:rPr lang="en-US" dirty="0" smtClean="0"/>
+              <a:t>PENYEBAB TERJADINYA HACKING</a:t>
+            </a:r>
+            <a:endParaRPr lang="en-US" dirty="0"/>
+          </a:p>
+        </p:txBody>
+      </p:sp>
+      <p:sp>
+        <p:nvSpPr>
+          <p:cNvPr id="3" name="Content Placeholder 2"/>
+          <p:cNvSpPr>
+            <a:spLocks noGrp="1"/>
+          </p:cNvSpPr>
+          <p:nvPr>
+            <p:ph idx="1"/>
+          </p:nvPr>
+        </p:nvSpPr>
+        <p:spPr/>
+        <p:txBody>
+          <a:bodyPr>
+            <a:normAutofit/>
+          </a:bodyPr>
+          <a:lstStyle/>
+          <a:p>
+            <a:pPr marL="128016" lvl="1" indent="0">
+              <a:buNone/>
+            </a:pPr>
+            <a:r>
+              <a:rPr lang="en-US" sz="2200" dirty="0">
+                <a:latin typeface="Times New Roman" pitchFamily="18" charset="0"/>
+                <a:cs typeface="Times New Roman" pitchFamily="18" charset="0"/>
+              </a:rPr>
+              <a:t>	</a:t>
+            </a:r>
+            <a:r>
+              <a:rPr lang="id-ID" sz="2200" dirty="0" err="1" smtClean="0">
+                <a:latin typeface="Times New Roman" pitchFamily="18" charset="0"/>
+                <a:cs typeface="Times New Roman" pitchFamily="18" charset="0"/>
+              </a:rPr>
+              <a:t>P</a:t>
+            </a:r>
+            <a:r>
+              <a:rPr lang="en-US" sz="2200" dirty="0" err="1" smtClean="0">
+                <a:latin typeface="Times New Roman" pitchFamily="18" charset="0"/>
+                <a:cs typeface="Times New Roman" pitchFamily="18" charset="0"/>
+              </a:rPr>
+              <a:t>enyebab</a:t>
+            </a:r>
+            <a:r>
+              <a:rPr lang="en-US" sz="2200" dirty="0" smtClean="0">
+                <a:latin typeface="Times New Roman" pitchFamily="18" charset="0"/>
+                <a:cs typeface="Times New Roman" pitchFamily="18" charset="0"/>
+              </a:rPr>
+              <a:t> </a:t>
+            </a:r>
+            <a:r>
+              <a:rPr lang="en-US" sz="2200" dirty="0" err="1" smtClean="0">
+                <a:latin typeface="Times New Roman" pitchFamily="18" charset="0"/>
+                <a:cs typeface="Times New Roman" pitchFamily="18" charset="0"/>
+              </a:rPr>
+              <a:t>terjadinya</a:t>
+            </a:r>
+            <a:r>
+              <a:rPr lang="en-US" sz="2200" dirty="0" smtClean="0">
+                <a:latin typeface="Times New Roman" pitchFamily="18" charset="0"/>
+                <a:cs typeface="Times New Roman" pitchFamily="18" charset="0"/>
+              </a:rPr>
+              <a:t> hacking </a:t>
+            </a:r>
+            <a:r>
+              <a:rPr lang="en-US" sz="2200" dirty="0" err="1" smtClean="0">
+                <a:latin typeface="Times New Roman" pitchFamily="18" charset="0"/>
+                <a:cs typeface="Times New Roman" pitchFamily="18" charset="0"/>
+              </a:rPr>
+              <a:t>biasanya</a:t>
+            </a:r>
+            <a:r>
+              <a:rPr lang="en-US" sz="2200" dirty="0" smtClean="0">
+                <a:latin typeface="Times New Roman" pitchFamily="18" charset="0"/>
+                <a:cs typeface="Times New Roman" pitchFamily="18" charset="0"/>
+              </a:rPr>
+              <a:t> </a:t>
+            </a:r>
+            <a:r>
+              <a:rPr lang="en-US" sz="2200" dirty="0" err="1" smtClean="0">
+                <a:latin typeface="Times New Roman" pitchFamily="18" charset="0"/>
+                <a:cs typeface="Times New Roman" pitchFamily="18" charset="0"/>
+              </a:rPr>
+              <a:t>dilandasi</a:t>
+            </a:r>
+            <a:r>
+              <a:rPr lang="en-US" sz="2200" dirty="0" smtClean="0">
+                <a:latin typeface="Times New Roman" pitchFamily="18" charset="0"/>
+                <a:cs typeface="Times New Roman" pitchFamily="18" charset="0"/>
+              </a:rPr>
+              <a:t> </a:t>
+            </a:r>
+            <a:r>
+              <a:rPr lang="en-US" sz="2200" dirty="0" err="1" smtClean="0">
+                <a:latin typeface="Times New Roman" pitchFamily="18" charset="0"/>
+                <a:cs typeface="Times New Roman" pitchFamily="18" charset="0"/>
+              </a:rPr>
+              <a:t>dengan</a:t>
+            </a:r>
+            <a:r>
+              <a:rPr lang="en-US" sz="2200" dirty="0" smtClean="0">
+                <a:latin typeface="Times New Roman" pitchFamily="18" charset="0"/>
+                <a:cs typeface="Times New Roman" pitchFamily="18" charset="0"/>
+              </a:rPr>
+              <a:t> </a:t>
+            </a:r>
+            <a:r>
+              <a:rPr lang="en-US" sz="2200" dirty="0" err="1" smtClean="0">
+                <a:latin typeface="Times New Roman" pitchFamily="18" charset="0"/>
+                <a:cs typeface="Times New Roman" pitchFamily="18" charset="0"/>
+              </a:rPr>
+              <a:t>beberapa</a:t>
+            </a:r>
+            <a:r>
+              <a:rPr lang="en-US" sz="2200" dirty="0" smtClean="0">
+                <a:latin typeface="Times New Roman" pitchFamily="18" charset="0"/>
+                <a:cs typeface="Times New Roman" pitchFamily="18" charset="0"/>
+              </a:rPr>
+              <a:t> </a:t>
+            </a:r>
+            <a:r>
+              <a:rPr lang="en-US" sz="2200" dirty="0" err="1" smtClean="0">
+                <a:latin typeface="Times New Roman" pitchFamily="18" charset="0"/>
+                <a:cs typeface="Times New Roman" pitchFamily="18" charset="0"/>
+              </a:rPr>
+              <a:t>hal</a:t>
+            </a:r>
+            <a:r>
+              <a:rPr lang="en-US" sz="2200" dirty="0" smtClean="0">
+                <a:latin typeface="Times New Roman" pitchFamily="18" charset="0"/>
+                <a:cs typeface="Times New Roman" pitchFamily="18" charset="0"/>
+              </a:rPr>
+              <a:t> :</a:t>
+            </a:r>
+          </a:p>
+          <a:p>
+            <a:pPr marL="470916" lvl="1" indent="-342900">
+              <a:buAutoNum type="arabicPeriod"/>
+            </a:pPr>
+            <a:r>
+              <a:rPr lang="en-US" sz="2200" dirty="0" smtClean="0">
+                <a:latin typeface="Times New Roman" pitchFamily="18" charset="0"/>
+                <a:cs typeface="Times New Roman" pitchFamily="18" charset="0"/>
+              </a:rPr>
+              <a:t>Rasa </a:t>
+            </a:r>
+            <a:r>
+              <a:rPr lang="en-US" sz="2200" dirty="0" err="1" smtClean="0">
+                <a:latin typeface="Times New Roman" pitchFamily="18" charset="0"/>
+                <a:cs typeface="Times New Roman" pitchFamily="18" charset="0"/>
+              </a:rPr>
+              <a:t>ingin</a:t>
+            </a:r>
+            <a:r>
+              <a:rPr lang="en-US" sz="2200" dirty="0" smtClean="0">
+                <a:latin typeface="Times New Roman" pitchFamily="18" charset="0"/>
+                <a:cs typeface="Times New Roman" pitchFamily="18" charset="0"/>
+              </a:rPr>
+              <a:t> </a:t>
+            </a:r>
+            <a:r>
+              <a:rPr lang="en-US" sz="2200" dirty="0" err="1" smtClean="0">
+                <a:latin typeface="Times New Roman" pitchFamily="18" charset="0"/>
+                <a:cs typeface="Times New Roman" pitchFamily="18" charset="0"/>
+              </a:rPr>
+              <a:t>tahu</a:t>
+            </a:r>
+            <a:r>
+              <a:rPr lang="en-US" sz="2200" dirty="0" smtClean="0">
+                <a:latin typeface="Times New Roman" pitchFamily="18" charset="0"/>
+                <a:cs typeface="Times New Roman" pitchFamily="18" charset="0"/>
+              </a:rPr>
+              <a:t> </a:t>
+            </a:r>
+            <a:r>
+              <a:rPr lang="en-US" sz="2200" dirty="0" err="1" smtClean="0">
+                <a:latin typeface="Times New Roman" pitchFamily="18" charset="0"/>
+                <a:cs typeface="Times New Roman" pitchFamily="18" charset="0"/>
+              </a:rPr>
+              <a:t>akan</a:t>
+            </a:r>
+            <a:r>
+              <a:rPr lang="en-US" sz="2200" dirty="0" smtClean="0">
+                <a:latin typeface="Times New Roman" pitchFamily="18" charset="0"/>
+                <a:cs typeface="Times New Roman" pitchFamily="18" charset="0"/>
+              </a:rPr>
+              <a:t> </a:t>
+            </a:r>
+            <a:r>
+              <a:rPr lang="en-US" sz="2200" dirty="0" err="1" smtClean="0">
+                <a:latin typeface="Times New Roman" pitchFamily="18" charset="0"/>
+                <a:cs typeface="Times New Roman" pitchFamily="18" charset="0"/>
+              </a:rPr>
+              <a:t>suatu</a:t>
+            </a:r>
+            <a:r>
+              <a:rPr lang="en-US" sz="2200" dirty="0" smtClean="0">
+                <a:latin typeface="Times New Roman" pitchFamily="18" charset="0"/>
+                <a:cs typeface="Times New Roman" pitchFamily="18" charset="0"/>
+              </a:rPr>
+              <a:t> system </a:t>
+            </a:r>
+            <a:r>
+              <a:rPr lang="en-US" sz="2200" dirty="0" err="1" smtClean="0">
+                <a:latin typeface="Times New Roman" pitchFamily="18" charset="0"/>
+                <a:cs typeface="Times New Roman" pitchFamily="18" charset="0"/>
+              </a:rPr>
+              <a:t>keamananya</a:t>
+            </a:r>
+            <a:r>
+              <a:rPr lang="en-US" sz="2200" dirty="0" smtClean="0">
+                <a:latin typeface="Times New Roman" pitchFamily="18" charset="0"/>
+                <a:cs typeface="Times New Roman" pitchFamily="18" charset="0"/>
+              </a:rPr>
+              <a:t>.</a:t>
+            </a:r>
+          </a:p>
+          <a:p>
+            <a:pPr marL="470916" lvl="1" indent="-342900">
+              <a:buAutoNum type="arabicPeriod"/>
+            </a:pPr>
+            <a:r>
+              <a:rPr lang="en-US" sz="2200" dirty="0" err="1" smtClean="0">
+                <a:latin typeface="Times New Roman" pitchFamily="18" charset="0"/>
+                <a:cs typeface="Times New Roman" pitchFamily="18" charset="0"/>
+              </a:rPr>
+              <a:t>Penggunaan</a:t>
+            </a:r>
+            <a:r>
+              <a:rPr lang="en-US" sz="2200" dirty="0" smtClean="0">
+                <a:latin typeface="Times New Roman" pitchFamily="18" charset="0"/>
+                <a:cs typeface="Times New Roman" pitchFamily="18" charset="0"/>
+              </a:rPr>
+              <a:t> internet </a:t>
+            </a:r>
+            <a:r>
+              <a:rPr lang="en-US" sz="2200" dirty="0" err="1" smtClean="0">
+                <a:latin typeface="Times New Roman" pitchFamily="18" charset="0"/>
+                <a:cs typeface="Times New Roman" pitchFamily="18" charset="0"/>
+              </a:rPr>
+              <a:t>yg</a:t>
+            </a:r>
+            <a:r>
+              <a:rPr lang="en-US" sz="2200" dirty="0" smtClean="0">
+                <a:latin typeface="Times New Roman" pitchFamily="18" charset="0"/>
+                <a:cs typeface="Times New Roman" pitchFamily="18" charset="0"/>
+              </a:rPr>
+              <a:t> </a:t>
+            </a:r>
+            <a:r>
+              <a:rPr lang="en-US" sz="2200" dirty="0" err="1" smtClean="0">
+                <a:latin typeface="Times New Roman" pitchFamily="18" charset="0"/>
+                <a:cs typeface="Times New Roman" pitchFamily="18" charset="0"/>
+              </a:rPr>
+              <a:t>tak</a:t>
+            </a:r>
+            <a:r>
+              <a:rPr lang="en-US" sz="2200" dirty="0" smtClean="0">
+                <a:latin typeface="Times New Roman" pitchFamily="18" charset="0"/>
+                <a:cs typeface="Times New Roman" pitchFamily="18" charset="0"/>
+              </a:rPr>
+              <a:t> </a:t>
+            </a:r>
+            <a:r>
+              <a:rPr lang="en-US" sz="2200" dirty="0" err="1" smtClean="0">
+                <a:latin typeface="Times New Roman" pitchFamily="18" charset="0"/>
+                <a:cs typeface="Times New Roman" pitchFamily="18" charset="0"/>
+              </a:rPr>
+              <a:t>terbatas</a:t>
+            </a:r>
+            <a:r>
+              <a:rPr lang="en-US" sz="2200" dirty="0" smtClean="0">
+                <a:latin typeface="Times New Roman" pitchFamily="18" charset="0"/>
+                <a:cs typeface="Times New Roman" pitchFamily="18" charset="0"/>
+              </a:rPr>
+              <a:t>.</a:t>
+            </a:r>
+          </a:p>
+          <a:p>
+            <a:pPr marL="470916" lvl="1" indent="-342900">
+              <a:buAutoNum type="arabicPeriod"/>
+            </a:pPr>
+            <a:r>
+              <a:rPr lang="en-US" sz="2200" dirty="0" err="1" smtClean="0">
+                <a:latin typeface="Times New Roman" pitchFamily="18" charset="0"/>
+                <a:cs typeface="Times New Roman" pitchFamily="18" charset="0"/>
+              </a:rPr>
+              <a:t>Dapat</a:t>
+            </a:r>
+            <a:r>
+              <a:rPr lang="en-US" sz="2200" dirty="0" smtClean="0">
+                <a:latin typeface="Times New Roman" pitchFamily="18" charset="0"/>
+                <a:cs typeface="Times New Roman" pitchFamily="18" charset="0"/>
+              </a:rPr>
+              <a:t> </a:t>
+            </a:r>
+            <a:r>
+              <a:rPr lang="en-US" sz="2200" dirty="0" err="1" smtClean="0">
+                <a:latin typeface="Times New Roman" pitchFamily="18" charset="0"/>
+                <a:cs typeface="Times New Roman" pitchFamily="18" charset="0"/>
+              </a:rPr>
+              <a:t>dilakukan</a:t>
+            </a:r>
+            <a:r>
+              <a:rPr lang="en-US" sz="2200" dirty="0" smtClean="0">
+                <a:latin typeface="Times New Roman" pitchFamily="18" charset="0"/>
+                <a:cs typeface="Times New Roman" pitchFamily="18" charset="0"/>
+              </a:rPr>
+              <a:t> </a:t>
+            </a:r>
+            <a:r>
+              <a:rPr lang="en-US" sz="2200" dirty="0" err="1" smtClean="0">
+                <a:latin typeface="Times New Roman" pitchFamily="18" charset="0"/>
+                <a:cs typeface="Times New Roman" pitchFamily="18" charset="0"/>
+              </a:rPr>
+              <a:t>dimana</a:t>
+            </a:r>
+            <a:r>
+              <a:rPr lang="en-US" sz="2200" dirty="0" smtClean="0">
+                <a:latin typeface="Times New Roman" pitchFamily="18" charset="0"/>
+                <a:cs typeface="Times New Roman" pitchFamily="18" charset="0"/>
+              </a:rPr>
+              <a:t> </a:t>
+            </a:r>
+            <a:r>
+              <a:rPr lang="en-US" sz="2200" dirty="0" err="1" smtClean="0">
+                <a:latin typeface="Times New Roman" pitchFamily="18" charset="0"/>
+                <a:cs typeface="Times New Roman" pitchFamily="18" charset="0"/>
+              </a:rPr>
+              <a:t>saja</a:t>
+            </a:r>
+            <a:r>
+              <a:rPr lang="en-US" sz="2200" dirty="0">
+                <a:latin typeface="Times New Roman" pitchFamily="18" charset="0"/>
+                <a:cs typeface="Times New Roman" pitchFamily="18" charset="0"/>
+              </a:rPr>
+              <a:t> </a:t>
+            </a:r>
+            <a:r>
+              <a:rPr lang="en-US" sz="2200" dirty="0" err="1" smtClean="0">
+                <a:latin typeface="Times New Roman" pitchFamily="18" charset="0"/>
+                <a:cs typeface="Times New Roman" pitchFamily="18" charset="0"/>
+              </a:rPr>
+              <a:t>asalkan</a:t>
+            </a:r>
+            <a:r>
+              <a:rPr lang="en-US" sz="2200" dirty="0" smtClean="0">
+                <a:latin typeface="Times New Roman" pitchFamily="18" charset="0"/>
+                <a:cs typeface="Times New Roman" pitchFamily="18" charset="0"/>
+              </a:rPr>
+              <a:t> </a:t>
+            </a:r>
+            <a:r>
+              <a:rPr lang="en-US" sz="2200" dirty="0" err="1" smtClean="0">
+                <a:latin typeface="Times New Roman" pitchFamily="18" charset="0"/>
+                <a:cs typeface="Times New Roman" pitchFamily="18" charset="0"/>
+              </a:rPr>
+              <a:t>terhubung</a:t>
+            </a:r>
+            <a:r>
+              <a:rPr lang="en-US" sz="2200" dirty="0" smtClean="0">
+                <a:latin typeface="Times New Roman" pitchFamily="18" charset="0"/>
+                <a:cs typeface="Times New Roman" pitchFamily="18" charset="0"/>
+              </a:rPr>
+              <a:t> </a:t>
+            </a:r>
+            <a:r>
+              <a:rPr lang="en-US" sz="2200" dirty="0" err="1" smtClean="0">
+                <a:latin typeface="Times New Roman" pitchFamily="18" charset="0"/>
+                <a:cs typeface="Times New Roman" pitchFamily="18" charset="0"/>
+              </a:rPr>
+              <a:t>dengan</a:t>
+            </a:r>
+            <a:r>
+              <a:rPr lang="en-US" sz="2200" dirty="0" smtClean="0">
+                <a:latin typeface="Times New Roman" pitchFamily="18" charset="0"/>
+                <a:cs typeface="Times New Roman" pitchFamily="18" charset="0"/>
+              </a:rPr>
+              <a:t> internet.</a:t>
+            </a:r>
+          </a:p>
+          <a:p>
+            <a:pPr marL="470916" lvl="1" indent="-342900">
+              <a:buAutoNum type="arabicPeriod"/>
+            </a:pPr>
+            <a:r>
+              <a:rPr lang="en-US" sz="2200" dirty="0" err="1" smtClean="0">
+                <a:latin typeface="Times New Roman" pitchFamily="18" charset="0"/>
+                <a:cs typeface="Times New Roman" pitchFamily="18" charset="0"/>
+              </a:rPr>
+              <a:t>Iseng</a:t>
+            </a:r>
+            <a:r>
+              <a:rPr lang="en-US" sz="2200" dirty="0" smtClean="0">
+                <a:latin typeface="Times New Roman" pitchFamily="18" charset="0"/>
+                <a:cs typeface="Times New Roman" pitchFamily="18" charset="0"/>
+              </a:rPr>
+              <a:t>.</a:t>
+            </a:r>
+          </a:p>
+        </p:txBody>
+      </p:sp>
+    </p:spTree>
+    <p:extLst>
+      <p:ext uri="{BB962C8B-B14F-4D97-AF65-F5344CB8AC3E}">
+        <p14:creationId xmlns:p14="http://schemas.microsoft.com/office/powerpoint/2010/main" xmlns="" val="4241905287"/>
+      </p:ext>
+    </p:extLst>
+  </p:cSld>
+  <p:clrMapOvr>
+    <a:masterClrMapping/>
+  </p:clrMapOvr>
+  <p:timing>
+    <p:tnLst>
+      <p:par>
+        <p:cTn id="1" dur="indefinite" restart="never" nodeType="tmRoot">
+          <p:childTnLst>
+            <p:seq concurrent="1" nextAc="seek">
+              <p:cTn id="2" dur="indefinite" nodeType="mainSeq">
+                <p:childTnLst>
+                  <p:par>
+                    <p:cTn id="3" fill="hold">
+                      <p:stCondLst>
+                        <p:cond delay="indefinite"/>
+                      </p:stCondLst>
+                      <p:childTnLst>
+                        <p:par>
+                          <p:cTn id="4" fill="hold">
+                            <p:stCondLst>
+                              <p:cond delay="0"/>
+                            </p:stCondLst>
+                            <p:childTnLst>
+                              <p:par>
+                                <p:cTn id="5" presetID="6" presetClass="entr" presetSubtype="16" fill="hold" grpId="0" nodeType="clickEffect">
+                                  <p:stCondLst>
+                                    <p:cond delay="0"/>
+                                  </p:stCondLst>
+                                  <p:childTnLst>
+                                    <p:set>
+                                      <p:cBhvr>
+                                        <p:cTn id="6" dur="1" fill="hold">
+                                          <p:stCondLst>
+                                            <p:cond delay="0"/>
+                                          </p:stCondLst>
+                                        </p:cTn>
+                                        <p:tgtEl>
+                                          <p:spTgt spid="3">
+                                            <p:txEl>
+                                              <p:pRg st="0" end="0"/>
+                                            </p:txEl>
+                                          </p:spTgt>
+                                        </p:tgtEl>
+                                        <p:attrNameLst>
+                                          <p:attrName>style.visibility</p:attrName>
+                                        </p:attrNameLst>
+                                      </p:cBhvr>
+                                      <p:to>
+                                        <p:strVal val="visible"/>
+                                      </p:to>
+                                    </p:set>
+                                    <p:animEffect transition="in" filter="circle(in)">
+                                      <p:cBhvr>
+                                        <p:cTn id="7" dur="2000"/>
+                                        <p:tgtEl>
+                                          <p:spTgt spid="3">
+                                            <p:txEl>
+                                              <p:pRg st="0" end="0"/>
+                                            </p:txEl>
+                                          </p:spTgt>
+                                        </p:tgtEl>
+                                      </p:cBhvr>
+                                    </p:animEffect>
+                                  </p:childTnLst>
+                                </p:cTn>
+                              </p:par>
+                              <p:par>
+                                <p:cTn id="8" presetID="6" presetClass="entr" presetSubtype="16" fill="hold" grpId="0" nodeType="withEffect">
+                                  <p:stCondLst>
+                                    <p:cond delay="0"/>
+                                  </p:stCondLst>
+                                  <p:childTnLst>
+                                    <p:set>
+                                      <p:cBhvr>
+                                        <p:cTn id="9" dur="1" fill="hold">
+                                          <p:stCondLst>
+                                            <p:cond delay="0"/>
+                                          </p:stCondLst>
+                                        </p:cTn>
+                                        <p:tgtEl>
+                                          <p:spTgt spid="3">
+                                            <p:txEl>
+                                              <p:pRg st="1" end="1"/>
+                                            </p:txEl>
+                                          </p:spTgt>
+                                        </p:tgtEl>
+                                        <p:attrNameLst>
+                                          <p:attrName>style.visibility</p:attrName>
+                                        </p:attrNameLst>
+                                      </p:cBhvr>
+                                      <p:to>
+                                        <p:strVal val="visible"/>
+                                      </p:to>
+                                    </p:set>
+                                    <p:animEffect transition="in" filter="circle(in)">
+                                      <p:cBhvr>
+                                        <p:cTn id="10" dur="2000"/>
+                                        <p:tgtEl>
+                                          <p:spTgt spid="3">
+                                            <p:txEl>
+                                              <p:pRg st="1" end="1"/>
+                                            </p:txEl>
+                                          </p:spTgt>
+                                        </p:tgtEl>
+                                      </p:cBhvr>
+                                    </p:animEffect>
+                                  </p:childTnLst>
+                                </p:cTn>
+                              </p:par>
+                              <p:par>
+                                <p:cTn id="11" presetID="6" presetClass="entr" presetSubtype="16" fill="hold" grpId="0" nodeType="withEffect">
+                                  <p:stCondLst>
+                                    <p:cond delay="0"/>
+                                  </p:stCondLst>
+                                  <p:childTnLst>
+                                    <p:set>
+                                      <p:cBhvr>
+                                        <p:cTn id="12" dur="1" fill="hold">
+                                          <p:stCondLst>
+                                            <p:cond delay="0"/>
+                                          </p:stCondLst>
+                                        </p:cTn>
+                                        <p:tgtEl>
+                                          <p:spTgt spid="3">
+                                            <p:txEl>
+                                              <p:pRg st="2" end="2"/>
+                                            </p:txEl>
+                                          </p:spTgt>
+                                        </p:tgtEl>
+                                        <p:attrNameLst>
+                                          <p:attrName>style.visibility</p:attrName>
+                                        </p:attrNameLst>
+                                      </p:cBhvr>
+                                      <p:to>
+                                        <p:strVal val="visible"/>
+                                      </p:to>
+                                    </p:set>
+                                    <p:animEffect transition="in" filter="circle(in)">
+                                      <p:cBhvr>
+                                        <p:cTn id="13" dur="2000"/>
+                                        <p:tgtEl>
+                                          <p:spTgt spid="3">
+                                            <p:txEl>
+                                              <p:pRg st="2" end="2"/>
+                                            </p:txEl>
+                                          </p:spTgt>
+                                        </p:tgtEl>
+                                      </p:cBhvr>
+                                    </p:animEffect>
+                                  </p:childTnLst>
+                                </p:cTn>
+                              </p:par>
+                              <p:par>
+                                <p:cTn id="14" presetID="6" presetClass="entr" presetSubtype="16" fill="hold" grpId="0" nodeType="withEffect">
+                                  <p:stCondLst>
+                                    <p:cond delay="0"/>
+                                  </p:stCondLst>
+                                  <p:childTnLst>
+                                    <p:set>
+                                      <p:cBhvr>
+                                        <p:cTn id="15" dur="1" fill="hold">
+                                          <p:stCondLst>
+                                            <p:cond delay="0"/>
+                                          </p:stCondLst>
+                                        </p:cTn>
+                                        <p:tgtEl>
+                                          <p:spTgt spid="3">
+                                            <p:txEl>
+                                              <p:pRg st="3" end="3"/>
+                                            </p:txEl>
+                                          </p:spTgt>
+                                        </p:tgtEl>
+                                        <p:attrNameLst>
+                                          <p:attrName>style.visibility</p:attrName>
+                                        </p:attrNameLst>
+                                      </p:cBhvr>
+                                      <p:to>
+                                        <p:strVal val="visible"/>
+                                      </p:to>
+                                    </p:set>
+                                    <p:animEffect transition="in" filter="circle(in)">
+                                      <p:cBhvr>
+                                        <p:cTn id="16" dur="2000"/>
+                                        <p:tgtEl>
+                                          <p:spTgt spid="3">
+                                            <p:txEl>
+                                              <p:pRg st="3" end="3"/>
+                                            </p:txEl>
+                                          </p:spTgt>
+                                        </p:tgtEl>
+                                      </p:cBhvr>
+                                    </p:animEffect>
+                                  </p:childTnLst>
+                                </p:cTn>
+                              </p:par>
+                              <p:par>
+                                <p:cTn id="17" presetID="6" presetClass="entr" presetSubtype="16" fill="hold" grpId="0" nodeType="withEffect">
+                                  <p:stCondLst>
+                                    <p:cond delay="0"/>
+                                  </p:stCondLst>
+                                  <p:childTnLst>
+                                    <p:set>
+                                      <p:cBhvr>
+                                        <p:cTn id="18" dur="1" fill="hold">
+                                          <p:stCondLst>
+                                            <p:cond delay="0"/>
+                                          </p:stCondLst>
+                                        </p:cTn>
+                                        <p:tgtEl>
+                                          <p:spTgt spid="3">
+                                            <p:txEl>
+                                              <p:pRg st="4" end="4"/>
+                                            </p:txEl>
+                                          </p:spTgt>
+                                        </p:tgtEl>
+                                        <p:attrNameLst>
+                                          <p:attrName>style.visibility</p:attrName>
+                                        </p:attrNameLst>
+                                      </p:cBhvr>
+                                      <p:to>
+                                        <p:strVal val="visible"/>
+                                      </p:to>
+                                    </p:set>
+                                    <p:animEffect transition="in" filter="circle(in)">
+                                      <p:cBhvr>
+                                        <p:cTn id="19" dur="2000"/>
+                                        <p:tgtEl>
+                                          <p:spTgt spid="3">
+                                            <p:txEl>
+                                              <p:pRg st="4" end="4"/>
+                                            </p:txEl>
+                                          </p:spTgt>
+                                        </p:tgtEl>
+                                      </p:cBhvr>
+                                    </p:animEffect>
+                                  </p:childTnLst>
+                                </p:cTn>
+                              </p:par>
+                            </p:childTnLst>
+                          </p:cTn>
+                        </p:par>
+                      </p:childTnLst>
+                    </p:cTn>
+                  </p:par>
+                </p:childTnLst>
+              </p:cTn>
+              <p:prevCondLst>
+                <p:cond evt="onPrev" delay="0">
+                  <p:tgtEl>
+                    <p:sldTgt/>
+                  </p:tgtEl>
+                </p:cond>
+              </p:prevCondLst>
+              <p:nextCondLst>
+                <p:cond evt="onNext" delay="0">
+                  <p:tgtEl>
+                    <p:sldTgt/>
+                  </p:tgtEl>
+                </p:cond>
+              </p:nextCondLst>
+            </p:seq>
+          </p:childTnLst>
+        </p:cTn>
+      </p:par>
+    </p:tnLst>
+    <p:bldLst>
+      <p:bldP spid="3" grpId="0" build="p"/>
+    </p:bldLst>
+  </p:timing>
+</p:sld>
+</file>
+
+<file path=ppt/slides/slide11.xml><?xml version="1.0" encoding="utf-8"?>
+<p:sld xmlns:a="http://schemas.openxmlformats.org/drawingml/2006/main" xmlns:r="http://schemas.openxmlformats.org/officeDocument/2006/relationships" xmlns:p="http://schemas.openxmlformats.org/presentationml/2006/main">
+  <p:cSld>
+    <p:spTree>
+      <p:nvGrpSpPr>
+        <p:cNvPr id="1" name=""/>
+        <p:cNvGrpSpPr/>
+        <p:nvPr/>
+      </p:nvGrpSpPr>
+      <p:grpSpPr>
+        <a:xfrm>
+          <a:off x="0" y="0"/>
+          <a:ext cx="0" cy="0"/>
+          <a:chOff x="0" y="0"/>
+          <a:chExt cx="0" cy="0"/>
+        </a:xfrm>
+      </p:grpSpPr>
+      <p:sp>
+        <p:nvSpPr>
+          <p:cNvPr id="2" name="Title 1"/>
+          <p:cNvSpPr>
+            <a:spLocks noGrp="1"/>
+          </p:cNvSpPr>
+          <p:nvPr>
+            <p:ph type="title"/>
+          </p:nvPr>
+        </p:nvSpPr>
+        <p:spPr/>
+        <p:txBody>
+          <a:bodyPr/>
+          <a:lstStyle/>
+          <a:p>
+            <a:r>
+              <a:rPr lang="en-US" dirty="0" smtClean="0"/>
               <a:t>PENA</a:t>
             </a:r>
             <a:r>
@@ -21219,7 +21940,7 @@
     </p:spTree>
     <p:extLst>
       <p:ext uri="{BB962C8B-B14F-4D97-AF65-F5344CB8AC3E}">
-        <p14:creationId xmlns="" xmlns:p14="http://schemas.microsoft.com/office/powerpoint/2010/main" val="2910849362"/>
+        <p14:creationId xmlns:p14="http://schemas.microsoft.com/office/powerpoint/2010/main" xmlns="" val="2910849362"/>
       </p:ext>
     </p:extLst>
   </p:cSld>
@@ -21506,6 +22227,77 @@
 </p:sld>
 </file>
 
+<file path=ppt/slides/slide12.xml><?xml version="1.0" encoding="utf-8"?>
+<p:sld xmlns:a="http://schemas.openxmlformats.org/drawingml/2006/main" xmlns:r="http://schemas.openxmlformats.org/officeDocument/2006/relationships" xmlns:p="http://schemas.openxmlformats.org/presentationml/2006/main">
+  <p:cSld>
+    <p:spTree>
+      <p:nvGrpSpPr>
+        <p:cNvPr id="1" name=""/>
+        <p:cNvGrpSpPr/>
+        <p:nvPr/>
+      </p:nvGrpSpPr>
+      <p:grpSpPr>
+        <a:xfrm>
+          <a:off x="0" y="0"/>
+          <a:ext cx="0" cy="0"/>
+          <a:chOff x="0" y="0"/>
+          <a:chExt cx="0" cy="0"/>
+        </a:xfrm>
+      </p:grpSpPr>
+      <p:sp>
+        <p:nvSpPr>
+          <p:cNvPr id="2" name="Title 1"/>
+          <p:cNvSpPr>
+            <a:spLocks noGrp="1"/>
+          </p:cNvSpPr>
+          <p:nvPr>
+            <p:ph type="title"/>
+          </p:nvPr>
+        </p:nvSpPr>
+        <p:spPr/>
+        <p:txBody>
+          <a:bodyPr/>
+          <a:lstStyle/>
+          <a:p>
+            <a:r>
+              <a:rPr lang="en-US" dirty="0" err="1" smtClean="0"/>
+              <a:t>Etika</a:t>
+            </a:r>
+            <a:r>
+              <a:rPr lang="en-US" dirty="0" smtClean="0"/>
+              <a:t> hacking</a:t>
+            </a:r>
+            <a:endParaRPr lang="en-US" dirty="0"/>
+          </a:p>
+        </p:txBody>
+      </p:sp>
+      <p:sp>
+        <p:nvSpPr>
+          <p:cNvPr id="3" name="Content Placeholder 2"/>
+          <p:cNvSpPr>
+            <a:spLocks noGrp="1"/>
+          </p:cNvSpPr>
+          <p:nvPr>
+            <p:ph idx="1"/>
+          </p:nvPr>
+        </p:nvSpPr>
+        <p:spPr/>
+        <p:txBody>
+          <a:bodyPr/>
+          <a:lstStyle/>
+          <a:p>
+            <a:endParaRPr lang="en-US" dirty="0"/>
+          </a:p>
+        </p:txBody>
+      </p:sp>
+    </p:spTree>
+  </p:cSld>
+  <p:clrMapOvr>
+    <a:masterClrMapping/>
+  </p:clrMapOvr>
+</p:sld>
+</file>
+
 <file path=ppt/slides/slide2.xml><?xml version="1.0" encoding="utf-8"?>
 <p:sld xmlns:a="http://schemas.openxmlformats.org/drawingml/2006/main" xmlns:r="http://schemas.openxmlformats.org/officeDocument/2006/relationships" xmlns:p="http://schemas.openxmlformats.org/presentationml/2006/main">
   <p:cSld>
@@ -21692,7 +22484,7 @@
     </p:spTree>
     <p:extLst>
       <p:ext uri="{BB962C8B-B14F-4D97-AF65-F5344CB8AC3E}">
-        <p14:creationId xmlns="" xmlns:p14="http://schemas.microsoft.com/office/powerpoint/2010/main" val="1715396240"/>
+        <p14:creationId xmlns:p14="http://schemas.microsoft.com/office/powerpoint/2010/main" xmlns="" val="1715396240"/>
       </p:ext>
     </p:extLst>
   </p:cSld>
@@ -22102,7 +22894,7 @@
           <a:blip r:embed="rId2">
             <a:extLst>
               <a:ext uri="{28A0092B-C50C-407E-A947-70E740481C1C}">
-                <a14:useLocalDpi xmlns="" xmlns:a14="http://schemas.microsoft.com/office/drawing/2010/main" val="0"/>
+                <a14:useLocalDpi xmlns:a14="http://schemas.microsoft.com/office/drawing/2010/main" xmlns="" val="0"/>
               </a:ext>
             </a:extLst>
           </a:blip>
@@ -22123,7 +22915,7 @@
     </p:spTree>
     <p:extLst>
       <p:ext uri="{BB962C8B-B14F-4D97-AF65-F5344CB8AC3E}">
-        <p14:creationId xmlns="" xmlns:p14="http://schemas.microsoft.com/office/powerpoint/2010/main" val="3349968423"/>
+        <p14:creationId xmlns:p14="http://schemas.microsoft.com/office/powerpoint/2010/main" xmlns="" val="3349968423"/>
       </p:ext>
     </p:extLst>
   </p:cSld>
@@ -24589,7 +25381,7 @@
     </p:spTree>
     <p:extLst>
       <p:ext uri="{BB962C8B-B14F-4D97-AF65-F5344CB8AC3E}">
-        <p14:creationId xmlns="" xmlns:p14="http://schemas.microsoft.com/office/powerpoint/2010/main" val="4077646618"/>
+        <p14:creationId xmlns:p14="http://schemas.microsoft.com/office/powerpoint/2010/main" xmlns="" val="4077646618"/>
       </p:ext>
     </p:extLst>
   </p:cSld>
@@ -25632,7 +26424,7 @@
           <a:blip r:embed="rId2">
             <a:extLst>
               <a:ext uri="{28A0092B-C50C-407E-A947-70E740481C1C}">
-                <a14:useLocalDpi xmlns="" xmlns:a14="http://schemas.microsoft.com/office/drawing/2010/main" val="0"/>
+                <a14:useLocalDpi xmlns:a14="http://schemas.microsoft.com/office/drawing/2010/main" xmlns="" val="0"/>
               </a:ext>
             </a:extLst>
           </a:blip>
@@ -25653,7 +26445,7 @@
     </p:spTree>
     <p:extLst>
       <p:ext uri="{BB962C8B-B14F-4D97-AF65-F5344CB8AC3E}">
-        <p14:creationId xmlns="" xmlns:p14="http://schemas.microsoft.com/office/powerpoint/2010/main" val="2772349537"/>
+        <p14:creationId xmlns:p14="http://schemas.microsoft.com/office/powerpoint/2010/main" xmlns="" val="2772349537"/>
       </p:ext>
     </p:extLst>
   </p:cSld>
@@ -26602,7 +27394,7 @@
     </p:spTree>
     <p:extLst>
       <p:ext uri="{BB962C8B-B14F-4D97-AF65-F5344CB8AC3E}">
-        <p14:creationId xmlns="" xmlns:p14="http://schemas.microsoft.com/office/powerpoint/2010/main" val="2922175094"/>
+        <p14:creationId xmlns:p14="http://schemas.microsoft.com/office/powerpoint/2010/main" xmlns="" val="2922175094"/>
       </p:ext>
     </p:extLst>
   </p:cSld>
@@ -27427,7 +28219,7 @@
     </p:spTree>
     <p:extLst>
       <p:ext uri="{BB962C8B-B14F-4D97-AF65-F5344CB8AC3E}">
-        <p14:creationId xmlns="" xmlns:p14="http://schemas.microsoft.com/office/powerpoint/2010/main" val="3355884736"/>
+        <p14:creationId xmlns:p14="http://schemas.microsoft.com/office/powerpoint/2010/main" xmlns="" val="3355884736"/>
       </p:ext>
     </p:extLst>
   </p:cSld>
@@ -28152,7 +28944,7 @@
     </p:spTree>
     <p:extLst>
       <p:ext uri="{BB962C8B-B14F-4D97-AF65-F5344CB8AC3E}">
-        <p14:creationId xmlns="" xmlns:p14="http://schemas.microsoft.com/office/powerpoint/2010/main" val="2676742917"/>
+        <p14:creationId xmlns:p14="http://schemas.microsoft.com/office/powerpoint/2010/main" xmlns="" val="2676742917"/>
       </p:ext>
     </p:extLst>
   </p:cSld>
@@ -28411,8 +29203,12 @@
           <a:lstStyle/>
           <a:p>
             <a:r>
+              <a:rPr lang="en-US" dirty="0" err="1" smtClean="0"/>
+              <a:t>Rangkuman</a:t>
+            </a:r>
+            <a:r>
               <a:rPr lang="en-US" dirty="0" smtClean="0"/>
-              <a:t>PENYEBAB TERJADINYA HACKING</a:t>
+              <a:t> Hacker</a:t>
             </a:r>
             <a:endParaRPr lang="en-US" dirty="0"/>
           </a:p>
@@ -28430,670 +29226,303 @@
         </p:nvSpPr>
         <p:spPr/>
         <p:txBody>
-          <a:bodyPr>
-            <a:normAutofit/>
-          </a:bodyPr>
+          <a:bodyPr/>
           <a:lstStyle/>
           <a:p>
-            <a:pPr marL="128016" lvl="1" indent="0">
+            <a:pPr>
               <a:buNone/>
             </a:pPr>
             <a:r>
-              <a:rPr lang="en-US" sz="2200" dirty="0">
-                <a:latin typeface="Times New Roman" pitchFamily="18" charset="0"/>
-                <a:cs typeface="Times New Roman" pitchFamily="18" charset="0"/>
-              </a:rPr>
-              <a:t>	</a:t>
-            </a:r>
-            <a:r>
-              <a:rPr lang="id-ID" sz="2200" dirty="0" err="1" smtClean="0">
-                <a:latin typeface="Times New Roman" pitchFamily="18" charset="0"/>
-                <a:cs typeface="Times New Roman" pitchFamily="18" charset="0"/>
-              </a:rPr>
-              <a:t>P</a:t>
-            </a:r>
-            <a:r>
-              <a:rPr lang="en-US" sz="2200" dirty="0" err="1" smtClean="0">
-                <a:latin typeface="Times New Roman" pitchFamily="18" charset="0"/>
-                <a:cs typeface="Times New Roman" pitchFamily="18" charset="0"/>
-              </a:rPr>
-              <a:t>enyebab</a:t>
-            </a:r>
-            <a:r>
-              <a:rPr lang="en-US" sz="2200" dirty="0" smtClean="0">
-                <a:latin typeface="Times New Roman" pitchFamily="18" charset="0"/>
-                <a:cs typeface="Times New Roman" pitchFamily="18" charset="0"/>
-              </a:rPr>
+              <a:rPr lang="en-US" dirty="0" smtClean="0"/>
+              <a:t>1. </a:t>
+            </a:r>
+            <a:r>
+              <a:rPr lang="en-US" dirty="0" err="1" smtClean="0"/>
+              <a:t>Mempunyai</a:t>
+            </a:r>
+            <a:r>
+              <a:rPr lang="en-US" dirty="0" smtClean="0"/>
               <a:t> </a:t>
             </a:r>
             <a:r>
-              <a:rPr lang="en-US" sz="2200" dirty="0" err="1" smtClean="0">
-                <a:latin typeface="Times New Roman" pitchFamily="18" charset="0"/>
-                <a:cs typeface="Times New Roman" pitchFamily="18" charset="0"/>
-              </a:rPr>
-              <a:t>terjadinya</a:t>
-            </a:r>
-            <a:r>
-              <a:rPr lang="en-US" sz="2200" dirty="0" smtClean="0">
-                <a:latin typeface="Times New Roman" pitchFamily="18" charset="0"/>
-                <a:cs typeface="Times New Roman" pitchFamily="18" charset="0"/>
-              </a:rPr>
-              <a:t> hacking </a:t>
-            </a:r>
-            <a:r>
-              <a:rPr lang="en-US" sz="2200" dirty="0" err="1" smtClean="0">
-                <a:latin typeface="Times New Roman" pitchFamily="18" charset="0"/>
-                <a:cs typeface="Times New Roman" pitchFamily="18" charset="0"/>
-              </a:rPr>
-              <a:t>biasanya</a:t>
-            </a:r>
-            <a:r>
-              <a:rPr lang="en-US" sz="2200" dirty="0" smtClean="0">
-                <a:latin typeface="Times New Roman" pitchFamily="18" charset="0"/>
-                <a:cs typeface="Times New Roman" pitchFamily="18" charset="0"/>
-              </a:rPr>
+              <a:rPr lang="en-US" dirty="0" err="1" smtClean="0"/>
+              <a:t>kemampuan</a:t>
+            </a:r>
+            <a:r>
+              <a:rPr lang="en-US" dirty="0" smtClean="0"/>
               <a:t> </a:t>
             </a:r>
             <a:r>
-              <a:rPr lang="en-US" sz="2200" dirty="0" err="1" smtClean="0">
-                <a:latin typeface="Times New Roman" pitchFamily="18" charset="0"/>
-                <a:cs typeface="Times New Roman" pitchFamily="18" charset="0"/>
-              </a:rPr>
-              <a:t>dilandasi</a:t>
-            </a:r>
-            <a:r>
-              <a:rPr lang="en-US" sz="2200" dirty="0" smtClean="0">
-                <a:latin typeface="Times New Roman" pitchFamily="18" charset="0"/>
-                <a:cs typeface="Times New Roman" pitchFamily="18" charset="0"/>
-              </a:rPr>
+              <a:rPr lang="en-US" dirty="0" err="1" smtClean="0"/>
+              <a:t>menganalisa</a:t>
+            </a:r>
+            <a:r>
+              <a:rPr lang="en-US" dirty="0" smtClean="0"/>
               <a:t> </a:t>
             </a:r>
             <a:r>
-              <a:rPr lang="en-US" sz="2200" dirty="0" err="1" smtClean="0">
-                <a:latin typeface="Times New Roman" pitchFamily="18" charset="0"/>
-                <a:cs typeface="Times New Roman" pitchFamily="18" charset="0"/>
-              </a:rPr>
-              <a:t>dengan</a:t>
-            </a:r>
-            <a:r>
-              <a:rPr lang="en-US" sz="2200" dirty="0" smtClean="0">
-                <a:latin typeface="Times New Roman" pitchFamily="18" charset="0"/>
-                <a:cs typeface="Times New Roman" pitchFamily="18" charset="0"/>
-              </a:rPr>
+              <a:rPr lang="en-US" dirty="0" err="1" smtClean="0"/>
+              <a:t>kelemahan</a:t>
+            </a:r>
+            <a:r>
+              <a:rPr lang="en-US" dirty="0" smtClean="0"/>
               <a:t> </a:t>
             </a:r>
             <a:r>
-              <a:rPr lang="en-US" sz="2200" dirty="0" err="1" smtClean="0">
-                <a:latin typeface="Times New Roman" pitchFamily="18" charset="0"/>
-                <a:cs typeface="Times New Roman" pitchFamily="18" charset="0"/>
-              </a:rPr>
-              <a:t>beberapa</a:t>
-            </a:r>
-            <a:r>
-              <a:rPr lang="en-US" sz="2200" dirty="0" smtClean="0">
-                <a:latin typeface="Times New Roman" pitchFamily="18" charset="0"/>
-                <a:cs typeface="Times New Roman" pitchFamily="18" charset="0"/>
-              </a:rPr>
+              <a:rPr lang="en-US" dirty="0" err="1" smtClean="0"/>
+              <a:t>suatu</a:t>
+            </a:r>
+            <a:r>
+              <a:rPr lang="en-US" dirty="0" smtClean="0"/>
               <a:t> </a:t>
             </a:r>
             <a:r>
-              <a:rPr lang="en-US" sz="2200" dirty="0" err="1" smtClean="0">
-                <a:latin typeface="Times New Roman" pitchFamily="18" charset="0"/>
-                <a:cs typeface="Times New Roman" pitchFamily="18" charset="0"/>
-              </a:rPr>
-              <a:t>hal</a:t>
-            </a:r>
-            <a:r>
-              <a:rPr lang="en-US" sz="2200" dirty="0" smtClean="0">
-                <a:latin typeface="Times New Roman" pitchFamily="18" charset="0"/>
-                <a:cs typeface="Times New Roman" pitchFamily="18" charset="0"/>
-              </a:rPr>
-              <a:t> :</a:t>
+              <a:rPr lang="en-US" dirty="0" err="1" smtClean="0"/>
+              <a:t>sistem</a:t>
+            </a:r>
+            <a:r>
+              <a:rPr lang="en-US" dirty="0" smtClean="0"/>
+              <a:t> </a:t>
+            </a:r>
+            <a:r>
+              <a:rPr lang="en-US" dirty="0" err="1" smtClean="0"/>
+              <a:t>atau</a:t>
+            </a:r>
+            <a:r>
+              <a:rPr lang="en-US" dirty="0" smtClean="0"/>
+              <a:t> </a:t>
+            </a:r>
+            <a:r>
+              <a:rPr lang="en-US" dirty="0" err="1" smtClean="0"/>
+              <a:t>situs</a:t>
+            </a:r>
+            <a:r>
+              <a:rPr lang="en-US" dirty="0" smtClean="0"/>
+              <a:t>.</a:t>
             </a:r>
           </a:p>
           <a:p>
-            <a:pPr marL="470916" lvl="1" indent="-342900">
-              <a:buAutoNum type="arabicPeriod"/>
+            <a:pPr>
+              <a:buNone/>
             </a:pPr>
             <a:r>
-              <a:rPr lang="en-US" sz="2200" dirty="0" smtClean="0">
-                <a:latin typeface="Times New Roman" pitchFamily="18" charset="0"/>
-                <a:cs typeface="Times New Roman" pitchFamily="18" charset="0"/>
-              </a:rPr>
-              <a:t>Rasa </a:t>
-            </a:r>
-            <a:r>
-              <a:rPr lang="en-US" sz="2200" dirty="0" err="1" smtClean="0">
-                <a:latin typeface="Times New Roman" pitchFamily="18" charset="0"/>
-                <a:cs typeface="Times New Roman" pitchFamily="18" charset="0"/>
-              </a:rPr>
-              <a:t>ingin</a:t>
-            </a:r>
-            <a:r>
-              <a:rPr lang="en-US" sz="2200" dirty="0" smtClean="0">
-                <a:latin typeface="Times New Roman" pitchFamily="18" charset="0"/>
-                <a:cs typeface="Times New Roman" pitchFamily="18" charset="0"/>
-              </a:rPr>
+              <a:rPr lang="en-US" dirty="0" smtClean="0"/>
+              <a:t>2</a:t>
+            </a:r>
+            <a:r>
+              <a:rPr lang="en-US" dirty="0" smtClean="0"/>
+              <a:t>. Hacker </a:t>
+            </a:r>
+            <a:r>
+              <a:rPr lang="en-US" dirty="0" err="1" smtClean="0"/>
+              <a:t>mempunyai</a:t>
+            </a:r>
+            <a:r>
+              <a:rPr lang="en-US" dirty="0" smtClean="0"/>
               <a:t> </a:t>
             </a:r>
             <a:r>
-              <a:rPr lang="en-US" sz="2200" dirty="0" err="1" smtClean="0">
-                <a:latin typeface="Times New Roman" pitchFamily="18" charset="0"/>
-                <a:cs typeface="Times New Roman" pitchFamily="18" charset="0"/>
-              </a:rPr>
-              <a:t>tahu</a:t>
-            </a:r>
-            <a:r>
-              <a:rPr lang="en-US" sz="2200" dirty="0" smtClean="0">
-                <a:latin typeface="Times New Roman" pitchFamily="18" charset="0"/>
-                <a:cs typeface="Times New Roman" pitchFamily="18" charset="0"/>
-              </a:rPr>
+              <a:rPr lang="en-US" dirty="0" err="1" smtClean="0"/>
+              <a:t>etika</a:t>
+            </a:r>
+            <a:r>
+              <a:rPr lang="en-US" dirty="0" smtClean="0"/>
               <a:t> </a:t>
             </a:r>
             <a:r>
-              <a:rPr lang="en-US" sz="2200" dirty="0" err="1" smtClean="0">
-                <a:latin typeface="Times New Roman" pitchFamily="18" charset="0"/>
-                <a:cs typeface="Times New Roman" pitchFamily="18" charset="0"/>
-              </a:rPr>
-              <a:t>akan</a:t>
-            </a:r>
-            <a:r>
-              <a:rPr lang="en-US" sz="2200" dirty="0" smtClean="0">
-                <a:latin typeface="Times New Roman" pitchFamily="18" charset="0"/>
-                <a:cs typeface="Times New Roman" pitchFamily="18" charset="0"/>
-              </a:rPr>
+              <a:rPr lang="en-US" dirty="0" err="1" smtClean="0"/>
+              <a:t>serta</a:t>
+            </a:r>
+            <a:r>
+              <a:rPr lang="en-US" dirty="0" smtClean="0"/>
               <a:t> </a:t>
             </a:r>
             <a:r>
-              <a:rPr lang="en-US" sz="2200" dirty="0" err="1" smtClean="0">
-                <a:latin typeface="Times New Roman" pitchFamily="18" charset="0"/>
-                <a:cs typeface="Times New Roman" pitchFamily="18" charset="0"/>
-              </a:rPr>
+              <a:rPr lang="en-US" dirty="0" err="1" smtClean="0"/>
+              <a:t>kreatif</a:t>
+            </a:r>
+            <a:r>
+              <a:rPr lang="en-US" dirty="0" smtClean="0"/>
+              <a:t> </a:t>
+            </a:r>
+            <a:r>
+              <a:rPr lang="en-US" dirty="0" err="1" smtClean="0"/>
+              <a:t>dalam</a:t>
+            </a:r>
+            <a:r>
+              <a:rPr lang="en-US" dirty="0" smtClean="0"/>
+              <a:t> </a:t>
+            </a:r>
+            <a:r>
+              <a:rPr lang="en-US" dirty="0" err="1" smtClean="0"/>
+              <a:t>merancang</a:t>
+            </a:r>
+            <a:r>
+              <a:rPr lang="en-US" dirty="0" smtClean="0"/>
+              <a:t> </a:t>
+            </a:r>
+            <a:r>
+              <a:rPr lang="en-US" dirty="0" err="1" smtClean="0"/>
               <a:t>suatu</a:t>
             </a:r>
             <a:r>
-              <a:rPr lang="en-US" sz="2200" dirty="0" smtClean="0">
-                <a:latin typeface="Times New Roman" pitchFamily="18" charset="0"/>
-                <a:cs typeface="Times New Roman" pitchFamily="18" charset="0"/>
-              </a:rPr>
-              <a:t> system </a:t>
-            </a:r>
-            <a:r>
-              <a:rPr lang="en-US" sz="2200" dirty="0" err="1" smtClean="0">
-                <a:latin typeface="Times New Roman" pitchFamily="18" charset="0"/>
-                <a:cs typeface="Times New Roman" pitchFamily="18" charset="0"/>
-              </a:rPr>
-              <a:t>keamananya</a:t>
-            </a:r>
-            <a:r>
-              <a:rPr lang="en-US" sz="2200" dirty="0" smtClean="0">
-                <a:latin typeface="Times New Roman" pitchFamily="18" charset="0"/>
-                <a:cs typeface="Times New Roman" pitchFamily="18" charset="0"/>
-              </a:rPr>
+              <a:rPr lang="en-US" dirty="0" smtClean="0"/>
+              <a:t> program yang </a:t>
+            </a:r>
+            <a:r>
+              <a:rPr lang="en-US" dirty="0" err="1" smtClean="0"/>
+              <a:t>berguna</a:t>
+            </a:r>
+            <a:r>
+              <a:rPr lang="en-US" dirty="0" smtClean="0"/>
+              <a:t> </a:t>
+            </a:r>
+            <a:r>
+              <a:rPr lang="en-US" dirty="0" err="1" smtClean="0"/>
+              <a:t>bagi</a:t>
+            </a:r>
+            <a:r>
+              <a:rPr lang="en-US" dirty="0" smtClean="0"/>
+              <a:t> </a:t>
+            </a:r>
+            <a:r>
+              <a:rPr lang="en-US" dirty="0" err="1" smtClean="0"/>
+              <a:t>siapa</a:t>
+            </a:r>
+            <a:r>
+              <a:rPr lang="en-US" dirty="0" smtClean="0"/>
+              <a:t> </a:t>
+            </a:r>
+            <a:r>
+              <a:rPr lang="en-US" dirty="0" err="1" smtClean="0"/>
+              <a:t>saja</a:t>
+            </a:r>
+            <a:r>
+              <a:rPr lang="en-US" dirty="0" smtClean="0"/>
               <a:t>.</a:t>
             </a:r>
           </a:p>
           <a:p>
-            <a:pPr marL="470916" lvl="1" indent="-342900">
-              <a:buAutoNum type="arabicPeriod"/>
+            <a:pPr>
+              <a:buNone/>
             </a:pPr>
             <a:r>
-              <a:rPr lang="en-US" sz="2200" dirty="0" err="1" smtClean="0">
-                <a:latin typeface="Times New Roman" pitchFamily="18" charset="0"/>
-                <a:cs typeface="Times New Roman" pitchFamily="18" charset="0"/>
-              </a:rPr>
-              <a:t>Penggunaan</a:t>
-            </a:r>
-            <a:r>
-              <a:rPr lang="en-US" sz="2200" dirty="0" smtClean="0">
-                <a:latin typeface="Times New Roman" pitchFamily="18" charset="0"/>
-                <a:cs typeface="Times New Roman" pitchFamily="18" charset="0"/>
-              </a:rPr>
-              <a:t> internet </a:t>
-            </a:r>
-            <a:r>
-              <a:rPr lang="en-US" sz="2200" dirty="0" err="1" smtClean="0">
-                <a:latin typeface="Times New Roman" pitchFamily="18" charset="0"/>
-                <a:cs typeface="Times New Roman" pitchFamily="18" charset="0"/>
-              </a:rPr>
-              <a:t>yg</a:t>
-            </a:r>
-            <a:r>
-              <a:rPr lang="en-US" sz="2200" dirty="0" smtClean="0">
-                <a:latin typeface="Times New Roman" pitchFamily="18" charset="0"/>
-                <a:cs typeface="Times New Roman" pitchFamily="18" charset="0"/>
-              </a:rPr>
+              <a:rPr lang="en-US" dirty="0" smtClean="0"/>
+              <a:t>3. </a:t>
+            </a:r>
+            <a:r>
+              <a:rPr lang="en-US" dirty="0" err="1" smtClean="0"/>
+              <a:t>Seorang</a:t>
+            </a:r>
+            <a:r>
+              <a:rPr lang="en-US" dirty="0" smtClean="0"/>
+              <a:t> Hacker </a:t>
+            </a:r>
+            <a:r>
+              <a:rPr lang="en-US" dirty="0" err="1" smtClean="0"/>
+              <a:t>tidak</a:t>
+            </a:r>
+            <a:r>
+              <a:rPr lang="en-US" dirty="0" smtClean="0"/>
               <a:t> </a:t>
             </a:r>
             <a:r>
-              <a:rPr lang="en-US" sz="2200" dirty="0" err="1" smtClean="0">
-                <a:latin typeface="Times New Roman" pitchFamily="18" charset="0"/>
-                <a:cs typeface="Times New Roman" pitchFamily="18" charset="0"/>
-              </a:rPr>
-              <a:t>tak</a:t>
-            </a:r>
-            <a:r>
-              <a:rPr lang="en-US" sz="2200" dirty="0" smtClean="0">
-                <a:latin typeface="Times New Roman" pitchFamily="18" charset="0"/>
-                <a:cs typeface="Times New Roman" pitchFamily="18" charset="0"/>
-              </a:rPr>
+              <a:rPr lang="en-US" dirty="0" err="1" smtClean="0"/>
+              <a:t>pelit</a:t>
+            </a:r>
+            <a:r>
+              <a:rPr lang="en-US" dirty="0" smtClean="0"/>
               <a:t> </a:t>
             </a:r>
             <a:r>
-              <a:rPr lang="en-US" sz="2200" dirty="0" err="1" smtClean="0">
-                <a:latin typeface="Times New Roman" pitchFamily="18" charset="0"/>
-                <a:cs typeface="Times New Roman" pitchFamily="18" charset="0"/>
-              </a:rPr>
-              <a:t>terbatas</a:t>
-            </a:r>
-            <a:r>
-              <a:rPr lang="en-US" sz="2200" dirty="0" smtClean="0">
-                <a:latin typeface="Times New Roman" pitchFamily="18" charset="0"/>
-                <a:cs typeface="Times New Roman" pitchFamily="18" charset="0"/>
-              </a:rPr>
+              <a:rPr lang="en-US" dirty="0" err="1" smtClean="0"/>
+              <a:t>membagi</a:t>
+            </a:r>
+            <a:r>
+              <a:rPr lang="en-US" dirty="0" smtClean="0"/>
+              <a:t> </a:t>
+            </a:r>
+            <a:r>
+              <a:rPr lang="en-US" dirty="0" err="1" smtClean="0"/>
+              <a:t>ilmunya</a:t>
+            </a:r>
+            <a:r>
+              <a:rPr lang="en-US" dirty="0" smtClean="0"/>
+              <a:t> </a:t>
+            </a:r>
+            <a:r>
+              <a:rPr lang="en-US" dirty="0" err="1" smtClean="0"/>
+              <a:t>kepada</a:t>
+            </a:r>
+            <a:r>
+              <a:rPr lang="en-US" dirty="0" smtClean="0"/>
+              <a:t> </a:t>
+            </a:r>
+            <a:r>
+              <a:rPr lang="en-US" dirty="0" err="1" smtClean="0"/>
+              <a:t>orang-orang</a:t>
+            </a:r>
+            <a:r>
+              <a:rPr lang="en-US" dirty="0" smtClean="0"/>
+              <a:t> yang </a:t>
+            </a:r>
+            <a:r>
+              <a:rPr lang="en-US" dirty="0" err="1" smtClean="0"/>
+              <a:t>seriusatas</a:t>
+            </a:r>
+            <a:r>
+              <a:rPr lang="en-US" dirty="0" smtClean="0"/>
+              <a:t> </a:t>
+            </a:r>
+            <a:r>
+              <a:rPr lang="en-US" dirty="0" err="1" smtClean="0"/>
+              <a:t>nama</a:t>
+            </a:r>
+            <a:r>
+              <a:rPr lang="en-US" dirty="0" smtClean="0"/>
+              <a:t> </a:t>
+            </a:r>
+            <a:r>
+              <a:rPr lang="en-US" dirty="0" err="1" smtClean="0"/>
+              <a:t>ilmu</a:t>
+            </a:r>
+            <a:r>
+              <a:rPr lang="en-US" dirty="0" smtClean="0"/>
+              <a:t> </a:t>
+            </a:r>
+            <a:r>
+              <a:rPr lang="en-US" dirty="0" err="1" smtClean="0"/>
+              <a:t>pengetahuan</a:t>
+            </a:r>
+            <a:r>
+              <a:rPr lang="en-US" dirty="0" smtClean="0"/>
+              <a:t> </a:t>
+            </a:r>
+            <a:r>
+              <a:rPr lang="en-US" dirty="0" err="1" smtClean="0"/>
+              <a:t>dan</a:t>
+            </a:r>
+            <a:r>
+              <a:rPr lang="en-US" dirty="0" smtClean="0"/>
+              <a:t> </a:t>
+            </a:r>
+            <a:r>
+              <a:rPr lang="en-US" dirty="0" err="1" smtClean="0"/>
+              <a:t>kebaikan</a:t>
+            </a:r>
+            <a:r>
+              <a:rPr lang="en-US" dirty="0" smtClean="0"/>
               <a:t>.</a:t>
             </a:r>
-          </a:p>
-          <a:p>
-            <a:pPr marL="470916" lvl="1" indent="-342900">
-              <a:buAutoNum type="arabicPeriod"/>
-            </a:pPr>
-            <a:r>
-              <a:rPr lang="en-US" sz="2200" dirty="0" err="1" smtClean="0">
-                <a:latin typeface="Times New Roman" pitchFamily="18" charset="0"/>
-                <a:cs typeface="Times New Roman" pitchFamily="18" charset="0"/>
-              </a:rPr>
-              <a:t>Dapat</a:t>
-            </a:r>
-            <a:r>
-              <a:rPr lang="en-US" sz="2200" dirty="0" smtClean="0">
-                <a:latin typeface="Times New Roman" pitchFamily="18" charset="0"/>
-                <a:cs typeface="Times New Roman" pitchFamily="18" charset="0"/>
-              </a:rPr>
-              <a:t> </a:t>
-            </a:r>
-            <a:r>
-              <a:rPr lang="en-US" sz="2200" dirty="0" err="1" smtClean="0">
-                <a:latin typeface="Times New Roman" pitchFamily="18" charset="0"/>
-                <a:cs typeface="Times New Roman" pitchFamily="18" charset="0"/>
-              </a:rPr>
-              <a:t>dilakukan</a:t>
-            </a:r>
-            <a:r>
-              <a:rPr lang="en-US" sz="2200" dirty="0" smtClean="0">
-                <a:latin typeface="Times New Roman" pitchFamily="18" charset="0"/>
-                <a:cs typeface="Times New Roman" pitchFamily="18" charset="0"/>
-              </a:rPr>
-              <a:t> </a:t>
-            </a:r>
-            <a:r>
-              <a:rPr lang="en-US" sz="2200" dirty="0" err="1" smtClean="0">
-                <a:latin typeface="Times New Roman" pitchFamily="18" charset="0"/>
-                <a:cs typeface="Times New Roman" pitchFamily="18" charset="0"/>
-              </a:rPr>
-              <a:t>dimana</a:t>
-            </a:r>
-            <a:r>
-              <a:rPr lang="en-US" sz="2200" dirty="0" smtClean="0">
-                <a:latin typeface="Times New Roman" pitchFamily="18" charset="0"/>
-                <a:cs typeface="Times New Roman" pitchFamily="18" charset="0"/>
-              </a:rPr>
-              <a:t> </a:t>
-            </a:r>
-            <a:r>
-              <a:rPr lang="en-US" sz="2200" dirty="0" err="1" smtClean="0">
-                <a:latin typeface="Times New Roman" pitchFamily="18" charset="0"/>
-                <a:cs typeface="Times New Roman" pitchFamily="18" charset="0"/>
-              </a:rPr>
-              <a:t>saja</a:t>
-            </a:r>
-            <a:r>
-              <a:rPr lang="en-US" sz="2200" dirty="0">
-                <a:latin typeface="Times New Roman" pitchFamily="18" charset="0"/>
-                <a:cs typeface="Times New Roman" pitchFamily="18" charset="0"/>
-              </a:rPr>
-              <a:t> </a:t>
-            </a:r>
-            <a:r>
-              <a:rPr lang="en-US" sz="2200" dirty="0" err="1" smtClean="0">
-                <a:latin typeface="Times New Roman" pitchFamily="18" charset="0"/>
-                <a:cs typeface="Times New Roman" pitchFamily="18" charset="0"/>
-              </a:rPr>
-              <a:t>asalkan</a:t>
-            </a:r>
-            <a:r>
-              <a:rPr lang="en-US" sz="2200" dirty="0" smtClean="0">
-                <a:latin typeface="Times New Roman" pitchFamily="18" charset="0"/>
-                <a:cs typeface="Times New Roman" pitchFamily="18" charset="0"/>
-              </a:rPr>
-              <a:t> </a:t>
-            </a:r>
-            <a:r>
-              <a:rPr lang="en-US" sz="2200" dirty="0" err="1" smtClean="0">
-                <a:latin typeface="Times New Roman" pitchFamily="18" charset="0"/>
-                <a:cs typeface="Times New Roman" pitchFamily="18" charset="0"/>
-              </a:rPr>
-              <a:t>terhubung</a:t>
-            </a:r>
-            <a:r>
-              <a:rPr lang="en-US" sz="2200" dirty="0" smtClean="0">
-                <a:latin typeface="Times New Roman" pitchFamily="18" charset="0"/>
-                <a:cs typeface="Times New Roman" pitchFamily="18" charset="0"/>
-              </a:rPr>
-              <a:t> </a:t>
-            </a:r>
-            <a:r>
-              <a:rPr lang="en-US" sz="2200" dirty="0" err="1" smtClean="0">
-                <a:latin typeface="Times New Roman" pitchFamily="18" charset="0"/>
-                <a:cs typeface="Times New Roman" pitchFamily="18" charset="0"/>
-              </a:rPr>
-              <a:t>dengan</a:t>
-            </a:r>
-            <a:r>
-              <a:rPr lang="en-US" sz="2200" dirty="0" smtClean="0">
-                <a:latin typeface="Times New Roman" pitchFamily="18" charset="0"/>
-                <a:cs typeface="Times New Roman" pitchFamily="18" charset="0"/>
-              </a:rPr>
-              <a:t> internet.</a:t>
-            </a:r>
-          </a:p>
-          <a:p>
-            <a:pPr marL="470916" lvl="1" indent="-342900">
-              <a:buAutoNum type="arabicPeriod"/>
-            </a:pPr>
-            <a:r>
-              <a:rPr lang="en-US" sz="2200" dirty="0" err="1" smtClean="0">
-                <a:latin typeface="Times New Roman" pitchFamily="18" charset="0"/>
-                <a:cs typeface="Times New Roman" pitchFamily="18" charset="0"/>
-              </a:rPr>
-              <a:t>Iseng</a:t>
-            </a:r>
-            <a:r>
-              <a:rPr lang="en-US" sz="2200" dirty="0" smtClean="0">
-                <a:latin typeface="Times New Roman" pitchFamily="18" charset="0"/>
-                <a:cs typeface="Times New Roman" pitchFamily="18" charset="0"/>
-              </a:rPr>
-              <a:t>.</a:t>
-            </a:r>
+            <a:endParaRPr lang="en-US" dirty="0"/>
           </a:p>
         </p:txBody>
       </p:sp>
     </p:spTree>
-    <p:extLst>
-      <p:ext uri="{BB962C8B-B14F-4D97-AF65-F5344CB8AC3E}">
-        <p14:creationId xmlns="" xmlns:p14="http://schemas.microsoft.com/office/powerpoint/2010/main" val="4241905287"/>
-      </p:ext>
-    </p:extLst>
   </p:cSld>
   <p:clrMapOvr>
     <a:masterClrMapping/>
   </p:clrMapOvr>
-  <p:timing>
-    <p:tnLst>
-      <p:par>
-        <p:cTn id="1" dur="indefinite" restart="never" nodeType="tmRoot">
-          <p:childTnLst>
-            <p:seq concurrent="1" nextAc="seek">
-              <p:cTn id="2" dur="indefinite" nodeType="mainSeq">
-                <p:childTnLst>
-                  <p:par>
-                    <p:cTn id="3" fill="hold">
-                      <p:stCondLst>
-                        <p:cond delay="indefinite"/>
-                      </p:stCondLst>
-                      <p:childTnLst>
-                        <p:par>
-                          <p:cTn id="4" fill="hold">
-                            <p:stCondLst>
-                              <p:cond delay="0"/>
-                            </p:stCondLst>
-                            <p:childTnLst>
-                              <p:par>
-                                <p:cTn id="5" presetID="6" presetClass="entr" presetSubtype="16" fill="hold" grpId="0" nodeType="clickEffect">
-                                  <p:stCondLst>
-                                    <p:cond delay="0"/>
-                                  </p:stCondLst>
-                                  <p:childTnLst>
-                                    <p:set>
-                                      <p:cBhvr>
-                                        <p:cTn id="6" dur="1" fill="hold">
-                                          <p:stCondLst>
-                                            <p:cond delay="0"/>
-                                          </p:stCondLst>
-                                        </p:cTn>
-                                        <p:tgtEl>
-                                          <p:spTgt spid="3">
-                                            <p:txEl>
-                                              <p:pRg st="0" end="0"/>
-                                            </p:txEl>
-                                          </p:spTgt>
-                                        </p:tgtEl>
-                                        <p:attrNameLst>
-                                          <p:attrName>style.visibility</p:attrName>
-                                        </p:attrNameLst>
-                                      </p:cBhvr>
-                                      <p:to>
-                                        <p:strVal val="visible"/>
-                                      </p:to>
-                                    </p:set>
-                                    <p:animEffect transition="in" filter="circle(in)">
-                                      <p:cBhvr>
-                                        <p:cTn id="7" dur="2000"/>
-                                        <p:tgtEl>
-                                          <p:spTgt spid="3">
-                                            <p:txEl>
-                                              <p:pRg st="0" end="0"/>
-                                            </p:txEl>
-                                          </p:spTgt>
-                                        </p:tgtEl>
-                                      </p:cBhvr>
-                                    </p:animEffect>
-                                  </p:childTnLst>
-                                </p:cTn>
-                              </p:par>
-                              <p:par>
-                                <p:cTn id="8" presetID="6" presetClass="entr" presetSubtype="16" fill="hold" grpId="0" nodeType="withEffect">
-                                  <p:stCondLst>
-                                    <p:cond delay="0"/>
-                                  </p:stCondLst>
-                                  <p:childTnLst>
-                                    <p:set>
-                                      <p:cBhvr>
-                                        <p:cTn id="9" dur="1" fill="hold">
-                                          <p:stCondLst>
-                                            <p:cond delay="0"/>
-                                          </p:stCondLst>
-                                        </p:cTn>
-                                        <p:tgtEl>
-                                          <p:spTgt spid="3">
-                                            <p:txEl>
-                                              <p:pRg st="1" end="1"/>
-                                            </p:txEl>
-                                          </p:spTgt>
-                                        </p:tgtEl>
-                                        <p:attrNameLst>
-                                          <p:attrName>style.visibility</p:attrName>
-                                        </p:attrNameLst>
-                                      </p:cBhvr>
-                                      <p:to>
-                                        <p:strVal val="visible"/>
-                                      </p:to>
-                                    </p:set>
-                                    <p:animEffect transition="in" filter="circle(in)">
-                                      <p:cBhvr>
-                                        <p:cTn id="10" dur="2000"/>
-                                        <p:tgtEl>
-                                          <p:spTgt spid="3">
-                                            <p:txEl>
-                                              <p:pRg st="1" end="1"/>
-                                            </p:txEl>
-                                          </p:spTgt>
-                                        </p:tgtEl>
-                                      </p:cBhvr>
-                                    </p:animEffect>
-                                  </p:childTnLst>
-                                </p:cTn>
-                              </p:par>
-                              <p:par>
-                                <p:cTn id="11" presetID="6" presetClass="entr" presetSubtype="16" fill="hold" grpId="0" nodeType="withEffect">
-                                  <p:stCondLst>
-                                    <p:cond delay="0"/>
-                                  </p:stCondLst>
-                                  <p:childTnLst>
-                                    <p:set>
-                                      <p:cBhvr>
-                                        <p:cTn id="12" dur="1" fill="hold">
-                                          <p:stCondLst>
-                                            <p:cond delay="0"/>
-                                          </p:stCondLst>
-                                        </p:cTn>
-                                        <p:tgtEl>
-                                          <p:spTgt spid="3">
-                                            <p:txEl>
-                                              <p:pRg st="2" end="2"/>
-                                            </p:txEl>
-                                          </p:spTgt>
-                                        </p:tgtEl>
-                                        <p:attrNameLst>
-                                          <p:attrName>style.visibility</p:attrName>
-                                        </p:attrNameLst>
-                                      </p:cBhvr>
-                                      <p:to>
-                                        <p:strVal val="visible"/>
-                                      </p:to>
-                                    </p:set>
-                                    <p:animEffect transition="in" filter="circle(in)">
-                                      <p:cBhvr>
-                                        <p:cTn id="13" dur="2000"/>
-                                        <p:tgtEl>
-                                          <p:spTgt spid="3">
-                                            <p:txEl>
-                                              <p:pRg st="2" end="2"/>
-                                            </p:txEl>
-                                          </p:spTgt>
-                                        </p:tgtEl>
-                                      </p:cBhvr>
-                                    </p:animEffect>
-                                  </p:childTnLst>
-                                </p:cTn>
-                              </p:par>
-                              <p:par>
-                                <p:cTn id="14" presetID="6" presetClass="entr" presetSubtype="16" fill="hold" grpId="0" nodeType="withEffect">
-                                  <p:stCondLst>
-                                    <p:cond delay="0"/>
-                                  </p:stCondLst>
-                                  <p:childTnLst>
-                                    <p:set>
-                                      <p:cBhvr>
-                                        <p:cTn id="15" dur="1" fill="hold">
-                                          <p:stCondLst>
-                                            <p:cond delay="0"/>
-                                          </p:stCondLst>
-                                        </p:cTn>
-                                        <p:tgtEl>
-                                          <p:spTgt spid="3">
-                                            <p:txEl>
-                                              <p:pRg st="3" end="3"/>
-                                            </p:txEl>
-                                          </p:spTgt>
-                                        </p:tgtEl>
-                                        <p:attrNameLst>
-                                          <p:attrName>style.visibility</p:attrName>
-                                        </p:attrNameLst>
-                                      </p:cBhvr>
-                                      <p:to>
-                                        <p:strVal val="visible"/>
-                                      </p:to>
-                                    </p:set>
-                                    <p:animEffect transition="in" filter="circle(in)">
-                                      <p:cBhvr>
-                                        <p:cTn id="16" dur="2000"/>
-                                        <p:tgtEl>
-                                          <p:spTgt spid="3">
-                                            <p:txEl>
-                                              <p:pRg st="3" end="3"/>
-                                            </p:txEl>
-                                          </p:spTgt>
-                                        </p:tgtEl>
-                                      </p:cBhvr>
-                                    </p:animEffect>
-                                  </p:childTnLst>
-                                </p:cTn>
-                              </p:par>
-                              <p:par>
-                                <p:cTn id="17" presetID="6" presetClass="entr" presetSubtype="16" fill="hold" grpId="0" nodeType="withEffect">
-                                  <p:stCondLst>
-                                    <p:cond delay="0"/>
-                                  </p:stCondLst>
-                                  <p:childTnLst>
-                                    <p:set>
-                                      <p:cBhvr>
-                                        <p:cTn id="18" dur="1" fill="hold">
-                                          <p:stCondLst>
-                                            <p:cond delay="0"/>
-                                          </p:stCondLst>
-                                        </p:cTn>
-                                        <p:tgtEl>
-                                          <p:spTgt spid="3">
-                                            <p:txEl>
-                                              <p:pRg st="4" end="4"/>
-                                            </p:txEl>
-                                          </p:spTgt>
-                                        </p:tgtEl>
-                                        <p:attrNameLst>
-                                          <p:attrName>style.visibility</p:attrName>
-                                        </p:attrNameLst>
-                                      </p:cBhvr>
-                                      <p:to>
-                                        <p:strVal val="visible"/>
-                                      </p:to>
-                                    </p:set>
-                                    <p:animEffect transition="in" filter="circle(in)">
-                                      <p:cBhvr>
-                                        <p:cTn id="19" dur="2000"/>
-                                        <p:tgtEl>
-                                          <p:spTgt spid="3">
-                                            <p:txEl>
-                                              <p:pRg st="4" end="4"/>
-                                            </p:txEl>
-                                          </p:spTgt>
-                                        </p:tgtEl>
-                                      </p:cBhvr>
-                                    </p:animEffect>
-                                  </p:childTnLst>
-                                </p:cTn>
-                              </p:par>
-                            </p:childTnLst>
-                          </p:cTn>
-                        </p:par>
-                      </p:childTnLst>
-                    </p:cTn>
-                  </p:par>
-                </p:childTnLst>
-              </p:cTn>
-              <p:prevCondLst>
-                <p:cond evt="onPrev" delay="0">
-                  <p:tgtEl>
-                    <p:sldTgt/>
-                  </p:tgtEl>
-                </p:cond>
-              </p:prevCondLst>
-              <p:nextCondLst>
-                <p:cond evt="onNext" delay="0">
-                  <p:tgtEl>
-                    <p:sldTgt/>
-                  </p:tgtEl>
-                </p:cond>
-              </p:nextCondLst>
-            </p:seq>
-          </p:childTnLst>
-        </p:cTn>
-      </p:par>
-    </p:tnLst>
-    <p:bldLst>
-      <p:bldP spid="3" grpId="0" build="p"/>
-    </p:bldLst>
-  </p:timing>
 </p:sld>
 </file>
 
@@ -29359,7 +29788,7 @@
   <a:extraClrSchemeLst/>
   <a:extLst>
     <a:ext uri="{05A4C25C-085E-4340-85A3-A5531E510DB2}">
-      <thm15:themeFamily xmlns="" xmlns:thm15="http://schemas.microsoft.com/office/thememl/2012/main" name="Integral" id="{3577F8C9-A904-41D8-97D2-FD898F53F20E}" vid="{682D6EBE-8D36-4FF2-9DB3-F3D8D7B6715D}"/>
+      <thm15:themeFamily xmlns:thm15="http://schemas.microsoft.com/office/thememl/2012/main" xmlns="" name="Integral" id="{3577F8C9-A904-41D8-97D2-FD898F53F20E}" vid="{682D6EBE-8D36-4FF2-9DB3-F3D8D7B6715D}"/>
     </a:ext>
   </a:extLst>
 </a:theme>

--- a/pptpresentasieptikhacking-140615110436-phpapp01.pptx
+++ b/pptpresentasieptikhacking-140615110436-phpapp01.pptx
@@ -117,7 +117,7 @@
   </p:defaultTextStyle>
   <p:extLst>
     <p:ext uri="{EFAFB233-063F-42B5-8137-9DF3F51BA10A}">
-      <p15:sldGuideLst xmlns:p15="http://schemas.microsoft.com/office/powerpoint/2012/main" xmlns="">
+      <p15:sldGuideLst xmlns="" xmlns:p15="http://schemas.microsoft.com/office/powerpoint/2012/main">
         <p15:guide id="1" orient="horz" pos="2160">
           <p15:clr>
             <a:srgbClr val="A4A3A4"/>
@@ -9017,7 +9017,7 @@
     </p:spTree>
     <p:extLst>
       <p:ext uri="{BB962C8B-B14F-4D97-AF65-F5344CB8AC3E}">
-        <p14:creationId xmlns:p14="http://schemas.microsoft.com/office/powerpoint/2010/main" xmlns="" val="3654701431"/>
+        <p14:creationId xmlns="" xmlns:p14="http://schemas.microsoft.com/office/powerpoint/2010/main" val="3654701431"/>
       </p:ext>
     </p:extLst>
   </p:cSld>
@@ -9189,7 +9189,7 @@
     </p:spTree>
     <p:extLst>
       <p:ext uri="{BB962C8B-B14F-4D97-AF65-F5344CB8AC3E}">
-        <p14:creationId xmlns:p14="http://schemas.microsoft.com/office/powerpoint/2010/main" xmlns="" val="1541394338"/>
+        <p14:creationId xmlns="" xmlns:p14="http://schemas.microsoft.com/office/powerpoint/2010/main" val="1541394338"/>
       </p:ext>
     </p:extLst>
   </p:cSld>
@@ -9406,7 +9406,7 @@
     </p:spTree>
     <p:extLst>
       <p:ext uri="{BB962C8B-B14F-4D97-AF65-F5344CB8AC3E}">
-        <p14:creationId xmlns:p14="http://schemas.microsoft.com/office/powerpoint/2010/main" xmlns="" val="3398663238"/>
+        <p14:creationId xmlns="" xmlns:p14="http://schemas.microsoft.com/office/powerpoint/2010/main" val="3398663238"/>
       </p:ext>
     </p:extLst>
   </p:cSld>
@@ -9578,7 +9578,7 @@
     </p:spTree>
     <p:extLst>
       <p:ext uri="{BB962C8B-B14F-4D97-AF65-F5344CB8AC3E}">
-        <p14:creationId xmlns:p14="http://schemas.microsoft.com/office/powerpoint/2010/main" xmlns="" val="3505705185"/>
+        <p14:creationId xmlns="" xmlns:p14="http://schemas.microsoft.com/office/powerpoint/2010/main" val="3505705185"/>
       </p:ext>
     </p:extLst>
   </p:cSld>
@@ -18515,7 +18515,7 @@
     </p:spTree>
     <p:extLst>
       <p:ext uri="{BB962C8B-B14F-4D97-AF65-F5344CB8AC3E}">
-        <p14:creationId xmlns:p14="http://schemas.microsoft.com/office/powerpoint/2010/main" xmlns="" val="3284221378"/>
+        <p14:creationId xmlns="" xmlns:p14="http://schemas.microsoft.com/office/powerpoint/2010/main" val="3284221378"/>
       </p:ext>
     </p:extLst>
   </p:cSld>
@@ -18754,7 +18754,7 @@
     </p:spTree>
     <p:extLst>
       <p:ext uri="{BB962C8B-B14F-4D97-AF65-F5344CB8AC3E}">
-        <p14:creationId xmlns:p14="http://schemas.microsoft.com/office/powerpoint/2010/main" xmlns="" val="526306287"/>
+        <p14:creationId xmlns="" xmlns:p14="http://schemas.microsoft.com/office/powerpoint/2010/main" val="526306287"/>
       </p:ext>
     </p:extLst>
   </p:cSld>
@@ -19154,7 +19154,7 @@
     </p:spTree>
     <p:extLst>
       <p:ext uri="{BB962C8B-B14F-4D97-AF65-F5344CB8AC3E}">
-        <p14:creationId xmlns:p14="http://schemas.microsoft.com/office/powerpoint/2010/main" xmlns="" val="4293701871"/>
+        <p14:creationId xmlns="" xmlns:p14="http://schemas.microsoft.com/office/powerpoint/2010/main" val="4293701871"/>
       </p:ext>
     </p:extLst>
   </p:cSld>
@@ -19274,7 +19274,7 @@
     </p:spTree>
     <p:extLst>
       <p:ext uri="{BB962C8B-B14F-4D97-AF65-F5344CB8AC3E}">
-        <p14:creationId xmlns:p14="http://schemas.microsoft.com/office/powerpoint/2010/main" xmlns="" val="4212152486"/>
+        <p14:creationId xmlns="" xmlns:p14="http://schemas.microsoft.com/office/powerpoint/2010/main" val="4212152486"/>
       </p:ext>
     </p:extLst>
   </p:cSld>
@@ -19371,7 +19371,7 @@
     </p:spTree>
     <p:extLst>
       <p:ext uri="{BB962C8B-B14F-4D97-AF65-F5344CB8AC3E}">
-        <p14:creationId xmlns:p14="http://schemas.microsoft.com/office/powerpoint/2010/main" xmlns="" val="490336406"/>
+        <p14:creationId xmlns="" xmlns:p14="http://schemas.microsoft.com/office/powerpoint/2010/main" val="490336406"/>
       </p:ext>
     </p:extLst>
   </p:cSld>
@@ -19663,7 +19663,7 @@
     </p:spTree>
     <p:extLst>
       <p:ext uri="{BB962C8B-B14F-4D97-AF65-F5344CB8AC3E}">
-        <p14:creationId xmlns:p14="http://schemas.microsoft.com/office/powerpoint/2010/main" xmlns="" val="3525253028"/>
+        <p14:creationId xmlns="" xmlns:p14="http://schemas.microsoft.com/office/powerpoint/2010/main" val="3525253028"/>
       </p:ext>
     </p:extLst>
   </p:cSld>
@@ -19980,7 +19980,7 @@
     </p:spTree>
     <p:extLst>
       <p:ext uri="{BB962C8B-B14F-4D97-AF65-F5344CB8AC3E}">
-        <p14:creationId xmlns:p14="http://schemas.microsoft.com/office/powerpoint/2010/main" xmlns="" val="3471977317"/>
+        <p14:creationId xmlns="" xmlns:p14="http://schemas.microsoft.com/office/powerpoint/2010/main" val="3471977317"/>
       </p:ext>
     </p:extLst>
   </p:cSld>
@@ -20272,7 +20272,7 @@
     </p:spTree>
     <p:extLst>
       <p:ext uri="{BB962C8B-B14F-4D97-AF65-F5344CB8AC3E}">
-        <p14:creationId xmlns:p14="http://schemas.microsoft.com/office/powerpoint/2010/main" xmlns="" val="1352232978"/>
+        <p14:creationId xmlns="" xmlns:p14="http://schemas.microsoft.com/office/powerpoint/2010/main" val="1352232978"/>
       </p:ext>
     </p:extLst>
   </p:cSld>
@@ -20723,7 +20723,7 @@
     </p:spTree>
     <p:extLst>
       <p:ext uri="{BB962C8B-B14F-4D97-AF65-F5344CB8AC3E}">
-        <p14:creationId xmlns:p14="http://schemas.microsoft.com/office/powerpoint/2010/main" xmlns="" val="3420847315"/>
+        <p14:creationId xmlns="" xmlns:p14="http://schemas.microsoft.com/office/powerpoint/2010/main" val="3420847315"/>
       </p:ext>
     </p:extLst>
   </p:cSld>
@@ -21183,7 +21183,7 @@
     </p:spTree>
     <p:extLst>
       <p:ext uri="{BB962C8B-B14F-4D97-AF65-F5344CB8AC3E}">
-        <p14:creationId xmlns:p14="http://schemas.microsoft.com/office/powerpoint/2010/main" xmlns="" val="4241905287"/>
+        <p14:creationId xmlns="" xmlns:p14="http://schemas.microsoft.com/office/powerpoint/2010/main" val="4241905287"/>
       </p:ext>
     </p:extLst>
   </p:cSld>
@@ -21940,7 +21940,7 @@
     </p:spTree>
     <p:extLst>
       <p:ext uri="{BB962C8B-B14F-4D97-AF65-F5344CB8AC3E}">
-        <p14:creationId xmlns:p14="http://schemas.microsoft.com/office/powerpoint/2010/main" xmlns="" val="2910849362"/>
+        <p14:creationId xmlns="" xmlns:p14="http://schemas.microsoft.com/office/powerpoint/2010/main" val="2910849362"/>
       </p:ext>
     </p:extLst>
   </p:cSld>
@@ -22286,6 +22286,282 @@
           <a:bodyPr/>
           <a:lstStyle/>
           <a:p>
+            <a:r>
+              <a:rPr lang="en-US" dirty="0" smtClean="0"/>
+              <a:t>1. Di </a:t>
+            </a:r>
+            <a:r>
+              <a:rPr lang="en-US" dirty="0" err="1" smtClean="0"/>
+              <a:t>atas</a:t>
+            </a:r>
+            <a:r>
+              <a:rPr lang="en-US" dirty="0" smtClean="0"/>
+              <a:t> </a:t>
+            </a:r>
+            <a:r>
+              <a:rPr lang="en-US" dirty="0" err="1" smtClean="0"/>
+              <a:t>segalanya</a:t>
+            </a:r>
+            <a:r>
+              <a:rPr lang="en-US" dirty="0" smtClean="0"/>
+              <a:t>, </a:t>
+            </a:r>
+            <a:r>
+              <a:rPr lang="en-US" dirty="0" err="1" smtClean="0"/>
+              <a:t>hormati</a:t>
+            </a:r>
+            <a:r>
+              <a:rPr lang="en-US" dirty="0" smtClean="0"/>
+              <a:t> </a:t>
+            </a:r>
+            <a:r>
+              <a:rPr lang="en-US" dirty="0" err="1" smtClean="0"/>
+              <a:t>pengetahuan</a:t>
+            </a:r>
+            <a:r>
+              <a:rPr lang="en-US" dirty="0" smtClean="0"/>
+              <a:t> &amp; </a:t>
+            </a:r>
+            <a:r>
+              <a:rPr lang="en-US" dirty="0" err="1" smtClean="0"/>
+              <a:t>kebebasan</a:t>
+            </a:r>
+            <a:r>
+              <a:rPr lang="en-US" dirty="0" smtClean="0"/>
+              <a:t> </a:t>
+            </a:r>
+            <a:r>
+              <a:rPr lang="en-US" dirty="0" err="1" smtClean="0"/>
+              <a:t>informasi</a:t>
+            </a:r>
+            <a:r>
+              <a:rPr lang="en-US" dirty="0" smtClean="0"/>
+              <a:t>.</a:t>
+            </a:r>
+          </a:p>
+          <a:p>
+            <a:r>
+              <a:rPr lang="en-US" dirty="0" smtClean="0"/>
+              <a:t>2. </a:t>
+            </a:r>
+            <a:r>
+              <a:rPr lang="en-US" dirty="0" err="1" smtClean="0"/>
+              <a:t>Memberitahukan</a:t>
+            </a:r>
+            <a:r>
+              <a:rPr lang="en-US" dirty="0" smtClean="0"/>
+              <a:t> </a:t>
+            </a:r>
+            <a:r>
+              <a:rPr lang="en-US" dirty="0" err="1" smtClean="0"/>
+              <a:t>sistem</a:t>
+            </a:r>
+            <a:r>
+              <a:rPr lang="en-US" dirty="0" smtClean="0"/>
+              <a:t> administrator </a:t>
+            </a:r>
+            <a:r>
+              <a:rPr lang="en-US" dirty="0" err="1" smtClean="0"/>
+              <a:t>akan</a:t>
+            </a:r>
+            <a:r>
+              <a:rPr lang="en-US" dirty="0" smtClean="0"/>
+              <a:t> </a:t>
+            </a:r>
+            <a:r>
+              <a:rPr lang="en-US" dirty="0" err="1" smtClean="0"/>
+              <a:t>adanya</a:t>
+            </a:r>
+            <a:r>
+              <a:rPr lang="en-US" dirty="0" smtClean="0"/>
+              <a:t> </a:t>
+            </a:r>
+            <a:r>
+              <a:rPr lang="en-US" dirty="0" err="1" smtClean="0"/>
+              <a:t>pelanggaran</a:t>
+            </a:r>
+            <a:r>
+              <a:rPr lang="en-US" dirty="0" smtClean="0"/>
+              <a:t> </a:t>
+            </a:r>
+            <a:r>
+              <a:rPr lang="en-US" dirty="0" err="1" smtClean="0"/>
+              <a:t>keamanan</a:t>
+            </a:r>
+            <a:r>
+              <a:rPr lang="en-US" dirty="0" smtClean="0"/>
+              <a:t>/</a:t>
+            </a:r>
+            <a:r>
+              <a:rPr lang="en-US" dirty="0" err="1" smtClean="0"/>
+              <a:t>lubang</a:t>
+            </a:r>
+            <a:r>
+              <a:rPr lang="en-US" dirty="0" smtClean="0"/>
+              <a:t> </a:t>
+            </a:r>
+            <a:r>
+              <a:rPr lang="en-US" dirty="0" err="1" smtClean="0"/>
+              <a:t>di</a:t>
+            </a:r>
+            <a:r>
+              <a:rPr lang="en-US" dirty="0" smtClean="0"/>
+              <a:t> </a:t>
+            </a:r>
+            <a:r>
+              <a:rPr lang="en-US" dirty="0" err="1" smtClean="0"/>
+              <a:t>keamanan</a:t>
+            </a:r>
+            <a:r>
+              <a:rPr lang="en-US" dirty="0" smtClean="0"/>
+              <a:t> yang </a:t>
+            </a:r>
+            <a:r>
+              <a:rPr lang="en-US" dirty="0" err="1" smtClean="0"/>
+              <a:t>anda</a:t>
+            </a:r>
+            <a:r>
+              <a:rPr lang="en-US" dirty="0" smtClean="0"/>
+              <a:t> </a:t>
+            </a:r>
+            <a:r>
+              <a:rPr lang="en-US" dirty="0" err="1" smtClean="0"/>
+              <a:t>lihat</a:t>
+            </a:r>
+            <a:r>
+              <a:rPr lang="en-US" dirty="0" smtClean="0"/>
+              <a:t>.</a:t>
+            </a:r>
+          </a:p>
+          <a:p>
+            <a:r>
+              <a:rPr lang="en-US" dirty="0" smtClean="0"/>
+              <a:t>3. </a:t>
+            </a:r>
+            <a:r>
+              <a:rPr lang="en-US" dirty="0" err="1" smtClean="0"/>
+              <a:t>Jangan</a:t>
+            </a:r>
+            <a:r>
+              <a:rPr lang="en-US" dirty="0" smtClean="0"/>
+              <a:t> </a:t>
+            </a:r>
+            <a:r>
+              <a:rPr lang="en-US" dirty="0" err="1" smtClean="0"/>
+              <a:t>mengambil</a:t>
+            </a:r>
+            <a:r>
+              <a:rPr lang="en-US" dirty="0" smtClean="0"/>
+              <a:t> </a:t>
+            </a:r>
+            <a:r>
+              <a:rPr lang="en-US" dirty="0" err="1" smtClean="0"/>
+              <a:t>keuntungan</a:t>
+            </a:r>
+            <a:r>
+              <a:rPr lang="en-US" dirty="0" smtClean="0"/>
+              <a:t> yang </a:t>
+            </a:r>
+            <a:r>
+              <a:rPr lang="en-US" dirty="0" err="1" smtClean="0"/>
+              <a:t>tidak</a:t>
+            </a:r>
+            <a:r>
+              <a:rPr lang="en-US" dirty="0" smtClean="0"/>
+              <a:t> fair </a:t>
+            </a:r>
+            <a:r>
+              <a:rPr lang="en-US" dirty="0" err="1" smtClean="0"/>
+              <a:t>dari</a:t>
+            </a:r>
+            <a:r>
+              <a:rPr lang="en-US" dirty="0" smtClean="0"/>
+              <a:t> hack.</a:t>
+            </a:r>
+          </a:p>
+          <a:p>
+            <a:r>
+              <a:rPr lang="en-US" dirty="0" smtClean="0"/>
+              <a:t>4. </a:t>
+            </a:r>
+            <a:r>
+              <a:rPr lang="en-US" dirty="0" err="1" smtClean="0"/>
+              <a:t>Tidak</a:t>
+            </a:r>
+            <a:r>
+              <a:rPr lang="en-US" dirty="0" smtClean="0"/>
+              <a:t> </a:t>
+            </a:r>
+            <a:r>
+              <a:rPr lang="en-US" dirty="0" err="1" smtClean="0"/>
+              <a:t>mendistribusikan</a:t>
+            </a:r>
+            <a:r>
+              <a:rPr lang="en-US" dirty="0" smtClean="0"/>
+              <a:t> &amp; </a:t>
+            </a:r>
+            <a:r>
+              <a:rPr lang="en-US" dirty="0" err="1" smtClean="0"/>
+              <a:t>mengumpulkan</a:t>
+            </a:r>
+            <a:r>
+              <a:rPr lang="en-US" dirty="0" smtClean="0"/>
+              <a:t> software </a:t>
+            </a:r>
+            <a:r>
+              <a:rPr lang="en-US" dirty="0" err="1" smtClean="0"/>
+              <a:t>bajakan</a:t>
+            </a:r>
+            <a:r>
+              <a:rPr lang="en-US" dirty="0" smtClean="0"/>
+              <a:t>.</a:t>
+            </a:r>
+          </a:p>
+          <a:p>
+            <a:r>
+              <a:rPr lang="en-US" dirty="0" smtClean="0"/>
+              <a:t>5. </a:t>
+            </a:r>
+            <a:r>
+              <a:rPr lang="en-US" dirty="0" err="1" smtClean="0"/>
+              <a:t>Tidak</a:t>
+            </a:r>
+            <a:r>
+              <a:rPr lang="en-US" dirty="0" smtClean="0"/>
+              <a:t> </a:t>
+            </a:r>
+            <a:r>
+              <a:rPr lang="en-US" dirty="0" err="1" smtClean="0"/>
+              <a:t>pernah</a:t>
+            </a:r>
+            <a:r>
+              <a:rPr lang="en-US" dirty="0" smtClean="0"/>
+              <a:t> </a:t>
+            </a:r>
+            <a:r>
+              <a:rPr lang="en-US" dirty="0" err="1" smtClean="0"/>
+              <a:t>mengambil</a:t>
+            </a:r>
+            <a:r>
+              <a:rPr lang="en-US" dirty="0" smtClean="0"/>
+              <a:t> </a:t>
+            </a:r>
+            <a:r>
+              <a:rPr lang="en-US" dirty="0" err="1" smtClean="0"/>
+              <a:t>risiko</a:t>
+            </a:r>
+            <a:r>
+              <a:rPr lang="en-US" dirty="0" smtClean="0"/>
+              <a:t> yang </a:t>
+            </a:r>
+            <a:r>
+              <a:rPr lang="en-US" dirty="0" err="1" smtClean="0"/>
+              <a:t>bodoh</a:t>
+            </a:r>
+            <a:r>
+              <a:rPr lang="en-US" smtClean="0"/>
+              <a:t>.</a:t>
+            </a:r>
             <a:endParaRPr lang="en-US" dirty="0"/>
           </a:p>
         </p:txBody>
@@ -22484,7 +22760,7 @@
     </p:spTree>
     <p:extLst>
       <p:ext uri="{BB962C8B-B14F-4D97-AF65-F5344CB8AC3E}">
-        <p14:creationId xmlns:p14="http://schemas.microsoft.com/office/powerpoint/2010/main" xmlns="" val="1715396240"/>
+        <p14:creationId xmlns="" xmlns:p14="http://schemas.microsoft.com/office/powerpoint/2010/main" val="1715396240"/>
       </p:ext>
     </p:extLst>
   </p:cSld>
@@ -22894,7 +23170,7 @@
           <a:blip r:embed="rId2">
             <a:extLst>
               <a:ext uri="{28A0092B-C50C-407E-A947-70E740481C1C}">
-                <a14:useLocalDpi xmlns:a14="http://schemas.microsoft.com/office/drawing/2010/main" xmlns="" val="0"/>
+                <a14:useLocalDpi xmlns="" xmlns:a14="http://schemas.microsoft.com/office/drawing/2010/main" val="0"/>
               </a:ext>
             </a:extLst>
           </a:blip>
@@ -22915,7 +23191,7 @@
     </p:spTree>
     <p:extLst>
       <p:ext uri="{BB962C8B-B14F-4D97-AF65-F5344CB8AC3E}">
-        <p14:creationId xmlns:p14="http://schemas.microsoft.com/office/powerpoint/2010/main" xmlns="" val="3349968423"/>
+        <p14:creationId xmlns="" xmlns:p14="http://schemas.microsoft.com/office/powerpoint/2010/main" val="3349968423"/>
       </p:ext>
     </p:extLst>
   </p:cSld>
@@ -25381,7 +25657,7 @@
     </p:spTree>
     <p:extLst>
       <p:ext uri="{BB962C8B-B14F-4D97-AF65-F5344CB8AC3E}">
-        <p14:creationId xmlns:p14="http://schemas.microsoft.com/office/powerpoint/2010/main" xmlns="" val="4077646618"/>
+        <p14:creationId xmlns="" xmlns:p14="http://schemas.microsoft.com/office/powerpoint/2010/main" val="4077646618"/>
       </p:ext>
     </p:extLst>
   </p:cSld>
@@ -26424,7 +26700,7 @@
           <a:blip r:embed="rId2">
             <a:extLst>
               <a:ext uri="{28A0092B-C50C-407E-A947-70E740481C1C}">
-                <a14:useLocalDpi xmlns:a14="http://schemas.microsoft.com/office/drawing/2010/main" xmlns="" val="0"/>
+                <a14:useLocalDpi xmlns="" xmlns:a14="http://schemas.microsoft.com/office/drawing/2010/main" val="0"/>
               </a:ext>
             </a:extLst>
           </a:blip>
@@ -26445,7 +26721,7 @@
     </p:spTree>
     <p:extLst>
       <p:ext uri="{BB962C8B-B14F-4D97-AF65-F5344CB8AC3E}">
-        <p14:creationId xmlns:p14="http://schemas.microsoft.com/office/powerpoint/2010/main" xmlns="" val="2772349537"/>
+        <p14:creationId xmlns="" xmlns:p14="http://schemas.microsoft.com/office/powerpoint/2010/main" val="2772349537"/>
       </p:ext>
     </p:extLst>
   </p:cSld>
@@ -27394,7 +27670,7 @@
     </p:spTree>
     <p:extLst>
       <p:ext uri="{BB962C8B-B14F-4D97-AF65-F5344CB8AC3E}">
-        <p14:creationId xmlns:p14="http://schemas.microsoft.com/office/powerpoint/2010/main" xmlns="" val="2922175094"/>
+        <p14:creationId xmlns="" xmlns:p14="http://schemas.microsoft.com/office/powerpoint/2010/main" val="2922175094"/>
       </p:ext>
     </p:extLst>
   </p:cSld>
@@ -28219,7 +28495,7 @@
     </p:spTree>
     <p:extLst>
       <p:ext uri="{BB962C8B-B14F-4D97-AF65-F5344CB8AC3E}">
-        <p14:creationId xmlns:p14="http://schemas.microsoft.com/office/powerpoint/2010/main" xmlns="" val="3355884736"/>
+        <p14:creationId xmlns="" xmlns:p14="http://schemas.microsoft.com/office/powerpoint/2010/main" val="3355884736"/>
       </p:ext>
     </p:extLst>
   </p:cSld>
@@ -28944,7 +29220,7 @@
     </p:spTree>
     <p:extLst>
       <p:ext uri="{BB962C8B-B14F-4D97-AF65-F5344CB8AC3E}">
-        <p14:creationId xmlns:p14="http://schemas.microsoft.com/office/powerpoint/2010/main" xmlns="" val="2676742917"/>
+        <p14:creationId xmlns="" xmlns:p14="http://schemas.microsoft.com/office/powerpoint/2010/main" val="2676742917"/>
       </p:ext>
     </p:extLst>
   </p:cSld>
@@ -29307,11 +29583,7 @@
             </a:pPr>
             <a:r>
               <a:rPr lang="en-US" dirty="0" smtClean="0"/>
-              <a:t>2</a:t>
-            </a:r>
-            <a:r>
-              <a:rPr lang="en-US" dirty="0" smtClean="0"/>
-              <a:t>. Hacker </a:t>
+              <a:t>2. Hacker </a:t>
             </a:r>
             <a:r>
               <a:rPr lang="en-US" dirty="0" err="1" smtClean="0"/>
@@ -29788,7 +30060,7 @@
   <a:extraClrSchemeLst/>
   <a:extLst>
     <a:ext uri="{05A4C25C-085E-4340-85A3-A5531E510DB2}">
-      <thm15:themeFamily xmlns:thm15="http://schemas.microsoft.com/office/thememl/2012/main" xmlns="" name="Integral" id="{3577F8C9-A904-41D8-97D2-FD898F53F20E}" vid="{682D6EBE-8D36-4FF2-9DB3-F3D8D7B6715D}"/>
+      <thm15:themeFamily xmlns="" xmlns:thm15="http://schemas.microsoft.com/office/thememl/2012/main" name="Integral" id="{3577F8C9-A904-41D8-97D2-FD898F53F20E}" vid="{682D6EBE-8D36-4FF2-9DB3-F3D8D7B6715D}"/>
     </a:ext>
   </a:extLst>
 </a:theme>
